--- a/src/PatternsOfEnterpriseApplicationArchitecture/PEAA.pptx
+++ b/src/PatternsOfEnterpriseApplicationArchitecture/PEAA.pptx
@@ -6,6 +6,7 @@
   </p:sldMasterIdLst>
   <p:sldIdLst>
     <p:sldId id="256" r:id="rId2"/>
+    <p:sldId id="257" r:id="rId3"/>
   </p:sldIdLst>
   <p:sldSz cx="12192000" cy="6858000"/>
   <p:notesSz cx="6858000" cy="9144000"/>
@@ -106,7 +107,7 @@
   </p:defaultTextStyle>
   <p:extLst>
     <p:ext uri="{EFAFB233-063F-42B5-8137-9DF3F51BA10A}">
-      <p15:sldGuideLst xmlns:p15="http://schemas.microsoft.com/office/powerpoint/2012/main" xmlns=""/>
+      <p15:sldGuideLst xmlns="" xmlns:p15="http://schemas.microsoft.com/office/powerpoint/2012/main"/>
     </p:ext>
   </p:extLst>
 </p:presentation>
@@ -3385,6 +3386,1570 @@
   <dgm:styleLbl name="trBgShp">
     <dgm:fillClrLst meth="repeat">
       <a:schemeClr val="accent3">
+        <a:tint val="50000"/>
+        <a:alpha val="40000"/>
+      </a:schemeClr>
+    </dgm:fillClrLst>
+    <dgm:linClrLst meth="repeat">
+      <a:schemeClr val="accent3"/>
+    </dgm:linClrLst>
+    <dgm:effectClrLst/>
+    <dgm:txLinClrLst/>
+    <dgm:txFillClrLst meth="repeat">
+      <a:schemeClr val="lt1"/>
+    </dgm:txFillClrLst>
+    <dgm:txEffectClrLst/>
+  </dgm:styleLbl>
+  <dgm:styleLbl name="fgShp">
+    <dgm:fillClrLst meth="repeat">
+      <a:schemeClr val="accent3">
+        <a:tint val="40000"/>
+      </a:schemeClr>
+    </dgm:fillClrLst>
+    <dgm:linClrLst meth="repeat">
+      <a:schemeClr val="lt1"/>
+    </dgm:linClrLst>
+    <dgm:effectClrLst/>
+    <dgm:txLinClrLst/>
+    <dgm:txFillClrLst meth="repeat">
+      <a:schemeClr val="dk1"/>
+    </dgm:txFillClrLst>
+    <dgm:txEffectClrLst/>
+  </dgm:styleLbl>
+  <dgm:styleLbl name="revTx">
+    <dgm:fillClrLst meth="repeat">
+      <a:schemeClr val="lt1">
+        <a:alpha val="0"/>
+      </a:schemeClr>
+    </dgm:fillClrLst>
+    <dgm:linClrLst meth="repeat">
+      <a:schemeClr val="dk1">
+        <a:alpha val="0"/>
+      </a:schemeClr>
+    </dgm:linClrLst>
+    <dgm:effectClrLst/>
+    <dgm:txLinClrLst/>
+    <dgm:txFillClrLst meth="repeat">
+      <a:schemeClr val="tx1"/>
+    </dgm:txFillClrLst>
+    <dgm:txEffectClrLst/>
+  </dgm:styleLbl>
+</dgm:colorsDef>
+</file>
+
+<file path=ppt/diagrams/colors5.xml><?xml version="1.0" encoding="utf-8"?>
+<dgm:colorsDef xmlns:dgm="http://schemas.openxmlformats.org/drawingml/2006/diagram" xmlns:a="http://schemas.openxmlformats.org/drawingml/2006/main" uniqueId="urn:microsoft.com/office/officeart/2005/8/colors/colorful3">
+  <dgm:title val=""/>
+  <dgm:desc val=""/>
+  <dgm:catLst>
+    <dgm:cat type="colorful" pri="10300"/>
+  </dgm:catLst>
+  <dgm:styleLbl name="node0">
+    <dgm:fillClrLst meth="repeat">
+      <a:schemeClr val="accent2"/>
+    </dgm:fillClrLst>
+    <dgm:linClrLst meth="repeat">
+      <a:schemeClr val="lt1"/>
+    </dgm:linClrLst>
+    <dgm:effectClrLst/>
+    <dgm:txLinClrLst/>
+    <dgm:txFillClrLst/>
+    <dgm:txEffectClrLst/>
+  </dgm:styleLbl>
+  <dgm:styleLbl name="node1">
+    <dgm:fillClrLst>
+      <a:schemeClr val="accent3"/>
+      <a:schemeClr val="accent4"/>
+    </dgm:fillClrLst>
+    <dgm:linClrLst meth="repeat">
+      <a:schemeClr val="lt1"/>
+    </dgm:linClrLst>
+    <dgm:effectClrLst/>
+    <dgm:txLinClrLst/>
+    <dgm:txFillClrLst/>
+    <dgm:txEffectClrLst/>
+  </dgm:styleLbl>
+  <dgm:styleLbl name="alignNode1">
+    <dgm:fillClrLst>
+      <a:schemeClr val="accent3"/>
+      <a:schemeClr val="accent4"/>
+    </dgm:fillClrLst>
+    <dgm:linClrLst>
+      <a:schemeClr val="accent3"/>
+      <a:schemeClr val="accent4"/>
+    </dgm:linClrLst>
+    <dgm:effectClrLst/>
+    <dgm:txLinClrLst/>
+    <dgm:txFillClrLst/>
+    <dgm:txEffectClrLst/>
+  </dgm:styleLbl>
+  <dgm:styleLbl name="lnNode1">
+    <dgm:fillClrLst>
+      <a:schemeClr val="accent3"/>
+      <a:schemeClr val="accent4"/>
+    </dgm:fillClrLst>
+    <dgm:linClrLst meth="repeat">
+      <a:schemeClr val="lt1"/>
+    </dgm:linClrLst>
+    <dgm:effectClrLst/>
+    <dgm:txLinClrLst/>
+    <dgm:txFillClrLst/>
+    <dgm:txEffectClrLst/>
+  </dgm:styleLbl>
+  <dgm:styleLbl name="vennNode1">
+    <dgm:fillClrLst>
+      <a:schemeClr val="accent3">
+        <a:alpha val="50000"/>
+      </a:schemeClr>
+      <a:schemeClr val="accent4">
+        <a:alpha val="50000"/>
+      </a:schemeClr>
+    </dgm:fillClrLst>
+    <dgm:linClrLst meth="repeat">
+      <a:schemeClr val="lt1"/>
+    </dgm:linClrLst>
+    <dgm:effectClrLst/>
+    <dgm:txLinClrLst/>
+    <dgm:txFillClrLst/>
+    <dgm:txEffectClrLst/>
+  </dgm:styleLbl>
+  <dgm:styleLbl name="node2">
+    <dgm:fillClrLst>
+      <a:schemeClr val="accent4"/>
+    </dgm:fillClrLst>
+    <dgm:linClrLst meth="repeat">
+      <a:schemeClr val="lt1"/>
+    </dgm:linClrLst>
+    <dgm:effectClrLst/>
+    <dgm:txLinClrLst/>
+    <dgm:txFillClrLst/>
+    <dgm:txEffectClrLst/>
+  </dgm:styleLbl>
+  <dgm:styleLbl name="node3">
+    <dgm:fillClrLst>
+      <a:schemeClr val="accent5"/>
+    </dgm:fillClrLst>
+    <dgm:linClrLst meth="repeat">
+      <a:schemeClr val="lt1"/>
+    </dgm:linClrLst>
+    <dgm:effectClrLst/>
+    <dgm:txLinClrLst/>
+    <dgm:txFillClrLst/>
+    <dgm:txEffectClrLst/>
+  </dgm:styleLbl>
+  <dgm:styleLbl name="node4">
+    <dgm:fillClrLst>
+      <a:schemeClr val="accent6"/>
+    </dgm:fillClrLst>
+    <dgm:linClrLst meth="repeat">
+      <a:schemeClr val="lt1"/>
+    </dgm:linClrLst>
+    <dgm:effectClrLst/>
+    <dgm:txLinClrLst/>
+    <dgm:txFillClrLst/>
+    <dgm:txEffectClrLst/>
+  </dgm:styleLbl>
+  <dgm:styleLbl name="fgImgPlace1">
+    <dgm:fillClrLst>
+      <a:schemeClr val="accent3">
+        <a:tint val="50000"/>
+      </a:schemeClr>
+      <a:schemeClr val="accent4">
+        <a:tint val="50000"/>
+      </a:schemeClr>
+    </dgm:fillClrLst>
+    <dgm:linClrLst meth="repeat">
+      <a:schemeClr val="lt1"/>
+    </dgm:linClrLst>
+    <dgm:effectClrLst/>
+    <dgm:txLinClrLst/>
+    <dgm:txFillClrLst meth="repeat">
+      <a:schemeClr val="lt1"/>
+    </dgm:txFillClrLst>
+    <dgm:txEffectClrLst/>
+  </dgm:styleLbl>
+  <dgm:styleLbl name="alignImgPlace1">
+    <dgm:fillClrLst>
+      <a:schemeClr val="accent3">
+        <a:tint val="50000"/>
+      </a:schemeClr>
+      <a:schemeClr val="accent4">
+        <a:tint val="20000"/>
+      </a:schemeClr>
+    </dgm:fillClrLst>
+    <dgm:linClrLst meth="repeat">
+      <a:schemeClr val="lt1"/>
+    </dgm:linClrLst>
+    <dgm:effectClrLst/>
+    <dgm:txLinClrLst/>
+    <dgm:txFillClrLst meth="repeat">
+      <a:schemeClr val="lt1"/>
+    </dgm:txFillClrLst>
+    <dgm:txEffectClrLst/>
+  </dgm:styleLbl>
+  <dgm:styleLbl name="bgImgPlace1">
+    <dgm:fillClrLst>
+      <a:schemeClr val="accent3">
+        <a:tint val="50000"/>
+      </a:schemeClr>
+      <a:schemeClr val="accent4">
+        <a:tint val="20000"/>
+      </a:schemeClr>
+    </dgm:fillClrLst>
+    <dgm:linClrLst meth="repeat">
+      <a:schemeClr val="lt1"/>
+    </dgm:linClrLst>
+    <dgm:effectClrLst/>
+    <dgm:txLinClrLst/>
+    <dgm:txFillClrLst meth="repeat">
+      <a:schemeClr val="lt1"/>
+    </dgm:txFillClrLst>
+    <dgm:txEffectClrLst/>
+  </dgm:styleLbl>
+  <dgm:styleLbl name="sibTrans2D1">
+    <dgm:fillClrLst>
+      <a:schemeClr val="accent3"/>
+      <a:schemeClr val="accent4"/>
+    </dgm:fillClrLst>
+    <dgm:linClrLst meth="repeat">
+      <a:schemeClr val="lt1"/>
+    </dgm:linClrLst>
+    <dgm:effectClrLst/>
+    <dgm:txLinClrLst/>
+    <dgm:txFillClrLst/>
+    <dgm:txEffectClrLst/>
+  </dgm:styleLbl>
+  <dgm:styleLbl name="fgSibTrans2D1">
+    <dgm:fillClrLst>
+      <a:schemeClr val="accent3"/>
+      <a:schemeClr val="accent4"/>
+    </dgm:fillClrLst>
+    <dgm:linClrLst meth="repeat">
+      <a:schemeClr val="lt1"/>
+    </dgm:linClrLst>
+    <dgm:effectClrLst/>
+    <dgm:txLinClrLst/>
+    <dgm:txFillClrLst meth="repeat">
+      <a:schemeClr val="lt1"/>
+    </dgm:txFillClrLst>
+    <dgm:txEffectClrLst/>
+  </dgm:styleLbl>
+  <dgm:styleLbl name="bgSibTrans2D1">
+    <dgm:fillClrLst>
+      <a:schemeClr val="accent3"/>
+      <a:schemeClr val="accent4"/>
+    </dgm:fillClrLst>
+    <dgm:linClrLst meth="repeat">
+      <a:schemeClr val="lt1"/>
+    </dgm:linClrLst>
+    <dgm:effectClrLst/>
+    <dgm:txLinClrLst/>
+    <dgm:txFillClrLst meth="repeat">
+      <a:schemeClr val="lt1"/>
+    </dgm:txFillClrLst>
+    <dgm:txEffectClrLst/>
+  </dgm:styleLbl>
+  <dgm:styleLbl name="sibTrans1D1">
+    <dgm:fillClrLst/>
+    <dgm:linClrLst>
+      <a:schemeClr val="accent3"/>
+      <a:schemeClr val="accent4"/>
+    </dgm:linClrLst>
+    <dgm:effectClrLst/>
+    <dgm:txLinClrLst/>
+    <dgm:txFillClrLst meth="repeat">
+      <a:schemeClr val="tx1"/>
+    </dgm:txFillClrLst>
+    <dgm:txEffectClrLst/>
+  </dgm:styleLbl>
+  <dgm:styleLbl name="callout">
+    <dgm:fillClrLst meth="repeat">
+      <a:schemeClr val="accent3"/>
+    </dgm:fillClrLst>
+    <dgm:linClrLst meth="repeat">
+      <a:schemeClr val="accent3">
+        <a:tint val="50000"/>
+      </a:schemeClr>
+    </dgm:linClrLst>
+    <dgm:effectClrLst/>
+    <dgm:txLinClrLst/>
+    <dgm:txFillClrLst meth="repeat">
+      <a:schemeClr val="tx1"/>
+    </dgm:txFillClrLst>
+    <dgm:txEffectClrLst/>
+  </dgm:styleLbl>
+  <dgm:styleLbl name="asst0">
+    <dgm:fillClrLst meth="repeat">
+      <a:schemeClr val="accent3"/>
+    </dgm:fillClrLst>
+    <dgm:linClrLst meth="repeat">
+      <a:schemeClr val="lt1">
+        <a:shade val="80000"/>
+      </a:schemeClr>
+    </dgm:linClrLst>
+    <dgm:effectClrLst/>
+    <dgm:txLinClrLst/>
+    <dgm:txFillClrLst/>
+    <dgm:txEffectClrLst/>
+  </dgm:styleLbl>
+  <dgm:styleLbl name="asst1">
+    <dgm:fillClrLst meth="repeat">
+      <a:schemeClr val="accent4"/>
+    </dgm:fillClrLst>
+    <dgm:linClrLst meth="repeat">
+      <a:schemeClr val="lt1">
+        <a:shade val="80000"/>
+      </a:schemeClr>
+    </dgm:linClrLst>
+    <dgm:effectClrLst/>
+    <dgm:txLinClrLst/>
+    <dgm:txFillClrLst/>
+    <dgm:txEffectClrLst/>
+  </dgm:styleLbl>
+  <dgm:styleLbl name="asst2">
+    <dgm:fillClrLst>
+      <a:schemeClr val="accent5"/>
+    </dgm:fillClrLst>
+    <dgm:linClrLst meth="repeat">
+      <a:schemeClr val="lt1"/>
+    </dgm:linClrLst>
+    <dgm:effectClrLst/>
+    <dgm:txLinClrLst/>
+    <dgm:txFillClrLst/>
+    <dgm:txEffectClrLst/>
+  </dgm:styleLbl>
+  <dgm:styleLbl name="asst3">
+    <dgm:fillClrLst>
+      <a:schemeClr val="accent6"/>
+    </dgm:fillClrLst>
+    <dgm:linClrLst meth="repeat">
+      <a:schemeClr val="lt1"/>
+    </dgm:linClrLst>
+    <dgm:effectClrLst/>
+    <dgm:txLinClrLst/>
+    <dgm:txFillClrLst/>
+    <dgm:txEffectClrLst/>
+  </dgm:styleLbl>
+  <dgm:styleLbl name="asst4">
+    <dgm:fillClrLst>
+      <a:schemeClr val="accent1"/>
+    </dgm:fillClrLst>
+    <dgm:linClrLst meth="repeat">
+      <a:schemeClr val="lt1"/>
+    </dgm:linClrLst>
+    <dgm:effectClrLst/>
+    <dgm:txLinClrLst/>
+    <dgm:txFillClrLst/>
+    <dgm:txEffectClrLst/>
+  </dgm:styleLbl>
+  <dgm:styleLbl name="parChTrans2D1">
+    <dgm:fillClrLst meth="repeat">
+      <a:schemeClr val="accent2"/>
+    </dgm:fillClrLst>
+    <dgm:linClrLst meth="repeat">
+      <a:schemeClr val="lt1"/>
+    </dgm:linClrLst>
+    <dgm:effectClrLst/>
+    <dgm:txLinClrLst/>
+    <dgm:txFillClrLst meth="repeat">
+      <a:schemeClr val="lt1"/>
+    </dgm:txFillClrLst>
+    <dgm:txEffectClrLst/>
+  </dgm:styleLbl>
+  <dgm:styleLbl name="parChTrans2D2">
+    <dgm:fillClrLst meth="repeat">
+      <a:schemeClr val="accent3"/>
+    </dgm:fillClrLst>
+    <dgm:linClrLst meth="repeat">
+      <a:schemeClr val="lt1"/>
+    </dgm:linClrLst>
+    <dgm:effectClrLst/>
+    <dgm:txLinClrLst/>
+    <dgm:txFillClrLst/>
+    <dgm:txEffectClrLst/>
+  </dgm:styleLbl>
+  <dgm:styleLbl name="parChTrans2D3">
+    <dgm:fillClrLst meth="repeat">
+      <a:schemeClr val="accent4"/>
+    </dgm:fillClrLst>
+    <dgm:linClrLst meth="repeat">
+      <a:schemeClr val="lt1"/>
+    </dgm:linClrLst>
+    <dgm:effectClrLst/>
+    <dgm:txLinClrLst/>
+    <dgm:txFillClrLst/>
+    <dgm:txEffectClrLst/>
+  </dgm:styleLbl>
+  <dgm:styleLbl name="parChTrans2D4">
+    <dgm:fillClrLst meth="repeat">
+      <a:schemeClr val="accent5"/>
+    </dgm:fillClrLst>
+    <dgm:linClrLst meth="repeat">
+      <a:schemeClr val="lt1"/>
+    </dgm:linClrLst>
+    <dgm:effectClrLst/>
+    <dgm:txLinClrLst/>
+    <dgm:txFillClrLst meth="repeat">
+      <a:schemeClr val="lt1"/>
+    </dgm:txFillClrLst>
+    <dgm:txEffectClrLst/>
+  </dgm:styleLbl>
+  <dgm:styleLbl name="parChTrans1D1">
+    <dgm:fillClrLst meth="repeat">
+      <a:schemeClr val="accent3"/>
+    </dgm:fillClrLst>
+    <dgm:linClrLst meth="repeat">
+      <a:schemeClr val="accent3"/>
+    </dgm:linClrLst>
+    <dgm:effectClrLst/>
+    <dgm:txLinClrLst/>
+    <dgm:txFillClrLst meth="repeat">
+      <a:schemeClr val="tx1"/>
+    </dgm:txFillClrLst>
+    <dgm:txEffectClrLst/>
+  </dgm:styleLbl>
+  <dgm:styleLbl name="parChTrans1D2">
+    <dgm:fillClrLst meth="repeat">
+      <a:schemeClr val="accent2">
+        <a:tint val="90000"/>
+      </a:schemeClr>
+    </dgm:fillClrLst>
+    <dgm:linClrLst meth="repeat">
+      <a:schemeClr val="accent4"/>
+    </dgm:linClrLst>
+    <dgm:effectClrLst/>
+    <dgm:txLinClrLst/>
+    <dgm:txFillClrLst meth="repeat">
+      <a:schemeClr val="tx1"/>
+    </dgm:txFillClrLst>
+    <dgm:txEffectClrLst/>
+  </dgm:styleLbl>
+  <dgm:styleLbl name="parChTrans1D3">
+    <dgm:fillClrLst meth="repeat">
+      <a:schemeClr val="accent2">
+        <a:tint val="70000"/>
+      </a:schemeClr>
+    </dgm:fillClrLst>
+    <dgm:linClrLst meth="repeat">
+      <a:schemeClr val="accent5"/>
+    </dgm:linClrLst>
+    <dgm:effectClrLst/>
+    <dgm:txLinClrLst/>
+    <dgm:txFillClrLst meth="repeat">
+      <a:schemeClr val="tx1"/>
+    </dgm:txFillClrLst>
+    <dgm:txEffectClrLst/>
+  </dgm:styleLbl>
+  <dgm:styleLbl name="parChTrans1D4">
+    <dgm:fillClrLst meth="repeat">
+      <a:schemeClr val="accent6">
+        <a:tint val="50000"/>
+      </a:schemeClr>
+    </dgm:fillClrLst>
+    <dgm:linClrLst meth="repeat">
+      <a:schemeClr val="accent6"/>
+    </dgm:linClrLst>
+    <dgm:effectClrLst/>
+    <dgm:txLinClrLst/>
+    <dgm:txFillClrLst meth="repeat">
+      <a:schemeClr val="tx1"/>
+    </dgm:txFillClrLst>
+    <dgm:txEffectClrLst/>
+  </dgm:styleLbl>
+  <dgm:styleLbl name="fgAcc1">
+    <dgm:fillClrLst meth="repeat">
+      <a:schemeClr val="lt1">
+        <a:alpha val="90000"/>
+      </a:schemeClr>
+    </dgm:fillClrLst>
+    <dgm:linClrLst>
+      <a:schemeClr val="accent3"/>
+      <a:schemeClr val="accent4"/>
+    </dgm:linClrLst>
+    <dgm:effectClrLst/>
+    <dgm:txLinClrLst/>
+    <dgm:txFillClrLst meth="repeat">
+      <a:schemeClr val="dk1"/>
+    </dgm:txFillClrLst>
+    <dgm:txEffectClrLst/>
+  </dgm:styleLbl>
+  <dgm:styleLbl name="conFgAcc1">
+    <dgm:fillClrLst meth="repeat">
+      <a:schemeClr val="lt1">
+        <a:alpha val="90000"/>
+      </a:schemeClr>
+    </dgm:fillClrLst>
+    <dgm:linClrLst>
+      <a:schemeClr val="accent3"/>
+      <a:schemeClr val="accent4"/>
+    </dgm:linClrLst>
+    <dgm:effectClrLst/>
+    <dgm:txLinClrLst/>
+    <dgm:txFillClrLst meth="repeat">
+      <a:schemeClr val="dk1"/>
+    </dgm:txFillClrLst>
+    <dgm:txEffectClrLst/>
+  </dgm:styleLbl>
+  <dgm:styleLbl name="alignAcc1">
+    <dgm:fillClrLst meth="repeat">
+      <a:schemeClr val="lt1">
+        <a:alpha val="90000"/>
+      </a:schemeClr>
+    </dgm:fillClrLst>
+    <dgm:linClrLst>
+      <a:schemeClr val="accent3"/>
+      <a:schemeClr val="accent4"/>
+    </dgm:linClrLst>
+    <dgm:effectClrLst/>
+    <dgm:txLinClrLst/>
+    <dgm:txFillClrLst meth="repeat">
+      <a:schemeClr val="dk1"/>
+    </dgm:txFillClrLst>
+    <dgm:txEffectClrLst/>
+  </dgm:styleLbl>
+  <dgm:styleLbl name="trAlignAcc1">
+    <dgm:fillClrLst meth="repeat">
+      <a:schemeClr val="lt1">
+        <a:alpha val="40000"/>
+      </a:schemeClr>
+    </dgm:fillClrLst>
+    <dgm:linClrLst meth="repeat">
+      <a:schemeClr val="accent2"/>
+    </dgm:linClrLst>
+    <dgm:effectClrLst/>
+    <dgm:txLinClrLst/>
+    <dgm:txFillClrLst meth="repeat">
+      <a:schemeClr val="dk1"/>
+    </dgm:txFillClrLst>
+    <dgm:txEffectClrLst/>
+  </dgm:styleLbl>
+  <dgm:styleLbl name="bgAcc1">
+    <dgm:fillClrLst meth="repeat">
+      <a:schemeClr val="lt1">
+        <a:alpha val="90000"/>
+      </a:schemeClr>
+    </dgm:fillClrLst>
+    <dgm:linClrLst>
+      <a:schemeClr val="accent3"/>
+      <a:schemeClr val="accent4"/>
+    </dgm:linClrLst>
+    <dgm:effectClrLst/>
+    <dgm:txLinClrLst/>
+    <dgm:txFillClrLst meth="repeat">
+      <a:schemeClr val="dk1"/>
+    </dgm:txFillClrLst>
+    <dgm:txEffectClrLst/>
+  </dgm:styleLbl>
+  <dgm:styleLbl name="solidFgAcc1">
+    <dgm:fillClrLst meth="repeat">
+      <a:schemeClr val="lt1"/>
+    </dgm:fillClrLst>
+    <dgm:linClrLst>
+      <a:schemeClr val="accent3"/>
+      <a:schemeClr val="accent4"/>
+    </dgm:linClrLst>
+    <dgm:effectClrLst/>
+    <dgm:txLinClrLst/>
+    <dgm:txFillClrLst meth="repeat">
+      <a:schemeClr val="dk1"/>
+    </dgm:txFillClrLst>
+    <dgm:txEffectClrLst/>
+  </dgm:styleLbl>
+  <dgm:styleLbl name="solidAlignAcc1">
+    <dgm:fillClrLst meth="repeat">
+      <a:schemeClr val="lt1"/>
+    </dgm:fillClrLst>
+    <dgm:linClrLst>
+      <a:schemeClr val="accent3"/>
+      <a:schemeClr val="accent4"/>
+    </dgm:linClrLst>
+    <dgm:effectClrLst/>
+    <dgm:txLinClrLst/>
+    <dgm:txFillClrLst meth="repeat">
+      <a:schemeClr val="dk1"/>
+    </dgm:txFillClrLst>
+    <dgm:txEffectClrLst/>
+  </dgm:styleLbl>
+  <dgm:styleLbl name="solidBgAcc1">
+    <dgm:fillClrLst meth="repeat">
+      <a:schemeClr val="lt1"/>
+    </dgm:fillClrLst>
+    <dgm:linClrLst>
+      <a:schemeClr val="accent3"/>
+      <a:schemeClr val="accent4"/>
+    </dgm:linClrLst>
+    <dgm:effectClrLst/>
+    <dgm:txLinClrLst/>
+    <dgm:txFillClrLst meth="repeat">
+      <a:schemeClr val="dk1"/>
+    </dgm:txFillClrLst>
+    <dgm:txEffectClrLst/>
+  </dgm:styleLbl>
+  <dgm:styleLbl name="fgAccFollowNode1">
+    <dgm:fillClrLst>
+      <a:schemeClr val="accent3">
+        <a:tint val="40000"/>
+        <a:alpha val="90000"/>
+      </a:schemeClr>
+      <a:schemeClr val="accent4">
+        <a:tint val="40000"/>
+        <a:alpha val="90000"/>
+      </a:schemeClr>
+    </dgm:fillClrLst>
+    <dgm:linClrLst>
+      <a:schemeClr val="accent3">
+        <a:tint val="40000"/>
+        <a:alpha val="90000"/>
+      </a:schemeClr>
+      <a:schemeClr val="accent4">
+        <a:tint val="40000"/>
+        <a:alpha val="90000"/>
+      </a:schemeClr>
+    </dgm:linClrLst>
+    <dgm:effectClrLst/>
+    <dgm:txLinClrLst/>
+    <dgm:txFillClrLst meth="repeat">
+      <a:schemeClr val="dk1"/>
+    </dgm:txFillClrLst>
+    <dgm:txEffectClrLst/>
+  </dgm:styleLbl>
+  <dgm:styleLbl name="alignAccFollowNode1">
+    <dgm:fillClrLst>
+      <a:schemeClr val="accent3">
+        <a:tint val="40000"/>
+        <a:alpha val="90000"/>
+      </a:schemeClr>
+      <a:schemeClr val="accent4">
+        <a:tint val="40000"/>
+        <a:alpha val="90000"/>
+      </a:schemeClr>
+    </dgm:fillClrLst>
+    <dgm:linClrLst>
+      <a:schemeClr val="accent3">
+        <a:tint val="40000"/>
+        <a:alpha val="90000"/>
+      </a:schemeClr>
+      <a:schemeClr val="accent4">
+        <a:tint val="40000"/>
+        <a:alpha val="90000"/>
+      </a:schemeClr>
+    </dgm:linClrLst>
+    <dgm:effectClrLst/>
+    <dgm:txLinClrLst/>
+    <dgm:txFillClrLst meth="repeat">
+      <a:schemeClr val="dk1"/>
+    </dgm:txFillClrLst>
+    <dgm:txEffectClrLst/>
+  </dgm:styleLbl>
+  <dgm:styleLbl name="bgAccFollowNode1">
+    <dgm:fillClrLst>
+      <a:schemeClr val="accent3">
+        <a:tint val="40000"/>
+        <a:alpha val="90000"/>
+      </a:schemeClr>
+      <a:schemeClr val="accent4">
+        <a:tint val="40000"/>
+        <a:alpha val="90000"/>
+      </a:schemeClr>
+    </dgm:fillClrLst>
+    <dgm:linClrLst>
+      <a:schemeClr val="accent3">
+        <a:tint val="40000"/>
+        <a:alpha val="90000"/>
+      </a:schemeClr>
+      <a:schemeClr val="accent4">
+        <a:tint val="40000"/>
+        <a:alpha val="90000"/>
+      </a:schemeClr>
+    </dgm:linClrLst>
+    <dgm:effectClrLst/>
+    <dgm:txLinClrLst/>
+    <dgm:txFillClrLst meth="repeat">
+      <a:schemeClr val="dk1"/>
+    </dgm:txFillClrLst>
+    <dgm:txEffectClrLst/>
+  </dgm:styleLbl>
+  <dgm:styleLbl name="fgAcc0">
+    <dgm:fillClrLst meth="repeat">
+      <a:schemeClr val="lt1">
+        <a:alpha val="90000"/>
+      </a:schemeClr>
+    </dgm:fillClrLst>
+    <dgm:linClrLst>
+      <a:schemeClr val="accent2"/>
+    </dgm:linClrLst>
+    <dgm:effectClrLst/>
+    <dgm:txLinClrLst/>
+    <dgm:txFillClrLst meth="repeat">
+      <a:schemeClr val="dk1"/>
+    </dgm:txFillClrLst>
+    <dgm:txEffectClrLst/>
+  </dgm:styleLbl>
+  <dgm:styleLbl name="fgAcc2">
+    <dgm:fillClrLst meth="repeat">
+      <a:schemeClr val="lt1">
+        <a:alpha val="90000"/>
+      </a:schemeClr>
+    </dgm:fillClrLst>
+    <dgm:linClrLst>
+      <a:schemeClr val="accent4"/>
+    </dgm:linClrLst>
+    <dgm:effectClrLst/>
+    <dgm:txLinClrLst/>
+    <dgm:txFillClrLst meth="repeat">
+      <a:schemeClr val="dk1"/>
+    </dgm:txFillClrLst>
+    <dgm:txEffectClrLst/>
+  </dgm:styleLbl>
+  <dgm:styleLbl name="fgAcc3">
+    <dgm:fillClrLst meth="repeat">
+      <a:schemeClr val="lt1">
+        <a:alpha val="90000"/>
+      </a:schemeClr>
+    </dgm:fillClrLst>
+    <dgm:linClrLst>
+      <a:schemeClr val="accent5"/>
+    </dgm:linClrLst>
+    <dgm:effectClrLst/>
+    <dgm:txLinClrLst/>
+    <dgm:txFillClrLst meth="repeat">
+      <a:schemeClr val="dk1"/>
+    </dgm:txFillClrLst>
+    <dgm:txEffectClrLst/>
+  </dgm:styleLbl>
+  <dgm:styleLbl name="fgAcc4">
+    <dgm:fillClrLst meth="repeat">
+      <a:schemeClr val="lt1">
+        <a:alpha val="90000"/>
+      </a:schemeClr>
+    </dgm:fillClrLst>
+    <dgm:linClrLst>
+      <a:schemeClr val="accent6"/>
+    </dgm:linClrLst>
+    <dgm:effectClrLst/>
+    <dgm:txLinClrLst/>
+    <dgm:txFillClrLst meth="repeat">
+      <a:schemeClr val="dk1"/>
+    </dgm:txFillClrLst>
+    <dgm:txEffectClrLst/>
+  </dgm:styleLbl>
+  <dgm:styleLbl name="bgShp">
+    <dgm:fillClrLst meth="repeat">
+      <a:schemeClr val="accent3">
+        <a:tint val="40000"/>
+      </a:schemeClr>
+    </dgm:fillClrLst>
+    <dgm:linClrLst meth="repeat">
+      <a:schemeClr val="dk1"/>
+    </dgm:linClrLst>
+    <dgm:effectClrLst/>
+    <dgm:txLinClrLst/>
+    <dgm:txFillClrLst meth="repeat">
+      <a:schemeClr val="dk1"/>
+    </dgm:txFillClrLst>
+    <dgm:txEffectClrLst/>
+  </dgm:styleLbl>
+  <dgm:styleLbl name="dkBgShp">
+    <dgm:fillClrLst meth="repeat">
+      <a:schemeClr val="accent3">
+        <a:shade val="90000"/>
+      </a:schemeClr>
+    </dgm:fillClrLst>
+    <dgm:linClrLst meth="repeat">
+      <a:schemeClr val="dk1"/>
+    </dgm:linClrLst>
+    <dgm:effectClrLst/>
+    <dgm:txLinClrLst/>
+    <dgm:txFillClrLst meth="repeat">
+      <a:schemeClr val="lt1"/>
+    </dgm:txFillClrLst>
+    <dgm:txEffectClrLst/>
+  </dgm:styleLbl>
+  <dgm:styleLbl name="trBgShp">
+    <dgm:fillClrLst meth="repeat">
+      <a:schemeClr val="accent2">
+        <a:tint val="50000"/>
+        <a:alpha val="40000"/>
+      </a:schemeClr>
+    </dgm:fillClrLst>
+    <dgm:linClrLst meth="repeat">
+      <a:schemeClr val="accent3"/>
+    </dgm:linClrLst>
+    <dgm:effectClrLst/>
+    <dgm:txLinClrLst/>
+    <dgm:txFillClrLst meth="repeat">
+      <a:schemeClr val="lt1"/>
+    </dgm:txFillClrLst>
+    <dgm:txEffectClrLst/>
+  </dgm:styleLbl>
+  <dgm:styleLbl name="fgShp">
+    <dgm:fillClrLst meth="repeat">
+      <a:schemeClr val="accent3">
+        <a:tint val="40000"/>
+      </a:schemeClr>
+    </dgm:fillClrLst>
+    <dgm:linClrLst meth="repeat">
+      <a:schemeClr val="lt1"/>
+    </dgm:linClrLst>
+    <dgm:effectClrLst/>
+    <dgm:txLinClrLst/>
+    <dgm:txFillClrLst meth="repeat">
+      <a:schemeClr val="dk1"/>
+    </dgm:txFillClrLst>
+    <dgm:txEffectClrLst/>
+  </dgm:styleLbl>
+  <dgm:styleLbl name="revTx">
+    <dgm:fillClrLst meth="repeat">
+      <a:schemeClr val="lt1">
+        <a:alpha val="0"/>
+      </a:schemeClr>
+    </dgm:fillClrLst>
+    <dgm:linClrLst meth="repeat">
+      <a:schemeClr val="dk1">
+        <a:alpha val="0"/>
+      </a:schemeClr>
+    </dgm:linClrLst>
+    <dgm:effectClrLst/>
+    <dgm:txLinClrLst/>
+    <dgm:txFillClrLst meth="repeat">
+      <a:schemeClr val="tx1"/>
+    </dgm:txFillClrLst>
+    <dgm:txEffectClrLst/>
+  </dgm:styleLbl>
+</dgm:colorsDef>
+</file>
+
+<file path=ppt/diagrams/colors6.xml><?xml version="1.0" encoding="utf-8"?>
+<dgm:colorsDef xmlns:dgm="http://schemas.openxmlformats.org/drawingml/2006/diagram" xmlns:a="http://schemas.openxmlformats.org/drawingml/2006/main" uniqueId="urn:microsoft.com/office/officeart/2005/8/colors/colorful3">
+  <dgm:title val=""/>
+  <dgm:desc val=""/>
+  <dgm:catLst>
+    <dgm:cat type="colorful" pri="10300"/>
+  </dgm:catLst>
+  <dgm:styleLbl name="node0">
+    <dgm:fillClrLst meth="repeat">
+      <a:schemeClr val="accent2"/>
+    </dgm:fillClrLst>
+    <dgm:linClrLst meth="repeat">
+      <a:schemeClr val="lt1"/>
+    </dgm:linClrLst>
+    <dgm:effectClrLst/>
+    <dgm:txLinClrLst/>
+    <dgm:txFillClrLst/>
+    <dgm:txEffectClrLst/>
+  </dgm:styleLbl>
+  <dgm:styleLbl name="node1">
+    <dgm:fillClrLst>
+      <a:schemeClr val="accent3"/>
+      <a:schemeClr val="accent4"/>
+    </dgm:fillClrLst>
+    <dgm:linClrLst meth="repeat">
+      <a:schemeClr val="lt1"/>
+    </dgm:linClrLst>
+    <dgm:effectClrLst/>
+    <dgm:txLinClrLst/>
+    <dgm:txFillClrLst/>
+    <dgm:txEffectClrLst/>
+  </dgm:styleLbl>
+  <dgm:styleLbl name="alignNode1">
+    <dgm:fillClrLst>
+      <a:schemeClr val="accent3"/>
+      <a:schemeClr val="accent4"/>
+    </dgm:fillClrLst>
+    <dgm:linClrLst>
+      <a:schemeClr val="accent3"/>
+      <a:schemeClr val="accent4"/>
+    </dgm:linClrLst>
+    <dgm:effectClrLst/>
+    <dgm:txLinClrLst/>
+    <dgm:txFillClrLst/>
+    <dgm:txEffectClrLst/>
+  </dgm:styleLbl>
+  <dgm:styleLbl name="lnNode1">
+    <dgm:fillClrLst>
+      <a:schemeClr val="accent3"/>
+      <a:schemeClr val="accent4"/>
+    </dgm:fillClrLst>
+    <dgm:linClrLst meth="repeat">
+      <a:schemeClr val="lt1"/>
+    </dgm:linClrLst>
+    <dgm:effectClrLst/>
+    <dgm:txLinClrLst/>
+    <dgm:txFillClrLst/>
+    <dgm:txEffectClrLst/>
+  </dgm:styleLbl>
+  <dgm:styleLbl name="vennNode1">
+    <dgm:fillClrLst>
+      <a:schemeClr val="accent3">
+        <a:alpha val="50000"/>
+      </a:schemeClr>
+      <a:schemeClr val="accent4">
+        <a:alpha val="50000"/>
+      </a:schemeClr>
+    </dgm:fillClrLst>
+    <dgm:linClrLst meth="repeat">
+      <a:schemeClr val="lt1"/>
+    </dgm:linClrLst>
+    <dgm:effectClrLst/>
+    <dgm:txLinClrLst/>
+    <dgm:txFillClrLst/>
+    <dgm:txEffectClrLst/>
+  </dgm:styleLbl>
+  <dgm:styleLbl name="node2">
+    <dgm:fillClrLst>
+      <a:schemeClr val="accent4"/>
+    </dgm:fillClrLst>
+    <dgm:linClrLst meth="repeat">
+      <a:schemeClr val="lt1"/>
+    </dgm:linClrLst>
+    <dgm:effectClrLst/>
+    <dgm:txLinClrLst/>
+    <dgm:txFillClrLst/>
+    <dgm:txEffectClrLst/>
+  </dgm:styleLbl>
+  <dgm:styleLbl name="node3">
+    <dgm:fillClrLst>
+      <a:schemeClr val="accent5"/>
+    </dgm:fillClrLst>
+    <dgm:linClrLst meth="repeat">
+      <a:schemeClr val="lt1"/>
+    </dgm:linClrLst>
+    <dgm:effectClrLst/>
+    <dgm:txLinClrLst/>
+    <dgm:txFillClrLst/>
+    <dgm:txEffectClrLst/>
+  </dgm:styleLbl>
+  <dgm:styleLbl name="node4">
+    <dgm:fillClrLst>
+      <a:schemeClr val="accent6"/>
+    </dgm:fillClrLst>
+    <dgm:linClrLst meth="repeat">
+      <a:schemeClr val="lt1"/>
+    </dgm:linClrLst>
+    <dgm:effectClrLst/>
+    <dgm:txLinClrLst/>
+    <dgm:txFillClrLst/>
+    <dgm:txEffectClrLst/>
+  </dgm:styleLbl>
+  <dgm:styleLbl name="fgImgPlace1">
+    <dgm:fillClrLst>
+      <a:schemeClr val="accent3">
+        <a:tint val="50000"/>
+      </a:schemeClr>
+      <a:schemeClr val="accent4">
+        <a:tint val="50000"/>
+      </a:schemeClr>
+    </dgm:fillClrLst>
+    <dgm:linClrLst meth="repeat">
+      <a:schemeClr val="lt1"/>
+    </dgm:linClrLst>
+    <dgm:effectClrLst/>
+    <dgm:txLinClrLst/>
+    <dgm:txFillClrLst meth="repeat">
+      <a:schemeClr val="lt1"/>
+    </dgm:txFillClrLst>
+    <dgm:txEffectClrLst/>
+  </dgm:styleLbl>
+  <dgm:styleLbl name="alignImgPlace1">
+    <dgm:fillClrLst>
+      <a:schemeClr val="accent3">
+        <a:tint val="50000"/>
+      </a:schemeClr>
+      <a:schemeClr val="accent4">
+        <a:tint val="20000"/>
+      </a:schemeClr>
+    </dgm:fillClrLst>
+    <dgm:linClrLst meth="repeat">
+      <a:schemeClr val="lt1"/>
+    </dgm:linClrLst>
+    <dgm:effectClrLst/>
+    <dgm:txLinClrLst/>
+    <dgm:txFillClrLst meth="repeat">
+      <a:schemeClr val="lt1"/>
+    </dgm:txFillClrLst>
+    <dgm:txEffectClrLst/>
+  </dgm:styleLbl>
+  <dgm:styleLbl name="bgImgPlace1">
+    <dgm:fillClrLst>
+      <a:schemeClr val="accent3">
+        <a:tint val="50000"/>
+      </a:schemeClr>
+      <a:schemeClr val="accent4">
+        <a:tint val="20000"/>
+      </a:schemeClr>
+    </dgm:fillClrLst>
+    <dgm:linClrLst meth="repeat">
+      <a:schemeClr val="lt1"/>
+    </dgm:linClrLst>
+    <dgm:effectClrLst/>
+    <dgm:txLinClrLst/>
+    <dgm:txFillClrLst meth="repeat">
+      <a:schemeClr val="lt1"/>
+    </dgm:txFillClrLst>
+    <dgm:txEffectClrLst/>
+  </dgm:styleLbl>
+  <dgm:styleLbl name="sibTrans2D1">
+    <dgm:fillClrLst>
+      <a:schemeClr val="accent3"/>
+      <a:schemeClr val="accent4"/>
+    </dgm:fillClrLst>
+    <dgm:linClrLst meth="repeat">
+      <a:schemeClr val="lt1"/>
+    </dgm:linClrLst>
+    <dgm:effectClrLst/>
+    <dgm:txLinClrLst/>
+    <dgm:txFillClrLst/>
+    <dgm:txEffectClrLst/>
+  </dgm:styleLbl>
+  <dgm:styleLbl name="fgSibTrans2D1">
+    <dgm:fillClrLst>
+      <a:schemeClr val="accent3"/>
+      <a:schemeClr val="accent4"/>
+    </dgm:fillClrLst>
+    <dgm:linClrLst meth="repeat">
+      <a:schemeClr val="lt1"/>
+    </dgm:linClrLst>
+    <dgm:effectClrLst/>
+    <dgm:txLinClrLst/>
+    <dgm:txFillClrLst meth="repeat">
+      <a:schemeClr val="lt1"/>
+    </dgm:txFillClrLst>
+    <dgm:txEffectClrLst/>
+  </dgm:styleLbl>
+  <dgm:styleLbl name="bgSibTrans2D1">
+    <dgm:fillClrLst>
+      <a:schemeClr val="accent3"/>
+      <a:schemeClr val="accent4"/>
+    </dgm:fillClrLst>
+    <dgm:linClrLst meth="repeat">
+      <a:schemeClr val="lt1"/>
+    </dgm:linClrLst>
+    <dgm:effectClrLst/>
+    <dgm:txLinClrLst/>
+    <dgm:txFillClrLst meth="repeat">
+      <a:schemeClr val="lt1"/>
+    </dgm:txFillClrLst>
+    <dgm:txEffectClrLst/>
+  </dgm:styleLbl>
+  <dgm:styleLbl name="sibTrans1D1">
+    <dgm:fillClrLst/>
+    <dgm:linClrLst>
+      <a:schemeClr val="accent3"/>
+      <a:schemeClr val="accent4"/>
+    </dgm:linClrLst>
+    <dgm:effectClrLst/>
+    <dgm:txLinClrLst/>
+    <dgm:txFillClrLst meth="repeat">
+      <a:schemeClr val="tx1"/>
+    </dgm:txFillClrLst>
+    <dgm:txEffectClrLst/>
+  </dgm:styleLbl>
+  <dgm:styleLbl name="callout">
+    <dgm:fillClrLst meth="repeat">
+      <a:schemeClr val="accent3"/>
+    </dgm:fillClrLst>
+    <dgm:linClrLst meth="repeat">
+      <a:schemeClr val="accent3">
+        <a:tint val="50000"/>
+      </a:schemeClr>
+    </dgm:linClrLst>
+    <dgm:effectClrLst/>
+    <dgm:txLinClrLst/>
+    <dgm:txFillClrLst meth="repeat">
+      <a:schemeClr val="tx1"/>
+    </dgm:txFillClrLst>
+    <dgm:txEffectClrLst/>
+  </dgm:styleLbl>
+  <dgm:styleLbl name="asst0">
+    <dgm:fillClrLst meth="repeat">
+      <a:schemeClr val="accent3"/>
+    </dgm:fillClrLst>
+    <dgm:linClrLst meth="repeat">
+      <a:schemeClr val="lt1">
+        <a:shade val="80000"/>
+      </a:schemeClr>
+    </dgm:linClrLst>
+    <dgm:effectClrLst/>
+    <dgm:txLinClrLst/>
+    <dgm:txFillClrLst/>
+    <dgm:txEffectClrLst/>
+  </dgm:styleLbl>
+  <dgm:styleLbl name="asst1">
+    <dgm:fillClrLst meth="repeat">
+      <a:schemeClr val="accent4"/>
+    </dgm:fillClrLst>
+    <dgm:linClrLst meth="repeat">
+      <a:schemeClr val="lt1">
+        <a:shade val="80000"/>
+      </a:schemeClr>
+    </dgm:linClrLst>
+    <dgm:effectClrLst/>
+    <dgm:txLinClrLst/>
+    <dgm:txFillClrLst/>
+    <dgm:txEffectClrLst/>
+  </dgm:styleLbl>
+  <dgm:styleLbl name="asst2">
+    <dgm:fillClrLst>
+      <a:schemeClr val="accent5"/>
+    </dgm:fillClrLst>
+    <dgm:linClrLst meth="repeat">
+      <a:schemeClr val="lt1"/>
+    </dgm:linClrLst>
+    <dgm:effectClrLst/>
+    <dgm:txLinClrLst/>
+    <dgm:txFillClrLst/>
+    <dgm:txEffectClrLst/>
+  </dgm:styleLbl>
+  <dgm:styleLbl name="asst3">
+    <dgm:fillClrLst>
+      <a:schemeClr val="accent6"/>
+    </dgm:fillClrLst>
+    <dgm:linClrLst meth="repeat">
+      <a:schemeClr val="lt1"/>
+    </dgm:linClrLst>
+    <dgm:effectClrLst/>
+    <dgm:txLinClrLst/>
+    <dgm:txFillClrLst/>
+    <dgm:txEffectClrLst/>
+  </dgm:styleLbl>
+  <dgm:styleLbl name="asst4">
+    <dgm:fillClrLst>
+      <a:schemeClr val="accent1"/>
+    </dgm:fillClrLst>
+    <dgm:linClrLst meth="repeat">
+      <a:schemeClr val="lt1"/>
+    </dgm:linClrLst>
+    <dgm:effectClrLst/>
+    <dgm:txLinClrLst/>
+    <dgm:txFillClrLst/>
+    <dgm:txEffectClrLst/>
+  </dgm:styleLbl>
+  <dgm:styleLbl name="parChTrans2D1">
+    <dgm:fillClrLst meth="repeat">
+      <a:schemeClr val="accent2"/>
+    </dgm:fillClrLst>
+    <dgm:linClrLst meth="repeat">
+      <a:schemeClr val="lt1"/>
+    </dgm:linClrLst>
+    <dgm:effectClrLst/>
+    <dgm:txLinClrLst/>
+    <dgm:txFillClrLst meth="repeat">
+      <a:schemeClr val="lt1"/>
+    </dgm:txFillClrLst>
+    <dgm:txEffectClrLst/>
+  </dgm:styleLbl>
+  <dgm:styleLbl name="parChTrans2D2">
+    <dgm:fillClrLst meth="repeat">
+      <a:schemeClr val="accent3"/>
+    </dgm:fillClrLst>
+    <dgm:linClrLst meth="repeat">
+      <a:schemeClr val="lt1"/>
+    </dgm:linClrLst>
+    <dgm:effectClrLst/>
+    <dgm:txLinClrLst/>
+    <dgm:txFillClrLst/>
+    <dgm:txEffectClrLst/>
+  </dgm:styleLbl>
+  <dgm:styleLbl name="parChTrans2D3">
+    <dgm:fillClrLst meth="repeat">
+      <a:schemeClr val="accent4"/>
+    </dgm:fillClrLst>
+    <dgm:linClrLst meth="repeat">
+      <a:schemeClr val="lt1"/>
+    </dgm:linClrLst>
+    <dgm:effectClrLst/>
+    <dgm:txLinClrLst/>
+    <dgm:txFillClrLst/>
+    <dgm:txEffectClrLst/>
+  </dgm:styleLbl>
+  <dgm:styleLbl name="parChTrans2D4">
+    <dgm:fillClrLst meth="repeat">
+      <a:schemeClr val="accent5"/>
+    </dgm:fillClrLst>
+    <dgm:linClrLst meth="repeat">
+      <a:schemeClr val="lt1"/>
+    </dgm:linClrLst>
+    <dgm:effectClrLst/>
+    <dgm:txLinClrLst/>
+    <dgm:txFillClrLst meth="repeat">
+      <a:schemeClr val="lt1"/>
+    </dgm:txFillClrLst>
+    <dgm:txEffectClrLst/>
+  </dgm:styleLbl>
+  <dgm:styleLbl name="parChTrans1D1">
+    <dgm:fillClrLst meth="repeat">
+      <a:schemeClr val="accent3"/>
+    </dgm:fillClrLst>
+    <dgm:linClrLst meth="repeat">
+      <a:schemeClr val="accent3"/>
+    </dgm:linClrLst>
+    <dgm:effectClrLst/>
+    <dgm:txLinClrLst/>
+    <dgm:txFillClrLst meth="repeat">
+      <a:schemeClr val="tx1"/>
+    </dgm:txFillClrLst>
+    <dgm:txEffectClrLst/>
+  </dgm:styleLbl>
+  <dgm:styleLbl name="parChTrans1D2">
+    <dgm:fillClrLst meth="repeat">
+      <a:schemeClr val="accent2">
+        <a:tint val="90000"/>
+      </a:schemeClr>
+    </dgm:fillClrLst>
+    <dgm:linClrLst meth="repeat">
+      <a:schemeClr val="accent4"/>
+    </dgm:linClrLst>
+    <dgm:effectClrLst/>
+    <dgm:txLinClrLst/>
+    <dgm:txFillClrLst meth="repeat">
+      <a:schemeClr val="tx1"/>
+    </dgm:txFillClrLst>
+    <dgm:txEffectClrLst/>
+  </dgm:styleLbl>
+  <dgm:styleLbl name="parChTrans1D3">
+    <dgm:fillClrLst meth="repeat">
+      <a:schemeClr val="accent2">
+        <a:tint val="70000"/>
+      </a:schemeClr>
+    </dgm:fillClrLst>
+    <dgm:linClrLst meth="repeat">
+      <a:schemeClr val="accent5"/>
+    </dgm:linClrLst>
+    <dgm:effectClrLst/>
+    <dgm:txLinClrLst/>
+    <dgm:txFillClrLst meth="repeat">
+      <a:schemeClr val="tx1"/>
+    </dgm:txFillClrLst>
+    <dgm:txEffectClrLst/>
+  </dgm:styleLbl>
+  <dgm:styleLbl name="parChTrans1D4">
+    <dgm:fillClrLst meth="repeat">
+      <a:schemeClr val="accent6">
+        <a:tint val="50000"/>
+      </a:schemeClr>
+    </dgm:fillClrLst>
+    <dgm:linClrLst meth="repeat">
+      <a:schemeClr val="accent6"/>
+    </dgm:linClrLst>
+    <dgm:effectClrLst/>
+    <dgm:txLinClrLst/>
+    <dgm:txFillClrLst meth="repeat">
+      <a:schemeClr val="tx1"/>
+    </dgm:txFillClrLst>
+    <dgm:txEffectClrLst/>
+  </dgm:styleLbl>
+  <dgm:styleLbl name="fgAcc1">
+    <dgm:fillClrLst meth="repeat">
+      <a:schemeClr val="lt1">
+        <a:alpha val="90000"/>
+      </a:schemeClr>
+    </dgm:fillClrLst>
+    <dgm:linClrLst>
+      <a:schemeClr val="accent3"/>
+      <a:schemeClr val="accent4"/>
+    </dgm:linClrLst>
+    <dgm:effectClrLst/>
+    <dgm:txLinClrLst/>
+    <dgm:txFillClrLst meth="repeat">
+      <a:schemeClr val="dk1"/>
+    </dgm:txFillClrLst>
+    <dgm:txEffectClrLst/>
+  </dgm:styleLbl>
+  <dgm:styleLbl name="conFgAcc1">
+    <dgm:fillClrLst meth="repeat">
+      <a:schemeClr val="lt1">
+        <a:alpha val="90000"/>
+      </a:schemeClr>
+    </dgm:fillClrLst>
+    <dgm:linClrLst>
+      <a:schemeClr val="accent3"/>
+      <a:schemeClr val="accent4"/>
+    </dgm:linClrLst>
+    <dgm:effectClrLst/>
+    <dgm:txLinClrLst/>
+    <dgm:txFillClrLst meth="repeat">
+      <a:schemeClr val="dk1"/>
+    </dgm:txFillClrLst>
+    <dgm:txEffectClrLst/>
+  </dgm:styleLbl>
+  <dgm:styleLbl name="alignAcc1">
+    <dgm:fillClrLst meth="repeat">
+      <a:schemeClr val="lt1">
+        <a:alpha val="90000"/>
+      </a:schemeClr>
+    </dgm:fillClrLst>
+    <dgm:linClrLst>
+      <a:schemeClr val="accent3"/>
+      <a:schemeClr val="accent4"/>
+    </dgm:linClrLst>
+    <dgm:effectClrLst/>
+    <dgm:txLinClrLst/>
+    <dgm:txFillClrLst meth="repeat">
+      <a:schemeClr val="dk1"/>
+    </dgm:txFillClrLst>
+    <dgm:txEffectClrLst/>
+  </dgm:styleLbl>
+  <dgm:styleLbl name="trAlignAcc1">
+    <dgm:fillClrLst meth="repeat">
+      <a:schemeClr val="lt1">
+        <a:alpha val="40000"/>
+      </a:schemeClr>
+    </dgm:fillClrLst>
+    <dgm:linClrLst meth="repeat">
+      <a:schemeClr val="accent2"/>
+    </dgm:linClrLst>
+    <dgm:effectClrLst/>
+    <dgm:txLinClrLst/>
+    <dgm:txFillClrLst meth="repeat">
+      <a:schemeClr val="dk1"/>
+    </dgm:txFillClrLst>
+    <dgm:txEffectClrLst/>
+  </dgm:styleLbl>
+  <dgm:styleLbl name="bgAcc1">
+    <dgm:fillClrLst meth="repeat">
+      <a:schemeClr val="lt1">
+        <a:alpha val="90000"/>
+      </a:schemeClr>
+    </dgm:fillClrLst>
+    <dgm:linClrLst>
+      <a:schemeClr val="accent3"/>
+      <a:schemeClr val="accent4"/>
+    </dgm:linClrLst>
+    <dgm:effectClrLst/>
+    <dgm:txLinClrLst/>
+    <dgm:txFillClrLst meth="repeat">
+      <a:schemeClr val="dk1"/>
+    </dgm:txFillClrLst>
+    <dgm:txEffectClrLst/>
+  </dgm:styleLbl>
+  <dgm:styleLbl name="solidFgAcc1">
+    <dgm:fillClrLst meth="repeat">
+      <a:schemeClr val="lt1"/>
+    </dgm:fillClrLst>
+    <dgm:linClrLst>
+      <a:schemeClr val="accent3"/>
+      <a:schemeClr val="accent4"/>
+    </dgm:linClrLst>
+    <dgm:effectClrLst/>
+    <dgm:txLinClrLst/>
+    <dgm:txFillClrLst meth="repeat">
+      <a:schemeClr val="dk1"/>
+    </dgm:txFillClrLst>
+    <dgm:txEffectClrLst/>
+  </dgm:styleLbl>
+  <dgm:styleLbl name="solidAlignAcc1">
+    <dgm:fillClrLst meth="repeat">
+      <a:schemeClr val="lt1"/>
+    </dgm:fillClrLst>
+    <dgm:linClrLst>
+      <a:schemeClr val="accent3"/>
+      <a:schemeClr val="accent4"/>
+    </dgm:linClrLst>
+    <dgm:effectClrLst/>
+    <dgm:txLinClrLst/>
+    <dgm:txFillClrLst meth="repeat">
+      <a:schemeClr val="dk1"/>
+    </dgm:txFillClrLst>
+    <dgm:txEffectClrLst/>
+  </dgm:styleLbl>
+  <dgm:styleLbl name="solidBgAcc1">
+    <dgm:fillClrLst meth="repeat">
+      <a:schemeClr val="lt1"/>
+    </dgm:fillClrLst>
+    <dgm:linClrLst>
+      <a:schemeClr val="accent3"/>
+      <a:schemeClr val="accent4"/>
+    </dgm:linClrLst>
+    <dgm:effectClrLst/>
+    <dgm:txLinClrLst/>
+    <dgm:txFillClrLst meth="repeat">
+      <a:schemeClr val="dk1"/>
+    </dgm:txFillClrLst>
+    <dgm:txEffectClrLst/>
+  </dgm:styleLbl>
+  <dgm:styleLbl name="fgAccFollowNode1">
+    <dgm:fillClrLst>
+      <a:schemeClr val="accent3">
+        <a:tint val="40000"/>
+        <a:alpha val="90000"/>
+      </a:schemeClr>
+      <a:schemeClr val="accent4">
+        <a:tint val="40000"/>
+        <a:alpha val="90000"/>
+      </a:schemeClr>
+    </dgm:fillClrLst>
+    <dgm:linClrLst>
+      <a:schemeClr val="accent3">
+        <a:tint val="40000"/>
+        <a:alpha val="90000"/>
+      </a:schemeClr>
+      <a:schemeClr val="accent4">
+        <a:tint val="40000"/>
+        <a:alpha val="90000"/>
+      </a:schemeClr>
+    </dgm:linClrLst>
+    <dgm:effectClrLst/>
+    <dgm:txLinClrLst/>
+    <dgm:txFillClrLst meth="repeat">
+      <a:schemeClr val="dk1"/>
+    </dgm:txFillClrLst>
+    <dgm:txEffectClrLst/>
+  </dgm:styleLbl>
+  <dgm:styleLbl name="alignAccFollowNode1">
+    <dgm:fillClrLst>
+      <a:schemeClr val="accent3">
+        <a:tint val="40000"/>
+        <a:alpha val="90000"/>
+      </a:schemeClr>
+      <a:schemeClr val="accent4">
+        <a:tint val="40000"/>
+        <a:alpha val="90000"/>
+      </a:schemeClr>
+    </dgm:fillClrLst>
+    <dgm:linClrLst>
+      <a:schemeClr val="accent3">
+        <a:tint val="40000"/>
+        <a:alpha val="90000"/>
+      </a:schemeClr>
+      <a:schemeClr val="accent4">
+        <a:tint val="40000"/>
+        <a:alpha val="90000"/>
+      </a:schemeClr>
+    </dgm:linClrLst>
+    <dgm:effectClrLst/>
+    <dgm:txLinClrLst/>
+    <dgm:txFillClrLst meth="repeat">
+      <a:schemeClr val="dk1"/>
+    </dgm:txFillClrLst>
+    <dgm:txEffectClrLst/>
+  </dgm:styleLbl>
+  <dgm:styleLbl name="bgAccFollowNode1">
+    <dgm:fillClrLst>
+      <a:schemeClr val="accent3">
+        <a:tint val="40000"/>
+        <a:alpha val="90000"/>
+      </a:schemeClr>
+      <a:schemeClr val="accent4">
+        <a:tint val="40000"/>
+        <a:alpha val="90000"/>
+      </a:schemeClr>
+    </dgm:fillClrLst>
+    <dgm:linClrLst>
+      <a:schemeClr val="accent3">
+        <a:tint val="40000"/>
+        <a:alpha val="90000"/>
+      </a:schemeClr>
+      <a:schemeClr val="accent4">
+        <a:tint val="40000"/>
+        <a:alpha val="90000"/>
+      </a:schemeClr>
+    </dgm:linClrLst>
+    <dgm:effectClrLst/>
+    <dgm:txLinClrLst/>
+    <dgm:txFillClrLst meth="repeat">
+      <a:schemeClr val="dk1"/>
+    </dgm:txFillClrLst>
+    <dgm:txEffectClrLst/>
+  </dgm:styleLbl>
+  <dgm:styleLbl name="fgAcc0">
+    <dgm:fillClrLst meth="repeat">
+      <a:schemeClr val="lt1">
+        <a:alpha val="90000"/>
+      </a:schemeClr>
+    </dgm:fillClrLst>
+    <dgm:linClrLst>
+      <a:schemeClr val="accent2"/>
+    </dgm:linClrLst>
+    <dgm:effectClrLst/>
+    <dgm:txLinClrLst/>
+    <dgm:txFillClrLst meth="repeat">
+      <a:schemeClr val="dk1"/>
+    </dgm:txFillClrLst>
+    <dgm:txEffectClrLst/>
+  </dgm:styleLbl>
+  <dgm:styleLbl name="fgAcc2">
+    <dgm:fillClrLst meth="repeat">
+      <a:schemeClr val="lt1">
+        <a:alpha val="90000"/>
+      </a:schemeClr>
+    </dgm:fillClrLst>
+    <dgm:linClrLst>
+      <a:schemeClr val="accent4"/>
+    </dgm:linClrLst>
+    <dgm:effectClrLst/>
+    <dgm:txLinClrLst/>
+    <dgm:txFillClrLst meth="repeat">
+      <a:schemeClr val="dk1"/>
+    </dgm:txFillClrLst>
+    <dgm:txEffectClrLst/>
+  </dgm:styleLbl>
+  <dgm:styleLbl name="fgAcc3">
+    <dgm:fillClrLst meth="repeat">
+      <a:schemeClr val="lt1">
+        <a:alpha val="90000"/>
+      </a:schemeClr>
+    </dgm:fillClrLst>
+    <dgm:linClrLst>
+      <a:schemeClr val="accent5"/>
+    </dgm:linClrLst>
+    <dgm:effectClrLst/>
+    <dgm:txLinClrLst/>
+    <dgm:txFillClrLst meth="repeat">
+      <a:schemeClr val="dk1"/>
+    </dgm:txFillClrLst>
+    <dgm:txEffectClrLst/>
+  </dgm:styleLbl>
+  <dgm:styleLbl name="fgAcc4">
+    <dgm:fillClrLst meth="repeat">
+      <a:schemeClr val="lt1">
+        <a:alpha val="90000"/>
+      </a:schemeClr>
+    </dgm:fillClrLst>
+    <dgm:linClrLst>
+      <a:schemeClr val="accent6"/>
+    </dgm:linClrLst>
+    <dgm:effectClrLst/>
+    <dgm:txLinClrLst/>
+    <dgm:txFillClrLst meth="repeat">
+      <a:schemeClr val="dk1"/>
+    </dgm:txFillClrLst>
+    <dgm:txEffectClrLst/>
+  </dgm:styleLbl>
+  <dgm:styleLbl name="bgShp">
+    <dgm:fillClrLst meth="repeat">
+      <a:schemeClr val="accent3">
+        <a:tint val="40000"/>
+      </a:schemeClr>
+    </dgm:fillClrLst>
+    <dgm:linClrLst meth="repeat">
+      <a:schemeClr val="dk1"/>
+    </dgm:linClrLst>
+    <dgm:effectClrLst/>
+    <dgm:txLinClrLst/>
+    <dgm:txFillClrLst meth="repeat">
+      <a:schemeClr val="dk1"/>
+    </dgm:txFillClrLst>
+    <dgm:txEffectClrLst/>
+  </dgm:styleLbl>
+  <dgm:styleLbl name="dkBgShp">
+    <dgm:fillClrLst meth="repeat">
+      <a:schemeClr val="accent3">
+        <a:shade val="90000"/>
+      </a:schemeClr>
+    </dgm:fillClrLst>
+    <dgm:linClrLst meth="repeat">
+      <a:schemeClr val="dk1"/>
+    </dgm:linClrLst>
+    <dgm:effectClrLst/>
+    <dgm:txLinClrLst/>
+    <dgm:txFillClrLst meth="repeat">
+      <a:schemeClr val="lt1"/>
+    </dgm:txFillClrLst>
+    <dgm:txEffectClrLst/>
+  </dgm:styleLbl>
+  <dgm:styleLbl name="trBgShp">
+    <dgm:fillClrLst meth="repeat">
+      <a:schemeClr val="accent2">
         <a:tint val="50000"/>
         <a:alpha val="40000"/>
       </a:schemeClr>
@@ -5671,6 +7236,1126 @@
   <dgm:extLst>
     <a:ext uri="http://schemas.microsoft.com/office/drawing/2008/diagram">
       <dsp:dataModelExt xmlns:dsp="http://schemas.microsoft.com/office/drawing/2008/diagram" relId="rId21" minVer="http://schemas.openxmlformats.org/drawingml/2006/diagram"/>
+    </a:ext>
+  </dgm:extLst>
+</dgm:dataModel>
+</file>
+
+<file path=ppt/diagrams/data5.xml><?xml version="1.0" encoding="utf-8"?>
+<dgm:dataModel xmlns:dgm="http://schemas.openxmlformats.org/drawingml/2006/diagram" xmlns:a="http://schemas.openxmlformats.org/drawingml/2006/main">
+  <dgm:ptLst>
+    <dgm:pt modelId="{5CD6EE36-BB0F-4305-A635-C2AEE05DF3B6}" type="doc">
+      <dgm:prSet loTypeId="urn:microsoft.com/office/officeart/2005/8/layout/orgChart1" loCatId="hierarchy" qsTypeId="urn:microsoft.com/office/officeart/2005/8/quickstyle/simple1" qsCatId="simple" csTypeId="urn:microsoft.com/office/officeart/2005/8/colors/colorful3" csCatId="colorful" phldr="1"/>
+      <dgm:spPr/>
+      <dgm:t>
+        <a:bodyPr/>
+        <a:lstStyle/>
+        <a:p>
+          <a:endParaRPr lang="en-US"/>
+        </a:p>
+      </dgm:t>
+    </dgm:pt>
+    <dgm:pt modelId="{E0C605CD-CF0C-4C9B-A87E-4BC4D356A21F}">
+      <dgm:prSet phldrT="[Text]"/>
+      <dgm:spPr/>
+      <dgm:t>
+        <a:bodyPr/>
+        <a:lstStyle/>
+        <a:p>
+          <a:r>
+            <a:rPr lang="en-US" smtClean="0"/>
+            <a:t> </a:t>
+          </a:r>
+          <a:endParaRPr lang="en-US"/>
+        </a:p>
+      </dgm:t>
+    </dgm:pt>
+    <dgm:pt modelId="{6983BF6D-1D80-417E-8ED1-A1DF5D5B2E1E}" type="parTrans" cxnId="{2BFE0C14-7874-4A8D-A07F-122A9625F0B3}">
+      <dgm:prSet/>
+      <dgm:spPr/>
+      <dgm:t>
+        <a:bodyPr/>
+        <a:lstStyle/>
+        <a:p>
+          <a:endParaRPr lang="en-US"/>
+        </a:p>
+      </dgm:t>
+    </dgm:pt>
+    <dgm:pt modelId="{9CD3DFB9-087F-42D2-ABB1-99F2A9A2C875}" type="sibTrans" cxnId="{2BFE0C14-7874-4A8D-A07F-122A9625F0B3}">
+      <dgm:prSet/>
+      <dgm:spPr/>
+      <dgm:t>
+        <a:bodyPr/>
+        <a:lstStyle/>
+        <a:p>
+          <a:endParaRPr lang="en-US"/>
+        </a:p>
+      </dgm:t>
+    </dgm:pt>
+    <dgm:pt modelId="{029D4ADE-ED8D-4EA1-B9D4-89C7D7A1CDF1}" type="asst">
+      <dgm:prSet phldrT="[Text]"/>
+      <dgm:spPr/>
+      <dgm:t>
+        <a:bodyPr/>
+        <a:lstStyle/>
+        <a:p>
+          <a:r>
+            <a:rPr lang="en-US" dirty="0" smtClean="0"/>
+            <a:t> </a:t>
+          </a:r>
+          <a:endParaRPr lang="en-US" dirty="0"/>
+        </a:p>
+      </dgm:t>
+    </dgm:pt>
+    <dgm:pt modelId="{AF16EA6B-7353-4053-A135-07D5836EE08B}" type="parTrans" cxnId="{589FA468-510D-41CB-8F3C-E90CF2074B53}">
+      <dgm:prSet/>
+      <dgm:spPr/>
+      <dgm:t>
+        <a:bodyPr/>
+        <a:lstStyle/>
+        <a:p>
+          <a:endParaRPr lang="en-US"/>
+        </a:p>
+      </dgm:t>
+    </dgm:pt>
+    <dgm:pt modelId="{E5E6B07E-DFD2-4A52-A3C7-23294CB3EE12}" type="sibTrans" cxnId="{589FA468-510D-41CB-8F3C-E90CF2074B53}">
+      <dgm:prSet/>
+      <dgm:spPr/>
+      <dgm:t>
+        <a:bodyPr/>
+        <a:lstStyle/>
+        <a:p>
+          <a:endParaRPr lang="en-US"/>
+        </a:p>
+      </dgm:t>
+    </dgm:pt>
+    <dgm:pt modelId="{160A9CD8-29DE-4ADF-9B27-7AD569DBEA9A}">
+      <dgm:prSet phldrT="[Text]"/>
+      <dgm:spPr/>
+      <dgm:t>
+        <a:bodyPr/>
+        <a:lstStyle/>
+        <a:p>
+          <a:r>
+            <a:rPr lang="en-US" dirty="0" smtClean="0"/>
+            <a:t> </a:t>
+          </a:r>
+          <a:endParaRPr lang="en-US" dirty="0"/>
+        </a:p>
+      </dgm:t>
+    </dgm:pt>
+    <dgm:pt modelId="{1660B795-AC76-42B9-97AF-E76912E5E9F6}" type="parTrans" cxnId="{81F14BB1-5649-47E2-B4C8-1B2204C7660B}">
+      <dgm:prSet/>
+      <dgm:spPr/>
+      <dgm:t>
+        <a:bodyPr/>
+        <a:lstStyle/>
+        <a:p>
+          <a:endParaRPr lang="en-US"/>
+        </a:p>
+      </dgm:t>
+    </dgm:pt>
+    <dgm:pt modelId="{EBC58C13-B814-478D-96A0-FACB09FCE087}" type="sibTrans" cxnId="{81F14BB1-5649-47E2-B4C8-1B2204C7660B}">
+      <dgm:prSet/>
+      <dgm:spPr/>
+      <dgm:t>
+        <a:bodyPr/>
+        <a:lstStyle/>
+        <a:p>
+          <a:endParaRPr lang="en-US"/>
+        </a:p>
+      </dgm:t>
+    </dgm:pt>
+    <dgm:pt modelId="{395FDB1D-246A-45B3-948C-1C5D437152BB}">
+      <dgm:prSet phldrT="[Text]"/>
+      <dgm:spPr/>
+      <dgm:t>
+        <a:bodyPr/>
+        <a:lstStyle/>
+        <a:p>
+          <a:r>
+            <a:rPr lang="en-US" dirty="0" smtClean="0"/>
+            <a:t> </a:t>
+          </a:r>
+          <a:endParaRPr lang="en-US" dirty="0"/>
+        </a:p>
+      </dgm:t>
+    </dgm:pt>
+    <dgm:pt modelId="{76B7127C-A954-4D6D-8E78-16A76AF5BD01}" type="parTrans" cxnId="{D47216B1-DE18-4BFA-8024-D5CF748FEB25}">
+      <dgm:prSet/>
+      <dgm:spPr/>
+      <dgm:t>
+        <a:bodyPr/>
+        <a:lstStyle/>
+        <a:p>
+          <a:endParaRPr lang="en-US"/>
+        </a:p>
+      </dgm:t>
+    </dgm:pt>
+    <dgm:pt modelId="{67820084-1D12-47AC-B14A-69883D458AD2}" type="sibTrans" cxnId="{D47216B1-DE18-4BFA-8024-D5CF748FEB25}">
+      <dgm:prSet/>
+      <dgm:spPr/>
+      <dgm:t>
+        <a:bodyPr/>
+        <a:lstStyle/>
+        <a:p>
+          <a:endParaRPr lang="en-US"/>
+        </a:p>
+      </dgm:t>
+    </dgm:pt>
+    <dgm:pt modelId="{78EA2BC9-6CD8-4B48-AF0B-C37E5AC58610}">
+      <dgm:prSet phldrT="[Text]"/>
+      <dgm:spPr/>
+      <dgm:t>
+        <a:bodyPr/>
+        <a:lstStyle/>
+        <a:p>
+          <a:r>
+            <a:rPr lang="en-US" dirty="0" smtClean="0"/>
+            <a:t> </a:t>
+          </a:r>
+          <a:endParaRPr lang="en-US" dirty="0"/>
+        </a:p>
+      </dgm:t>
+    </dgm:pt>
+    <dgm:pt modelId="{5713D143-9C47-4964-892D-3632FD3CF851}" type="parTrans" cxnId="{147009AC-4734-47FB-B00F-2A7D4941CDD6}">
+      <dgm:prSet/>
+      <dgm:spPr/>
+      <dgm:t>
+        <a:bodyPr/>
+        <a:lstStyle/>
+        <a:p>
+          <a:endParaRPr lang="en-US"/>
+        </a:p>
+      </dgm:t>
+    </dgm:pt>
+    <dgm:pt modelId="{D571796E-6393-4786-B5D3-A77C01EA273A}" type="sibTrans" cxnId="{147009AC-4734-47FB-B00F-2A7D4941CDD6}">
+      <dgm:prSet/>
+      <dgm:spPr/>
+      <dgm:t>
+        <a:bodyPr/>
+        <a:lstStyle/>
+        <a:p>
+          <a:endParaRPr lang="en-US"/>
+        </a:p>
+      </dgm:t>
+    </dgm:pt>
+    <dgm:pt modelId="{F4595A86-4A99-4355-B61E-798C3365A643}" type="pres">
+      <dgm:prSet presAssocID="{5CD6EE36-BB0F-4305-A635-C2AEE05DF3B6}" presName="hierChild1" presStyleCnt="0">
+        <dgm:presLayoutVars>
+          <dgm:orgChart val="1"/>
+          <dgm:chPref val="1"/>
+          <dgm:dir/>
+          <dgm:animOne val="branch"/>
+          <dgm:animLvl val="lvl"/>
+          <dgm:resizeHandles/>
+        </dgm:presLayoutVars>
+      </dgm:prSet>
+      <dgm:spPr/>
+      <dgm:t>
+        <a:bodyPr/>
+        <a:lstStyle/>
+        <a:p>
+          <a:endParaRPr lang="en-US"/>
+        </a:p>
+      </dgm:t>
+    </dgm:pt>
+    <dgm:pt modelId="{1B5782E8-6011-41D4-9713-F9B87E5E343E}" type="pres">
+      <dgm:prSet presAssocID="{E0C605CD-CF0C-4C9B-A87E-4BC4D356A21F}" presName="hierRoot1" presStyleCnt="0">
+        <dgm:presLayoutVars>
+          <dgm:hierBranch val="init"/>
+        </dgm:presLayoutVars>
+      </dgm:prSet>
+      <dgm:spPr/>
+    </dgm:pt>
+    <dgm:pt modelId="{3E853BBC-796D-4608-8571-2B2F13A7461D}" type="pres">
+      <dgm:prSet presAssocID="{E0C605CD-CF0C-4C9B-A87E-4BC4D356A21F}" presName="rootComposite1" presStyleCnt="0"/>
+      <dgm:spPr/>
+    </dgm:pt>
+    <dgm:pt modelId="{20299A4B-1C69-4B86-8EDE-B88B470CE39C}" type="pres">
+      <dgm:prSet presAssocID="{E0C605CD-CF0C-4C9B-A87E-4BC4D356A21F}" presName="rootText1" presStyleLbl="node0" presStyleIdx="0" presStyleCnt="1">
+        <dgm:presLayoutVars>
+          <dgm:chPref val="3"/>
+        </dgm:presLayoutVars>
+      </dgm:prSet>
+      <dgm:spPr/>
+      <dgm:t>
+        <a:bodyPr/>
+        <a:lstStyle/>
+        <a:p>
+          <a:endParaRPr lang="en-US"/>
+        </a:p>
+      </dgm:t>
+    </dgm:pt>
+    <dgm:pt modelId="{3CA0AE3A-B7AE-45BB-91D9-3E7112C11563}" type="pres">
+      <dgm:prSet presAssocID="{E0C605CD-CF0C-4C9B-A87E-4BC4D356A21F}" presName="rootConnector1" presStyleLbl="node1" presStyleIdx="0" presStyleCnt="0"/>
+      <dgm:spPr/>
+      <dgm:t>
+        <a:bodyPr/>
+        <a:lstStyle/>
+        <a:p>
+          <a:endParaRPr lang="en-US"/>
+        </a:p>
+      </dgm:t>
+    </dgm:pt>
+    <dgm:pt modelId="{9ED4AEF1-FB6E-49CA-AD4A-3EBB0BD1B555}" type="pres">
+      <dgm:prSet presAssocID="{E0C605CD-CF0C-4C9B-A87E-4BC4D356A21F}" presName="hierChild2" presStyleCnt="0"/>
+      <dgm:spPr/>
+    </dgm:pt>
+    <dgm:pt modelId="{C4CBC522-70EC-4DAD-9ABB-7FBBFD02DC42}" type="pres">
+      <dgm:prSet presAssocID="{1660B795-AC76-42B9-97AF-E76912E5E9F6}" presName="Name37" presStyleLbl="parChTrans1D2" presStyleIdx="0" presStyleCnt="4"/>
+      <dgm:spPr/>
+      <dgm:t>
+        <a:bodyPr/>
+        <a:lstStyle/>
+        <a:p>
+          <a:endParaRPr lang="en-US"/>
+        </a:p>
+      </dgm:t>
+    </dgm:pt>
+    <dgm:pt modelId="{A8003B99-B9EE-4C53-8B05-60EF723CF6BB}" type="pres">
+      <dgm:prSet presAssocID="{160A9CD8-29DE-4ADF-9B27-7AD569DBEA9A}" presName="hierRoot2" presStyleCnt="0">
+        <dgm:presLayoutVars>
+          <dgm:hierBranch val="init"/>
+        </dgm:presLayoutVars>
+      </dgm:prSet>
+      <dgm:spPr/>
+    </dgm:pt>
+    <dgm:pt modelId="{FFE4C4D1-8F9F-4224-B3C3-83DBBCD6D7ED}" type="pres">
+      <dgm:prSet presAssocID="{160A9CD8-29DE-4ADF-9B27-7AD569DBEA9A}" presName="rootComposite" presStyleCnt="0"/>
+      <dgm:spPr/>
+    </dgm:pt>
+    <dgm:pt modelId="{0B59B7D1-BFCB-4752-A954-4AE6C033913E}" type="pres">
+      <dgm:prSet presAssocID="{160A9CD8-29DE-4ADF-9B27-7AD569DBEA9A}" presName="rootText" presStyleLbl="node2" presStyleIdx="0" presStyleCnt="3">
+        <dgm:presLayoutVars>
+          <dgm:chPref val="3"/>
+        </dgm:presLayoutVars>
+      </dgm:prSet>
+      <dgm:spPr/>
+      <dgm:t>
+        <a:bodyPr/>
+        <a:lstStyle/>
+        <a:p>
+          <a:endParaRPr lang="en-US"/>
+        </a:p>
+      </dgm:t>
+    </dgm:pt>
+    <dgm:pt modelId="{C074D779-DF8B-481C-B825-FAE2E925B78C}" type="pres">
+      <dgm:prSet presAssocID="{160A9CD8-29DE-4ADF-9B27-7AD569DBEA9A}" presName="rootConnector" presStyleLbl="node2" presStyleIdx="0" presStyleCnt="3"/>
+      <dgm:spPr/>
+      <dgm:t>
+        <a:bodyPr/>
+        <a:lstStyle/>
+        <a:p>
+          <a:endParaRPr lang="en-US"/>
+        </a:p>
+      </dgm:t>
+    </dgm:pt>
+    <dgm:pt modelId="{22C0C3AE-0FE5-4EAD-8B34-F322420E387D}" type="pres">
+      <dgm:prSet presAssocID="{160A9CD8-29DE-4ADF-9B27-7AD569DBEA9A}" presName="hierChild4" presStyleCnt="0"/>
+      <dgm:spPr/>
+    </dgm:pt>
+    <dgm:pt modelId="{A64530F5-0B77-4DC8-8D7D-25535F5EFE3C}" type="pres">
+      <dgm:prSet presAssocID="{160A9CD8-29DE-4ADF-9B27-7AD569DBEA9A}" presName="hierChild5" presStyleCnt="0"/>
+      <dgm:spPr/>
+    </dgm:pt>
+    <dgm:pt modelId="{68D7B0CB-B276-4213-8E97-7EF993DB122A}" type="pres">
+      <dgm:prSet presAssocID="{76B7127C-A954-4D6D-8E78-16A76AF5BD01}" presName="Name37" presStyleLbl="parChTrans1D2" presStyleIdx="1" presStyleCnt="4"/>
+      <dgm:spPr/>
+      <dgm:t>
+        <a:bodyPr/>
+        <a:lstStyle/>
+        <a:p>
+          <a:endParaRPr lang="en-US"/>
+        </a:p>
+      </dgm:t>
+    </dgm:pt>
+    <dgm:pt modelId="{B798C1C3-E9DC-4B5B-AF7A-F5C0F3190E58}" type="pres">
+      <dgm:prSet presAssocID="{395FDB1D-246A-45B3-948C-1C5D437152BB}" presName="hierRoot2" presStyleCnt="0">
+        <dgm:presLayoutVars>
+          <dgm:hierBranch val="init"/>
+        </dgm:presLayoutVars>
+      </dgm:prSet>
+      <dgm:spPr/>
+    </dgm:pt>
+    <dgm:pt modelId="{74AD10BE-AFC3-4EE6-B87D-172E4553A08B}" type="pres">
+      <dgm:prSet presAssocID="{395FDB1D-246A-45B3-948C-1C5D437152BB}" presName="rootComposite" presStyleCnt="0"/>
+      <dgm:spPr/>
+    </dgm:pt>
+    <dgm:pt modelId="{97DAA86D-408A-46F2-8645-08155275A9BD}" type="pres">
+      <dgm:prSet presAssocID="{395FDB1D-246A-45B3-948C-1C5D437152BB}" presName="rootText" presStyleLbl="node2" presStyleIdx="1" presStyleCnt="3">
+        <dgm:presLayoutVars>
+          <dgm:chPref val="3"/>
+        </dgm:presLayoutVars>
+      </dgm:prSet>
+      <dgm:spPr/>
+      <dgm:t>
+        <a:bodyPr/>
+        <a:lstStyle/>
+        <a:p>
+          <a:endParaRPr lang="en-US"/>
+        </a:p>
+      </dgm:t>
+    </dgm:pt>
+    <dgm:pt modelId="{24DDB095-FDEE-41F1-A6F8-2C94B55D2D06}" type="pres">
+      <dgm:prSet presAssocID="{395FDB1D-246A-45B3-948C-1C5D437152BB}" presName="rootConnector" presStyleLbl="node2" presStyleIdx="1" presStyleCnt="3"/>
+      <dgm:spPr/>
+      <dgm:t>
+        <a:bodyPr/>
+        <a:lstStyle/>
+        <a:p>
+          <a:endParaRPr lang="en-US"/>
+        </a:p>
+      </dgm:t>
+    </dgm:pt>
+    <dgm:pt modelId="{911D93DB-26DA-4EBD-BC4B-A48C05A113CA}" type="pres">
+      <dgm:prSet presAssocID="{395FDB1D-246A-45B3-948C-1C5D437152BB}" presName="hierChild4" presStyleCnt="0"/>
+      <dgm:spPr/>
+    </dgm:pt>
+    <dgm:pt modelId="{7D4E5427-FCD1-44A3-A7AC-3F0B688F5914}" type="pres">
+      <dgm:prSet presAssocID="{395FDB1D-246A-45B3-948C-1C5D437152BB}" presName="hierChild5" presStyleCnt="0"/>
+      <dgm:spPr/>
+    </dgm:pt>
+    <dgm:pt modelId="{EF82E21C-3DC8-4557-B814-29CE3E8DA8F5}" type="pres">
+      <dgm:prSet presAssocID="{5713D143-9C47-4964-892D-3632FD3CF851}" presName="Name37" presStyleLbl="parChTrans1D2" presStyleIdx="2" presStyleCnt="4"/>
+      <dgm:spPr/>
+      <dgm:t>
+        <a:bodyPr/>
+        <a:lstStyle/>
+        <a:p>
+          <a:endParaRPr lang="en-US"/>
+        </a:p>
+      </dgm:t>
+    </dgm:pt>
+    <dgm:pt modelId="{2EE8C3E2-3AB8-46F6-8C72-37184D3C6050}" type="pres">
+      <dgm:prSet presAssocID="{78EA2BC9-6CD8-4B48-AF0B-C37E5AC58610}" presName="hierRoot2" presStyleCnt="0">
+        <dgm:presLayoutVars>
+          <dgm:hierBranch val="init"/>
+        </dgm:presLayoutVars>
+      </dgm:prSet>
+      <dgm:spPr/>
+    </dgm:pt>
+    <dgm:pt modelId="{60086449-6DB5-45D1-BD1E-159F7E3DF8C6}" type="pres">
+      <dgm:prSet presAssocID="{78EA2BC9-6CD8-4B48-AF0B-C37E5AC58610}" presName="rootComposite" presStyleCnt="0"/>
+      <dgm:spPr/>
+    </dgm:pt>
+    <dgm:pt modelId="{C37B43C8-CE5E-4803-8D3D-CAA4FA77884B}" type="pres">
+      <dgm:prSet presAssocID="{78EA2BC9-6CD8-4B48-AF0B-C37E5AC58610}" presName="rootText" presStyleLbl="node2" presStyleIdx="2" presStyleCnt="3">
+        <dgm:presLayoutVars>
+          <dgm:chPref val="3"/>
+        </dgm:presLayoutVars>
+      </dgm:prSet>
+      <dgm:spPr/>
+      <dgm:t>
+        <a:bodyPr/>
+        <a:lstStyle/>
+        <a:p>
+          <a:endParaRPr lang="en-US"/>
+        </a:p>
+      </dgm:t>
+    </dgm:pt>
+    <dgm:pt modelId="{1DBE5C34-578E-4FAC-A8A3-EB01CBEC9231}" type="pres">
+      <dgm:prSet presAssocID="{78EA2BC9-6CD8-4B48-AF0B-C37E5AC58610}" presName="rootConnector" presStyleLbl="node2" presStyleIdx="2" presStyleCnt="3"/>
+      <dgm:spPr/>
+      <dgm:t>
+        <a:bodyPr/>
+        <a:lstStyle/>
+        <a:p>
+          <a:endParaRPr lang="en-US"/>
+        </a:p>
+      </dgm:t>
+    </dgm:pt>
+    <dgm:pt modelId="{D536B39C-FCE4-4282-BC3D-4B822664CE9D}" type="pres">
+      <dgm:prSet presAssocID="{78EA2BC9-6CD8-4B48-AF0B-C37E5AC58610}" presName="hierChild4" presStyleCnt="0"/>
+      <dgm:spPr/>
+    </dgm:pt>
+    <dgm:pt modelId="{91DFBC37-6BF5-40CF-A882-4449A966B44D}" type="pres">
+      <dgm:prSet presAssocID="{78EA2BC9-6CD8-4B48-AF0B-C37E5AC58610}" presName="hierChild5" presStyleCnt="0"/>
+      <dgm:spPr/>
+    </dgm:pt>
+    <dgm:pt modelId="{E6BDC327-05A1-4EAB-B455-50603B3021BD}" type="pres">
+      <dgm:prSet presAssocID="{E0C605CD-CF0C-4C9B-A87E-4BC4D356A21F}" presName="hierChild3" presStyleCnt="0"/>
+      <dgm:spPr/>
+    </dgm:pt>
+    <dgm:pt modelId="{D82AF006-7F10-44F4-A3F3-6DA0C2FBB56E}" type="pres">
+      <dgm:prSet presAssocID="{AF16EA6B-7353-4053-A135-07D5836EE08B}" presName="Name111" presStyleLbl="parChTrans1D2" presStyleIdx="3" presStyleCnt="4"/>
+      <dgm:spPr/>
+      <dgm:t>
+        <a:bodyPr/>
+        <a:lstStyle/>
+        <a:p>
+          <a:endParaRPr lang="en-US"/>
+        </a:p>
+      </dgm:t>
+    </dgm:pt>
+    <dgm:pt modelId="{C2D01FE5-50E0-4324-BB45-D927C0DDCBEF}" type="pres">
+      <dgm:prSet presAssocID="{029D4ADE-ED8D-4EA1-B9D4-89C7D7A1CDF1}" presName="hierRoot3" presStyleCnt="0">
+        <dgm:presLayoutVars>
+          <dgm:hierBranch val="init"/>
+        </dgm:presLayoutVars>
+      </dgm:prSet>
+      <dgm:spPr/>
+    </dgm:pt>
+    <dgm:pt modelId="{BEF88C7D-505D-4AC8-85BC-5EBCA0504401}" type="pres">
+      <dgm:prSet presAssocID="{029D4ADE-ED8D-4EA1-B9D4-89C7D7A1CDF1}" presName="rootComposite3" presStyleCnt="0"/>
+      <dgm:spPr/>
+    </dgm:pt>
+    <dgm:pt modelId="{FB5FBBDF-B528-46EF-93B5-58A27D0E33BC}" type="pres">
+      <dgm:prSet presAssocID="{029D4ADE-ED8D-4EA1-B9D4-89C7D7A1CDF1}" presName="rootText3" presStyleLbl="asst1" presStyleIdx="0" presStyleCnt="1">
+        <dgm:presLayoutVars>
+          <dgm:chPref val="3"/>
+        </dgm:presLayoutVars>
+      </dgm:prSet>
+      <dgm:spPr/>
+      <dgm:t>
+        <a:bodyPr/>
+        <a:lstStyle/>
+        <a:p>
+          <a:endParaRPr lang="en-US"/>
+        </a:p>
+      </dgm:t>
+    </dgm:pt>
+    <dgm:pt modelId="{AF24FF39-2FE8-4743-BD11-A67934916A9B}" type="pres">
+      <dgm:prSet presAssocID="{029D4ADE-ED8D-4EA1-B9D4-89C7D7A1CDF1}" presName="rootConnector3" presStyleLbl="asst1" presStyleIdx="0" presStyleCnt="1"/>
+      <dgm:spPr/>
+      <dgm:t>
+        <a:bodyPr/>
+        <a:lstStyle/>
+        <a:p>
+          <a:endParaRPr lang="en-US"/>
+        </a:p>
+      </dgm:t>
+    </dgm:pt>
+    <dgm:pt modelId="{315A28DC-7677-4295-A20C-2318467AA795}" type="pres">
+      <dgm:prSet presAssocID="{029D4ADE-ED8D-4EA1-B9D4-89C7D7A1CDF1}" presName="hierChild6" presStyleCnt="0"/>
+      <dgm:spPr/>
+    </dgm:pt>
+    <dgm:pt modelId="{A89554F1-5437-490D-9D1C-DE6F3CB11607}" type="pres">
+      <dgm:prSet presAssocID="{029D4ADE-ED8D-4EA1-B9D4-89C7D7A1CDF1}" presName="hierChild7" presStyleCnt="0"/>
+      <dgm:spPr/>
+    </dgm:pt>
+  </dgm:ptLst>
+  <dgm:cxnLst>
+    <dgm:cxn modelId="{18CCE20A-A9EC-4F86-BB07-E2586D157C1A}" type="presOf" srcId="{76B7127C-A954-4D6D-8E78-16A76AF5BD01}" destId="{68D7B0CB-B276-4213-8E97-7EF993DB122A}" srcOrd="0" destOrd="0" presId="urn:microsoft.com/office/officeart/2005/8/layout/orgChart1"/>
+    <dgm:cxn modelId="{A57018E5-9E36-4332-8A85-1FB7E447D5BD}" type="presOf" srcId="{AF16EA6B-7353-4053-A135-07D5836EE08B}" destId="{D82AF006-7F10-44F4-A3F3-6DA0C2FBB56E}" srcOrd="0" destOrd="0" presId="urn:microsoft.com/office/officeart/2005/8/layout/orgChart1"/>
+    <dgm:cxn modelId="{589FA468-510D-41CB-8F3C-E90CF2074B53}" srcId="{E0C605CD-CF0C-4C9B-A87E-4BC4D356A21F}" destId="{029D4ADE-ED8D-4EA1-B9D4-89C7D7A1CDF1}" srcOrd="0" destOrd="0" parTransId="{AF16EA6B-7353-4053-A135-07D5836EE08B}" sibTransId="{E5E6B07E-DFD2-4A52-A3C7-23294CB3EE12}"/>
+    <dgm:cxn modelId="{2BFE0C14-7874-4A8D-A07F-122A9625F0B3}" srcId="{5CD6EE36-BB0F-4305-A635-C2AEE05DF3B6}" destId="{E0C605CD-CF0C-4C9B-A87E-4BC4D356A21F}" srcOrd="0" destOrd="0" parTransId="{6983BF6D-1D80-417E-8ED1-A1DF5D5B2E1E}" sibTransId="{9CD3DFB9-087F-42D2-ABB1-99F2A9A2C875}"/>
+    <dgm:cxn modelId="{D7A92A10-F1C9-4EF6-87B3-22136D51A09D}" type="presOf" srcId="{78EA2BC9-6CD8-4B48-AF0B-C37E5AC58610}" destId="{C37B43C8-CE5E-4803-8D3D-CAA4FA77884B}" srcOrd="0" destOrd="0" presId="urn:microsoft.com/office/officeart/2005/8/layout/orgChart1"/>
+    <dgm:cxn modelId="{81F14BB1-5649-47E2-B4C8-1B2204C7660B}" srcId="{E0C605CD-CF0C-4C9B-A87E-4BC4D356A21F}" destId="{160A9CD8-29DE-4ADF-9B27-7AD569DBEA9A}" srcOrd="1" destOrd="0" parTransId="{1660B795-AC76-42B9-97AF-E76912E5E9F6}" sibTransId="{EBC58C13-B814-478D-96A0-FACB09FCE087}"/>
+    <dgm:cxn modelId="{2A75CD52-84BF-4E09-8658-0B79E62536F9}" type="presOf" srcId="{E0C605CD-CF0C-4C9B-A87E-4BC4D356A21F}" destId="{20299A4B-1C69-4B86-8EDE-B88B470CE39C}" srcOrd="0" destOrd="0" presId="urn:microsoft.com/office/officeart/2005/8/layout/orgChart1"/>
+    <dgm:cxn modelId="{3C9703AD-A403-4077-81D2-38927552587F}" type="presOf" srcId="{78EA2BC9-6CD8-4B48-AF0B-C37E5AC58610}" destId="{1DBE5C34-578E-4FAC-A8A3-EB01CBEC9231}" srcOrd="1" destOrd="0" presId="urn:microsoft.com/office/officeart/2005/8/layout/orgChart1"/>
+    <dgm:cxn modelId="{16F7779A-C2F9-4678-B37D-EA3867EA687E}" type="presOf" srcId="{160A9CD8-29DE-4ADF-9B27-7AD569DBEA9A}" destId="{C074D779-DF8B-481C-B825-FAE2E925B78C}" srcOrd="1" destOrd="0" presId="urn:microsoft.com/office/officeart/2005/8/layout/orgChart1"/>
+    <dgm:cxn modelId="{B2C8A896-12E5-4DED-B915-7DB5149D0810}" type="presOf" srcId="{E0C605CD-CF0C-4C9B-A87E-4BC4D356A21F}" destId="{3CA0AE3A-B7AE-45BB-91D9-3E7112C11563}" srcOrd="1" destOrd="0" presId="urn:microsoft.com/office/officeart/2005/8/layout/orgChart1"/>
+    <dgm:cxn modelId="{D3E52323-C750-43FB-A0AA-AFA635A3B9A3}" type="presOf" srcId="{5CD6EE36-BB0F-4305-A635-C2AEE05DF3B6}" destId="{F4595A86-4A99-4355-B61E-798C3365A643}" srcOrd="0" destOrd="0" presId="urn:microsoft.com/office/officeart/2005/8/layout/orgChart1"/>
+    <dgm:cxn modelId="{24A2DE92-B3C9-4040-BEEC-F6C02A656234}" type="presOf" srcId="{1660B795-AC76-42B9-97AF-E76912E5E9F6}" destId="{C4CBC522-70EC-4DAD-9ABB-7FBBFD02DC42}" srcOrd="0" destOrd="0" presId="urn:microsoft.com/office/officeart/2005/8/layout/orgChart1"/>
+    <dgm:cxn modelId="{C505769A-5708-4703-866C-68D3CDBE5EC5}" type="presOf" srcId="{395FDB1D-246A-45B3-948C-1C5D437152BB}" destId="{97DAA86D-408A-46F2-8645-08155275A9BD}" srcOrd="0" destOrd="0" presId="urn:microsoft.com/office/officeart/2005/8/layout/orgChart1"/>
+    <dgm:cxn modelId="{D47216B1-DE18-4BFA-8024-D5CF748FEB25}" srcId="{E0C605CD-CF0C-4C9B-A87E-4BC4D356A21F}" destId="{395FDB1D-246A-45B3-948C-1C5D437152BB}" srcOrd="2" destOrd="0" parTransId="{76B7127C-A954-4D6D-8E78-16A76AF5BD01}" sibTransId="{67820084-1D12-47AC-B14A-69883D458AD2}"/>
+    <dgm:cxn modelId="{62F1F31E-08B3-445F-869E-0C96D95DE4F5}" type="presOf" srcId="{029D4ADE-ED8D-4EA1-B9D4-89C7D7A1CDF1}" destId="{FB5FBBDF-B528-46EF-93B5-58A27D0E33BC}" srcOrd="0" destOrd="0" presId="urn:microsoft.com/office/officeart/2005/8/layout/orgChart1"/>
+    <dgm:cxn modelId="{D9939818-053B-42F8-BBCE-8FED6C6CB2AE}" type="presOf" srcId="{5713D143-9C47-4964-892D-3632FD3CF851}" destId="{EF82E21C-3DC8-4557-B814-29CE3E8DA8F5}" srcOrd="0" destOrd="0" presId="urn:microsoft.com/office/officeart/2005/8/layout/orgChart1"/>
+    <dgm:cxn modelId="{14E37ADA-70D8-4012-8756-26F2FAE85929}" type="presOf" srcId="{029D4ADE-ED8D-4EA1-B9D4-89C7D7A1CDF1}" destId="{AF24FF39-2FE8-4743-BD11-A67934916A9B}" srcOrd="1" destOrd="0" presId="urn:microsoft.com/office/officeart/2005/8/layout/orgChart1"/>
+    <dgm:cxn modelId="{11ABF63B-2485-4A62-8723-DC0F9FCD18BA}" type="presOf" srcId="{395FDB1D-246A-45B3-948C-1C5D437152BB}" destId="{24DDB095-FDEE-41F1-A6F8-2C94B55D2D06}" srcOrd="1" destOrd="0" presId="urn:microsoft.com/office/officeart/2005/8/layout/orgChart1"/>
+    <dgm:cxn modelId="{147009AC-4734-47FB-B00F-2A7D4941CDD6}" srcId="{E0C605CD-CF0C-4C9B-A87E-4BC4D356A21F}" destId="{78EA2BC9-6CD8-4B48-AF0B-C37E5AC58610}" srcOrd="3" destOrd="0" parTransId="{5713D143-9C47-4964-892D-3632FD3CF851}" sibTransId="{D571796E-6393-4786-B5D3-A77C01EA273A}"/>
+    <dgm:cxn modelId="{BDC7E2A4-89D1-4A65-A3C7-F012C47C3A13}" type="presOf" srcId="{160A9CD8-29DE-4ADF-9B27-7AD569DBEA9A}" destId="{0B59B7D1-BFCB-4752-A954-4AE6C033913E}" srcOrd="0" destOrd="0" presId="urn:microsoft.com/office/officeart/2005/8/layout/orgChart1"/>
+    <dgm:cxn modelId="{2642491A-9EDE-4912-B09F-1ABCA075A6A8}" type="presParOf" srcId="{F4595A86-4A99-4355-B61E-798C3365A643}" destId="{1B5782E8-6011-41D4-9713-F9B87E5E343E}" srcOrd="0" destOrd="0" presId="urn:microsoft.com/office/officeart/2005/8/layout/orgChart1"/>
+    <dgm:cxn modelId="{31D134CF-2055-4CB7-89CA-CE7EDEF96957}" type="presParOf" srcId="{1B5782E8-6011-41D4-9713-F9B87E5E343E}" destId="{3E853BBC-796D-4608-8571-2B2F13A7461D}" srcOrd="0" destOrd="0" presId="urn:microsoft.com/office/officeart/2005/8/layout/orgChart1"/>
+    <dgm:cxn modelId="{C5F63457-4370-4DC5-8E08-8C2E4CE69B17}" type="presParOf" srcId="{3E853BBC-796D-4608-8571-2B2F13A7461D}" destId="{20299A4B-1C69-4B86-8EDE-B88B470CE39C}" srcOrd="0" destOrd="0" presId="urn:microsoft.com/office/officeart/2005/8/layout/orgChart1"/>
+    <dgm:cxn modelId="{47A78E40-8007-40B1-A0FC-05D03B6E491E}" type="presParOf" srcId="{3E853BBC-796D-4608-8571-2B2F13A7461D}" destId="{3CA0AE3A-B7AE-45BB-91D9-3E7112C11563}" srcOrd="1" destOrd="0" presId="urn:microsoft.com/office/officeart/2005/8/layout/orgChart1"/>
+    <dgm:cxn modelId="{9C5472F9-FBDC-490A-A83C-019EF01F0B96}" type="presParOf" srcId="{1B5782E8-6011-41D4-9713-F9B87E5E343E}" destId="{9ED4AEF1-FB6E-49CA-AD4A-3EBB0BD1B555}" srcOrd="1" destOrd="0" presId="urn:microsoft.com/office/officeart/2005/8/layout/orgChart1"/>
+    <dgm:cxn modelId="{019B636C-1FFC-4102-B6A2-7A9BB978584B}" type="presParOf" srcId="{9ED4AEF1-FB6E-49CA-AD4A-3EBB0BD1B555}" destId="{C4CBC522-70EC-4DAD-9ABB-7FBBFD02DC42}" srcOrd="0" destOrd="0" presId="urn:microsoft.com/office/officeart/2005/8/layout/orgChart1"/>
+    <dgm:cxn modelId="{BBFC8460-E9F6-4683-ABF0-0715881A5E65}" type="presParOf" srcId="{9ED4AEF1-FB6E-49CA-AD4A-3EBB0BD1B555}" destId="{A8003B99-B9EE-4C53-8B05-60EF723CF6BB}" srcOrd="1" destOrd="0" presId="urn:microsoft.com/office/officeart/2005/8/layout/orgChart1"/>
+    <dgm:cxn modelId="{A4992692-65E0-4D62-B338-22C72EC1A130}" type="presParOf" srcId="{A8003B99-B9EE-4C53-8B05-60EF723CF6BB}" destId="{FFE4C4D1-8F9F-4224-B3C3-83DBBCD6D7ED}" srcOrd="0" destOrd="0" presId="urn:microsoft.com/office/officeart/2005/8/layout/orgChart1"/>
+    <dgm:cxn modelId="{3F4D67D0-BB76-43B6-8A26-52DD84EB57C1}" type="presParOf" srcId="{FFE4C4D1-8F9F-4224-B3C3-83DBBCD6D7ED}" destId="{0B59B7D1-BFCB-4752-A954-4AE6C033913E}" srcOrd="0" destOrd="0" presId="urn:microsoft.com/office/officeart/2005/8/layout/orgChart1"/>
+    <dgm:cxn modelId="{291DA115-EA82-4589-9A4F-BFB19E32B0A9}" type="presParOf" srcId="{FFE4C4D1-8F9F-4224-B3C3-83DBBCD6D7ED}" destId="{C074D779-DF8B-481C-B825-FAE2E925B78C}" srcOrd="1" destOrd="0" presId="urn:microsoft.com/office/officeart/2005/8/layout/orgChart1"/>
+    <dgm:cxn modelId="{EB90B675-4EBE-47D7-9F3D-BAEC4D32FECB}" type="presParOf" srcId="{A8003B99-B9EE-4C53-8B05-60EF723CF6BB}" destId="{22C0C3AE-0FE5-4EAD-8B34-F322420E387D}" srcOrd="1" destOrd="0" presId="urn:microsoft.com/office/officeart/2005/8/layout/orgChart1"/>
+    <dgm:cxn modelId="{52B740E4-664C-4811-B5D3-280BBBA36D20}" type="presParOf" srcId="{A8003B99-B9EE-4C53-8B05-60EF723CF6BB}" destId="{A64530F5-0B77-4DC8-8D7D-25535F5EFE3C}" srcOrd="2" destOrd="0" presId="urn:microsoft.com/office/officeart/2005/8/layout/orgChart1"/>
+    <dgm:cxn modelId="{0036727E-F2A2-4CC0-A302-A59434E43D69}" type="presParOf" srcId="{9ED4AEF1-FB6E-49CA-AD4A-3EBB0BD1B555}" destId="{68D7B0CB-B276-4213-8E97-7EF993DB122A}" srcOrd="2" destOrd="0" presId="urn:microsoft.com/office/officeart/2005/8/layout/orgChart1"/>
+    <dgm:cxn modelId="{39BACD10-7793-4512-AB69-B846F4B70319}" type="presParOf" srcId="{9ED4AEF1-FB6E-49CA-AD4A-3EBB0BD1B555}" destId="{B798C1C3-E9DC-4B5B-AF7A-F5C0F3190E58}" srcOrd="3" destOrd="0" presId="urn:microsoft.com/office/officeart/2005/8/layout/orgChart1"/>
+    <dgm:cxn modelId="{7945A4F2-6416-4135-8AED-F0C1185AE959}" type="presParOf" srcId="{B798C1C3-E9DC-4B5B-AF7A-F5C0F3190E58}" destId="{74AD10BE-AFC3-4EE6-B87D-172E4553A08B}" srcOrd="0" destOrd="0" presId="urn:microsoft.com/office/officeart/2005/8/layout/orgChart1"/>
+    <dgm:cxn modelId="{64101A0F-2716-48AC-B8A9-3662EA78176D}" type="presParOf" srcId="{74AD10BE-AFC3-4EE6-B87D-172E4553A08B}" destId="{97DAA86D-408A-46F2-8645-08155275A9BD}" srcOrd="0" destOrd="0" presId="urn:microsoft.com/office/officeart/2005/8/layout/orgChart1"/>
+    <dgm:cxn modelId="{137226F9-B109-448A-90F2-90A35A579561}" type="presParOf" srcId="{74AD10BE-AFC3-4EE6-B87D-172E4553A08B}" destId="{24DDB095-FDEE-41F1-A6F8-2C94B55D2D06}" srcOrd="1" destOrd="0" presId="urn:microsoft.com/office/officeart/2005/8/layout/orgChart1"/>
+    <dgm:cxn modelId="{5AA4C441-4C51-4314-A0CC-8C329030440A}" type="presParOf" srcId="{B798C1C3-E9DC-4B5B-AF7A-F5C0F3190E58}" destId="{911D93DB-26DA-4EBD-BC4B-A48C05A113CA}" srcOrd="1" destOrd="0" presId="urn:microsoft.com/office/officeart/2005/8/layout/orgChart1"/>
+    <dgm:cxn modelId="{BFE21740-0054-47A3-9DA0-A7C65604EDFA}" type="presParOf" srcId="{B798C1C3-E9DC-4B5B-AF7A-F5C0F3190E58}" destId="{7D4E5427-FCD1-44A3-A7AC-3F0B688F5914}" srcOrd="2" destOrd="0" presId="urn:microsoft.com/office/officeart/2005/8/layout/orgChart1"/>
+    <dgm:cxn modelId="{299F09A3-0EF0-465F-AA5B-4373B0B7B4AB}" type="presParOf" srcId="{9ED4AEF1-FB6E-49CA-AD4A-3EBB0BD1B555}" destId="{EF82E21C-3DC8-4557-B814-29CE3E8DA8F5}" srcOrd="4" destOrd="0" presId="urn:microsoft.com/office/officeart/2005/8/layout/orgChart1"/>
+    <dgm:cxn modelId="{709EA59C-BA41-4EE2-86D3-0810274C1018}" type="presParOf" srcId="{9ED4AEF1-FB6E-49CA-AD4A-3EBB0BD1B555}" destId="{2EE8C3E2-3AB8-46F6-8C72-37184D3C6050}" srcOrd="5" destOrd="0" presId="urn:microsoft.com/office/officeart/2005/8/layout/orgChart1"/>
+    <dgm:cxn modelId="{957FFA8E-BC60-46E3-BEF6-FAEBCAF4F92E}" type="presParOf" srcId="{2EE8C3E2-3AB8-46F6-8C72-37184D3C6050}" destId="{60086449-6DB5-45D1-BD1E-159F7E3DF8C6}" srcOrd="0" destOrd="0" presId="urn:microsoft.com/office/officeart/2005/8/layout/orgChart1"/>
+    <dgm:cxn modelId="{74A90BAB-D1D3-4B68-B10E-9EA0ADE62B3C}" type="presParOf" srcId="{60086449-6DB5-45D1-BD1E-159F7E3DF8C6}" destId="{C37B43C8-CE5E-4803-8D3D-CAA4FA77884B}" srcOrd="0" destOrd="0" presId="urn:microsoft.com/office/officeart/2005/8/layout/orgChart1"/>
+    <dgm:cxn modelId="{DB02C12E-B27E-4335-A76C-0F33D291A7F8}" type="presParOf" srcId="{60086449-6DB5-45D1-BD1E-159F7E3DF8C6}" destId="{1DBE5C34-578E-4FAC-A8A3-EB01CBEC9231}" srcOrd="1" destOrd="0" presId="urn:microsoft.com/office/officeart/2005/8/layout/orgChart1"/>
+    <dgm:cxn modelId="{EF81A69B-200F-4444-A2B5-D8BD704E7AC9}" type="presParOf" srcId="{2EE8C3E2-3AB8-46F6-8C72-37184D3C6050}" destId="{D536B39C-FCE4-4282-BC3D-4B822664CE9D}" srcOrd="1" destOrd="0" presId="urn:microsoft.com/office/officeart/2005/8/layout/orgChart1"/>
+    <dgm:cxn modelId="{A6D44C76-1FFD-48B4-A8C0-8E035F1EF05D}" type="presParOf" srcId="{2EE8C3E2-3AB8-46F6-8C72-37184D3C6050}" destId="{91DFBC37-6BF5-40CF-A882-4449A966B44D}" srcOrd="2" destOrd="0" presId="urn:microsoft.com/office/officeart/2005/8/layout/orgChart1"/>
+    <dgm:cxn modelId="{32614A08-161D-414A-8B55-5E876657AF33}" type="presParOf" srcId="{1B5782E8-6011-41D4-9713-F9B87E5E343E}" destId="{E6BDC327-05A1-4EAB-B455-50603B3021BD}" srcOrd="2" destOrd="0" presId="urn:microsoft.com/office/officeart/2005/8/layout/orgChart1"/>
+    <dgm:cxn modelId="{162EAAFA-8077-4313-AD7A-58D7D50AE26F}" type="presParOf" srcId="{E6BDC327-05A1-4EAB-B455-50603B3021BD}" destId="{D82AF006-7F10-44F4-A3F3-6DA0C2FBB56E}" srcOrd="0" destOrd="0" presId="urn:microsoft.com/office/officeart/2005/8/layout/orgChart1"/>
+    <dgm:cxn modelId="{14EDBF4C-7213-4C4F-8780-AA7659D51624}" type="presParOf" srcId="{E6BDC327-05A1-4EAB-B455-50603B3021BD}" destId="{C2D01FE5-50E0-4324-BB45-D927C0DDCBEF}" srcOrd="1" destOrd="0" presId="urn:microsoft.com/office/officeart/2005/8/layout/orgChart1"/>
+    <dgm:cxn modelId="{AA5181DA-0BA1-4355-A537-DDFA09E69B47}" type="presParOf" srcId="{C2D01FE5-50E0-4324-BB45-D927C0DDCBEF}" destId="{BEF88C7D-505D-4AC8-85BC-5EBCA0504401}" srcOrd="0" destOrd="0" presId="urn:microsoft.com/office/officeart/2005/8/layout/orgChart1"/>
+    <dgm:cxn modelId="{09E325A6-B532-4AE3-A557-21DC6189C8B7}" type="presParOf" srcId="{BEF88C7D-505D-4AC8-85BC-5EBCA0504401}" destId="{FB5FBBDF-B528-46EF-93B5-58A27D0E33BC}" srcOrd="0" destOrd="0" presId="urn:microsoft.com/office/officeart/2005/8/layout/orgChart1"/>
+    <dgm:cxn modelId="{3380DE02-B5B2-409D-97A8-B2266A988262}" type="presParOf" srcId="{BEF88C7D-505D-4AC8-85BC-5EBCA0504401}" destId="{AF24FF39-2FE8-4743-BD11-A67934916A9B}" srcOrd="1" destOrd="0" presId="urn:microsoft.com/office/officeart/2005/8/layout/orgChart1"/>
+    <dgm:cxn modelId="{93385BBD-E0E2-4653-ADC6-F2D7373B791F}" type="presParOf" srcId="{C2D01FE5-50E0-4324-BB45-D927C0DDCBEF}" destId="{315A28DC-7677-4295-A20C-2318467AA795}" srcOrd="1" destOrd="0" presId="urn:microsoft.com/office/officeart/2005/8/layout/orgChart1"/>
+    <dgm:cxn modelId="{D502B74E-9A5E-43F6-8AF9-03D752F464FD}" type="presParOf" srcId="{C2D01FE5-50E0-4324-BB45-D927C0DDCBEF}" destId="{A89554F1-5437-490D-9D1C-DE6F3CB11607}" srcOrd="2" destOrd="0" presId="urn:microsoft.com/office/officeart/2005/8/layout/orgChart1"/>
+  </dgm:cxnLst>
+  <dgm:bg/>
+  <dgm:whole/>
+  <dgm:extLst>
+    <a:ext uri="http://schemas.microsoft.com/office/drawing/2008/diagram">
+      <dsp:dataModelExt xmlns:dsp="http://schemas.microsoft.com/office/drawing/2008/diagram" relId="rId6" minVer="http://schemas.openxmlformats.org/drawingml/2006/diagram"/>
+    </a:ext>
+  </dgm:extLst>
+</dgm:dataModel>
+</file>
+
+<file path=ppt/diagrams/data6.xml><?xml version="1.0" encoding="utf-8"?>
+<dgm:dataModel xmlns:dgm="http://schemas.openxmlformats.org/drawingml/2006/diagram" xmlns:a="http://schemas.openxmlformats.org/drawingml/2006/main">
+  <dgm:ptLst>
+    <dgm:pt modelId="{5CD6EE36-BB0F-4305-A635-C2AEE05DF3B6}" type="doc">
+      <dgm:prSet loTypeId="urn:microsoft.com/office/officeart/2005/8/layout/orgChart1" loCatId="hierarchy" qsTypeId="urn:microsoft.com/office/officeart/2005/8/quickstyle/simple1" qsCatId="simple" csTypeId="urn:microsoft.com/office/officeart/2005/8/colors/colorful3" csCatId="colorful" phldr="1"/>
+      <dgm:spPr/>
+      <dgm:t>
+        <a:bodyPr/>
+        <a:lstStyle/>
+        <a:p>
+          <a:endParaRPr lang="en-US"/>
+        </a:p>
+      </dgm:t>
+    </dgm:pt>
+    <dgm:pt modelId="{E0C605CD-CF0C-4C9B-A87E-4BC4D356A21F}">
+      <dgm:prSet phldrT="[Text]"/>
+      <dgm:spPr/>
+      <dgm:t>
+        <a:bodyPr/>
+        <a:lstStyle/>
+        <a:p>
+          <a:r>
+            <a:rPr lang="en-US" smtClean="0"/>
+            <a:t> </a:t>
+          </a:r>
+          <a:endParaRPr lang="en-US"/>
+        </a:p>
+      </dgm:t>
+    </dgm:pt>
+    <dgm:pt modelId="{6983BF6D-1D80-417E-8ED1-A1DF5D5B2E1E}" type="parTrans" cxnId="{2BFE0C14-7874-4A8D-A07F-122A9625F0B3}">
+      <dgm:prSet/>
+      <dgm:spPr/>
+      <dgm:t>
+        <a:bodyPr/>
+        <a:lstStyle/>
+        <a:p>
+          <a:endParaRPr lang="en-US"/>
+        </a:p>
+      </dgm:t>
+    </dgm:pt>
+    <dgm:pt modelId="{9CD3DFB9-087F-42D2-ABB1-99F2A9A2C875}" type="sibTrans" cxnId="{2BFE0C14-7874-4A8D-A07F-122A9625F0B3}">
+      <dgm:prSet/>
+      <dgm:spPr/>
+      <dgm:t>
+        <a:bodyPr/>
+        <a:lstStyle/>
+        <a:p>
+          <a:endParaRPr lang="en-US"/>
+        </a:p>
+      </dgm:t>
+    </dgm:pt>
+    <dgm:pt modelId="{029D4ADE-ED8D-4EA1-B9D4-89C7D7A1CDF1}" type="asst">
+      <dgm:prSet phldrT="[Text]"/>
+      <dgm:spPr/>
+      <dgm:t>
+        <a:bodyPr/>
+        <a:lstStyle/>
+        <a:p>
+          <a:r>
+            <a:rPr lang="en-US" dirty="0" smtClean="0"/>
+            <a:t> </a:t>
+          </a:r>
+          <a:endParaRPr lang="en-US" dirty="0"/>
+        </a:p>
+      </dgm:t>
+    </dgm:pt>
+    <dgm:pt modelId="{AF16EA6B-7353-4053-A135-07D5836EE08B}" type="parTrans" cxnId="{589FA468-510D-41CB-8F3C-E90CF2074B53}">
+      <dgm:prSet/>
+      <dgm:spPr/>
+      <dgm:t>
+        <a:bodyPr/>
+        <a:lstStyle/>
+        <a:p>
+          <a:endParaRPr lang="en-US"/>
+        </a:p>
+      </dgm:t>
+    </dgm:pt>
+    <dgm:pt modelId="{E5E6B07E-DFD2-4A52-A3C7-23294CB3EE12}" type="sibTrans" cxnId="{589FA468-510D-41CB-8F3C-E90CF2074B53}">
+      <dgm:prSet/>
+      <dgm:spPr/>
+      <dgm:t>
+        <a:bodyPr/>
+        <a:lstStyle/>
+        <a:p>
+          <a:endParaRPr lang="en-US"/>
+        </a:p>
+      </dgm:t>
+    </dgm:pt>
+    <dgm:pt modelId="{160A9CD8-29DE-4ADF-9B27-7AD569DBEA9A}">
+      <dgm:prSet phldrT="[Text]"/>
+      <dgm:spPr/>
+      <dgm:t>
+        <a:bodyPr/>
+        <a:lstStyle/>
+        <a:p>
+          <a:r>
+            <a:rPr lang="en-US" dirty="0" smtClean="0"/>
+            <a:t> </a:t>
+          </a:r>
+          <a:endParaRPr lang="en-US" dirty="0"/>
+        </a:p>
+      </dgm:t>
+    </dgm:pt>
+    <dgm:pt modelId="{1660B795-AC76-42B9-97AF-E76912E5E9F6}" type="parTrans" cxnId="{81F14BB1-5649-47E2-B4C8-1B2204C7660B}">
+      <dgm:prSet/>
+      <dgm:spPr/>
+      <dgm:t>
+        <a:bodyPr/>
+        <a:lstStyle/>
+        <a:p>
+          <a:endParaRPr lang="en-US"/>
+        </a:p>
+      </dgm:t>
+    </dgm:pt>
+    <dgm:pt modelId="{EBC58C13-B814-478D-96A0-FACB09FCE087}" type="sibTrans" cxnId="{81F14BB1-5649-47E2-B4C8-1B2204C7660B}">
+      <dgm:prSet/>
+      <dgm:spPr/>
+      <dgm:t>
+        <a:bodyPr/>
+        <a:lstStyle/>
+        <a:p>
+          <a:endParaRPr lang="en-US"/>
+        </a:p>
+      </dgm:t>
+    </dgm:pt>
+    <dgm:pt modelId="{395FDB1D-246A-45B3-948C-1C5D437152BB}">
+      <dgm:prSet phldrT="[Text]"/>
+      <dgm:spPr/>
+      <dgm:t>
+        <a:bodyPr/>
+        <a:lstStyle/>
+        <a:p>
+          <a:r>
+            <a:rPr lang="en-US" dirty="0" smtClean="0"/>
+            <a:t> </a:t>
+          </a:r>
+          <a:endParaRPr lang="en-US" dirty="0"/>
+        </a:p>
+      </dgm:t>
+    </dgm:pt>
+    <dgm:pt modelId="{76B7127C-A954-4D6D-8E78-16A76AF5BD01}" type="parTrans" cxnId="{D47216B1-DE18-4BFA-8024-D5CF748FEB25}">
+      <dgm:prSet/>
+      <dgm:spPr/>
+      <dgm:t>
+        <a:bodyPr/>
+        <a:lstStyle/>
+        <a:p>
+          <a:endParaRPr lang="en-US"/>
+        </a:p>
+      </dgm:t>
+    </dgm:pt>
+    <dgm:pt modelId="{67820084-1D12-47AC-B14A-69883D458AD2}" type="sibTrans" cxnId="{D47216B1-DE18-4BFA-8024-D5CF748FEB25}">
+      <dgm:prSet/>
+      <dgm:spPr/>
+      <dgm:t>
+        <a:bodyPr/>
+        <a:lstStyle/>
+        <a:p>
+          <a:endParaRPr lang="en-US"/>
+        </a:p>
+      </dgm:t>
+    </dgm:pt>
+    <dgm:pt modelId="{78EA2BC9-6CD8-4B48-AF0B-C37E5AC58610}">
+      <dgm:prSet phldrT="[Text]"/>
+      <dgm:spPr/>
+      <dgm:t>
+        <a:bodyPr/>
+        <a:lstStyle/>
+        <a:p>
+          <a:r>
+            <a:rPr lang="en-US" dirty="0" smtClean="0"/>
+            <a:t> </a:t>
+          </a:r>
+          <a:endParaRPr lang="en-US" dirty="0"/>
+        </a:p>
+      </dgm:t>
+    </dgm:pt>
+    <dgm:pt modelId="{5713D143-9C47-4964-892D-3632FD3CF851}" type="parTrans" cxnId="{147009AC-4734-47FB-B00F-2A7D4941CDD6}">
+      <dgm:prSet/>
+      <dgm:spPr/>
+      <dgm:t>
+        <a:bodyPr/>
+        <a:lstStyle/>
+        <a:p>
+          <a:endParaRPr lang="en-US"/>
+        </a:p>
+      </dgm:t>
+    </dgm:pt>
+    <dgm:pt modelId="{D571796E-6393-4786-B5D3-A77C01EA273A}" type="sibTrans" cxnId="{147009AC-4734-47FB-B00F-2A7D4941CDD6}">
+      <dgm:prSet/>
+      <dgm:spPr/>
+      <dgm:t>
+        <a:bodyPr/>
+        <a:lstStyle/>
+        <a:p>
+          <a:endParaRPr lang="en-US"/>
+        </a:p>
+      </dgm:t>
+    </dgm:pt>
+    <dgm:pt modelId="{F4595A86-4A99-4355-B61E-798C3365A643}" type="pres">
+      <dgm:prSet presAssocID="{5CD6EE36-BB0F-4305-A635-C2AEE05DF3B6}" presName="hierChild1" presStyleCnt="0">
+        <dgm:presLayoutVars>
+          <dgm:orgChart val="1"/>
+          <dgm:chPref val="1"/>
+          <dgm:dir/>
+          <dgm:animOne val="branch"/>
+          <dgm:animLvl val="lvl"/>
+          <dgm:resizeHandles/>
+        </dgm:presLayoutVars>
+      </dgm:prSet>
+      <dgm:spPr/>
+      <dgm:t>
+        <a:bodyPr/>
+        <a:lstStyle/>
+        <a:p>
+          <a:endParaRPr lang="en-US"/>
+        </a:p>
+      </dgm:t>
+    </dgm:pt>
+    <dgm:pt modelId="{1B5782E8-6011-41D4-9713-F9B87E5E343E}" type="pres">
+      <dgm:prSet presAssocID="{E0C605CD-CF0C-4C9B-A87E-4BC4D356A21F}" presName="hierRoot1" presStyleCnt="0">
+        <dgm:presLayoutVars>
+          <dgm:hierBranch val="init"/>
+        </dgm:presLayoutVars>
+      </dgm:prSet>
+      <dgm:spPr/>
+    </dgm:pt>
+    <dgm:pt modelId="{3E853BBC-796D-4608-8571-2B2F13A7461D}" type="pres">
+      <dgm:prSet presAssocID="{E0C605CD-CF0C-4C9B-A87E-4BC4D356A21F}" presName="rootComposite1" presStyleCnt="0"/>
+      <dgm:spPr/>
+    </dgm:pt>
+    <dgm:pt modelId="{20299A4B-1C69-4B86-8EDE-B88B470CE39C}" type="pres">
+      <dgm:prSet presAssocID="{E0C605CD-CF0C-4C9B-A87E-4BC4D356A21F}" presName="rootText1" presStyleLbl="node0" presStyleIdx="0" presStyleCnt="1">
+        <dgm:presLayoutVars>
+          <dgm:chPref val="3"/>
+        </dgm:presLayoutVars>
+      </dgm:prSet>
+      <dgm:spPr/>
+      <dgm:t>
+        <a:bodyPr/>
+        <a:lstStyle/>
+        <a:p>
+          <a:endParaRPr lang="en-US"/>
+        </a:p>
+      </dgm:t>
+    </dgm:pt>
+    <dgm:pt modelId="{3CA0AE3A-B7AE-45BB-91D9-3E7112C11563}" type="pres">
+      <dgm:prSet presAssocID="{E0C605CD-CF0C-4C9B-A87E-4BC4D356A21F}" presName="rootConnector1" presStyleLbl="node1" presStyleIdx="0" presStyleCnt="0"/>
+      <dgm:spPr/>
+      <dgm:t>
+        <a:bodyPr/>
+        <a:lstStyle/>
+        <a:p>
+          <a:endParaRPr lang="en-US"/>
+        </a:p>
+      </dgm:t>
+    </dgm:pt>
+    <dgm:pt modelId="{9ED4AEF1-FB6E-49CA-AD4A-3EBB0BD1B555}" type="pres">
+      <dgm:prSet presAssocID="{E0C605CD-CF0C-4C9B-A87E-4BC4D356A21F}" presName="hierChild2" presStyleCnt="0"/>
+      <dgm:spPr/>
+    </dgm:pt>
+    <dgm:pt modelId="{C4CBC522-70EC-4DAD-9ABB-7FBBFD02DC42}" type="pres">
+      <dgm:prSet presAssocID="{1660B795-AC76-42B9-97AF-E76912E5E9F6}" presName="Name37" presStyleLbl="parChTrans1D2" presStyleIdx="0" presStyleCnt="4"/>
+      <dgm:spPr/>
+      <dgm:t>
+        <a:bodyPr/>
+        <a:lstStyle/>
+        <a:p>
+          <a:endParaRPr lang="en-US"/>
+        </a:p>
+      </dgm:t>
+    </dgm:pt>
+    <dgm:pt modelId="{A8003B99-B9EE-4C53-8B05-60EF723CF6BB}" type="pres">
+      <dgm:prSet presAssocID="{160A9CD8-29DE-4ADF-9B27-7AD569DBEA9A}" presName="hierRoot2" presStyleCnt="0">
+        <dgm:presLayoutVars>
+          <dgm:hierBranch val="init"/>
+        </dgm:presLayoutVars>
+      </dgm:prSet>
+      <dgm:spPr/>
+    </dgm:pt>
+    <dgm:pt modelId="{FFE4C4D1-8F9F-4224-B3C3-83DBBCD6D7ED}" type="pres">
+      <dgm:prSet presAssocID="{160A9CD8-29DE-4ADF-9B27-7AD569DBEA9A}" presName="rootComposite" presStyleCnt="0"/>
+      <dgm:spPr/>
+    </dgm:pt>
+    <dgm:pt modelId="{0B59B7D1-BFCB-4752-A954-4AE6C033913E}" type="pres">
+      <dgm:prSet presAssocID="{160A9CD8-29DE-4ADF-9B27-7AD569DBEA9A}" presName="rootText" presStyleLbl="node2" presStyleIdx="0" presStyleCnt="3">
+        <dgm:presLayoutVars>
+          <dgm:chPref val="3"/>
+        </dgm:presLayoutVars>
+      </dgm:prSet>
+      <dgm:spPr/>
+      <dgm:t>
+        <a:bodyPr/>
+        <a:lstStyle/>
+        <a:p>
+          <a:endParaRPr lang="en-US"/>
+        </a:p>
+      </dgm:t>
+    </dgm:pt>
+    <dgm:pt modelId="{C074D779-DF8B-481C-B825-FAE2E925B78C}" type="pres">
+      <dgm:prSet presAssocID="{160A9CD8-29DE-4ADF-9B27-7AD569DBEA9A}" presName="rootConnector" presStyleLbl="node2" presStyleIdx="0" presStyleCnt="3"/>
+      <dgm:spPr/>
+      <dgm:t>
+        <a:bodyPr/>
+        <a:lstStyle/>
+        <a:p>
+          <a:endParaRPr lang="en-US"/>
+        </a:p>
+      </dgm:t>
+    </dgm:pt>
+    <dgm:pt modelId="{22C0C3AE-0FE5-4EAD-8B34-F322420E387D}" type="pres">
+      <dgm:prSet presAssocID="{160A9CD8-29DE-4ADF-9B27-7AD569DBEA9A}" presName="hierChild4" presStyleCnt="0"/>
+      <dgm:spPr/>
+    </dgm:pt>
+    <dgm:pt modelId="{A64530F5-0B77-4DC8-8D7D-25535F5EFE3C}" type="pres">
+      <dgm:prSet presAssocID="{160A9CD8-29DE-4ADF-9B27-7AD569DBEA9A}" presName="hierChild5" presStyleCnt="0"/>
+      <dgm:spPr/>
+    </dgm:pt>
+    <dgm:pt modelId="{68D7B0CB-B276-4213-8E97-7EF993DB122A}" type="pres">
+      <dgm:prSet presAssocID="{76B7127C-A954-4D6D-8E78-16A76AF5BD01}" presName="Name37" presStyleLbl="parChTrans1D2" presStyleIdx="1" presStyleCnt="4"/>
+      <dgm:spPr/>
+      <dgm:t>
+        <a:bodyPr/>
+        <a:lstStyle/>
+        <a:p>
+          <a:endParaRPr lang="en-US"/>
+        </a:p>
+      </dgm:t>
+    </dgm:pt>
+    <dgm:pt modelId="{B798C1C3-E9DC-4B5B-AF7A-F5C0F3190E58}" type="pres">
+      <dgm:prSet presAssocID="{395FDB1D-246A-45B3-948C-1C5D437152BB}" presName="hierRoot2" presStyleCnt="0">
+        <dgm:presLayoutVars>
+          <dgm:hierBranch val="init"/>
+        </dgm:presLayoutVars>
+      </dgm:prSet>
+      <dgm:spPr/>
+    </dgm:pt>
+    <dgm:pt modelId="{74AD10BE-AFC3-4EE6-B87D-172E4553A08B}" type="pres">
+      <dgm:prSet presAssocID="{395FDB1D-246A-45B3-948C-1C5D437152BB}" presName="rootComposite" presStyleCnt="0"/>
+      <dgm:spPr/>
+    </dgm:pt>
+    <dgm:pt modelId="{97DAA86D-408A-46F2-8645-08155275A9BD}" type="pres">
+      <dgm:prSet presAssocID="{395FDB1D-246A-45B3-948C-1C5D437152BB}" presName="rootText" presStyleLbl="node2" presStyleIdx="1" presStyleCnt="3">
+        <dgm:presLayoutVars>
+          <dgm:chPref val="3"/>
+        </dgm:presLayoutVars>
+      </dgm:prSet>
+      <dgm:spPr/>
+      <dgm:t>
+        <a:bodyPr/>
+        <a:lstStyle/>
+        <a:p>
+          <a:endParaRPr lang="en-US"/>
+        </a:p>
+      </dgm:t>
+    </dgm:pt>
+    <dgm:pt modelId="{24DDB095-FDEE-41F1-A6F8-2C94B55D2D06}" type="pres">
+      <dgm:prSet presAssocID="{395FDB1D-246A-45B3-948C-1C5D437152BB}" presName="rootConnector" presStyleLbl="node2" presStyleIdx="1" presStyleCnt="3"/>
+      <dgm:spPr/>
+      <dgm:t>
+        <a:bodyPr/>
+        <a:lstStyle/>
+        <a:p>
+          <a:endParaRPr lang="en-US"/>
+        </a:p>
+      </dgm:t>
+    </dgm:pt>
+    <dgm:pt modelId="{911D93DB-26DA-4EBD-BC4B-A48C05A113CA}" type="pres">
+      <dgm:prSet presAssocID="{395FDB1D-246A-45B3-948C-1C5D437152BB}" presName="hierChild4" presStyleCnt="0"/>
+      <dgm:spPr/>
+    </dgm:pt>
+    <dgm:pt modelId="{7D4E5427-FCD1-44A3-A7AC-3F0B688F5914}" type="pres">
+      <dgm:prSet presAssocID="{395FDB1D-246A-45B3-948C-1C5D437152BB}" presName="hierChild5" presStyleCnt="0"/>
+      <dgm:spPr/>
+    </dgm:pt>
+    <dgm:pt modelId="{EF82E21C-3DC8-4557-B814-29CE3E8DA8F5}" type="pres">
+      <dgm:prSet presAssocID="{5713D143-9C47-4964-892D-3632FD3CF851}" presName="Name37" presStyleLbl="parChTrans1D2" presStyleIdx="2" presStyleCnt="4"/>
+      <dgm:spPr/>
+      <dgm:t>
+        <a:bodyPr/>
+        <a:lstStyle/>
+        <a:p>
+          <a:endParaRPr lang="en-US"/>
+        </a:p>
+      </dgm:t>
+    </dgm:pt>
+    <dgm:pt modelId="{2EE8C3E2-3AB8-46F6-8C72-37184D3C6050}" type="pres">
+      <dgm:prSet presAssocID="{78EA2BC9-6CD8-4B48-AF0B-C37E5AC58610}" presName="hierRoot2" presStyleCnt="0">
+        <dgm:presLayoutVars>
+          <dgm:hierBranch val="init"/>
+        </dgm:presLayoutVars>
+      </dgm:prSet>
+      <dgm:spPr/>
+    </dgm:pt>
+    <dgm:pt modelId="{60086449-6DB5-45D1-BD1E-159F7E3DF8C6}" type="pres">
+      <dgm:prSet presAssocID="{78EA2BC9-6CD8-4B48-AF0B-C37E5AC58610}" presName="rootComposite" presStyleCnt="0"/>
+      <dgm:spPr/>
+    </dgm:pt>
+    <dgm:pt modelId="{C37B43C8-CE5E-4803-8D3D-CAA4FA77884B}" type="pres">
+      <dgm:prSet presAssocID="{78EA2BC9-6CD8-4B48-AF0B-C37E5AC58610}" presName="rootText" presStyleLbl="node2" presStyleIdx="2" presStyleCnt="3">
+        <dgm:presLayoutVars>
+          <dgm:chPref val="3"/>
+        </dgm:presLayoutVars>
+      </dgm:prSet>
+      <dgm:spPr/>
+      <dgm:t>
+        <a:bodyPr/>
+        <a:lstStyle/>
+        <a:p>
+          <a:endParaRPr lang="en-US"/>
+        </a:p>
+      </dgm:t>
+    </dgm:pt>
+    <dgm:pt modelId="{1DBE5C34-578E-4FAC-A8A3-EB01CBEC9231}" type="pres">
+      <dgm:prSet presAssocID="{78EA2BC9-6CD8-4B48-AF0B-C37E5AC58610}" presName="rootConnector" presStyleLbl="node2" presStyleIdx="2" presStyleCnt="3"/>
+      <dgm:spPr/>
+      <dgm:t>
+        <a:bodyPr/>
+        <a:lstStyle/>
+        <a:p>
+          <a:endParaRPr lang="en-US"/>
+        </a:p>
+      </dgm:t>
+    </dgm:pt>
+    <dgm:pt modelId="{D536B39C-FCE4-4282-BC3D-4B822664CE9D}" type="pres">
+      <dgm:prSet presAssocID="{78EA2BC9-6CD8-4B48-AF0B-C37E5AC58610}" presName="hierChild4" presStyleCnt="0"/>
+      <dgm:spPr/>
+    </dgm:pt>
+    <dgm:pt modelId="{91DFBC37-6BF5-40CF-A882-4449A966B44D}" type="pres">
+      <dgm:prSet presAssocID="{78EA2BC9-6CD8-4B48-AF0B-C37E5AC58610}" presName="hierChild5" presStyleCnt="0"/>
+      <dgm:spPr/>
+    </dgm:pt>
+    <dgm:pt modelId="{E6BDC327-05A1-4EAB-B455-50603B3021BD}" type="pres">
+      <dgm:prSet presAssocID="{E0C605CD-CF0C-4C9B-A87E-4BC4D356A21F}" presName="hierChild3" presStyleCnt="0"/>
+      <dgm:spPr/>
+    </dgm:pt>
+    <dgm:pt modelId="{D82AF006-7F10-44F4-A3F3-6DA0C2FBB56E}" type="pres">
+      <dgm:prSet presAssocID="{AF16EA6B-7353-4053-A135-07D5836EE08B}" presName="Name111" presStyleLbl="parChTrans1D2" presStyleIdx="3" presStyleCnt="4"/>
+      <dgm:spPr/>
+      <dgm:t>
+        <a:bodyPr/>
+        <a:lstStyle/>
+        <a:p>
+          <a:endParaRPr lang="en-US"/>
+        </a:p>
+      </dgm:t>
+    </dgm:pt>
+    <dgm:pt modelId="{C2D01FE5-50E0-4324-BB45-D927C0DDCBEF}" type="pres">
+      <dgm:prSet presAssocID="{029D4ADE-ED8D-4EA1-B9D4-89C7D7A1CDF1}" presName="hierRoot3" presStyleCnt="0">
+        <dgm:presLayoutVars>
+          <dgm:hierBranch val="init"/>
+        </dgm:presLayoutVars>
+      </dgm:prSet>
+      <dgm:spPr/>
+    </dgm:pt>
+    <dgm:pt modelId="{BEF88C7D-505D-4AC8-85BC-5EBCA0504401}" type="pres">
+      <dgm:prSet presAssocID="{029D4ADE-ED8D-4EA1-B9D4-89C7D7A1CDF1}" presName="rootComposite3" presStyleCnt="0"/>
+      <dgm:spPr/>
+    </dgm:pt>
+    <dgm:pt modelId="{FB5FBBDF-B528-46EF-93B5-58A27D0E33BC}" type="pres">
+      <dgm:prSet presAssocID="{029D4ADE-ED8D-4EA1-B9D4-89C7D7A1CDF1}" presName="rootText3" presStyleLbl="asst1" presStyleIdx="0" presStyleCnt="1">
+        <dgm:presLayoutVars>
+          <dgm:chPref val="3"/>
+        </dgm:presLayoutVars>
+      </dgm:prSet>
+      <dgm:spPr/>
+      <dgm:t>
+        <a:bodyPr/>
+        <a:lstStyle/>
+        <a:p>
+          <a:endParaRPr lang="en-US"/>
+        </a:p>
+      </dgm:t>
+    </dgm:pt>
+    <dgm:pt modelId="{AF24FF39-2FE8-4743-BD11-A67934916A9B}" type="pres">
+      <dgm:prSet presAssocID="{029D4ADE-ED8D-4EA1-B9D4-89C7D7A1CDF1}" presName="rootConnector3" presStyleLbl="asst1" presStyleIdx="0" presStyleCnt="1"/>
+      <dgm:spPr/>
+      <dgm:t>
+        <a:bodyPr/>
+        <a:lstStyle/>
+        <a:p>
+          <a:endParaRPr lang="en-US"/>
+        </a:p>
+      </dgm:t>
+    </dgm:pt>
+    <dgm:pt modelId="{315A28DC-7677-4295-A20C-2318467AA795}" type="pres">
+      <dgm:prSet presAssocID="{029D4ADE-ED8D-4EA1-B9D4-89C7D7A1CDF1}" presName="hierChild6" presStyleCnt="0"/>
+      <dgm:spPr/>
+    </dgm:pt>
+    <dgm:pt modelId="{A89554F1-5437-490D-9D1C-DE6F3CB11607}" type="pres">
+      <dgm:prSet presAssocID="{029D4ADE-ED8D-4EA1-B9D4-89C7D7A1CDF1}" presName="hierChild7" presStyleCnt="0"/>
+      <dgm:spPr/>
+    </dgm:pt>
+  </dgm:ptLst>
+  <dgm:cxnLst>
+    <dgm:cxn modelId="{47DFF62B-AF89-4ABC-B9F5-D071802A3AE4}" type="presOf" srcId="{78EA2BC9-6CD8-4B48-AF0B-C37E5AC58610}" destId="{C37B43C8-CE5E-4803-8D3D-CAA4FA77884B}" srcOrd="0" destOrd="0" presId="urn:microsoft.com/office/officeart/2005/8/layout/orgChart1"/>
+    <dgm:cxn modelId="{EA3F82AF-8171-4E1A-B1D6-8A3ADC0EABF5}" type="presOf" srcId="{160A9CD8-29DE-4ADF-9B27-7AD569DBEA9A}" destId="{C074D779-DF8B-481C-B825-FAE2E925B78C}" srcOrd="1" destOrd="0" presId="urn:microsoft.com/office/officeart/2005/8/layout/orgChart1"/>
+    <dgm:cxn modelId="{858F3BC2-EB67-400B-BE69-4F0F909EEA48}" type="presOf" srcId="{029D4ADE-ED8D-4EA1-B9D4-89C7D7A1CDF1}" destId="{AF24FF39-2FE8-4743-BD11-A67934916A9B}" srcOrd="1" destOrd="0" presId="urn:microsoft.com/office/officeart/2005/8/layout/orgChart1"/>
+    <dgm:cxn modelId="{64984F9F-273C-4595-B237-9642E8E46BA4}" type="presOf" srcId="{76B7127C-A954-4D6D-8E78-16A76AF5BD01}" destId="{68D7B0CB-B276-4213-8E97-7EF993DB122A}" srcOrd="0" destOrd="0" presId="urn:microsoft.com/office/officeart/2005/8/layout/orgChart1"/>
+    <dgm:cxn modelId="{CFAC6605-EF56-4FE9-82AD-499202838B4D}" type="presOf" srcId="{E0C605CD-CF0C-4C9B-A87E-4BC4D356A21F}" destId="{20299A4B-1C69-4B86-8EDE-B88B470CE39C}" srcOrd="0" destOrd="0" presId="urn:microsoft.com/office/officeart/2005/8/layout/orgChart1"/>
+    <dgm:cxn modelId="{7E764D3B-1D96-4A7B-A572-BDD5E01FF6AB}" type="presOf" srcId="{395FDB1D-246A-45B3-948C-1C5D437152BB}" destId="{97DAA86D-408A-46F2-8645-08155275A9BD}" srcOrd="0" destOrd="0" presId="urn:microsoft.com/office/officeart/2005/8/layout/orgChart1"/>
+    <dgm:cxn modelId="{589FA468-510D-41CB-8F3C-E90CF2074B53}" srcId="{E0C605CD-CF0C-4C9B-A87E-4BC4D356A21F}" destId="{029D4ADE-ED8D-4EA1-B9D4-89C7D7A1CDF1}" srcOrd="0" destOrd="0" parTransId="{AF16EA6B-7353-4053-A135-07D5836EE08B}" sibTransId="{E5E6B07E-DFD2-4A52-A3C7-23294CB3EE12}"/>
+    <dgm:cxn modelId="{2BFE0C14-7874-4A8D-A07F-122A9625F0B3}" srcId="{5CD6EE36-BB0F-4305-A635-C2AEE05DF3B6}" destId="{E0C605CD-CF0C-4C9B-A87E-4BC4D356A21F}" srcOrd="0" destOrd="0" parTransId="{6983BF6D-1D80-417E-8ED1-A1DF5D5B2E1E}" sibTransId="{9CD3DFB9-087F-42D2-ABB1-99F2A9A2C875}"/>
+    <dgm:cxn modelId="{F47D3CFA-4C78-42B0-A33A-8DF0C8B6E5E3}" type="presOf" srcId="{029D4ADE-ED8D-4EA1-B9D4-89C7D7A1CDF1}" destId="{FB5FBBDF-B528-46EF-93B5-58A27D0E33BC}" srcOrd="0" destOrd="0" presId="urn:microsoft.com/office/officeart/2005/8/layout/orgChart1"/>
+    <dgm:cxn modelId="{81F14BB1-5649-47E2-B4C8-1B2204C7660B}" srcId="{E0C605CD-CF0C-4C9B-A87E-4BC4D356A21F}" destId="{160A9CD8-29DE-4ADF-9B27-7AD569DBEA9A}" srcOrd="1" destOrd="0" parTransId="{1660B795-AC76-42B9-97AF-E76912E5E9F6}" sibTransId="{EBC58C13-B814-478D-96A0-FACB09FCE087}"/>
+    <dgm:cxn modelId="{EDCD2BE4-D1B2-42BB-9B9E-0105499A0600}" type="presOf" srcId="{78EA2BC9-6CD8-4B48-AF0B-C37E5AC58610}" destId="{1DBE5C34-578E-4FAC-A8A3-EB01CBEC9231}" srcOrd="1" destOrd="0" presId="urn:microsoft.com/office/officeart/2005/8/layout/orgChart1"/>
+    <dgm:cxn modelId="{2A253D35-F3D1-4C11-998A-5571F7A90C51}" type="presOf" srcId="{160A9CD8-29DE-4ADF-9B27-7AD569DBEA9A}" destId="{0B59B7D1-BFCB-4752-A954-4AE6C033913E}" srcOrd="0" destOrd="0" presId="urn:microsoft.com/office/officeart/2005/8/layout/orgChart1"/>
+    <dgm:cxn modelId="{5BEDDF9D-1FBB-4D07-9D1C-312AA8658DC1}" type="presOf" srcId="{1660B795-AC76-42B9-97AF-E76912E5E9F6}" destId="{C4CBC522-70EC-4DAD-9ABB-7FBBFD02DC42}" srcOrd="0" destOrd="0" presId="urn:microsoft.com/office/officeart/2005/8/layout/orgChart1"/>
+    <dgm:cxn modelId="{B02B2A74-B858-46D2-BEC5-C75BAE790A5C}" type="presOf" srcId="{AF16EA6B-7353-4053-A135-07D5836EE08B}" destId="{D82AF006-7F10-44F4-A3F3-6DA0C2FBB56E}" srcOrd="0" destOrd="0" presId="urn:microsoft.com/office/officeart/2005/8/layout/orgChart1"/>
+    <dgm:cxn modelId="{DD0B5C90-0FB9-4D99-86D6-BB25FE504394}" type="presOf" srcId="{395FDB1D-246A-45B3-948C-1C5D437152BB}" destId="{24DDB095-FDEE-41F1-A6F8-2C94B55D2D06}" srcOrd="1" destOrd="0" presId="urn:microsoft.com/office/officeart/2005/8/layout/orgChart1"/>
+    <dgm:cxn modelId="{1D3946E9-56B5-46CD-B167-02BE12688986}" type="presOf" srcId="{E0C605CD-CF0C-4C9B-A87E-4BC4D356A21F}" destId="{3CA0AE3A-B7AE-45BB-91D9-3E7112C11563}" srcOrd="1" destOrd="0" presId="urn:microsoft.com/office/officeart/2005/8/layout/orgChart1"/>
+    <dgm:cxn modelId="{C2BC38F4-1BAE-4D75-927C-7F659D3B18B3}" type="presOf" srcId="{5713D143-9C47-4964-892D-3632FD3CF851}" destId="{EF82E21C-3DC8-4557-B814-29CE3E8DA8F5}" srcOrd="0" destOrd="0" presId="urn:microsoft.com/office/officeart/2005/8/layout/orgChart1"/>
+    <dgm:cxn modelId="{D47216B1-DE18-4BFA-8024-D5CF748FEB25}" srcId="{E0C605CD-CF0C-4C9B-A87E-4BC4D356A21F}" destId="{395FDB1D-246A-45B3-948C-1C5D437152BB}" srcOrd="2" destOrd="0" parTransId="{76B7127C-A954-4D6D-8E78-16A76AF5BD01}" sibTransId="{67820084-1D12-47AC-B14A-69883D458AD2}"/>
+    <dgm:cxn modelId="{E902F66C-71AD-4BE2-A39E-6D36D7F07A1A}" type="presOf" srcId="{5CD6EE36-BB0F-4305-A635-C2AEE05DF3B6}" destId="{F4595A86-4A99-4355-B61E-798C3365A643}" srcOrd="0" destOrd="0" presId="urn:microsoft.com/office/officeart/2005/8/layout/orgChart1"/>
+    <dgm:cxn modelId="{147009AC-4734-47FB-B00F-2A7D4941CDD6}" srcId="{E0C605CD-CF0C-4C9B-A87E-4BC4D356A21F}" destId="{78EA2BC9-6CD8-4B48-AF0B-C37E5AC58610}" srcOrd="3" destOrd="0" parTransId="{5713D143-9C47-4964-892D-3632FD3CF851}" sibTransId="{D571796E-6393-4786-B5D3-A77C01EA273A}"/>
+    <dgm:cxn modelId="{BA5935E3-9F99-48FC-BF06-23B25E277F62}" type="presParOf" srcId="{F4595A86-4A99-4355-B61E-798C3365A643}" destId="{1B5782E8-6011-41D4-9713-F9B87E5E343E}" srcOrd="0" destOrd="0" presId="urn:microsoft.com/office/officeart/2005/8/layout/orgChart1"/>
+    <dgm:cxn modelId="{48BC016F-4C82-44C7-B5A9-A7D0E6E120A3}" type="presParOf" srcId="{1B5782E8-6011-41D4-9713-F9B87E5E343E}" destId="{3E853BBC-796D-4608-8571-2B2F13A7461D}" srcOrd="0" destOrd="0" presId="urn:microsoft.com/office/officeart/2005/8/layout/orgChart1"/>
+    <dgm:cxn modelId="{A59AADF9-4DF0-4600-A825-5F1573BE820A}" type="presParOf" srcId="{3E853BBC-796D-4608-8571-2B2F13A7461D}" destId="{20299A4B-1C69-4B86-8EDE-B88B470CE39C}" srcOrd="0" destOrd="0" presId="urn:microsoft.com/office/officeart/2005/8/layout/orgChart1"/>
+    <dgm:cxn modelId="{EAE13DD1-711F-4791-A6C3-F46AC0BDC0DF}" type="presParOf" srcId="{3E853BBC-796D-4608-8571-2B2F13A7461D}" destId="{3CA0AE3A-B7AE-45BB-91D9-3E7112C11563}" srcOrd="1" destOrd="0" presId="urn:microsoft.com/office/officeart/2005/8/layout/orgChart1"/>
+    <dgm:cxn modelId="{C7030113-69E3-4E12-A36F-FE0103EFC492}" type="presParOf" srcId="{1B5782E8-6011-41D4-9713-F9B87E5E343E}" destId="{9ED4AEF1-FB6E-49CA-AD4A-3EBB0BD1B555}" srcOrd="1" destOrd="0" presId="urn:microsoft.com/office/officeart/2005/8/layout/orgChart1"/>
+    <dgm:cxn modelId="{D7C90C0C-B759-4532-800B-E7223156A781}" type="presParOf" srcId="{9ED4AEF1-FB6E-49CA-AD4A-3EBB0BD1B555}" destId="{C4CBC522-70EC-4DAD-9ABB-7FBBFD02DC42}" srcOrd="0" destOrd="0" presId="urn:microsoft.com/office/officeart/2005/8/layout/orgChart1"/>
+    <dgm:cxn modelId="{073F8D06-6DCC-406C-AD52-6B30DD3C88AA}" type="presParOf" srcId="{9ED4AEF1-FB6E-49CA-AD4A-3EBB0BD1B555}" destId="{A8003B99-B9EE-4C53-8B05-60EF723CF6BB}" srcOrd="1" destOrd="0" presId="urn:microsoft.com/office/officeart/2005/8/layout/orgChart1"/>
+    <dgm:cxn modelId="{C2646328-6AFD-4D36-AF5D-FEB8D349D3E6}" type="presParOf" srcId="{A8003B99-B9EE-4C53-8B05-60EF723CF6BB}" destId="{FFE4C4D1-8F9F-4224-B3C3-83DBBCD6D7ED}" srcOrd="0" destOrd="0" presId="urn:microsoft.com/office/officeart/2005/8/layout/orgChart1"/>
+    <dgm:cxn modelId="{3B539DAF-1155-48F8-AE6E-358FD4405CAB}" type="presParOf" srcId="{FFE4C4D1-8F9F-4224-B3C3-83DBBCD6D7ED}" destId="{0B59B7D1-BFCB-4752-A954-4AE6C033913E}" srcOrd="0" destOrd="0" presId="urn:microsoft.com/office/officeart/2005/8/layout/orgChart1"/>
+    <dgm:cxn modelId="{F0D17B11-1E6B-4512-AEFE-BB33C023DED4}" type="presParOf" srcId="{FFE4C4D1-8F9F-4224-B3C3-83DBBCD6D7ED}" destId="{C074D779-DF8B-481C-B825-FAE2E925B78C}" srcOrd="1" destOrd="0" presId="urn:microsoft.com/office/officeart/2005/8/layout/orgChart1"/>
+    <dgm:cxn modelId="{0AA0801A-5037-4ADD-BB9C-938FE608ACE9}" type="presParOf" srcId="{A8003B99-B9EE-4C53-8B05-60EF723CF6BB}" destId="{22C0C3AE-0FE5-4EAD-8B34-F322420E387D}" srcOrd="1" destOrd="0" presId="urn:microsoft.com/office/officeart/2005/8/layout/orgChart1"/>
+    <dgm:cxn modelId="{16EA193F-F065-40C2-9828-287FDABE0568}" type="presParOf" srcId="{A8003B99-B9EE-4C53-8B05-60EF723CF6BB}" destId="{A64530F5-0B77-4DC8-8D7D-25535F5EFE3C}" srcOrd="2" destOrd="0" presId="urn:microsoft.com/office/officeart/2005/8/layout/orgChart1"/>
+    <dgm:cxn modelId="{3D315721-53F3-47AB-9590-981594576086}" type="presParOf" srcId="{9ED4AEF1-FB6E-49CA-AD4A-3EBB0BD1B555}" destId="{68D7B0CB-B276-4213-8E97-7EF993DB122A}" srcOrd="2" destOrd="0" presId="urn:microsoft.com/office/officeart/2005/8/layout/orgChart1"/>
+    <dgm:cxn modelId="{AF627745-74D4-4EEF-8890-5871C53E490E}" type="presParOf" srcId="{9ED4AEF1-FB6E-49CA-AD4A-3EBB0BD1B555}" destId="{B798C1C3-E9DC-4B5B-AF7A-F5C0F3190E58}" srcOrd="3" destOrd="0" presId="urn:microsoft.com/office/officeart/2005/8/layout/orgChart1"/>
+    <dgm:cxn modelId="{8B7BD3E3-E539-48C5-8CA9-488BC18DF0F9}" type="presParOf" srcId="{B798C1C3-E9DC-4B5B-AF7A-F5C0F3190E58}" destId="{74AD10BE-AFC3-4EE6-B87D-172E4553A08B}" srcOrd="0" destOrd="0" presId="urn:microsoft.com/office/officeart/2005/8/layout/orgChart1"/>
+    <dgm:cxn modelId="{47ED10B0-320B-491A-B855-DFB1883CD8D8}" type="presParOf" srcId="{74AD10BE-AFC3-4EE6-B87D-172E4553A08B}" destId="{97DAA86D-408A-46F2-8645-08155275A9BD}" srcOrd="0" destOrd="0" presId="urn:microsoft.com/office/officeart/2005/8/layout/orgChart1"/>
+    <dgm:cxn modelId="{BD1C0CA8-D2F6-43C7-A42A-4C114F1B3C79}" type="presParOf" srcId="{74AD10BE-AFC3-4EE6-B87D-172E4553A08B}" destId="{24DDB095-FDEE-41F1-A6F8-2C94B55D2D06}" srcOrd="1" destOrd="0" presId="urn:microsoft.com/office/officeart/2005/8/layout/orgChart1"/>
+    <dgm:cxn modelId="{248675BC-54B8-4801-851A-3115B045B116}" type="presParOf" srcId="{B798C1C3-E9DC-4B5B-AF7A-F5C0F3190E58}" destId="{911D93DB-26DA-4EBD-BC4B-A48C05A113CA}" srcOrd="1" destOrd="0" presId="urn:microsoft.com/office/officeart/2005/8/layout/orgChart1"/>
+    <dgm:cxn modelId="{A6747F8D-B837-4047-92FC-E1F9A1F72D56}" type="presParOf" srcId="{B798C1C3-E9DC-4B5B-AF7A-F5C0F3190E58}" destId="{7D4E5427-FCD1-44A3-A7AC-3F0B688F5914}" srcOrd="2" destOrd="0" presId="urn:microsoft.com/office/officeart/2005/8/layout/orgChart1"/>
+    <dgm:cxn modelId="{1F2C0083-7C3B-4DBF-8222-CDA9DD092C7A}" type="presParOf" srcId="{9ED4AEF1-FB6E-49CA-AD4A-3EBB0BD1B555}" destId="{EF82E21C-3DC8-4557-B814-29CE3E8DA8F5}" srcOrd="4" destOrd="0" presId="urn:microsoft.com/office/officeart/2005/8/layout/orgChart1"/>
+    <dgm:cxn modelId="{C71E91F7-7643-4352-8D3E-000E6BD42E2F}" type="presParOf" srcId="{9ED4AEF1-FB6E-49CA-AD4A-3EBB0BD1B555}" destId="{2EE8C3E2-3AB8-46F6-8C72-37184D3C6050}" srcOrd="5" destOrd="0" presId="urn:microsoft.com/office/officeart/2005/8/layout/orgChart1"/>
+    <dgm:cxn modelId="{8B8AB3D3-050C-4282-8B7C-0F255AD167BC}" type="presParOf" srcId="{2EE8C3E2-3AB8-46F6-8C72-37184D3C6050}" destId="{60086449-6DB5-45D1-BD1E-159F7E3DF8C6}" srcOrd="0" destOrd="0" presId="urn:microsoft.com/office/officeart/2005/8/layout/orgChart1"/>
+    <dgm:cxn modelId="{8005F8BD-2531-4861-B5B3-8CAAFE6B6587}" type="presParOf" srcId="{60086449-6DB5-45D1-BD1E-159F7E3DF8C6}" destId="{C37B43C8-CE5E-4803-8D3D-CAA4FA77884B}" srcOrd="0" destOrd="0" presId="urn:microsoft.com/office/officeart/2005/8/layout/orgChart1"/>
+    <dgm:cxn modelId="{6A6F4297-3BAD-4F6F-9E6C-5C9CBEF5EB95}" type="presParOf" srcId="{60086449-6DB5-45D1-BD1E-159F7E3DF8C6}" destId="{1DBE5C34-578E-4FAC-A8A3-EB01CBEC9231}" srcOrd="1" destOrd="0" presId="urn:microsoft.com/office/officeart/2005/8/layout/orgChart1"/>
+    <dgm:cxn modelId="{95920768-394C-4278-B445-BF7BCE447CBF}" type="presParOf" srcId="{2EE8C3E2-3AB8-46F6-8C72-37184D3C6050}" destId="{D536B39C-FCE4-4282-BC3D-4B822664CE9D}" srcOrd="1" destOrd="0" presId="urn:microsoft.com/office/officeart/2005/8/layout/orgChart1"/>
+    <dgm:cxn modelId="{E7B44AA0-3310-46ED-8546-E4A03AE52237}" type="presParOf" srcId="{2EE8C3E2-3AB8-46F6-8C72-37184D3C6050}" destId="{91DFBC37-6BF5-40CF-A882-4449A966B44D}" srcOrd="2" destOrd="0" presId="urn:microsoft.com/office/officeart/2005/8/layout/orgChart1"/>
+    <dgm:cxn modelId="{66DA9D95-5F90-4E5E-AD55-A2008517CF50}" type="presParOf" srcId="{1B5782E8-6011-41D4-9713-F9B87E5E343E}" destId="{E6BDC327-05A1-4EAB-B455-50603B3021BD}" srcOrd="2" destOrd="0" presId="urn:microsoft.com/office/officeart/2005/8/layout/orgChart1"/>
+    <dgm:cxn modelId="{2261F225-3BCB-44BF-B3BA-4BEA96F155FF}" type="presParOf" srcId="{E6BDC327-05A1-4EAB-B455-50603B3021BD}" destId="{D82AF006-7F10-44F4-A3F3-6DA0C2FBB56E}" srcOrd="0" destOrd="0" presId="urn:microsoft.com/office/officeart/2005/8/layout/orgChart1"/>
+    <dgm:cxn modelId="{6ABE96DB-EEA9-4E20-9F94-8FBA7ABF5840}" type="presParOf" srcId="{E6BDC327-05A1-4EAB-B455-50603B3021BD}" destId="{C2D01FE5-50E0-4324-BB45-D927C0DDCBEF}" srcOrd="1" destOrd="0" presId="urn:microsoft.com/office/officeart/2005/8/layout/orgChart1"/>
+    <dgm:cxn modelId="{9518DCD0-DADC-4377-A338-EF2088EF0EB9}" type="presParOf" srcId="{C2D01FE5-50E0-4324-BB45-D927C0DDCBEF}" destId="{BEF88C7D-505D-4AC8-85BC-5EBCA0504401}" srcOrd="0" destOrd="0" presId="urn:microsoft.com/office/officeart/2005/8/layout/orgChart1"/>
+    <dgm:cxn modelId="{250229EC-6768-46A1-9439-01FE4E1FDD1E}" type="presParOf" srcId="{BEF88C7D-505D-4AC8-85BC-5EBCA0504401}" destId="{FB5FBBDF-B528-46EF-93B5-58A27D0E33BC}" srcOrd="0" destOrd="0" presId="urn:microsoft.com/office/officeart/2005/8/layout/orgChart1"/>
+    <dgm:cxn modelId="{DB0C4A27-E91B-441F-8985-1550E26C3E6B}" type="presParOf" srcId="{BEF88C7D-505D-4AC8-85BC-5EBCA0504401}" destId="{AF24FF39-2FE8-4743-BD11-A67934916A9B}" srcOrd="1" destOrd="0" presId="urn:microsoft.com/office/officeart/2005/8/layout/orgChart1"/>
+    <dgm:cxn modelId="{F7AE0AD7-D346-43D8-84B8-4044D1249C20}" type="presParOf" srcId="{C2D01FE5-50E0-4324-BB45-D927C0DDCBEF}" destId="{315A28DC-7677-4295-A20C-2318467AA795}" srcOrd="1" destOrd="0" presId="urn:microsoft.com/office/officeart/2005/8/layout/orgChart1"/>
+    <dgm:cxn modelId="{506747A2-164C-4581-9318-EBEFA174C9C3}" type="presParOf" srcId="{C2D01FE5-50E0-4324-BB45-D927C0DDCBEF}" destId="{A89554F1-5437-490D-9D1C-DE6F3CB11607}" srcOrd="2" destOrd="0" presId="urn:microsoft.com/office/officeart/2005/8/layout/orgChart1"/>
+  </dgm:cxnLst>
+  <dgm:bg/>
+  <dgm:whole/>
+  <dgm:extLst>
+    <a:ext uri="http://schemas.microsoft.com/office/drawing/2008/diagram">
+      <dsp:dataModelExt xmlns:dsp="http://schemas.microsoft.com/office/drawing/2008/diagram" relId="rId11" minVer="http://schemas.openxmlformats.org/drawingml/2006/diagram"/>
     </a:ext>
   </dgm:extLst>
 </dgm:dataModel>
@@ -8186,6 +10871,1282 @@
         <a:ln w="12700" cap="flat" cmpd="sng" algn="ctr">
           <a:solidFill>
             <a:schemeClr val="lt1">
+              <a:hueOff val="0"/>
+              <a:satOff val="0"/>
+              <a:lumOff val="0"/>
+              <a:alphaOff val="0"/>
+            </a:schemeClr>
+          </a:solidFill>
+          <a:prstDash val="solid"/>
+          <a:miter lim="800000"/>
+        </a:ln>
+        <a:effectLst/>
+      </dsp:spPr>
+      <dsp:style>
+        <a:lnRef idx="2">
+          <a:scrgbClr r="0" g="0" b="0"/>
+        </a:lnRef>
+        <a:fillRef idx="1">
+          <a:scrgbClr r="0" g="0" b="0"/>
+        </a:fillRef>
+        <a:effectRef idx="0">
+          <a:scrgbClr r="0" g="0" b="0"/>
+        </a:effectRef>
+        <a:fontRef idx="minor">
+          <a:schemeClr val="lt1"/>
+        </a:fontRef>
+      </dsp:style>
+      <dsp:txBody>
+        <a:bodyPr spcFirstLastPara="0" vert="horz" wrap="square" lIns="6350" tIns="6350" rIns="6350" bIns="6350" numCol="1" spcCol="1270" anchor="ctr" anchorCtr="0">
+          <a:noAutofit/>
+        </a:bodyPr>
+        <a:lstStyle/>
+        <a:p>
+          <a:pPr lvl="0" algn="ctr" defTabSz="444500">
+            <a:lnSpc>
+              <a:spcPct val="90000"/>
+            </a:lnSpc>
+            <a:spcBef>
+              <a:spcPct val="0"/>
+            </a:spcBef>
+            <a:spcAft>
+              <a:spcPct val="35000"/>
+            </a:spcAft>
+          </a:pPr>
+          <a:r>
+            <a:rPr lang="en-US" sz="1000" kern="1200" dirty="0" smtClean="0"/>
+            <a:t> </a:t>
+          </a:r>
+          <a:endParaRPr lang="en-US" sz="1000" kern="1200" dirty="0"/>
+        </a:p>
+      </dsp:txBody>
+      <dsp:txXfrm>
+        <a:off x="198962" y="419627"/>
+        <a:ext cx="328738" cy="164369"/>
+      </dsp:txXfrm>
+    </dsp:sp>
+  </dsp:spTree>
+</dsp:drawing>
+</file>
+
+<file path=ppt/diagrams/drawing5.xml><?xml version="1.0" encoding="utf-8"?>
+<dsp:drawing xmlns:dgm="http://schemas.openxmlformats.org/drawingml/2006/diagram" xmlns:dsp="http://schemas.microsoft.com/office/drawing/2008/diagram" xmlns:a="http://schemas.openxmlformats.org/drawingml/2006/main">
+  <dsp:spTree>
+    <dsp:nvGrpSpPr>
+      <dsp:cNvPr id="0" name=""/>
+      <dsp:cNvGrpSpPr/>
+    </dsp:nvGrpSpPr>
+    <dsp:grpSpPr/>
+    <dsp:sp modelId="{D82AF006-7F10-44F4-A3F3-6DA0C2FBB56E}">
+      <dsp:nvSpPr>
+        <dsp:cNvPr id="0" name=""/>
+        <dsp:cNvSpPr/>
+      </dsp:nvSpPr>
+      <dsp:spPr>
+        <a:xfrm>
+          <a:off x="481981" y="350592"/>
+          <a:ext cx="91440" cy="151219"/>
+        </a:xfrm>
+        <a:custGeom>
+          <a:avLst/>
+          <a:gdLst/>
+          <a:ahLst/>
+          <a:cxnLst/>
+          <a:rect l="0" t="0" r="0" b="0"/>
+          <a:pathLst>
+            <a:path>
+              <a:moveTo>
+                <a:pt x="80237" y="0"/>
+              </a:moveTo>
+              <a:lnTo>
+                <a:pt x="80237" y="151219"/>
+              </a:lnTo>
+              <a:lnTo>
+                <a:pt x="45720" y="151219"/>
+              </a:lnTo>
+            </a:path>
+          </a:pathLst>
+        </a:custGeom>
+        <a:noFill/>
+        <a:ln w="12700" cap="flat" cmpd="sng" algn="ctr">
+          <a:solidFill>
+            <a:schemeClr val="accent4">
+              <a:hueOff val="0"/>
+              <a:satOff val="0"/>
+              <a:lumOff val="0"/>
+              <a:alphaOff val="0"/>
+            </a:schemeClr>
+          </a:solidFill>
+          <a:prstDash val="solid"/>
+          <a:miter lim="800000"/>
+        </a:ln>
+        <a:effectLst/>
+      </dsp:spPr>
+      <dsp:style>
+        <a:lnRef idx="2">
+          <a:scrgbClr r="0" g="0" b="0"/>
+        </a:lnRef>
+        <a:fillRef idx="0">
+          <a:scrgbClr r="0" g="0" b="0"/>
+        </a:fillRef>
+        <a:effectRef idx="0">
+          <a:scrgbClr r="0" g="0" b="0"/>
+        </a:effectRef>
+        <a:fontRef idx="minor"/>
+      </dsp:style>
+    </dsp:sp>
+    <dsp:sp modelId="{EF82E21C-3DC8-4557-B814-29CE3E8DA8F5}">
+      <dsp:nvSpPr>
+        <dsp:cNvPr id="0" name=""/>
+        <dsp:cNvSpPr/>
+      </dsp:nvSpPr>
+      <dsp:spPr>
+        <a:xfrm>
+          <a:off x="562219" y="350592"/>
+          <a:ext cx="397774" cy="302439"/>
+        </a:xfrm>
+        <a:custGeom>
+          <a:avLst/>
+          <a:gdLst/>
+          <a:ahLst/>
+          <a:cxnLst/>
+          <a:rect l="0" t="0" r="0" b="0"/>
+          <a:pathLst>
+            <a:path>
+              <a:moveTo>
+                <a:pt x="0" y="0"/>
+              </a:moveTo>
+              <a:lnTo>
+                <a:pt x="0" y="267922"/>
+              </a:lnTo>
+              <a:lnTo>
+                <a:pt x="397774" y="267922"/>
+              </a:lnTo>
+              <a:lnTo>
+                <a:pt x="397774" y="302439"/>
+              </a:lnTo>
+            </a:path>
+          </a:pathLst>
+        </a:custGeom>
+        <a:noFill/>
+        <a:ln w="12700" cap="flat" cmpd="sng" algn="ctr">
+          <a:solidFill>
+            <a:schemeClr val="accent4">
+              <a:hueOff val="0"/>
+              <a:satOff val="0"/>
+              <a:lumOff val="0"/>
+              <a:alphaOff val="0"/>
+            </a:schemeClr>
+          </a:solidFill>
+          <a:prstDash val="solid"/>
+          <a:miter lim="800000"/>
+        </a:ln>
+        <a:effectLst/>
+      </dsp:spPr>
+      <dsp:style>
+        <a:lnRef idx="2">
+          <a:scrgbClr r="0" g="0" b="0"/>
+        </a:lnRef>
+        <a:fillRef idx="0">
+          <a:scrgbClr r="0" g="0" b="0"/>
+        </a:fillRef>
+        <a:effectRef idx="0">
+          <a:scrgbClr r="0" g="0" b="0"/>
+        </a:effectRef>
+        <a:fontRef idx="minor"/>
+      </dsp:style>
+    </dsp:sp>
+    <dsp:sp modelId="{68D7B0CB-B276-4213-8E97-7EF993DB122A}">
+      <dsp:nvSpPr>
+        <dsp:cNvPr id="0" name=""/>
+        <dsp:cNvSpPr/>
+      </dsp:nvSpPr>
+      <dsp:spPr>
+        <a:xfrm>
+          <a:off x="516499" y="350592"/>
+          <a:ext cx="91440" cy="302439"/>
+        </a:xfrm>
+        <a:custGeom>
+          <a:avLst/>
+          <a:gdLst/>
+          <a:ahLst/>
+          <a:cxnLst/>
+          <a:rect l="0" t="0" r="0" b="0"/>
+          <a:pathLst>
+            <a:path>
+              <a:moveTo>
+                <a:pt x="45720" y="0"/>
+              </a:moveTo>
+              <a:lnTo>
+                <a:pt x="45720" y="302439"/>
+              </a:lnTo>
+            </a:path>
+          </a:pathLst>
+        </a:custGeom>
+        <a:noFill/>
+        <a:ln w="12700" cap="flat" cmpd="sng" algn="ctr">
+          <a:solidFill>
+            <a:schemeClr val="accent4">
+              <a:hueOff val="0"/>
+              <a:satOff val="0"/>
+              <a:lumOff val="0"/>
+              <a:alphaOff val="0"/>
+            </a:schemeClr>
+          </a:solidFill>
+          <a:prstDash val="solid"/>
+          <a:miter lim="800000"/>
+        </a:ln>
+        <a:effectLst/>
+      </dsp:spPr>
+      <dsp:style>
+        <a:lnRef idx="2">
+          <a:scrgbClr r="0" g="0" b="0"/>
+        </a:lnRef>
+        <a:fillRef idx="0">
+          <a:scrgbClr r="0" g="0" b="0"/>
+        </a:fillRef>
+        <a:effectRef idx="0">
+          <a:scrgbClr r="0" g="0" b="0"/>
+        </a:effectRef>
+        <a:fontRef idx="minor"/>
+      </dsp:style>
+    </dsp:sp>
+    <dsp:sp modelId="{C4CBC522-70EC-4DAD-9ABB-7FBBFD02DC42}">
+      <dsp:nvSpPr>
+        <dsp:cNvPr id="0" name=""/>
+        <dsp:cNvSpPr/>
+      </dsp:nvSpPr>
+      <dsp:spPr>
+        <a:xfrm>
+          <a:off x="164444" y="350592"/>
+          <a:ext cx="397774" cy="302439"/>
+        </a:xfrm>
+        <a:custGeom>
+          <a:avLst/>
+          <a:gdLst/>
+          <a:ahLst/>
+          <a:cxnLst/>
+          <a:rect l="0" t="0" r="0" b="0"/>
+          <a:pathLst>
+            <a:path>
+              <a:moveTo>
+                <a:pt x="397774" y="0"/>
+              </a:moveTo>
+              <a:lnTo>
+                <a:pt x="397774" y="267922"/>
+              </a:lnTo>
+              <a:lnTo>
+                <a:pt x="0" y="267922"/>
+              </a:lnTo>
+              <a:lnTo>
+                <a:pt x="0" y="302439"/>
+              </a:lnTo>
+            </a:path>
+          </a:pathLst>
+        </a:custGeom>
+        <a:noFill/>
+        <a:ln w="12700" cap="flat" cmpd="sng" algn="ctr">
+          <a:solidFill>
+            <a:schemeClr val="accent4">
+              <a:hueOff val="0"/>
+              <a:satOff val="0"/>
+              <a:lumOff val="0"/>
+              <a:alphaOff val="0"/>
+            </a:schemeClr>
+          </a:solidFill>
+          <a:prstDash val="solid"/>
+          <a:miter lim="800000"/>
+        </a:ln>
+        <a:effectLst/>
+      </dsp:spPr>
+      <dsp:style>
+        <a:lnRef idx="2">
+          <a:scrgbClr r="0" g="0" b="0"/>
+        </a:lnRef>
+        <a:fillRef idx="0">
+          <a:scrgbClr r="0" g="0" b="0"/>
+        </a:fillRef>
+        <a:effectRef idx="0">
+          <a:scrgbClr r="0" g="0" b="0"/>
+        </a:effectRef>
+        <a:fontRef idx="minor"/>
+      </dsp:style>
+    </dsp:sp>
+    <dsp:sp modelId="{20299A4B-1C69-4B86-8EDE-B88B470CE39C}">
+      <dsp:nvSpPr>
+        <dsp:cNvPr id="0" name=""/>
+        <dsp:cNvSpPr/>
+      </dsp:nvSpPr>
+      <dsp:spPr>
+        <a:xfrm>
+          <a:off x="397849" y="186223"/>
+          <a:ext cx="328738" cy="164369"/>
+        </a:xfrm>
+        <a:prstGeom prst="rect">
+          <a:avLst/>
+        </a:prstGeom>
+        <a:solidFill>
+          <a:schemeClr val="accent2">
+            <a:hueOff val="0"/>
+            <a:satOff val="0"/>
+            <a:lumOff val="0"/>
+            <a:alphaOff val="0"/>
+          </a:schemeClr>
+        </a:solidFill>
+        <a:ln w="12700" cap="flat" cmpd="sng" algn="ctr">
+          <a:solidFill>
+            <a:schemeClr val="lt1">
+              <a:hueOff val="0"/>
+              <a:satOff val="0"/>
+              <a:lumOff val="0"/>
+              <a:alphaOff val="0"/>
+            </a:schemeClr>
+          </a:solidFill>
+          <a:prstDash val="solid"/>
+          <a:miter lim="800000"/>
+        </a:ln>
+        <a:effectLst/>
+      </dsp:spPr>
+      <dsp:style>
+        <a:lnRef idx="2">
+          <a:scrgbClr r="0" g="0" b="0"/>
+        </a:lnRef>
+        <a:fillRef idx="1">
+          <a:scrgbClr r="0" g="0" b="0"/>
+        </a:fillRef>
+        <a:effectRef idx="0">
+          <a:scrgbClr r="0" g="0" b="0"/>
+        </a:effectRef>
+        <a:fontRef idx="minor">
+          <a:schemeClr val="lt1"/>
+        </a:fontRef>
+      </dsp:style>
+      <dsp:txBody>
+        <a:bodyPr spcFirstLastPara="0" vert="horz" wrap="square" lIns="6350" tIns="6350" rIns="6350" bIns="6350" numCol="1" spcCol="1270" anchor="ctr" anchorCtr="0">
+          <a:noAutofit/>
+        </a:bodyPr>
+        <a:lstStyle/>
+        <a:p>
+          <a:pPr lvl="0" algn="ctr" defTabSz="444500">
+            <a:lnSpc>
+              <a:spcPct val="90000"/>
+            </a:lnSpc>
+            <a:spcBef>
+              <a:spcPct val="0"/>
+            </a:spcBef>
+            <a:spcAft>
+              <a:spcPct val="35000"/>
+            </a:spcAft>
+          </a:pPr>
+          <a:r>
+            <a:rPr lang="en-US" sz="1000" kern="1200" smtClean="0"/>
+            <a:t> </a:t>
+          </a:r>
+          <a:endParaRPr lang="en-US" sz="1000" kern="1200"/>
+        </a:p>
+      </dsp:txBody>
+      <dsp:txXfrm>
+        <a:off x="397849" y="186223"/>
+        <a:ext cx="328738" cy="164369"/>
+      </dsp:txXfrm>
+    </dsp:sp>
+    <dsp:sp modelId="{0B59B7D1-BFCB-4752-A954-4AE6C033913E}">
+      <dsp:nvSpPr>
+        <dsp:cNvPr id="0" name=""/>
+        <dsp:cNvSpPr/>
+      </dsp:nvSpPr>
+      <dsp:spPr>
+        <a:xfrm>
+          <a:off x="75" y="653032"/>
+          <a:ext cx="328738" cy="164369"/>
+        </a:xfrm>
+        <a:prstGeom prst="rect">
+          <a:avLst/>
+        </a:prstGeom>
+        <a:solidFill>
+          <a:schemeClr val="accent4">
+            <a:hueOff val="0"/>
+            <a:satOff val="0"/>
+            <a:lumOff val="0"/>
+            <a:alphaOff val="0"/>
+          </a:schemeClr>
+        </a:solidFill>
+        <a:ln w="12700" cap="flat" cmpd="sng" algn="ctr">
+          <a:solidFill>
+            <a:schemeClr val="lt1">
+              <a:hueOff val="0"/>
+              <a:satOff val="0"/>
+              <a:lumOff val="0"/>
+              <a:alphaOff val="0"/>
+            </a:schemeClr>
+          </a:solidFill>
+          <a:prstDash val="solid"/>
+          <a:miter lim="800000"/>
+        </a:ln>
+        <a:effectLst/>
+      </dsp:spPr>
+      <dsp:style>
+        <a:lnRef idx="2">
+          <a:scrgbClr r="0" g="0" b="0"/>
+        </a:lnRef>
+        <a:fillRef idx="1">
+          <a:scrgbClr r="0" g="0" b="0"/>
+        </a:fillRef>
+        <a:effectRef idx="0">
+          <a:scrgbClr r="0" g="0" b="0"/>
+        </a:effectRef>
+        <a:fontRef idx="minor">
+          <a:schemeClr val="lt1"/>
+        </a:fontRef>
+      </dsp:style>
+      <dsp:txBody>
+        <a:bodyPr spcFirstLastPara="0" vert="horz" wrap="square" lIns="6350" tIns="6350" rIns="6350" bIns="6350" numCol="1" spcCol="1270" anchor="ctr" anchorCtr="0">
+          <a:noAutofit/>
+        </a:bodyPr>
+        <a:lstStyle/>
+        <a:p>
+          <a:pPr lvl="0" algn="ctr" defTabSz="444500">
+            <a:lnSpc>
+              <a:spcPct val="90000"/>
+            </a:lnSpc>
+            <a:spcBef>
+              <a:spcPct val="0"/>
+            </a:spcBef>
+            <a:spcAft>
+              <a:spcPct val="35000"/>
+            </a:spcAft>
+          </a:pPr>
+          <a:r>
+            <a:rPr lang="en-US" sz="1000" kern="1200" dirty="0" smtClean="0"/>
+            <a:t> </a:t>
+          </a:r>
+          <a:endParaRPr lang="en-US" sz="1000" kern="1200" dirty="0"/>
+        </a:p>
+      </dsp:txBody>
+      <dsp:txXfrm>
+        <a:off x="75" y="653032"/>
+        <a:ext cx="328738" cy="164369"/>
+      </dsp:txXfrm>
+    </dsp:sp>
+    <dsp:sp modelId="{97DAA86D-408A-46F2-8645-08155275A9BD}">
+      <dsp:nvSpPr>
+        <dsp:cNvPr id="0" name=""/>
+        <dsp:cNvSpPr/>
+      </dsp:nvSpPr>
+      <dsp:spPr>
+        <a:xfrm>
+          <a:off x="397849" y="653032"/>
+          <a:ext cx="328738" cy="164369"/>
+        </a:xfrm>
+        <a:prstGeom prst="rect">
+          <a:avLst/>
+        </a:prstGeom>
+        <a:solidFill>
+          <a:schemeClr val="accent4">
+            <a:hueOff val="0"/>
+            <a:satOff val="0"/>
+            <a:lumOff val="0"/>
+            <a:alphaOff val="0"/>
+          </a:schemeClr>
+        </a:solidFill>
+        <a:ln w="12700" cap="flat" cmpd="sng" algn="ctr">
+          <a:solidFill>
+            <a:schemeClr val="lt1">
+              <a:hueOff val="0"/>
+              <a:satOff val="0"/>
+              <a:lumOff val="0"/>
+              <a:alphaOff val="0"/>
+            </a:schemeClr>
+          </a:solidFill>
+          <a:prstDash val="solid"/>
+          <a:miter lim="800000"/>
+        </a:ln>
+        <a:effectLst/>
+      </dsp:spPr>
+      <dsp:style>
+        <a:lnRef idx="2">
+          <a:scrgbClr r="0" g="0" b="0"/>
+        </a:lnRef>
+        <a:fillRef idx="1">
+          <a:scrgbClr r="0" g="0" b="0"/>
+        </a:fillRef>
+        <a:effectRef idx="0">
+          <a:scrgbClr r="0" g="0" b="0"/>
+        </a:effectRef>
+        <a:fontRef idx="minor">
+          <a:schemeClr val="lt1"/>
+        </a:fontRef>
+      </dsp:style>
+      <dsp:txBody>
+        <a:bodyPr spcFirstLastPara="0" vert="horz" wrap="square" lIns="6350" tIns="6350" rIns="6350" bIns="6350" numCol="1" spcCol="1270" anchor="ctr" anchorCtr="0">
+          <a:noAutofit/>
+        </a:bodyPr>
+        <a:lstStyle/>
+        <a:p>
+          <a:pPr lvl="0" algn="ctr" defTabSz="444500">
+            <a:lnSpc>
+              <a:spcPct val="90000"/>
+            </a:lnSpc>
+            <a:spcBef>
+              <a:spcPct val="0"/>
+            </a:spcBef>
+            <a:spcAft>
+              <a:spcPct val="35000"/>
+            </a:spcAft>
+          </a:pPr>
+          <a:r>
+            <a:rPr lang="en-US" sz="1000" kern="1200" dirty="0" smtClean="0"/>
+            <a:t> </a:t>
+          </a:r>
+          <a:endParaRPr lang="en-US" sz="1000" kern="1200" dirty="0"/>
+        </a:p>
+      </dsp:txBody>
+      <dsp:txXfrm>
+        <a:off x="397849" y="653032"/>
+        <a:ext cx="328738" cy="164369"/>
+      </dsp:txXfrm>
+    </dsp:sp>
+    <dsp:sp modelId="{C37B43C8-CE5E-4803-8D3D-CAA4FA77884B}">
+      <dsp:nvSpPr>
+        <dsp:cNvPr id="0" name=""/>
+        <dsp:cNvSpPr/>
+      </dsp:nvSpPr>
+      <dsp:spPr>
+        <a:xfrm>
+          <a:off x="795623" y="653032"/>
+          <a:ext cx="328738" cy="164369"/>
+        </a:xfrm>
+        <a:prstGeom prst="rect">
+          <a:avLst/>
+        </a:prstGeom>
+        <a:solidFill>
+          <a:schemeClr val="accent4">
+            <a:hueOff val="0"/>
+            <a:satOff val="0"/>
+            <a:lumOff val="0"/>
+            <a:alphaOff val="0"/>
+          </a:schemeClr>
+        </a:solidFill>
+        <a:ln w="12700" cap="flat" cmpd="sng" algn="ctr">
+          <a:solidFill>
+            <a:schemeClr val="lt1">
+              <a:hueOff val="0"/>
+              <a:satOff val="0"/>
+              <a:lumOff val="0"/>
+              <a:alphaOff val="0"/>
+            </a:schemeClr>
+          </a:solidFill>
+          <a:prstDash val="solid"/>
+          <a:miter lim="800000"/>
+        </a:ln>
+        <a:effectLst/>
+      </dsp:spPr>
+      <dsp:style>
+        <a:lnRef idx="2">
+          <a:scrgbClr r="0" g="0" b="0"/>
+        </a:lnRef>
+        <a:fillRef idx="1">
+          <a:scrgbClr r="0" g="0" b="0"/>
+        </a:fillRef>
+        <a:effectRef idx="0">
+          <a:scrgbClr r="0" g="0" b="0"/>
+        </a:effectRef>
+        <a:fontRef idx="minor">
+          <a:schemeClr val="lt1"/>
+        </a:fontRef>
+      </dsp:style>
+      <dsp:txBody>
+        <a:bodyPr spcFirstLastPara="0" vert="horz" wrap="square" lIns="6350" tIns="6350" rIns="6350" bIns="6350" numCol="1" spcCol="1270" anchor="ctr" anchorCtr="0">
+          <a:noAutofit/>
+        </a:bodyPr>
+        <a:lstStyle/>
+        <a:p>
+          <a:pPr lvl="0" algn="ctr" defTabSz="444500">
+            <a:lnSpc>
+              <a:spcPct val="90000"/>
+            </a:lnSpc>
+            <a:spcBef>
+              <a:spcPct val="0"/>
+            </a:spcBef>
+            <a:spcAft>
+              <a:spcPct val="35000"/>
+            </a:spcAft>
+          </a:pPr>
+          <a:r>
+            <a:rPr lang="en-US" sz="1000" kern="1200" dirty="0" smtClean="0"/>
+            <a:t> </a:t>
+          </a:r>
+          <a:endParaRPr lang="en-US" sz="1000" kern="1200" dirty="0"/>
+        </a:p>
+      </dsp:txBody>
+      <dsp:txXfrm>
+        <a:off x="795623" y="653032"/>
+        <a:ext cx="328738" cy="164369"/>
+      </dsp:txXfrm>
+    </dsp:sp>
+    <dsp:sp modelId="{FB5FBBDF-B528-46EF-93B5-58A27D0E33BC}">
+      <dsp:nvSpPr>
+        <dsp:cNvPr id="0" name=""/>
+        <dsp:cNvSpPr/>
+      </dsp:nvSpPr>
+      <dsp:spPr>
+        <a:xfrm>
+          <a:off x="198962" y="419627"/>
+          <a:ext cx="328738" cy="164369"/>
+        </a:xfrm>
+        <a:prstGeom prst="rect">
+          <a:avLst/>
+        </a:prstGeom>
+        <a:solidFill>
+          <a:schemeClr val="accent4">
+            <a:hueOff val="0"/>
+            <a:satOff val="0"/>
+            <a:lumOff val="0"/>
+            <a:alphaOff val="0"/>
+          </a:schemeClr>
+        </a:solidFill>
+        <a:ln w="12700" cap="flat" cmpd="sng" algn="ctr">
+          <a:solidFill>
+            <a:schemeClr val="lt1">
+              <a:shade val="80000"/>
+              <a:hueOff val="0"/>
+              <a:satOff val="0"/>
+              <a:lumOff val="0"/>
+              <a:alphaOff val="0"/>
+            </a:schemeClr>
+          </a:solidFill>
+          <a:prstDash val="solid"/>
+          <a:miter lim="800000"/>
+        </a:ln>
+        <a:effectLst/>
+      </dsp:spPr>
+      <dsp:style>
+        <a:lnRef idx="2">
+          <a:scrgbClr r="0" g="0" b="0"/>
+        </a:lnRef>
+        <a:fillRef idx="1">
+          <a:scrgbClr r="0" g="0" b="0"/>
+        </a:fillRef>
+        <a:effectRef idx="0">
+          <a:scrgbClr r="0" g="0" b="0"/>
+        </a:effectRef>
+        <a:fontRef idx="minor">
+          <a:schemeClr val="lt1"/>
+        </a:fontRef>
+      </dsp:style>
+      <dsp:txBody>
+        <a:bodyPr spcFirstLastPara="0" vert="horz" wrap="square" lIns="6350" tIns="6350" rIns="6350" bIns="6350" numCol="1" spcCol="1270" anchor="ctr" anchorCtr="0">
+          <a:noAutofit/>
+        </a:bodyPr>
+        <a:lstStyle/>
+        <a:p>
+          <a:pPr lvl="0" algn="ctr" defTabSz="444500">
+            <a:lnSpc>
+              <a:spcPct val="90000"/>
+            </a:lnSpc>
+            <a:spcBef>
+              <a:spcPct val="0"/>
+            </a:spcBef>
+            <a:spcAft>
+              <a:spcPct val="35000"/>
+            </a:spcAft>
+          </a:pPr>
+          <a:r>
+            <a:rPr lang="en-US" sz="1000" kern="1200" dirty="0" smtClean="0"/>
+            <a:t> </a:t>
+          </a:r>
+          <a:endParaRPr lang="en-US" sz="1000" kern="1200" dirty="0"/>
+        </a:p>
+      </dsp:txBody>
+      <dsp:txXfrm>
+        <a:off x="198962" y="419627"/>
+        <a:ext cx="328738" cy="164369"/>
+      </dsp:txXfrm>
+    </dsp:sp>
+  </dsp:spTree>
+</dsp:drawing>
+</file>
+
+<file path=ppt/diagrams/drawing6.xml><?xml version="1.0" encoding="utf-8"?>
+<dsp:drawing xmlns:dgm="http://schemas.openxmlformats.org/drawingml/2006/diagram" xmlns:dsp="http://schemas.microsoft.com/office/drawing/2008/diagram" xmlns:a="http://schemas.openxmlformats.org/drawingml/2006/main">
+  <dsp:spTree>
+    <dsp:nvGrpSpPr>
+      <dsp:cNvPr id="0" name=""/>
+      <dsp:cNvGrpSpPr/>
+    </dsp:nvGrpSpPr>
+    <dsp:grpSpPr/>
+    <dsp:sp modelId="{D82AF006-7F10-44F4-A3F3-6DA0C2FBB56E}">
+      <dsp:nvSpPr>
+        <dsp:cNvPr id="0" name=""/>
+        <dsp:cNvSpPr/>
+      </dsp:nvSpPr>
+      <dsp:spPr>
+        <a:xfrm>
+          <a:off x="481981" y="350592"/>
+          <a:ext cx="91440" cy="151219"/>
+        </a:xfrm>
+        <a:custGeom>
+          <a:avLst/>
+          <a:gdLst/>
+          <a:ahLst/>
+          <a:cxnLst/>
+          <a:rect l="0" t="0" r="0" b="0"/>
+          <a:pathLst>
+            <a:path>
+              <a:moveTo>
+                <a:pt x="80237" y="0"/>
+              </a:moveTo>
+              <a:lnTo>
+                <a:pt x="80237" y="151219"/>
+              </a:lnTo>
+              <a:lnTo>
+                <a:pt x="45720" y="151219"/>
+              </a:lnTo>
+            </a:path>
+          </a:pathLst>
+        </a:custGeom>
+        <a:noFill/>
+        <a:ln w="12700" cap="flat" cmpd="sng" algn="ctr">
+          <a:solidFill>
+            <a:schemeClr val="accent4">
+              <a:hueOff val="0"/>
+              <a:satOff val="0"/>
+              <a:lumOff val="0"/>
+              <a:alphaOff val="0"/>
+            </a:schemeClr>
+          </a:solidFill>
+          <a:prstDash val="solid"/>
+          <a:miter lim="800000"/>
+        </a:ln>
+        <a:effectLst/>
+      </dsp:spPr>
+      <dsp:style>
+        <a:lnRef idx="2">
+          <a:scrgbClr r="0" g="0" b="0"/>
+        </a:lnRef>
+        <a:fillRef idx="0">
+          <a:scrgbClr r="0" g="0" b="0"/>
+        </a:fillRef>
+        <a:effectRef idx="0">
+          <a:scrgbClr r="0" g="0" b="0"/>
+        </a:effectRef>
+        <a:fontRef idx="minor"/>
+      </dsp:style>
+    </dsp:sp>
+    <dsp:sp modelId="{EF82E21C-3DC8-4557-B814-29CE3E8DA8F5}">
+      <dsp:nvSpPr>
+        <dsp:cNvPr id="0" name=""/>
+        <dsp:cNvSpPr/>
+      </dsp:nvSpPr>
+      <dsp:spPr>
+        <a:xfrm>
+          <a:off x="562219" y="350592"/>
+          <a:ext cx="397774" cy="302439"/>
+        </a:xfrm>
+        <a:custGeom>
+          <a:avLst/>
+          <a:gdLst/>
+          <a:ahLst/>
+          <a:cxnLst/>
+          <a:rect l="0" t="0" r="0" b="0"/>
+          <a:pathLst>
+            <a:path>
+              <a:moveTo>
+                <a:pt x="0" y="0"/>
+              </a:moveTo>
+              <a:lnTo>
+                <a:pt x="0" y="267922"/>
+              </a:lnTo>
+              <a:lnTo>
+                <a:pt x="397774" y="267922"/>
+              </a:lnTo>
+              <a:lnTo>
+                <a:pt x="397774" y="302439"/>
+              </a:lnTo>
+            </a:path>
+          </a:pathLst>
+        </a:custGeom>
+        <a:noFill/>
+        <a:ln w="12700" cap="flat" cmpd="sng" algn="ctr">
+          <a:solidFill>
+            <a:schemeClr val="accent4">
+              <a:hueOff val="0"/>
+              <a:satOff val="0"/>
+              <a:lumOff val="0"/>
+              <a:alphaOff val="0"/>
+            </a:schemeClr>
+          </a:solidFill>
+          <a:prstDash val="solid"/>
+          <a:miter lim="800000"/>
+        </a:ln>
+        <a:effectLst/>
+      </dsp:spPr>
+      <dsp:style>
+        <a:lnRef idx="2">
+          <a:scrgbClr r="0" g="0" b="0"/>
+        </a:lnRef>
+        <a:fillRef idx="0">
+          <a:scrgbClr r="0" g="0" b="0"/>
+        </a:fillRef>
+        <a:effectRef idx="0">
+          <a:scrgbClr r="0" g="0" b="0"/>
+        </a:effectRef>
+        <a:fontRef idx="minor"/>
+      </dsp:style>
+    </dsp:sp>
+    <dsp:sp modelId="{68D7B0CB-B276-4213-8E97-7EF993DB122A}">
+      <dsp:nvSpPr>
+        <dsp:cNvPr id="0" name=""/>
+        <dsp:cNvSpPr/>
+      </dsp:nvSpPr>
+      <dsp:spPr>
+        <a:xfrm>
+          <a:off x="516499" y="350592"/>
+          <a:ext cx="91440" cy="302439"/>
+        </a:xfrm>
+        <a:custGeom>
+          <a:avLst/>
+          <a:gdLst/>
+          <a:ahLst/>
+          <a:cxnLst/>
+          <a:rect l="0" t="0" r="0" b="0"/>
+          <a:pathLst>
+            <a:path>
+              <a:moveTo>
+                <a:pt x="45720" y="0"/>
+              </a:moveTo>
+              <a:lnTo>
+                <a:pt x="45720" y="302439"/>
+              </a:lnTo>
+            </a:path>
+          </a:pathLst>
+        </a:custGeom>
+        <a:noFill/>
+        <a:ln w="12700" cap="flat" cmpd="sng" algn="ctr">
+          <a:solidFill>
+            <a:schemeClr val="accent4">
+              <a:hueOff val="0"/>
+              <a:satOff val="0"/>
+              <a:lumOff val="0"/>
+              <a:alphaOff val="0"/>
+            </a:schemeClr>
+          </a:solidFill>
+          <a:prstDash val="solid"/>
+          <a:miter lim="800000"/>
+        </a:ln>
+        <a:effectLst/>
+      </dsp:spPr>
+      <dsp:style>
+        <a:lnRef idx="2">
+          <a:scrgbClr r="0" g="0" b="0"/>
+        </a:lnRef>
+        <a:fillRef idx="0">
+          <a:scrgbClr r="0" g="0" b="0"/>
+        </a:fillRef>
+        <a:effectRef idx="0">
+          <a:scrgbClr r="0" g="0" b="0"/>
+        </a:effectRef>
+        <a:fontRef idx="minor"/>
+      </dsp:style>
+    </dsp:sp>
+    <dsp:sp modelId="{C4CBC522-70EC-4DAD-9ABB-7FBBFD02DC42}">
+      <dsp:nvSpPr>
+        <dsp:cNvPr id="0" name=""/>
+        <dsp:cNvSpPr/>
+      </dsp:nvSpPr>
+      <dsp:spPr>
+        <a:xfrm>
+          <a:off x="164444" y="350592"/>
+          <a:ext cx="397774" cy="302439"/>
+        </a:xfrm>
+        <a:custGeom>
+          <a:avLst/>
+          <a:gdLst/>
+          <a:ahLst/>
+          <a:cxnLst/>
+          <a:rect l="0" t="0" r="0" b="0"/>
+          <a:pathLst>
+            <a:path>
+              <a:moveTo>
+                <a:pt x="397774" y="0"/>
+              </a:moveTo>
+              <a:lnTo>
+                <a:pt x="397774" y="267922"/>
+              </a:lnTo>
+              <a:lnTo>
+                <a:pt x="0" y="267922"/>
+              </a:lnTo>
+              <a:lnTo>
+                <a:pt x="0" y="302439"/>
+              </a:lnTo>
+            </a:path>
+          </a:pathLst>
+        </a:custGeom>
+        <a:noFill/>
+        <a:ln w="12700" cap="flat" cmpd="sng" algn="ctr">
+          <a:solidFill>
+            <a:schemeClr val="accent4">
+              <a:hueOff val="0"/>
+              <a:satOff val="0"/>
+              <a:lumOff val="0"/>
+              <a:alphaOff val="0"/>
+            </a:schemeClr>
+          </a:solidFill>
+          <a:prstDash val="solid"/>
+          <a:miter lim="800000"/>
+        </a:ln>
+        <a:effectLst/>
+      </dsp:spPr>
+      <dsp:style>
+        <a:lnRef idx="2">
+          <a:scrgbClr r="0" g="0" b="0"/>
+        </a:lnRef>
+        <a:fillRef idx="0">
+          <a:scrgbClr r="0" g="0" b="0"/>
+        </a:fillRef>
+        <a:effectRef idx="0">
+          <a:scrgbClr r="0" g="0" b="0"/>
+        </a:effectRef>
+        <a:fontRef idx="minor"/>
+      </dsp:style>
+    </dsp:sp>
+    <dsp:sp modelId="{20299A4B-1C69-4B86-8EDE-B88B470CE39C}">
+      <dsp:nvSpPr>
+        <dsp:cNvPr id="0" name=""/>
+        <dsp:cNvSpPr/>
+      </dsp:nvSpPr>
+      <dsp:spPr>
+        <a:xfrm>
+          <a:off x="397849" y="186223"/>
+          <a:ext cx="328738" cy="164369"/>
+        </a:xfrm>
+        <a:prstGeom prst="rect">
+          <a:avLst/>
+        </a:prstGeom>
+        <a:solidFill>
+          <a:schemeClr val="accent2">
+            <a:hueOff val="0"/>
+            <a:satOff val="0"/>
+            <a:lumOff val="0"/>
+            <a:alphaOff val="0"/>
+          </a:schemeClr>
+        </a:solidFill>
+        <a:ln w="12700" cap="flat" cmpd="sng" algn="ctr">
+          <a:solidFill>
+            <a:schemeClr val="lt1">
+              <a:hueOff val="0"/>
+              <a:satOff val="0"/>
+              <a:lumOff val="0"/>
+              <a:alphaOff val="0"/>
+            </a:schemeClr>
+          </a:solidFill>
+          <a:prstDash val="solid"/>
+          <a:miter lim="800000"/>
+        </a:ln>
+        <a:effectLst/>
+      </dsp:spPr>
+      <dsp:style>
+        <a:lnRef idx="2">
+          <a:scrgbClr r="0" g="0" b="0"/>
+        </a:lnRef>
+        <a:fillRef idx="1">
+          <a:scrgbClr r="0" g="0" b="0"/>
+        </a:fillRef>
+        <a:effectRef idx="0">
+          <a:scrgbClr r="0" g="0" b="0"/>
+        </a:effectRef>
+        <a:fontRef idx="minor">
+          <a:schemeClr val="lt1"/>
+        </a:fontRef>
+      </dsp:style>
+      <dsp:txBody>
+        <a:bodyPr spcFirstLastPara="0" vert="horz" wrap="square" lIns="6350" tIns="6350" rIns="6350" bIns="6350" numCol="1" spcCol="1270" anchor="ctr" anchorCtr="0">
+          <a:noAutofit/>
+        </a:bodyPr>
+        <a:lstStyle/>
+        <a:p>
+          <a:pPr lvl="0" algn="ctr" defTabSz="444500">
+            <a:lnSpc>
+              <a:spcPct val="90000"/>
+            </a:lnSpc>
+            <a:spcBef>
+              <a:spcPct val="0"/>
+            </a:spcBef>
+            <a:spcAft>
+              <a:spcPct val="35000"/>
+            </a:spcAft>
+          </a:pPr>
+          <a:r>
+            <a:rPr lang="en-US" sz="1000" kern="1200" smtClean="0"/>
+            <a:t> </a:t>
+          </a:r>
+          <a:endParaRPr lang="en-US" sz="1000" kern="1200"/>
+        </a:p>
+      </dsp:txBody>
+      <dsp:txXfrm>
+        <a:off x="397849" y="186223"/>
+        <a:ext cx="328738" cy="164369"/>
+      </dsp:txXfrm>
+    </dsp:sp>
+    <dsp:sp modelId="{0B59B7D1-BFCB-4752-A954-4AE6C033913E}">
+      <dsp:nvSpPr>
+        <dsp:cNvPr id="0" name=""/>
+        <dsp:cNvSpPr/>
+      </dsp:nvSpPr>
+      <dsp:spPr>
+        <a:xfrm>
+          <a:off x="75" y="653032"/>
+          <a:ext cx="328738" cy="164369"/>
+        </a:xfrm>
+        <a:prstGeom prst="rect">
+          <a:avLst/>
+        </a:prstGeom>
+        <a:solidFill>
+          <a:schemeClr val="accent4">
+            <a:hueOff val="0"/>
+            <a:satOff val="0"/>
+            <a:lumOff val="0"/>
+            <a:alphaOff val="0"/>
+          </a:schemeClr>
+        </a:solidFill>
+        <a:ln w="12700" cap="flat" cmpd="sng" algn="ctr">
+          <a:solidFill>
+            <a:schemeClr val="lt1">
+              <a:hueOff val="0"/>
+              <a:satOff val="0"/>
+              <a:lumOff val="0"/>
+              <a:alphaOff val="0"/>
+            </a:schemeClr>
+          </a:solidFill>
+          <a:prstDash val="solid"/>
+          <a:miter lim="800000"/>
+        </a:ln>
+        <a:effectLst/>
+      </dsp:spPr>
+      <dsp:style>
+        <a:lnRef idx="2">
+          <a:scrgbClr r="0" g="0" b="0"/>
+        </a:lnRef>
+        <a:fillRef idx="1">
+          <a:scrgbClr r="0" g="0" b="0"/>
+        </a:fillRef>
+        <a:effectRef idx="0">
+          <a:scrgbClr r="0" g="0" b="0"/>
+        </a:effectRef>
+        <a:fontRef idx="minor">
+          <a:schemeClr val="lt1"/>
+        </a:fontRef>
+      </dsp:style>
+      <dsp:txBody>
+        <a:bodyPr spcFirstLastPara="0" vert="horz" wrap="square" lIns="6350" tIns="6350" rIns="6350" bIns="6350" numCol="1" spcCol="1270" anchor="ctr" anchorCtr="0">
+          <a:noAutofit/>
+        </a:bodyPr>
+        <a:lstStyle/>
+        <a:p>
+          <a:pPr lvl="0" algn="ctr" defTabSz="444500">
+            <a:lnSpc>
+              <a:spcPct val="90000"/>
+            </a:lnSpc>
+            <a:spcBef>
+              <a:spcPct val="0"/>
+            </a:spcBef>
+            <a:spcAft>
+              <a:spcPct val="35000"/>
+            </a:spcAft>
+          </a:pPr>
+          <a:r>
+            <a:rPr lang="en-US" sz="1000" kern="1200" dirty="0" smtClean="0"/>
+            <a:t> </a:t>
+          </a:r>
+          <a:endParaRPr lang="en-US" sz="1000" kern="1200" dirty="0"/>
+        </a:p>
+      </dsp:txBody>
+      <dsp:txXfrm>
+        <a:off x="75" y="653032"/>
+        <a:ext cx="328738" cy="164369"/>
+      </dsp:txXfrm>
+    </dsp:sp>
+    <dsp:sp modelId="{97DAA86D-408A-46F2-8645-08155275A9BD}">
+      <dsp:nvSpPr>
+        <dsp:cNvPr id="0" name=""/>
+        <dsp:cNvSpPr/>
+      </dsp:nvSpPr>
+      <dsp:spPr>
+        <a:xfrm>
+          <a:off x="397849" y="653032"/>
+          <a:ext cx="328738" cy="164369"/>
+        </a:xfrm>
+        <a:prstGeom prst="rect">
+          <a:avLst/>
+        </a:prstGeom>
+        <a:solidFill>
+          <a:schemeClr val="accent4">
+            <a:hueOff val="0"/>
+            <a:satOff val="0"/>
+            <a:lumOff val="0"/>
+            <a:alphaOff val="0"/>
+          </a:schemeClr>
+        </a:solidFill>
+        <a:ln w="12700" cap="flat" cmpd="sng" algn="ctr">
+          <a:solidFill>
+            <a:schemeClr val="lt1">
+              <a:hueOff val="0"/>
+              <a:satOff val="0"/>
+              <a:lumOff val="0"/>
+              <a:alphaOff val="0"/>
+            </a:schemeClr>
+          </a:solidFill>
+          <a:prstDash val="solid"/>
+          <a:miter lim="800000"/>
+        </a:ln>
+        <a:effectLst/>
+      </dsp:spPr>
+      <dsp:style>
+        <a:lnRef idx="2">
+          <a:scrgbClr r="0" g="0" b="0"/>
+        </a:lnRef>
+        <a:fillRef idx="1">
+          <a:scrgbClr r="0" g="0" b="0"/>
+        </a:fillRef>
+        <a:effectRef idx="0">
+          <a:scrgbClr r="0" g="0" b="0"/>
+        </a:effectRef>
+        <a:fontRef idx="minor">
+          <a:schemeClr val="lt1"/>
+        </a:fontRef>
+      </dsp:style>
+      <dsp:txBody>
+        <a:bodyPr spcFirstLastPara="0" vert="horz" wrap="square" lIns="6350" tIns="6350" rIns="6350" bIns="6350" numCol="1" spcCol="1270" anchor="ctr" anchorCtr="0">
+          <a:noAutofit/>
+        </a:bodyPr>
+        <a:lstStyle/>
+        <a:p>
+          <a:pPr lvl="0" algn="ctr" defTabSz="444500">
+            <a:lnSpc>
+              <a:spcPct val="90000"/>
+            </a:lnSpc>
+            <a:spcBef>
+              <a:spcPct val="0"/>
+            </a:spcBef>
+            <a:spcAft>
+              <a:spcPct val="35000"/>
+            </a:spcAft>
+          </a:pPr>
+          <a:r>
+            <a:rPr lang="en-US" sz="1000" kern="1200" dirty="0" smtClean="0"/>
+            <a:t> </a:t>
+          </a:r>
+          <a:endParaRPr lang="en-US" sz="1000" kern="1200" dirty="0"/>
+        </a:p>
+      </dsp:txBody>
+      <dsp:txXfrm>
+        <a:off x="397849" y="653032"/>
+        <a:ext cx="328738" cy="164369"/>
+      </dsp:txXfrm>
+    </dsp:sp>
+    <dsp:sp modelId="{C37B43C8-CE5E-4803-8D3D-CAA4FA77884B}">
+      <dsp:nvSpPr>
+        <dsp:cNvPr id="0" name=""/>
+        <dsp:cNvSpPr/>
+      </dsp:nvSpPr>
+      <dsp:spPr>
+        <a:xfrm>
+          <a:off x="795623" y="653032"/>
+          <a:ext cx="328738" cy="164369"/>
+        </a:xfrm>
+        <a:prstGeom prst="rect">
+          <a:avLst/>
+        </a:prstGeom>
+        <a:solidFill>
+          <a:schemeClr val="accent4">
+            <a:hueOff val="0"/>
+            <a:satOff val="0"/>
+            <a:lumOff val="0"/>
+            <a:alphaOff val="0"/>
+          </a:schemeClr>
+        </a:solidFill>
+        <a:ln w="12700" cap="flat" cmpd="sng" algn="ctr">
+          <a:solidFill>
+            <a:schemeClr val="lt1">
+              <a:hueOff val="0"/>
+              <a:satOff val="0"/>
+              <a:lumOff val="0"/>
+              <a:alphaOff val="0"/>
+            </a:schemeClr>
+          </a:solidFill>
+          <a:prstDash val="solid"/>
+          <a:miter lim="800000"/>
+        </a:ln>
+        <a:effectLst/>
+      </dsp:spPr>
+      <dsp:style>
+        <a:lnRef idx="2">
+          <a:scrgbClr r="0" g="0" b="0"/>
+        </a:lnRef>
+        <a:fillRef idx="1">
+          <a:scrgbClr r="0" g="0" b="0"/>
+        </a:fillRef>
+        <a:effectRef idx="0">
+          <a:scrgbClr r="0" g="0" b="0"/>
+        </a:effectRef>
+        <a:fontRef idx="minor">
+          <a:schemeClr val="lt1"/>
+        </a:fontRef>
+      </dsp:style>
+      <dsp:txBody>
+        <a:bodyPr spcFirstLastPara="0" vert="horz" wrap="square" lIns="6350" tIns="6350" rIns="6350" bIns="6350" numCol="1" spcCol="1270" anchor="ctr" anchorCtr="0">
+          <a:noAutofit/>
+        </a:bodyPr>
+        <a:lstStyle/>
+        <a:p>
+          <a:pPr lvl="0" algn="ctr" defTabSz="444500">
+            <a:lnSpc>
+              <a:spcPct val="90000"/>
+            </a:lnSpc>
+            <a:spcBef>
+              <a:spcPct val="0"/>
+            </a:spcBef>
+            <a:spcAft>
+              <a:spcPct val="35000"/>
+            </a:spcAft>
+          </a:pPr>
+          <a:r>
+            <a:rPr lang="en-US" sz="1000" kern="1200" dirty="0" smtClean="0"/>
+            <a:t> </a:t>
+          </a:r>
+          <a:endParaRPr lang="en-US" sz="1000" kern="1200" dirty="0"/>
+        </a:p>
+      </dsp:txBody>
+      <dsp:txXfrm>
+        <a:off x="795623" y="653032"/>
+        <a:ext cx="328738" cy="164369"/>
+      </dsp:txXfrm>
+    </dsp:sp>
+    <dsp:sp modelId="{FB5FBBDF-B528-46EF-93B5-58A27D0E33BC}">
+      <dsp:nvSpPr>
+        <dsp:cNvPr id="0" name=""/>
+        <dsp:cNvSpPr/>
+      </dsp:nvSpPr>
+      <dsp:spPr>
+        <a:xfrm>
+          <a:off x="198962" y="419627"/>
+          <a:ext cx="328738" cy="164369"/>
+        </a:xfrm>
+        <a:prstGeom prst="rect">
+          <a:avLst/>
+        </a:prstGeom>
+        <a:solidFill>
+          <a:schemeClr val="accent4">
+            <a:hueOff val="0"/>
+            <a:satOff val="0"/>
+            <a:lumOff val="0"/>
+            <a:alphaOff val="0"/>
+          </a:schemeClr>
+        </a:solidFill>
+        <a:ln w="12700" cap="flat" cmpd="sng" algn="ctr">
+          <a:solidFill>
+            <a:schemeClr val="lt1">
+              <a:shade val="80000"/>
               <a:hueOff val="0"/>
               <a:satOff val="0"/>
               <a:lumOff val="0"/>
@@ -12828,6 +16789,2298 @@
 </dgm:layoutDef>
 </file>
 
+<file path=ppt/diagrams/layout5.xml><?xml version="1.0" encoding="utf-8"?>
+<dgm:layoutDef xmlns:dgm="http://schemas.openxmlformats.org/drawingml/2006/diagram" xmlns:a="http://schemas.openxmlformats.org/drawingml/2006/main" uniqueId="urn:microsoft.com/office/officeart/2005/8/layout/orgChart1">
+  <dgm:title val=""/>
+  <dgm:desc val=""/>
+  <dgm:catLst>
+    <dgm:cat type="hierarchy" pri="1000"/>
+    <dgm:cat type="convert" pri="6000"/>
+  </dgm:catLst>
+  <dgm:sampData>
+    <dgm:dataModel>
+      <dgm:ptLst>
+        <dgm:pt modelId="0" type="doc"/>
+        <dgm:pt modelId="1">
+          <dgm:prSet phldr="1"/>
+        </dgm:pt>
+        <dgm:pt modelId="2" type="asst">
+          <dgm:prSet phldr="1"/>
+        </dgm:pt>
+        <dgm:pt modelId="3">
+          <dgm:prSet phldr="1"/>
+        </dgm:pt>
+        <dgm:pt modelId="4">
+          <dgm:prSet phldr="1"/>
+        </dgm:pt>
+        <dgm:pt modelId="5">
+          <dgm:prSet phldr="1"/>
+        </dgm:pt>
+      </dgm:ptLst>
+      <dgm:cxnLst>
+        <dgm:cxn modelId="5" srcId="0" destId="1" srcOrd="0" destOrd="0"/>
+        <dgm:cxn modelId="6" srcId="1" destId="2" srcOrd="0" destOrd="0"/>
+        <dgm:cxn modelId="7" srcId="1" destId="3" srcOrd="1" destOrd="0"/>
+        <dgm:cxn modelId="8" srcId="1" destId="4" srcOrd="2" destOrd="0"/>
+        <dgm:cxn modelId="9" srcId="1" destId="5" srcOrd="3" destOrd="0"/>
+      </dgm:cxnLst>
+      <dgm:bg/>
+      <dgm:whole/>
+    </dgm:dataModel>
+  </dgm:sampData>
+  <dgm:styleData>
+    <dgm:dataModel>
+      <dgm:ptLst>
+        <dgm:pt modelId="0" type="doc"/>
+        <dgm:pt modelId="1"/>
+        <dgm:pt modelId="12"/>
+        <dgm:pt modelId="13"/>
+      </dgm:ptLst>
+      <dgm:cxnLst>
+        <dgm:cxn modelId="2" srcId="0" destId="1" srcOrd="0" destOrd="0"/>
+        <dgm:cxn modelId="16" srcId="1" destId="12" srcOrd="1" destOrd="0"/>
+        <dgm:cxn modelId="17" srcId="1" destId="13" srcOrd="2" destOrd="0"/>
+      </dgm:cxnLst>
+      <dgm:bg/>
+      <dgm:whole/>
+    </dgm:dataModel>
+  </dgm:styleData>
+  <dgm:clrData>
+    <dgm:dataModel>
+      <dgm:ptLst>
+        <dgm:pt modelId="0" type="doc"/>
+        <dgm:pt modelId="1"/>
+        <dgm:pt modelId="11" type="asst"/>
+        <dgm:pt modelId="12"/>
+        <dgm:pt modelId="13"/>
+        <dgm:pt modelId="14"/>
+      </dgm:ptLst>
+      <dgm:cxnLst>
+        <dgm:cxn modelId="2" srcId="0" destId="1" srcOrd="0" destOrd="0"/>
+        <dgm:cxn modelId="15" srcId="1" destId="11" srcOrd="0" destOrd="0"/>
+        <dgm:cxn modelId="16" srcId="1" destId="12" srcOrd="1" destOrd="0"/>
+        <dgm:cxn modelId="17" srcId="1" destId="13" srcOrd="2" destOrd="0"/>
+        <dgm:cxn modelId="18" srcId="1" destId="14" srcOrd="2" destOrd="0"/>
+      </dgm:cxnLst>
+      <dgm:bg/>
+      <dgm:whole/>
+    </dgm:dataModel>
+  </dgm:clrData>
+  <dgm:layoutNode name="hierChild1">
+    <dgm:varLst>
+      <dgm:orgChart val="1"/>
+      <dgm:chPref val="1"/>
+      <dgm:dir/>
+      <dgm:animOne val="branch"/>
+      <dgm:animLvl val="lvl"/>
+      <dgm:resizeHandles/>
+    </dgm:varLst>
+    <dgm:choose name="Name0">
+      <dgm:if name="Name1" func="var" arg="dir" op="equ" val="norm">
+        <dgm:alg type="hierChild">
+          <dgm:param type="linDir" val="fromL"/>
+        </dgm:alg>
+      </dgm:if>
+      <dgm:else name="Name2">
+        <dgm:alg type="hierChild">
+          <dgm:param type="linDir" val="fromR"/>
+        </dgm:alg>
+      </dgm:else>
+    </dgm:choose>
+    <dgm:shape xmlns:r="http://schemas.openxmlformats.org/officeDocument/2006/relationships" r:blip="">
+      <dgm:adjLst/>
+    </dgm:shape>
+    <dgm:presOf/>
+    <dgm:constrLst>
+      <dgm:constr type="w" for="des" forName="rootComposite1" refType="w" fact="10"/>
+      <dgm:constr type="h" for="des" forName="rootComposite1" refType="w" refFor="des" refForName="rootComposite1" fact="0.5"/>
+      <dgm:constr type="w" for="des" forName="rootComposite" refType="w" fact="10"/>
+      <dgm:constr type="h" for="des" forName="rootComposite" refType="w" refFor="des" refForName="rootComposite1" fact="0.5"/>
+      <dgm:constr type="w" for="des" forName="rootComposite3" refType="w" fact="10"/>
+      <dgm:constr type="h" for="des" forName="rootComposite3" refType="w" refFor="des" refForName="rootComposite1" fact="0.5"/>
+      <dgm:constr type="primFontSz" for="des" ptType="node" op="equ"/>
+      <dgm:constr type="sp" for="des" op="equ"/>
+      <dgm:constr type="sp" for="des" forName="hierRoot1" refType="w" refFor="des" refForName="rootComposite1" fact="0.21"/>
+      <dgm:constr type="sp" for="des" forName="hierRoot2" refType="sp" refFor="des" refForName="hierRoot1"/>
+      <dgm:constr type="sp" for="des" forName="hierRoot3" refType="sp" refFor="des" refForName="hierRoot1"/>
+      <dgm:constr type="sibSp" refType="w" refFor="des" refForName="rootComposite1" fact="0.21"/>
+      <dgm:constr type="sibSp" for="des" forName="hierChild2" refType="sibSp"/>
+      <dgm:constr type="sibSp" for="des" forName="hierChild3" refType="sibSp"/>
+      <dgm:constr type="sibSp" for="des" forName="hierChild4" refType="sibSp"/>
+      <dgm:constr type="sibSp" for="des" forName="hierChild5" refType="sibSp"/>
+      <dgm:constr type="sibSp" for="des" forName="hierChild6" refType="sibSp"/>
+      <dgm:constr type="sibSp" for="des" forName="hierChild7" refType="sibSp"/>
+      <dgm:constr type="secSibSp" refType="w" refFor="des" refForName="rootComposite1" fact="0.21"/>
+      <dgm:constr type="secSibSp" for="des" forName="hierChild2" refType="secSibSp"/>
+      <dgm:constr type="secSibSp" for="des" forName="hierChild3" refType="secSibSp"/>
+      <dgm:constr type="secSibSp" for="des" forName="hierChild4" refType="secSibSp"/>
+      <dgm:constr type="secSibSp" for="des" forName="hierChild5" refType="secSibSp"/>
+      <dgm:constr type="secSibSp" for="des" forName="hierChild6" refType="secSibSp"/>
+      <dgm:constr type="secSibSp" for="des" forName="hierChild7" refType="secSibSp"/>
+    </dgm:constrLst>
+    <dgm:ruleLst/>
+    <dgm:forEach name="Name3" axis="ch">
+      <dgm:forEach name="Name4" axis="self" ptType="node">
+        <dgm:layoutNode name="hierRoot1">
+          <dgm:varLst>
+            <dgm:hierBranch val="init"/>
+          </dgm:varLst>
+          <dgm:choose name="Name5">
+            <dgm:if name="Name6" func="var" arg="hierBranch" op="equ" val="l">
+              <dgm:choose name="Name7">
+                <dgm:if name="Name8" axis="ch" ptType="asst" func="cnt" op="gte" val="1">
+                  <dgm:alg type="hierRoot">
+                    <dgm:param type="hierAlign" val="tR"/>
+                  </dgm:alg>
+                  <dgm:constrLst>
+                    <dgm:constr type="alignOff" val="0.65"/>
+                  </dgm:constrLst>
+                </dgm:if>
+                <dgm:else name="Name9">
+                  <dgm:alg type="hierRoot">
+                    <dgm:param type="hierAlign" val="tR"/>
+                  </dgm:alg>
+                  <dgm:constrLst>
+                    <dgm:constr type="alignOff" val="0.25"/>
+                  </dgm:constrLst>
+                </dgm:else>
+              </dgm:choose>
+            </dgm:if>
+            <dgm:if name="Name10" func="var" arg="hierBranch" op="equ" val="r">
+              <dgm:choose name="Name11">
+                <dgm:if name="Name12" axis="ch" ptType="asst" func="cnt" op="gte" val="1">
+                  <dgm:alg type="hierRoot">
+                    <dgm:param type="hierAlign" val="tL"/>
+                  </dgm:alg>
+                  <dgm:constrLst>
+                    <dgm:constr type="alignOff" val="0.65"/>
+                  </dgm:constrLst>
+                </dgm:if>
+                <dgm:else name="Name13">
+                  <dgm:alg type="hierRoot">
+                    <dgm:param type="hierAlign" val="tL"/>
+                  </dgm:alg>
+                  <dgm:constrLst>
+                    <dgm:constr type="alignOff" val="0.25"/>
+                  </dgm:constrLst>
+                </dgm:else>
+              </dgm:choose>
+            </dgm:if>
+            <dgm:if name="Name14" func="var" arg="hierBranch" op="equ" val="hang">
+              <dgm:alg type="hierRoot"/>
+              <dgm:constrLst>
+                <dgm:constr type="alignOff" val="0.65"/>
+              </dgm:constrLst>
+            </dgm:if>
+            <dgm:else name="Name15">
+              <dgm:alg type="hierRoot"/>
+              <dgm:constrLst>
+                <dgm:constr type="alignOff"/>
+                <dgm:constr type="bendDist" for="des" ptType="parTrans" refType="sp" fact="0.5"/>
+              </dgm:constrLst>
+            </dgm:else>
+          </dgm:choose>
+          <dgm:shape xmlns:r="http://schemas.openxmlformats.org/officeDocument/2006/relationships" r:blip="">
+            <dgm:adjLst/>
+          </dgm:shape>
+          <dgm:presOf/>
+          <dgm:ruleLst/>
+          <dgm:layoutNode name="rootComposite1">
+            <dgm:alg type="composite"/>
+            <dgm:shape xmlns:r="http://schemas.openxmlformats.org/officeDocument/2006/relationships" r:blip="">
+              <dgm:adjLst/>
+            </dgm:shape>
+            <dgm:presOf axis="self" ptType="node" cnt="1"/>
+            <dgm:choose name="Name16">
+              <dgm:if name="Name17" func="var" arg="hierBranch" op="equ" val="init">
+                <dgm:constrLst>
+                  <dgm:constr type="l" for="ch" forName="rootText1"/>
+                  <dgm:constr type="t" for="ch" forName="rootText1"/>
+                  <dgm:constr type="w" for="ch" forName="rootText1" refType="w"/>
+                  <dgm:constr type="h" for="ch" forName="rootText1" refType="h"/>
+                  <dgm:constr type="l" for="ch" forName="rootConnector1"/>
+                  <dgm:constr type="t" for="ch" forName="rootConnector1"/>
+                  <dgm:constr type="w" for="ch" forName="rootConnector1" refType="w" refFor="ch" refForName="rootText1" fact="0.2"/>
+                  <dgm:constr type="h" for="ch" forName="rootConnector1" refType="h" refFor="ch" refForName="rootText1"/>
+                </dgm:constrLst>
+              </dgm:if>
+              <dgm:if name="Name18" func="var" arg="hierBranch" op="equ" val="l">
+                <dgm:constrLst>
+                  <dgm:constr type="l" for="ch" forName="rootText1"/>
+                  <dgm:constr type="t" for="ch" forName="rootText1"/>
+                  <dgm:constr type="w" for="ch" forName="rootText1" refType="w"/>
+                  <dgm:constr type="h" for="ch" forName="rootText1" refType="h"/>
+                  <dgm:constr type="r" for="ch" forName="rootConnector1" refType="w"/>
+                  <dgm:constr type="t" for="ch" forName="rootConnector1"/>
+                  <dgm:constr type="w" for="ch" forName="rootConnector1" refType="w" refFor="ch" refForName="rootText1" fact="0.2"/>
+                  <dgm:constr type="h" for="ch" forName="rootConnector1" refType="h" refFor="ch" refForName="rootText1"/>
+                </dgm:constrLst>
+              </dgm:if>
+              <dgm:if name="Name19" func="var" arg="hierBranch" op="equ" val="r">
+                <dgm:constrLst>
+                  <dgm:constr type="l" for="ch" forName="rootText1"/>
+                  <dgm:constr type="t" for="ch" forName="rootText1"/>
+                  <dgm:constr type="w" for="ch" forName="rootText1" refType="w"/>
+                  <dgm:constr type="h" for="ch" forName="rootText1" refType="h"/>
+                  <dgm:constr type="l" for="ch" forName="rootConnector1"/>
+                  <dgm:constr type="t" for="ch" forName="rootConnector1"/>
+                  <dgm:constr type="w" for="ch" forName="rootConnector1" refType="w" refFor="ch" refForName="rootText1" fact="0.2"/>
+                  <dgm:constr type="h" for="ch" forName="rootConnector1" refType="h" refFor="ch" refForName="rootText1"/>
+                </dgm:constrLst>
+              </dgm:if>
+              <dgm:else name="Name20">
+                <dgm:constrLst>
+                  <dgm:constr type="l" for="ch" forName="rootText1"/>
+                  <dgm:constr type="t" for="ch" forName="rootText1"/>
+                  <dgm:constr type="w" for="ch" forName="rootText1" refType="w"/>
+                  <dgm:constr type="h" for="ch" forName="rootText1" refType="h"/>
+                  <dgm:constr type="r" for="ch" forName="rootConnector1" refType="w"/>
+                  <dgm:constr type="t" for="ch" forName="rootConnector1"/>
+                  <dgm:constr type="w" for="ch" forName="rootConnector1" refType="w" refFor="ch" refForName="rootText1" fact="0.2"/>
+                  <dgm:constr type="h" for="ch" forName="rootConnector1" refType="h" refFor="ch" refForName="rootText1"/>
+                </dgm:constrLst>
+              </dgm:else>
+            </dgm:choose>
+            <dgm:ruleLst/>
+            <dgm:layoutNode name="rootText1" styleLbl="node0">
+              <dgm:varLst>
+                <dgm:chPref val="3"/>
+              </dgm:varLst>
+              <dgm:alg type="tx"/>
+              <dgm:shape xmlns:r="http://schemas.openxmlformats.org/officeDocument/2006/relationships" type="rect" r:blip="">
+                <dgm:adjLst/>
+              </dgm:shape>
+              <dgm:presOf axis="self" ptType="node" cnt="1"/>
+              <dgm:constrLst>
+                <dgm:constr type="primFontSz" val="65"/>
+                <dgm:constr type="lMarg" refType="primFontSz" fact="0.05"/>
+                <dgm:constr type="rMarg" refType="primFontSz" fact="0.05"/>
+                <dgm:constr type="tMarg" refType="primFontSz" fact="0.05"/>
+                <dgm:constr type="bMarg" refType="primFontSz" fact="0.05"/>
+              </dgm:constrLst>
+              <dgm:ruleLst>
+                <dgm:rule type="primFontSz" val="5" fact="NaN" max="NaN"/>
+              </dgm:ruleLst>
+            </dgm:layoutNode>
+            <dgm:layoutNode name="rootConnector1" moveWith="rootText1">
+              <dgm:alg type="sp"/>
+              <dgm:shape xmlns:r="http://schemas.openxmlformats.org/officeDocument/2006/relationships" type="rect" r:blip="" hideGeom="1">
+                <dgm:adjLst/>
+              </dgm:shape>
+              <dgm:presOf axis="self" ptType="node" cnt="1"/>
+              <dgm:constrLst/>
+              <dgm:ruleLst/>
+            </dgm:layoutNode>
+          </dgm:layoutNode>
+          <dgm:layoutNode name="hierChild2">
+            <dgm:choose name="Name21">
+              <dgm:if name="Name22" func="var" arg="hierBranch" op="equ" val="l">
+                <dgm:alg type="hierChild">
+                  <dgm:param type="chAlign" val="r"/>
+                  <dgm:param type="linDir" val="fromT"/>
+                </dgm:alg>
+              </dgm:if>
+              <dgm:if name="Name23" func="var" arg="hierBranch" op="equ" val="r">
+                <dgm:alg type="hierChild">
+                  <dgm:param type="chAlign" val="l"/>
+                  <dgm:param type="linDir" val="fromT"/>
+                </dgm:alg>
+              </dgm:if>
+              <dgm:if name="Name24" func="var" arg="hierBranch" op="equ" val="hang">
+                <dgm:choose name="Name25">
+                  <dgm:if name="Name26" func="var" arg="dir" op="equ" val="norm">
+                    <dgm:alg type="hierChild">
+                      <dgm:param type="chAlign" val="l"/>
+                      <dgm:param type="linDir" val="fromL"/>
+                      <dgm:param type="secChAlign" val="t"/>
+                      <dgm:param type="secLinDir" val="fromT"/>
+                    </dgm:alg>
+                  </dgm:if>
+                  <dgm:else name="Name27">
+                    <dgm:alg type="hierChild">
+                      <dgm:param type="chAlign" val="l"/>
+                      <dgm:param type="linDir" val="fromR"/>
+                      <dgm:param type="secChAlign" val="t"/>
+                      <dgm:param type="secLinDir" val="fromT"/>
+                    </dgm:alg>
+                  </dgm:else>
+                </dgm:choose>
+              </dgm:if>
+              <dgm:else name="Name28">
+                <dgm:choose name="Name29">
+                  <dgm:if name="Name30" func="var" arg="dir" op="equ" val="norm">
+                    <dgm:alg type="hierChild"/>
+                  </dgm:if>
+                  <dgm:else name="Name31">
+                    <dgm:alg type="hierChild">
+                      <dgm:param type="linDir" val="fromR"/>
+                    </dgm:alg>
+                  </dgm:else>
+                </dgm:choose>
+              </dgm:else>
+            </dgm:choose>
+            <dgm:shape xmlns:r="http://schemas.openxmlformats.org/officeDocument/2006/relationships" r:blip="">
+              <dgm:adjLst/>
+            </dgm:shape>
+            <dgm:presOf/>
+            <dgm:constrLst/>
+            <dgm:ruleLst/>
+            <dgm:forEach name="rep2a" axis="ch" ptType="nonAsst">
+              <dgm:forEach name="Name32" axis="precedSib" ptType="parTrans" st="-1" cnt="1">
+                <dgm:choose name="Name33">
+                  <dgm:if name="Name34" func="var" arg="hierBranch" op="equ" val="std">
+                    <dgm:layoutNode name="Name35">
+                      <dgm:alg type="conn">
+                        <dgm:param type="connRout" val="bend"/>
+                        <dgm:param type="dim" val="1D"/>
+                        <dgm:param type="endSty" val="noArr"/>
+                        <dgm:param type="begPts" val="bCtr"/>
+                        <dgm:param type="endPts" val="tCtr"/>
+                        <dgm:param type="bendPt" val="end"/>
+                      </dgm:alg>
+                      <dgm:shape xmlns:r="http://schemas.openxmlformats.org/officeDocument/2006/relationships" type="conn" r:blip="" zOrderOff="-99999">
+                        <dgm:adjLst/>
+                      </dgm:shape>
+                      <dgm:presOf axis="self"/>
+                      <dgm:constrLst>
+                        <dgm:constr type="begPad"/>
+                        <dgm:constr type="endPad"/>
+                      </dgm:constrLst>
+                      <dgm:ruleLst/>
+                    </dgm:layoutNode>
+                  </dgm:if>
+                  <dgm:if name="Name36" func="var" arg="hierBranch" op="equ" val="init">
+                    <dgm:layoutNode name="Name37">
+                      <dgm:choose name="Name38">
+                        <dgm:if name="Name39" axis="self" func="depth" op="lte" val="2">
+                          <dgm:alg type="conn">
+                            <dgm:param type="connRout" val="bend"/>
+                            <dgm:param type="dim" val="1D"/>
+                            <dgm:param type="endSty" val="noArr"/>
+                            <dgm:param type="begPts" val="bCtr"/>
+                            <dgm:param type="endPts" val="tCtr"/>
+                            <dgm:param type="bendPt" val="end"/>
+                          </dgm:alg>
+                        </dgm:if>
+                        <dgm:else name="Name40">
+                          <dgm:choose name="Name41">
+                            <dgm:if name="Name42" axis="par des" func="maxDepth" op="lte" val="1">
+                              <dgm:choose name="Name43">
+                                <dgm:if name="Name44" axis="par ch" ptType="node asst" func="cnt" op="gte" val="1">
+                                  <dgm:alg type="conn">
+                                    <dgm:param type="connRout" val="bend"/>
+                                    <dgm:param type="dim" val="1D"/>
+                                    <dgm:param type="endSty" val="noArr"/>
+                                    <dgm:param type="begPts" val="bCtr"/>
+                                    <dgm:param type="endPts" val="midL midR"/>
+                                  </dgm:alg>
+                                </dgm:if>
+                                <dgm:else name="Name45">
+                                  <dgm:alg type="conn">
+                                    <dgm:param type="connRout" val="bend"/>
+                                    <dgm:param type="dim" val="1D"/>
+                                    <dgm:param type="endSty" val="noArr"/>
+                                    <dgm:param type="begPts" val="bCtr"/>
+                                    <dgm:param type="endPts" val="midL midR"/>
+                                    <dgm:param type="srcNode" val="rootConnector"/>
+                                  </dgm:alg>
+                                </dgm:else>
+                              </dgm:choose>
+                            </dgm:if>
+                            <dgm:else name="Name46">
+                              <dgm:alg type="conn">
+                                <dgm:param type="connRout" val="bend"/>
+                                <dgm:param type="dim" val="1D"/>
+                                <dgm:param type="endSty" val="noArr"/>
+                                <dgm:param type="begPts" val="bCtr"/>
+                                <dgm:param type="endPts" val="tCtr"/>
+                                <dgm:param type="bendPt" val="end"/>
+                              </dgm:alg>
+                            </dgm:else>
+                          </dgm:choose>
+                        </dgm:else>
+                      </dgm:choose>
+                      <dgm:shape xmlns:r="http://schemas.openxmlformats.org/officeDocument/2006/relationships" type="conn" r:blip="" zOrderOff="-99999">
+                        <dgm:adjLst/>
+                      </dgm:shape>
+                      <dgm:presOf axis="self"/>
+                      <dgm:constrLst>
+                        <dgm:constr type="begPad"/>
+                        <dgm:constr type="endPad"/>
+                      </dgm:constrLst>
+                      <dgm:ruleLst/>
+                    </dgm:layoutNode>
+                  </dgm:if>
+                  <dgm:if name="Name47" func="var" arg="hierBranch" op="equ" val="hang">
+                    <dgm:layoutNode name="Name48">
+                      <dgm:alg type="conn">
+                        <dgm:param type="connRout" val="bend"/>
+                        <dgm:param type="dim" val="1D"/>
+                        <dgm:param type="endSty" val="noArr"/>
+                        <dgm:param type="begPts" val="bCtr"/>
+                        <dgm:param type="endPts" val="midL midR"/>
+                      </dgm:alg>
+                      <dgm:shape xmlns:r="http://schemas.openxmlformats.org/officeDocument/2006/relationships" type="conn" r:blip="" zOrderOff="-99999">
+                        <dgm:adjLst/>
+                      </dgm:shape>
+                      <dgm:presOf axis="self"/>
+                      <dgm:constrLst>
+                        <dgm:constr type="begPad"/>
+                        <dgm:constr type="endPad"/>
+                      </dgm:constrLst>
+                      <dgm:ruleLst/>
+                    </dgm:layoutNode>
+                  </dgm:if>
+                  <dgm:else name="Name49">
+                    <dgm:layoutNode name="Name50">
+                      <dgm:choose name="Name51">
+                        <dgm:if name="Name52" axis="self" func="depth" op="lte" val="2">
+                          <dgm:choose name="Name53">
+                            <dgm:if name="Name54" axis="par ch" ptType="node asst" func="cnt" op="gte" val="1">
+                              <dgm:alg type="conn">
+                                <dgm:param type="connRout" val="bend"/>
+                                <dgm:param type="dim" val="1D"/>
+                                <dgm:param type="endSty" val="noArr"/>
+                                <dgm:param type="begPts" val="bCtr"/>
+                                <dgm:param type="endPts" val="midL midR"/>
+                              </dgm:alg>
+                            </dgm:if>
+                            <dgm:else name="Name55">
+                              <dgm:alg type="conn">
+                                <dgm:param type="connRout" val="bend"/>
+                                <dgm:param type="dim" val="1D"/>
+                                <dgm:param type="endSty" val="noArr"/>
+                                <dgm:param type="begPts" val="bCtr"/>
+                                <dgm:param type="endPts" val="midL midR"/>
+                                <dgm:param type="srcNode" val="rootConnector1"/>
+                              </dgm:alg>
+                            </dgm:else>
+                          </dgm:choose>
+                        </dgm:if>
+                        <dgm:else name="Name56">
+                          <dgm:choose name="Name57">
+                            <dgm:if name="Name58" axis="par ch" ptType="node asst" func="cnt" op="gte" val="1">
+                              <dgm:alg type="conn">
+                                <dgm:param type="connRout" val="bend"/>
+                                <dgm:param type="dim" val="1D"/>
+                                <dgm:param type="endSty" val="noArr"/>
+                                <dgm:param type="begPts" val="bCtr"/>
+                                <dgm:param type="endPts" val="midL midR"/>
+                              </dgm:alg>
+                            </dgm:if>
+                            <dgm:else name="Name59">
+                              <dgm:alg type="conn">
+                                <dgm:param type="connRout" val="bend"/>
+                                <dgm:param type="dim" val="1D"/>
+                                <dgm:param type="endSty" val="noArr"/>
+                                <dgm:param type="begPts" val="bCtr"/>
+                                <dgm:param type="endPts" val="midL midR"/>
+                                <dgm:param type="srcNode" val="rootConnector"/>
+                              </dgm:alg>
+                            </dgm:else>
+                          </dgm:choose>
+                        </dgm:else>
+                      </dgm:choose>
+                      <dgm:shape xmlns:r="http://schemas.openxmlformats.org/officeDocument/2006/relationships" type="conn" r:blip="" zOrderOff="-99999">
+                        <dgm:adjLst/>
+                      </dgm:shape>
+                      <dgm:presOf axis="self"/>
+                      <dgm:constrLst>
+                        <dgm:constr type="begPad"/>
+                        <dgm:constr type="endPad"/>
+                      </dgm:constrLst>
+                      <dgm:ruleLst/>
+                    </dgm:layoutNode>
+                  </dgm:else>
+                </dgm:choose>
+              </dgm:forEach>
+              <dgm:layoutNode name="hierRoot2">
+                <dgm:varLst>
+                  <dgm:hierBranch val="init"/>
+                </dgm:varLst>
+                <dgm:choose name="Name60">
+                  <dgm:if name="Name61" func="var" arg="hierBranch" op="equ" val="l">
+                    <dgm:choose name="Name62">
+                      <dgm:if name="Name63" axis="ch" ptType="asst" func="cnt" op="gte" val="1">
+                        <dgm:alg type="hierRoot">
+                          <dgm:param type="hierAlign" val="tR"/>
+                        </dgm:alg>
+                        <dgm:shape xmlns:r="http://schemas.openxmlformats.org/officeDocument/2006/relationships" r:blip="">
+                          <dgm:adjLst/>
+                        </dgm:shape>
+                        <dgm:presOf/>
+                        <dgm:constrLst>
+                          <dgm:constr type="alignOff" val="0.65"/>
+                        </dgm:constrLst>
+                      </dgm:if>
+                      <dgm:else name="Name64">
+                        <dgm:alg type="hierRoot">
+                          <dgm:param type="hierAlign" val="tR"/>
+                        </dgm:alg>
+                        <dgm:shape xmlns:r="http://schemas.openxmlformats.org/officeDocument/2006/relationships" r:blip="">
+                          <dgm:adjLst/>
+                        </dgm:shape>
+                        <dgm:presOf/>
+                        <dgm:constrLst>
+                          <dgm:constr type="alignOff" val="0.25"/>
+                        </dgm:constrLst>
+                      </dgm:else>
+                    </dgm:choose>
+                  </dgm:if>
+                  <dgm:if name="Name65" func="var" arg="hierBranch" op="equ" val="r">
+                    <dgm:choose name="Name66">
+                      <dgm:if name="Name67" axis="ch" ptType="asst" func="cnt" op="gte" val="1">
+                        <dgm:alg type="hierRoot">
+                          <dgm:param type="hierAlign" val="tL"/>
+                        </dgm:alg>
+                        <dgm:shape xmlns:r="http://schemas.openxmlformats.org/officeDocument/2006/relationships" r:blip="">
+                          <dgm:adjLst/>
+                        </dgm:shape>
+                        <dgm:presOf/>
+                        <dgm:constrLst>
+                          <dgm:constr type="alignOff" val="0.65"/>
+                        </dgm:constrLst>
+                      </dgm:if>
+                      <dgm:else name="Name68">
+                        <dgm:alg type="hierRoot">
+                          <dgm:param type="hierAlign" val="tL"/>
+                        </dgm:alg>
+                        <dgm:shape xmlns:r="http://schemas.openxmlformats.org/officeDocument/2006/relationships" r:blip="">
+                          <dgm:adjLst/>
+                        </dgm:shape>
+                        <dgm:presOf/>
+                        <dgm:constrLst>
+                          <dgm:constr type="alignOff" val="0.25"/>
+                        </dgm:constrLst>
+                      </dgm:else>
+                    </dgm:choose>
+                  </dgm:if>
+                  <dgm:if name="Name69" func="var" arg="hierBranch" op="equ" val="std">
+                    <dgm:alg type="hierRoot"/>
+                    <dgm:shape xmlns:r="http://schemas.openxmlformats.org/officeDocument/2006/relationships" r:blip="">
+                      <dgm:adjLst/>
+                    </dgm:shape>
+                    <dgm:presOf/>
+                    <dgm:constrLst>
+                      <dgm:constr type="alignOff"/>
+                      <dgm:constr type="bendDist" for="des" ptType="parTrans" refType="sp" fact="0.5"/>
+                    </dgm:constrLst>
+                  </dgm:if>
+                  <dgm:if name="Name70" func="var" arg="hierBranch" op="equ" val="init">
+                    <dgm:choose name="Name71">
+                      <dgm:if name="Name72" axis="des" func="maxDepth" op="lte" val="1">
+                        <dgm:choose name="Name73">
+                          <dgm:if name="Name74" axis="ch" ptType="asst" func="cnt" op="gte" val="1">
+                            <dgm:alg type="hierRoot">
+                              <dgm:param type="hierAlign" val="tL"/>
+                            </dgm:alg>
+                            <dgm:shape xmlns:r="http://schemas.openxmlformats.org/officeDocument/2006/relationships" r:blip="">
+                              <dgm:adjLst/>
+                            </dgm:shape>
+                            <dgm:presOf/>
+                            <dgm:constrLst>
+                              <dgm:constr type="alignOff" val="0.65"/>
+                            </dgm:constrLst>
+                          </dgm:if>
+                          <dgm:else name="Name75">
+                            <dgm:alg type="hierRoot">
+                              <dgm:param type="hierAlign" val="tL"/>
+                            </dgm:alg>
+                            <dgm:shape xmlns:r="http://schemas.openxmlformats.org/officeDocument/2006/relationships" r:blip="">
+                              <dgm:adjLst/>
+                            </dgm:shape>
+                            <dgm:presOf/>
+                            <dgm:constrLst>
+                              <dgm:constr type="alignOff" val="0.25"/>
+                            </dgm:constrLst>
+                          </dgm:else>
+                        </dgm:choose>
+                      </dgm:if>
+                      <dgm:else name="Name76">
+                        <dgm:alg type="hierRoot"/>
+                        <dgm:shape xmlns:r="http://schemas.openxmlformats.org/officeDocument/2006/relationships" r:blip="">
+                          <dgm:adjLst/>
+                        </dgm:shape>
+                        <dgm:presOf/>
+                        <dgm:constrLst>
+                          <dgm:constr type="alignOff"/>
+                          <dgm:constr type="bendDist" for="des" ptType="parTrans" refType="sp" fact="0.5"/>
+                        </dgm:constrLst>
+                      </dgm:else>
+                    </dgm:choose>
+                  </dgm:if>
+                  <dgm:else name="Name77">
+                    <dgm:alg type="hierRoot"/>
+                    <dgm:shape xmlns:r="http://schemas.openxmlformats.org/officeDocument/2006/relationships" r:blip="">
+                      <dgm:adjLst/>
+                    </dgm:shape>
+                    <dgm:presOf/>
+                    <dgm:constrLst>
+                      <dgm:constr type="alignOff" val="0.65"/>
+                    </dgm:constrLst>
+                  </dgm:else>
+                </dgm:choose>
+                <dgm:ruleLst/>
+                <dgm:layoutNode name="rootComposite">
+                  <dgm:alg type="composite"/>
+                  <dgm:shape xmlns:r="http://schemas.openxmlformats.org/officeDocument/2006/relationships" r:blip="">
+                    <dgm:adjLst/>
+                  </dgm:shape>
+                  <dgm:presOf axis="self" ptType="node" cnt="1"/>
+                  <dgm:choose name="Name78">
+                    <dgm:if name="Name79" func="var" arg="hierBranch" op="equ" val="init">
+                      <dgm:constrLst>
+                        <dgm:constr type="l" for="ch" forName="rootText"/>
+                        <dgm:constr type="t" for="ch" forName="rootText"/>
+                        <dgm:constr type="w" for="ch" forName="rootText" refType="w"/>
+                        <dgm:constr type="h" for="ch" forName="rootText" refType="h"/>
+                        <dgm:constr type="l" for="ch" forName="rootConnector"/>
+                        <dgm:constr type="t" for="ch" forName="rootConnector"/>
+                        <dgm:constr type="w" for="ch" forName="rootConnector" refType="w" refFor="ch" refForName="rootText" fact="0.2"/>
+                        <dgm:constr type="h" for="ch" forName="rootConnector" refType="h" refFor="ch" refForName="rootText"/>
+                      </dgm:constrLst>
+                    </dgm:if>
+                    <dgm:if name="Name80" func="var" arg="hierBranch" op="equ" val="l">
+                      <dgm:constrLst>
+                        <dgm:constr type="l" for="ch" forName="rootText"/>
+                        <dgm:constr type="t" for="ch" forName="rootText"/>
+                        <dgm:constr type="w" for="ch" forName="rootText" refType="w"/>
+                        <dgm:constr type="h" for="ch" forName="rootText" refType="h"/>
+                        <dgm:constr type="r" for="ch" forName="rootConnector" refType="w"/>
+                        <dgm:constr type="t" for="ch" forName="rootConnector"/>
+                        <dgm:constr type="w" for="ch" forName="rootConnector" refType="w" refFor="ch" refForName="rootText" fact="0.2"/>
+                        <dgm:constr type="h" for="ch" forName="rootConnector" refType="h" refFor="ch" refForName="rootText"/>
+                      </dgm:constrLst>
+                    </dgm:if>
+                    <dgm:if name="Name81" func="var" arg="hierBranch" op="equ" val="r">
+                      <dgm:constrLst>
+                        <dgm:constr type="l" for="ch" forName="rootText"/>
+                        <dgm:constr type="t" for="ch" forName="rootText"/>
+                        <dgm:constr type="w" for="ch" forName="rootText" refType="w"/>
+                        <dgm:constr type="h" for="ch" forName="rootText" refType="h"/>
+                        <dgm:constr type="l" for="ch" forName="rootConnector"/>
+                        <dgm:constr type="t" for="ch" forName="rootConnector"/>
+                        <dgm:constr type="w" for="ch" forName="rootConnector" refType="w" refFor="ch" refForName="rootText" fact="0.2"/>
+                        <dgm:constr type="h" for="ch" forName="rootConnector" refType="h" refFor="ch" refForName="rootText"/>
+                      </dgm:constrLst>
+                    </dgm:if>
+                    <dgm:else name="Name82">
+                      <dgm:constrLst>
+                        <dgm:constr type="l" for="ch" forName="rootText"/>
+                        <dgm:constr type="t" for="ch" forName="rootText"/>
+                        <dgm:constr type="w" for="ch" forName="rootText" refType="w"/>
+                        <dgm:constr type="h" for="ch" forName="rootText" refType="h"/>
+                        <dgm:constr type="r" for="ch" forName="rootConnector" refType="w"/>
+                        <dgm:constr type="t" for="ch" forName="rootConnector"/>
+                        <dgm:constr type="w" for="ch" forName="rootConnector" refType="w" refFor="ch" refForName="rootText" fact="0.2"/>
+                        <dgm:constr type="h" for="ch" forName="rootConnector" refType="h" refFor="ch" refForName="rootText"/>
+                      </dgm:constrLst>
+                    </dgm:else>
+                  </dgm:choose>
+                  <dgm:ruleLst/>
+                  <dgm:layoutNode name="rootText">
+                    <dgm:varLst>
+                      <dgm:chPref val="3"/>
+                    </dgm:varLst>
+                    <dgm:alg type="tx"/>
+                    <dgm:shape xmlns:r="http://schemas.openxmlformats.org/officeDocument/2006/relationships" type="rect" r:blip="">
+                      <dgm:adjLst/>
+                    </dgm:shape>
+                    <dgm:presOf axis="self" ptType="node" cnt="1"/>
+                    <dgm:constrLst>
+                      <dgm:constr type="primFontSz" val="65"/>
+                      <dgm:constr type="lMarg" refType="primFontSz" fact="0.05"/>
+                      <dgm:constr type="rMarg" refType="primFontSz" fact="0.05"/>
+                      <dgm:constr type="tMarg" refType="primFontSz" fact="0.05"/>
+                      <dgm:constr type="bMarg" refType="primFontSz" fact="0.05"/>
+                    </dgm:constrLst>
+                    <dgm:ruleLst>
+                      <dgm:rule type="primFontSz" val="5" fact="NaN" max="NaN"/>
+                    </dgm:ruleLst>
+                  </dgm:layoutNode>
+                  <dgm:layoutNode name="rootConnector" moveWith="rootText">
+                    <dgm:alg type="sp"/>
+                    <dgm:shape xmlns:r="http://schemas.openxmlformats.org/officeDocument/2006/relationships" type="rect" r:blip="" hideGeom="1">
+                      <dgm:adjLst/>
+                    </dgm:shape>
+                    <dgm:presOf axis="self" ptType="node" cnt="1"/>
+                    <dgm:constrLst/>
+                    <dgm:ruleLst/>
+                  </dgm:layoutNode>
+                </dgm:layoutNode>
+                <dgm:layoutNode name="hierChild4">
+                  <dgm:choose name="Name83">
+                    <dgm:if name="Name84" func="var" arg="hierBranch" op="equ" val="l">
+                      <dgm:alg type="hierChild">
+                        <dgm:param type="chAlign" val="r"/>
+                        <dgm:param type="linDir" val="fromT"/>
+                      </dgm:alg>
+                    </dgm:if>
+                    <dgm:if name="Name85" func="var" arg="hierBranch" op="equ" val="r">
+                      <dgm:alg type="hierChild">
+                        <dgm:param type="chAlign" val="l"/>
+                        <dgm:param type="linDir" val="fromT"/>
+                      </dgm:alg>
+                    </dgm:if>
+                    <dgm:if name="Name86" func="var" arg="hierBranch" op="equ" val="hang">
+                      <dgm:choose name="Name87">
+                        <dgm:if name="Name88" func="var" arg="dir" op="equ" val="norm">
+                          <dgm:alg type="hierChild">
+                            <dgm:param type="chAlign" val="l"/>
+                            <dgm:param type="linDir" val="fromL"/>
+                            <dgm:param type="secChAlign" val="t"/>
+                            <dgm:param type="secLinDir" val="fromT"/>
+                          </dgm:alg>
+                        </dgm:if>
+                        <dgm:else name="Name89">
+                          <dgm:alg type="hierChild">
+                            <dgm:param type="chAlign" val="l"/>
+                            <dgm:param type="linDir" val="fromR"/>
+                            <dgm:param type="secChAlign" val="t"/>
+                            <dgm:param type="secLinDir" val="fromT"/>
+                          </dgm:alg>
+                        </dgm:else>
+                      </dgm:choose>
+                    </dgm:if>
+                    <dgm:if name="Name90" func="var" arg="hierBranch" op="equ" val="std">
+                      <dgm:choose name="Name91">
+                        <dgm:if name="Name92" func="var" arg="dir" op="equ" val="norm">
+                          <dgm:alg type="hierChild"/>
+                        </dgm:if>
+                        <dgm:else name="Name93">
+                          <dgm:alg type="hierChild">
+                            <dgm:param type="linDir" val="fromR"/>
+                          </dgm:alg>
+                        </dgm:else>
+                      </dgm:choose>
+                    </dgm:if>
+                    <dgm:if name="Name94" func="var" arg="hierBranch" op="equ" val="init">
+                      <dgm:choose name="Name95">
+                        <dgm:if name="Name96" axis="des" func="maxDepth" op="lte" val="1">
+                          <dgm:alg type="hierChild">
+                            <dgm:param type="chAlign" val="l"/>
+                            <dgm:param type="linDir" val="fromT"/>
+                          </dgm:alg>
+                        </dgm:if>
+                        <dgm:else name="Name97">
+                          <dgm:choose name="Name98">
+                            <dgm:if name="Name99" func="var" arg="dir" op="equ" val="norm">
+                              <dgm:alg type="hierChild"/>
+                            </dgm:if>
+                            <dgm:else name="Name100">
+                              <dgm:alg type="hierChild">
+                                <dgm:param type="linDir" val="fromR"/>
+                              </dgm:alg>
+                            </dgm:else>
+                          </dgm:choose>
+                        </dgm:else>
+                      </dgm:choose>
+                    </dgm:if>
+                    <dgm:else name="Name101"/>
+                  </dgm:choose>
+                  <dgm:shape xmlns:r="http://schemas.openxmlformats.org/officeDocument/2006/relationships" r:blip="">
+                    <dgm:adjLst/>
+                  </dgm:shape>
+                  <dgm:presOf/>
+                  <dgm:constrLst/>
+                  <dgm:ruleLst/>
+                  <dgm:forEach name="Name102" ref="rep2a"/>
+                </dgm:layoutNode>
+                <dgm:layoutNode name="hierChild5">
+                  <dgm:choose name="Name103">
+                    <dgm:if name="Name104" func="var" arg="dir" op="equ" val="norm">
+                      <dgm:alg type="hierChild">
+                        <dgm:param type="chAlign" val="l"/>
+                        <dgm:param type="linDir" val="fromL"/>
+                        <dgm:param type="secChAlign" val="t"/>
+                        <dgm:param type="secLinDir" val="fromT"/>
+                      </dgm:alg>
+                    </dgm:if>
+                    <dgm:else name="Name105">
+                      <dgm:alg type="hierChild">
+                        <dgm:param type="chAlign" val="l"/>
+                        <dgm:param type="linDir" val="fromR"/>
+                        <dgm:param type="secChAlign" val="t"/>
+                        <dgm:param type="secLinDir" val="fromT"/>
+                      </dgm:alg>
+                    </dgm:else>
+                  </dgm:choose>
+                  <dgm:shape xmlns:r="http://schemas.openxmlformats.org/officeDocument/2006/relationships" r:blip="">
+                    <dgm:adjLst/>
+                  </dgm:shape>
+                  <dgm:presOf/>
+                  <dgm:constrLst/>
+                  <dgm:ruleLst/>
+                  <dgm:forEach name="Name106" ref="rep2b"/>
+                </dgm:layoutNode>
+              </dgm:layoutNode>
+            </dgm:forEach>
+          </dgm:layoutNode>
+          <dgm:layoutNode name="hierChild3">
+            <dgm:choose name="Name107">
+              <dgm:if name="Name108" func="var" arg="dir" op="equ" val="norm">
+                <dgm:alg type="hierChild">
+                  <dgm:param type="chAlign" val="l"/>
+                  <dgm:param type="linDir" val="fromL"/>
+                  <dgm:param type="secChAlign" val="t"/>
+                  <dgm:param type="secLinDir" val="fromT"/>
+                </dgm:alg>
+              </dgm:if>
+              <dgm:else name="Name109">
+                <dgm:alg type="hierChild">
+                  <dgm:param type="chAlign" val="l"/>
+                  <dgm:param type="linDir" val="fromR"/>
+                  <dgm:param type="secChAlign" val="t"/>
+                  <dgm:param type="secLinDir" val="fromT"/>
+                </dgm:alg>
+              </dgm:else>
+            </dgm:choose>
+            <dgm:shape xmlns:r="http://schemas.openxmlformats.org/officeDocument/2006/relationships" r:blip="">
+              <dgm:adjLst/>
+            </dgm:shape>
+            <dgm:presOf/>
+            <dgm:constrLst/>
+            <dgm:ruleLst/>
+            <dgm:forEach name="rep2b" axis="ch" ptType="asst">
+              <dgm:forEach name="Name110" axis="precedSib" ptType="parTrans" st="-1" cnt="1">
+                <dgm:layoutNode name="Name111">
+                  <dgm:alg type="conn">
+                    <dgm:param type="connRout" val="bend"/>
+                    <dgm:param type="dim" val="1D"/>
+                    <dgm:param type="endSty" val="noArr"/>
+                    <dgm:param type="begPts" val="bCtr"/>
+                    <dgm:param type="endPts" val="midL midR"/>
+                  </dgm:alg>
+                  <dgm:shape xmlns:r="http://schemas.openxmlformats.org/officeDocument/2006/relationships" type="conn" r:blip="" zOrderOff="-99999">
+                    <dgm:adjLst/>
+                  </dgm:shape>
+                  <dgm:presOf axis="self"/>
+                  <dgm:constrLst>
+                    <dgm:constr type="begPad"/>
+                    <dgm:constr type="endPad"/>
+                  </dgm:constrLst>
+                  <dgm:ruleLst/>
+                </dgm:layoutNode>
+              </dgm:forEach>
+              <dgm:layoutNode name="hierRoot3">
+                <dgm:varLst>
+                  <dgm:hierBranch val="init"/>
+                </dgm:varLst>
+                <dgm:choose name="Name112">
+                  <dgm:if name="Name113" func="var" arg="hierBranch" op="equ" val="l">
+                    <dgm:alg type="hierRoot">
+                      <dgm:param type="hierAlign" val="tR"/>
+                    </dgm:alg>
+                    <dgm:shape xmlns:r="http://schemas.openxmlformats.org/officeDocument/2006/relationships" r:blip="">
+                      <dgm:adjLst/>
+                    </dgm:shape>
+                    <dgm:presOf/>
+                    <dgm:constrLst>
+                      <dgm:constr type="alignOff" val="0.65"/>
+                    </dgm:constrLst>
+                  </dgm:if>
+                  <dgm:if name="Name114" func="var" arg="hierBranch" op="equ" val="r">
+                    <dgm:alg type="hierRoot">
+                      <dgm:param type="hierAlign" val="tL"/>
+                    </dgm:alg>
+                    <dgm:shape xmlns:r="http://schemas.openxmlformats.org/officeDocument/2006/relationships" r:blip="">
+                      <dgm:adjLst/>
+                    </dgm:shape>
+                    <dgm:presOf/>
+                    <dgm:constrLst>
+                      <dgm:constr type="alignOff" val="0.65"/>
+                    </dgm:constrLst>
+                  </dgm:if>
+                  <dgm:if name="Name115" func="var" arg="hierBranch" op="equ" val="hang">
+                    <dgm:alg type="hierRoot"/>
+                    <dgm:shape xmlns:r="http://schemas.openxmlformats.org/officeDocument/2006/relationships" r:blip="">
+                      <dgm:adjLst/>
+                    </dgm:shape>
+                    <dgm:presOf/>
+                    <dgm:constrLst>
+                      <dgm:constr type="alignOff" val="0.65"/>
+                    </dgm:constrLst>
+                  </dgm:if>
+                  <dgm:if name="Name116" func="var" arg="hierBranch" op="equ" val="std">
+                    <dgm:alg type="hierRoot"/>
+                    <dgm:shape xmlns:r="http://schemas.openxmlformats.org/officeDocument/2006/relationships" r:blip="">
+                      <dgm:adjLst/>
+                    </dgm:shape>
+                    <dgm:presOf/>
+                    <dgm:constrLst>
+                      <dgm:constr type="alignOff"/>
+                      <dgm:constr type="bendDist" for="des" ptType="parTrans" refType="sp" fact="0.5"/>
+                    </dgm:constrLst>
+                  </dgm:if>
+                  <dgm:if name="Name117" func="var" arg="hierBranch" op="equ" val="init">
+                    <dgm:choose name="Name118">
+                      <dgm:if name="Name119" axis="des" func="maxDepth" op="lte" val="1">
+                        <dgm:alg type="hierRoot">
+                          <dgm:param type="hierAlign" val="tL"/>
+                        </dgm:alg>
+                        <dgm:shape xmlns:r="http://schemas.openxmlformats.org/officeDocument/2006/relationships" r:blip="">
+                          <dgm:adjLst/>
+                        </dgm:shape>
+                        <dgm:presOf/>
+                        <dgm:constrLst>
+                          <dgm:constr type="alignOff" val="0.65"/>
+                        </dgm:constrLst>
+                      </dgm:if>
+                      <dgm:else name="Name120">
+                        <dgm:alg type="hierRoot"/>
+                        <dgm:shape xmlns:r="http://schemas.openxmlformats.org/officeDocument/2006/relationships" r:blip="">
+                          <dgm:adjLst/>
+                        </dgm:shape>
+                        <dgm:presOf/>
+                        <dgm:constrLst>
+                          <dgm:constr type="alignOff"/>
+                          <dgm:constr type="bendDist" for="des" ptType="parTrans" refType="sp" fact="0.5"/>
+                        </dgm:constrLst>
+                      </dgm:else>
+                    </dgm:choose>
+                  </dgm:if>
+                  <dgm:else name="Name121"/>
+                </dgm:choose>
+                <dgm:ruleLst/>
+                <dgm:layoutNode name="rootComposite3">
+                  <dgm:alg type="composite"/>
+                  <dgm:shape xmlns:r="http://schemas.openxmlformats.org/officeDocument/2006/relationships" r:blip="">
+                    <dgm:adjLst/>
+                  </dgm:shape>
+                  <dgm:presOf axis="self" ptType="node" cnt="1"/>
+                  <dgm:choose name="Name122">
+                    <dgm:if name="Name123" func="var" arg="hierBranch" op="equ" val="init">
+                      <dgm:constrLst>
+                        <dgm:constr type="l" for="ch" forName="rootText3"/>
+                        <dgm:constr type="t" for="ch" forName="rootText3"/>
+                        <dgm:constr type="w" for="ch" forName="rootText3" refType="w"/>
+                        <dgm:constr type="h" for="ch" forName="rootText3" refType="h"/>
+                        <dgm:constr type="l" for="ch" forName="rootConnector3"/>
+                        <dgm:constr type="t" for="ch" forName="rootConnector3"/>
+                        <dgm:constr type="w" for="ch" forName="rootConnector3" refType="w" refFor="ch" refForName="rootText3" fact="0.2"/>
+                        <dgm:constr type="h" for="ch" forName="rootConnector3" refType="h" refFor="ch" refForName="rootText3"/>
+                      </dgm:constrLst>
+                    </dgm:if>
+                    <dgm:if name="Name124" func="var" arg="hierBranch" op="equ" val="l">
+                      <dgm:constrLst>
+                        <dgm:constr type="l" for="ch" forName="rootText3"/>
+                        <dgm:constr type="t" for="ch" forName="rootText3"/>
+                        <dgm:constr type="w" for="ch" forName="rootText3" refType="w"/>
+                        <dgm:constr type="h" for="ch" forName="rootText3" refType="h"/>
+                        <dgm:constr type="r" for="ch" forName="rootConnector3" refType="w"/>
+                        <dgm:constr type="t" for="ch" forName="rootConnector3"/>
+                        <dgm:constr type="w" for="ch" forName="rootConnector3" refType="w" refFor="ch" refForName="rootText3" fact="0.2"/>
+                        <dgm:constr type="h" for="ch" forName="rootConnector3" refType="h" refFor="ch" refForName="rootText3"/>
+                      </dgm:constrLst>
+                    </dgm:if>
+                    <dgm:if name="Name125" func="var" arg="hierBranch" op="equ" val="r">
+                      <dgm:constrLst>
+                        <dgm:constr type="l" for="ch" forName="rootText3"/>
+                        <dgm:constr type="t" for="ch" forName="rootText3"/>
+                        <dgm:constr type="w" for="ch" forName="rootText3" refType="w"/>
+                        <dgm:constr type="h" for="ch" forName="rootText3" refType="h"/>
+                        <dgm:constr type="l" for="ch" forName="rootConnector3"/>
+                        <dgm:constr type="t" for="ch" forName="rootConnector3"/>
+                        <dgm:constr type="w" for="ch" forName="rootConnector3" refType="w" refFor="ch" refForName="rootText3" fact="0.2"/>
+                        <dgm:constr type="h" for="ch" forName="rootConnector3" refType="h" refFor="ch" refForName="rootText3"/>
+                      </dgm:constrLst>
+                    </dgm:if>
+                    <dgm:else name="Name126">
+                      <dgm:constrLst>
+                        <dgm:constr type="l" for="ch" forName="rootText3"/>
+                        <dgm:constr type="t" for="ch" forName="rootText3"/>
+                        <dgm:constr type="w" for="ch" forName="rootText3" refType="w"/>
+                        <dgm:constr type="h" for="ch" forName="rootText3" refType="h"/>
+                        <dgm:constr type="r" for="ch" forName="rootConnector3" refType="w"/>
+                        <dgm:constr type="t" for="ch" forName="rootConnector3"/>
+                        <dgm:constr type="w" for="ch" forName="rootConnector3" refType="w" refFor="ch" refForName="rootText3" fact="0.2"/>
+                        <dgm:constr type="h" for="ch" forName="rootConnector3" refType="h" refFor="ch" refForName="rootText3"/>
+                      </dgm:constrLst>
+                    </dgm:else>
+                  </dgm:choose>
+                  <dgm:ruleLst/>
+                  <dgm:layoutNode name="rootText3">
+                    <dgm:varLst>
+                      <dgm:chPref val="3"/>
+                    </dgm:varLst>
+                    <dgm:alg type="tx"/>
+                    <dgm:shape xmlns:r="http://schemas.openxmlformats.org/officeDocument/2006/relationships" type="rect" r:blip="">
+                      <dgm:adjLst/>
+                    </dgm:shape>
+                    <dgm:presOf axis="self" ptType="node" cnt="1"/>
+                    <dgm:constrLst>
+                      <dgm:constr type="primFontSz" val="65"/>
+                      <dgm:constr type="lMarg" refType="primFontSz" fact="0.05"/>
+                      <dgm:constr type="rMarg" refType="primFontSz" fact="0.05"/>
+                      <dgm:constr type="tMarg" refType="primFontSz" fact="0.05"/>
+                      <dgm:constr type="bMarg" refType="primFontSz" fact="0.05"/>
+                    </dgm:constrLst>
+                    <dgm:ruleLst>
+                      <dgm:rule type="primFontSz" val="5" fact="NaN" max="NaN"/>
+                    </dgm:ruleLst>
+                  </dgm:layoutNode>
+                  <dgm:layoutNode name="rootConnector3" moveWith="rootText1">
+                    <dgm:alg type="sp"/>
+                    <dgm:shape xmlns:r="http://schemas.openxmlformats.org/officeDocument/2006/relationships" type="rect" r:blip="" hideGeom="1">
+                      <dgm:adjLst/>
+                    </dgm:shape>
+                    <dgm:presOf axis="self" ptType="node" cnt="1"/>
+                    <dgm:constrLst/>
+                    <dgm:ruleLst/>
+                  </dgm:layoutNode>
+                </dgm:layoutNode>
+                <dgm:layoutNode name="hierChild6">
+                  <dgm:choose name="Name127">
+                    <dgm:if name="Name128" func="var" arg="hierBranch" op="equ" val="l">
+                      <dgm:alg type="hierChild">
+                        <dgm:param type="chAlign" val="r"/>
+                        <dgm:param type="linDir" val="fromT"/>
+                      </dgm:alg>
+                    </dgm:if>
+                    <dgm:if name="Name129" func="var" arg="hierBranch" op="equ" val="r">
+                      <dgm:alg type="hierChild">
+                        <dgm:param type="chAlign" val="l"/>
+                        <dgm:param type="linDir" val="fromT"/>
+                      </dgm:alg>
+                    </dgm:if>
+                    <dgm:if name="Name130" func="var" arg="hierBranch" op="equ" val="hang">
+                      <dgm:choose name="Name131">
+                        <dgm:if name="Name132" func="var" arg="dir" op="equ" val="norm">
+                          <dgm:alg type="hierChild">
+                            <dgm:param type="chAlign" val="l"/>
+                            <dgm:param type="linDir" val="fromL"/>
+                            <dgm:param type="secChAlign" val="t"/>
+                            <dgm:param type="secLinDir" val="fromT"/>
+                          </dgm:alg>
+                        </dgm:if>
+                        <dgm:else name="Name133">
+                          <dgm:alg type="hierChild">
+                            <dgm:param type="chAlign" val="l"/>
+                            <dgm:param type="linDir" val="fromR"/>
+                            <dgm:param type="secChAlign" val="t"/>
+                            <dgm:param type="secLinDir" val="fromT"/>
+                          </dgm:alg>
+                        </dgm:else>
+                      </dgm:choose>
+                    </dgm:if>
+                    <dgm:if name="Name134" func="var" arg="hierBranch" op="equ" val="std">
+                      <dgm:choose name="Name135">
+                        <dgm:if name="Name136" func="var" arg="dir" op="equ" val="norm">
+                          <dgm:alg type="hierChild"/>
+                        </dgm:if>
+                        <dgm:else name="Name137">
+                          <dgm:alg type="hierChild">
+                            <dgm:param type="linDir" val="fromR"/>
+                          </dgm:alg>
+                        </dgm:else>
+                      </dgm:choose>
+                    </dgm:if>
+                    <dgm:if name="Name138" func="var" arg="hierBranch" op="equ" val="init">
+                      <dgm:choose name="Name139">
+                        <dgm:if name="Name140" axis="des" func="maxDepth" op="lte" val="1">
+                          <dgm:alg type="hierChild">
+                            <dgm:param type="chAlign" val="l"/>
+                            <dgm:param type="linDir" val="fromT"/>
+                          </dgm:alg>
+                        </dgm:if>
+                        <dgm:else name="Name141">
+                          <dgm:alg type="hierChild"/>
+                        </dgm:else>
+                      </dgm:choose>
+                    </dgm:if>
+                    <dgm:else name="Name142"/>
+                  </dgm:choose>
+                  <dgm:shape xmlns:r="http://schemas.openxmlformats.org/officeDocument/2006/relationships" r:blip="">
+                    <dgm:adjLst/>
+                  </dgm:shape>
+                  <dgm:presOf/>
+                  <dgm:constrLst/>
+                  <dgm:ruleLst/>
+                  <dgm:forEach name="Name143" ref="rep2a"/>
+                </dgm:layoutNode>
+                <dgm:layoutNode name="hierChild7">
+                  <dgm:choose name="Name144">
+                    <dgm:if name="Name145" func="var" arg="dir" op="equ" val="norm">
+                      <dgm:alg type="hierChild">
+                        <dgm:param type="chAlign" val="l"/>
+                        <dgm:param type="linDir" val="fromL"/>
+                        <dgm:param type="secChAlign" val="t"/>
+                        <dgm:param type="secLinDir" val="fromT"/>
+                      </dgm:alg>
+                    </dgm:if>
+                    <dgm:else name="Name146">
+                      <dgm:alg type="hierChild">
+                        <dgm:param type="chAlign" val="l"/>
+                        <dgm:param type="linDir" val="fromR"/>
+                        <dgm:param type="secChAlign" val="t"/>
+                        <dgm:param type="secLinDir" val="fromT"/>
+                      </dgm:alg>
+                    </dgm:else>
+                  </dgm:choose>
+                  <dgm:shape xmlns:r="http://schemas.openxmlformats.org/officeDocument/2006/relationships" r:blip="">
+                    <dgm:adjLst/>
+                  </dgm:shape>
+                  <dgm:presOf/>
+                  <dgm:constrLst/>
+                  <dgm:ruleLst/>
+                  <dgm:forEach name="Name147" ref="rep2b"/>
+                </dgm:layoutNode>
+              </dgm:layoutNode>
+            </dgm:forEach>
+          </dgm:layoutNode>
+        </dgm:layoutNode>
+      </dgm:forEach>
+    </dgm:forEach>
+  </dgm:layoutNode>
+</dgm:layoutDef>
+</file>
+
+<file path=ppt/diagrams/layout6.xml><?xml version="1.0" encoding="utf-8"?>
+<dgm:layoutDef xmlns:dgm="http://schemas.openxmlformats.org/drawingml/2006/diagram" xmlns:a="http://schemas.openxmlformats.org/drawingml/2006/main" uniqueId="urn:microsoft.com/office/officeart/2005/8/layout/orgChart1">
+  <dgm:title val=""/>
+  <dgm:desc val=""/>
+  <dgm:catLst>
+    <dgm:cat type="hierarchy" pri="1000"/>
+    <dgm:cat type="convert" pri="6000"/>
+  </dgm:catLst>
+  <dgm:sampData>
+    <dgm:dataModel>
+      <dgm:ptLst>
+        <dgm:pt modelId="0" type="doc"/>
+        <dgm:pt modelId="1">
+          <dgm:prSet phldr="1"/>
+        </dgm:pt>
+        <dgm:pt modelId="2" type="asst">
+          <dgm:prSet phldr="1"/>
+        </dgm:pt>
+        <dgm:pt modelId="3">
+          <dgm:prSet phldr="1"/>
+        </dgm:pt>
+        <dgm:pt modelId="4">
+          <dgm:prSet phldr="1"/>
+        </dgm:pt>
+        <dgm:pt modelId="5">
+          <dgm:prSet phldr="1"/>
+        </dgm:pt>
+      </dgm:ptLst>
+      <dgm:cxnLst>
+        <dgm:cxn modelId="5" srcId="0" destId="1" srcOrd="0" destOrd="0"/>
+        <dgm:cxn modelId="6" srcId="1" destId="2" srcOrd="0" destOrd="0"/>
+        <dgm:cxn modelId="7" srcId="1" destId="3" srcOrd="1" destOrd="0"/>
+        <dgm:cxn modelId="8" srcId="1" destId="4" srcOrd="2" destOrd="0"/>
+        <dgm:cxn modelId="9" srcId="1" destId="5" srcOrd="3" destOrd="0"/>
+      </dgm:cxnLst>
+      <dgm:bg/>
+      <dgm:whole/>
+    </dgm:dataModel>
+  </dgm:sampData>
+  <dgm:styleData>
+    <dgm:dataModel>
+      <dgm:ptLst>
+        <dgm:pt modelId="0" type="doc"/>
+        <dgm:pt modelId="1"/>
+        <dgm:pt modelId="12"/>
+        <dgm:pt modelId="13"/>
+      </dgm:ptLst>
+      <dgm:cxnLst>
+        <dgm:cxn modelId="2" srcId="0" destId="1" srcOrd="0" destOrd="0"/>
+        <dgm:cxn modelId="16" srcId="1" destId="12" srcOrd="1" destOrd="0"/>
+        <dgm:cxn modelId="17" srcId="1" destId="13" srcOrd="2" destOrd="0"/>
+      </dgm:cxnLst>
+      <dgm:bg/>
+      <dgm:whole/>
+    </dgm:dataModel>
+  </dgm:styleData>
+  <dgm:clrData>
+    <dgm:dataModel>
+      <dgm:ptLst>
+        <dgm:pt modelId="0" type="doc"/>
+        <dgm:pt modelId="1"/>
+        <dgm:pt modelId="11" type="asst"/>
+        <dgm:pt modelId="12"/>
+        <dgm:pt modelId="13"/>
+        <dgm:pt modelId="14"/>
+      </dgm:ptLst>
+      <dgm:cxnLst>
+        <dgm:cxn modelId="2" srcId="0" destId="1" srcOrd="0" destOrd="0"/>
+        <dgm:cxn modelId="15" srcId="1" destId="11" srcOrd="0" destOrd="0"/>
+        <dgm:cxn modelId="16" srcId="1" destId="12" srcOrd="1" destOrd="0"/>
+        <dgm:cxn modelId="17" srcId="1" destId="13" srcOrd="2" destOrd="0"/>
+        <dgm:cxn modelId="18" srcId="1" destId="14" srcOrd="2" destOrd="0"/>
+      </dgm:cxnLst>
+      <dgm:bg/>
+      <dgm:whole/>
+    </dgm:dataModel>
+  </dgm:clrData>
+  <dgm:layoutNode name="hierChild1">
+    <dgm:varLst>
+      <dgm:orgChart val="1"/>
+      <dgm:chPref val="1"/>
+      <dgm:dir/>
+      <dgm:animOne val="branch"/>
+      <dgm:animLvl val="lvl"/>
+      <dgm:resizeHandles/>
+    </dgm:varLst>
+    <dgm:choose name="Name0">
+      <dgm:if name="Name1" func="var" arg="dir" op="equ" val="norm">
+        <dgm:alg type="hierChild">
+          <dgm:param type="linDir" val="fromL"/>
+        </dgm:alg>
+      </dgm:if>
+      <dgm:else name="Name2">
+        <dgm:alg type="hierChild">
+          <dgm:param type="linDir" val="fromR"/>
+        </dgm:alg>
+      </dgm:else>
+    </dgm:choose>
+    <dgm:shape xmlns:r="http://schemas.openxmlformats.org/officeDocument/2006/relationships" r:blip="">
+      <dgm:adjLst/>
+    </dgm:shape>
+    <dgm:presOf/>
+    <dgm:constrLst>
+      <dgm:constr type="w" for="des" forName="rootComposite1" refType="w" fact="10"/>
+      <dgm:constr type="h" for="des" forName="rootComposite1" refType="w" refFor="des" refForName="rootComposite1" fact="0.5"/>
+      <dgm:constr type="w" for="des" forName="rootComposite" refType="w" fact="10"/>
+      <dgm:constr type="h" for="des" forName="rootComposite" refType="w" refFor="des" refForName="rootComposite1" fact="0.5"/>
+      <dgm:constr type="w" for="des" forName="rootComposite3" refType="w" fact="10"/>
+      <dgm:constr type="h" for="des" forName="rootComposite3" refType="w" refFor="des" refForName="rootComposite1" fact="0.5"/>
+      <dgm:constr type="primFontSz" for="des" ptType="node" op="equ"/>
+      <dgm:constr type="sp" for="des" op="equ"/>
+      <dgm:constr type="sp" for="des" forName="hierRoot1" refType="w" refFor="des" refForName="rootComposite1" fact="0.21"/>
+      <dgm:constr type="sp" for="des" forName="hierRoot2" refType="sp" refFor="des" refForName="hierRoot1"/>
+      <dgm:constr type="sp" for="des" forName="hierRoot3" refType="sp" refFor="des" refForName="hierRoot1"/>
+      <dgm:constr type="sibSp" refType="w" refFor="des" refForName="rootComposite1" fact="0.21"/>
+      <dgm:constr type="sibSp" for="des" forName="hierChild2" refType="sibSp"/>
+      <dgm:constr type="sibSp" for="des" forName="hierChild3" refType="sibSp"/>
+      <dgm:constr type="sibSp" for="des" forName="hierChild4" refType="sibSp"/>
+      <dgm:constr type="sibSp" for="des" forName="hierChild5" refType="sibSp"/>
+      <dgm:constr type="sibSp" for="des" forName="hierChild6" refType="sibSp"/>
+      <dgm:constr type="sibSp" for="des" forName="hierChild7" refType="sibSp"/>
+      <dgm:constr type="secSibSp" refType="w" refFor="des" refForName="rootComposite1" fact="0.21"/>
+      <dgm:constr type="secSibSp" for="des" forName="hierChild2" refType="secSibSp"/>
+      <dgm:constr type="secSibSp" for="des" forName="hierChild3" refType="secSibSp"/>
+      <dgm:constr type="secSibSp" for="des" forName="hierChild4" refType="secSibSp"/>
+      <dgm:constr type="secSibSp" for="des" forName="hierChild5" refType="secSibSp"/>
+      <dgm:constr type="secSibSp" for="des" forName="hierChild6" refType="secSibSp"/>
+      <dgm:constr type="secSibSp" for="des" forName="hierChild7" refType="secSibSp"/>
+    </dgm:constrLst>
+    <dgm:ruleLst/>
+    <dgm:forEach name="Name3" axis="ch">
+      <dgm:forEach name="Name4" axis="self" ptType="node">
+        <dgm:layoutNode name="hierRoot1">
+          <dgm:varLst>
+            <dgm:hierBranch val="init"/>
+          </dgm:varLst>
+          <dgm:choose name="Name5">
+            <dgm:if name="Name6" func="var" arg="hierBranch" op="equ" val="l">
+              <dgm:choose name="Name7">
+                <dgm:if name="Name8" axis="ch" ptType="asst" func="cnt" op="gte" val="1">
+                  <dgm:alg type="hierRoot">
+                    <dgm:param type="hierAlign" val="tR"/>
+                  </dgm:alg>
+                  <dgm:constrLst>
+                    <dgm:constr type="alignOff" val="0.65"/>
+                  </dgm:constrLst>
+                </dgm:if>
+                <dgm:else name="Name9">
+                  <dgm:alg type="hierRoot">
+                    <dgm:param type="hierAlign" val="tR"/>
+                  </dgm:alg>
+                  <dgm:constrLst>
+                    <dgm:constr type="alignOff" val="0.25"/>
+                  </dgm:constrLst>
+                </dgm:else>
+              </dgm:choose>
+            </dgm:if>
+            <dgm:if name="Name10" func="var" arg="hierBranch" op="equ" val="r">
+              <dgm:choose name="Name11">
+                <dgm:if name="Name12" axis="ch" ptType="asst" func="cnt" op="gte" val="1">
+                  <dgm:alg type="hierRoot">
+                    <dgm:param type="hierAlign" val="tL"/>
+                  </dgm:alg>
+                  <dgm:constrLst>
+                    <dgm:constr type="alignOff" val="0.65"/>
+                  </dgm:constrLst>
+                </dgm:if>
+                <dgm:else name="Name13">
+                  <dgm:alg type="hierRoot">
+                    <dgm:param type="hierAlign" val="tL"/>
+                  </dgm:alg>
+                  <dgm:constrLst>
+                    <dgm:constr type="alignOff" val="0.25"/>
+                  </dgm:constrLst>
+                </dgm:else>
+              </dgm:choose>
+            </dgm:if>
+            <dgm:if name="Name14" func="var" arg="hierBranch" op="equ" val="hang">
+              <dgm:alg type="hierRoot"/>
+              <dgm:constrLst>
+                <dgm:constr type="alignOff" val="0.65"/>
+              </dgm:constrLst>
+            </dgm:if>
+            <dgm:else name="Name15">
+              <dgm:alg type="hierRoot"/>
+              <dgm:constrLst>
+                <dgm:constr type="alignOff"/>
+                <dgm:constr type="bendDist" for="des" ptType="parTrans" refType="sp" fact="0.5"/>
+              </dgm:constrLst>
+            </dgm:else>
+          </dgm:choose>
+          <dgm:shape xmlns:r="http://schemas.openxmlformats.org/officeDocument/2006/relationships" r:blip="">
+            <dgm:adjLst/>
+          </dgm:shape>
+          <dgm:presOf/>
+          <dgm:ruleLst/>
+          <dgm:layoutNode name="rootComposite1">
+            <dgm:alg type="composite"/>
+            <dgm:shape xmlns:r="http://schemas.openxmlformats.org/officeDocument/2006/relationships" r:blip="">
+              <dgm:adjLst/>
+            </dgm:shape>
+            <dgm:presOf axis="self" ptType="node" cnt="1"/>
+            <dgm:choose name="Name16">
+              <dgm:if name="Name17" func="var" arg="hierBranch" op="equ" val="init">
+                <dgm:constrLst>
+                  <dgm:constr type="l" for="ch" forName="rootText1"/>
+                  <dgm:constr type="t" for="ch" forName="rootText1"/>
+                  <dgm:constr type="w" for="ch" forName="rootText1" refType="w"/>
+                  <dgm:constr type="h" for="ch" forName="rootText1" refType="h"/>
+                  <dgm:constr type="l" for="ch" forName="rootConnector1"/>
+                  <dgm:constr type="t" for="ch" forName="rootConnector1"/>
+                  <dgm:constr type="w" for="ch" forName="rootConnector1" refType="w" refFor="ch" refForName="rootText1" fact="0.2"/>
+                  <dgm:constr type="h" for="ch" forName="rootConnector1" refType="h" refFor="ch" refForName="rootText1"/>
+                </dgm:constrLst>
+              </dgm:if>
+              <dgm:if name="Name18" func="var" arg="hierBranch" op="equ" val="l">
+                <dgm:constrLst>
+                  <dgm:constr type="l" for="ch" forName="rootText1"/>
+                  <dgm:constr type="t" for="ch" forName="rootText1"/>
+                  <dgm:constr type="w" for="ch" forName="rootText1" refType="w"/>
+                  <dgm:constr type="h" for="ch" forName="rootText1" refType="h"/>
+                  <dgm:constr type="r" for="ch" forName="rootConnector1" refType="w"/>
+                  <dgm:constr type="t" for="ch" forName="rootConnector1"/>
+                  <dgm:constr type="w" for="ch" forName="rootConnector1" refType="w" refFor="ch" refForName="rootText1" fact="0.2"/>
+                  <dgm:constr type="h" for="ch" forName="rootConnector1" refType="h" refFor="ch" refForName="rootText1"/>
+                </dgm:constrLst>
+              </dgm:if>
+              <dgm:if name="Name19" func="var" arg="hierBranch" op="equ" val="r">
+                <dgm:constrLst>
+                  <dgm:constr type="l" for="ch" forName="rootText1"/>
+                  <dgm:constr type="t" for="ch" forName="rootText1"/>
+                  <dgm:constr type="w" for="ch" forName="rootText1" refType="w"/>
+                  <dgm:constr type="h" for="ch" forName="rootText1" refType="h"/>
+                  <dgm:constr type="l" for="ch" forName="rootConnector1"/>
+                  <dgm:constr type="t" for="ch" forName="rootConnector1"/>
+                  <dgm:constr type="w" for="ch" forName="rootConnector1" refType="w" refFor="ch" refForName="rootText1" fact="0.2"/>
+                  <dgm:constr type="h" for="ch" forName="rootConnector1" refType="h" refFor="ch" refForName="rootText1"/>
+                </dgm:constrLst>
+              </dgm:if>
+              <dgm:else name="Name20">
+                <dgm:constrLst>
+                  <dgm:constr type="l" for="ch" forName="rootText1"/>
+                  <dgm:constr type="t" for="ch" forName="rootText1"/>
+                  <dgm:constr type="w" for="ch" forName="rootText1" refType="w"/>
+                  <dgm:constr type="h" for="ch" forName="rootText1" refType="h"/>
+                  <dgm:constr type="r" for="ch" forName="rootConnector1" refType="w"/>
+                  <dgm:constr type="t" for="ch" forName="rootConnector1"/>
+                  <dgm:constr type="w" for="ch" forName="rootConnector1" refType="w" refFor="ch" refForName="rootText1" fact="0.2"/>
+                  <dgm:constr type="h" for="ch" forName="rootConnector1" refType="h" refFor="ch" refForName="rootText1"/>
+                </dgm:constrLst>
+              </dgm:else>
+            </dgm:choose>
+            <dgm:ruleLst/>
+            <dgm:layoutNode name="rootText1" styleLbl="node0">
+              <dgm:varLst>
+                <dgm:chPref val="3"/>
+              </dgm:varLst>
+              <dgm:alg type="tx"/>
+              <dgm:shape xmlns:r="http://schemas.openxmlformats.org/officeDocument/2006/relationships" type="rect" r:blip="">
+                <dgm:adjLst/>
+              </dgm:shape>
+              <dgm:presOf axis="self" ptType="node" cnt="1"/>
+              <dgm:constrLst>
+                <dgm:constr type="primFontSz" val="65"/>
+                <dgm:constr type="lMarg" refType="primFontSz" fact="0.05"/>
+                <dgm:constr type="rMarg" refType="primFontSz" fact="0.05"/>
+                <dgm:constr type="tMarg" refType="primFontSz" fact="0.05"/>
+                <dgm:constr type="bMarg" refType="primFontSz" fact="0.05"/>
+              </dgm:constrLst>
+              <dgm:ruleLst>
+                <dgm:rule type="primFontSz" val="5" fact="NaN" max="NaN"/>
+              </dgm:ruleLst>
+            </dgm:layoutNode>
+            <dgm:layoutNode name="rootConnector1" moveWith="rootText1">
+              <dgm:alg type="sp"/>
+              <dgm:shape xmlns:r="http://schemas.openxmlformats.org/officeDocument/2006/relationships" type="rect" r:blip="" hideGeom="1">
+                <dgm:adjLst/>
+              </dgm:shape>
+              <dgm:presOf axis="self" ptType="node" cnt="1"/>
+              <dgm:constrLst/>
+              <dgm:ruleLst/>
+            </dgm:layoutNode>
+          </dgm:layoutNode>
+          <dgm:layoutNode name="hierChild2">
+            <dgm:choose name="Name21">
+              <dgm:if name="Name22" func="var" arg="hierBranch" op="equ" val="l">
+                <dgm:alg type="hierChild">
+                  <dgm:param type="chAlign" val="r"/>
+                  <dgm:param type="linDir" val="fromT"/>
+                </dgm:alg>
+              </dgm:if>
+              <dgm:if name="Name23" func="var" arg="hierBranch" op="equ" val="r">
+                <dgm:alg type="hierChild">
+                  <dgm:param type="chAlign" val="l"/>
+                  <dgm:param type="linDir" val="fromT"/>
+                </dgm:alg>
+              </dgm:if>
+              <dgm:if name="Name24" func="var" arg="hierBranch" op="equ" val="hang">
+                <dgm:choose name="Name25">
+                  <dgm:if name="Name26" func="var" arg="dir" op="equ" val="norm">
+                    <dgm:alg type="hierChild">
+                      <dgm:param type="chAlign" val="l"/>
+                      <dgm:param type="linDir" val="fromL"/>
+                      <dgm:param type="secChAlign" val="t"/>
+                      <dgm:param type="secLinDir" val="fromT"/>
+                    </dgm:alg>
+                  </dgm:if>
+                  <dgm:else name="Name27">
+                    <dgm:alg type="hierChild">
+                      <dgm:param type="chAlign" val="l"/>
+                      <dgm:param type="linDir" val="fromR"/>
+                      <dgm:param type="secChAlign" val="t"/>
+                      <dgm:param type="secLinDir" val="fromT"/>
+                    </dgm:alg>
+                  </dgm:else>
+                </dgm:choose>
+              </dgm:if>
+              <dgm:else name="Name28">
+                <dgm:choose name="Name29">
+                  <dgm:if name="Name30" func="var" arg="dir" op="equ" val="norm">
+                    <dgm:alg type="hierChild"/>
+                  </dgm:if>
+                  <dgm:else name="Name31">
+                    <dgm:alg type="hierChild">
+                      <dgm:param type="linDir" val="fromR"/>
+                    </dgm:alg>
+                  </dgm:else>
+                </dgm:choose>
+              </dgm:else>
+            </dgm:choose>
+            <dgm:shape xmlns:r="http://schemas.openxmlformats.org/officeDocument/2006/relationships" r:blip="">
+              <dgm:adjLst/>
+            </dgm:shape>
+            <dgm:presOf/>
+            <dgm:constrLst/>
+            <dgm:ruleLst/>
+            <dgm:forEach name="rep2a" axis="ch" ptType="nonAsst">
+              <dgm:forEach name="Name32" axis="precedSib" ptType="parTrans" st="-1" cnt="1">
+                <dgm:choose name="Name33">
+                  <dgm:if name="Name34" func="var" arg="hierBranch" op="equ" val="std">
+                    <dgm:layoutNode name="Name35">
+                      <dgm:alg type="conn">
+                        <dgm:param type="connRout" val="bend"/>
+                        <dgm:param type="dim" val="1D"/>
+                        <dgm:param type="endSty" val="noArr"/>
+                        <dgm:param type="begPts" val="bCtr"/>
+                        <dgm:param type="endPts" val="tCtr"/>
+                        <dgm:param type="bendPt" val="end"/>
+                      </dgm:alg>
+                      <dgm:shape xmlns:r="http://schemas.openxmlformats.org/officeDocument/2006/relationships" type="conn" r:blip="" zOrderOff="-99999">
+                        <dgm:adjLst/>
+                      </dgm:shape>
+                      <dgm:presOf axis="self"/>
+                      <dgm:constrLst>
+                        <dgm:constr type="begPad"/>
+                        <dgm:constr type="endPad"/>
+                      </dgm:constrLst>
+                      <dgm:ruleLst/>
+                    </dgm:layoutNode>
+                  </dgm:if>
+                  <dgm:if name="Name36" func="var" arg="hierBranch" op="equ" val="init">
+                    <dgm:layoutNode name="Name37">
+                      <dgm:choose name="Name38">
+                        <dgm:if name="Name39" axis="self" func="depth" op="lte" val="2">
+                          <dgm:alg type="conn">
+                            <dgm:param type="connRout" val="bend"/>
+                            <dgm:param type="dim" val="1D"/>
+                            <dgm:param type="endSty" val="noArr"/>
+                            <dgm:param type="begPts" val="bCtr"/>
+                            <dgm:param type="endPts" val="tCtr"/>
+                            <dgm:param type="bendPt" val="end"/>
+                          </dgm:alg>
+                        </dgm:if>
+                        <dgm:else name="Name40">
+                          <dgm:choose name="Name41">
+                            <dgm:if name="Name42" axis="par des" func="maxDepth" op="lte" val="1">
+                              <dgm:choose name="Name43">
+                                <dgm:if name="Name44" axis="par ch" ptType="node asst" func="cnt" op="gte" val="1">
+                                  <dgm:alg type="conn">
+                                    <dgm:param type="connRout" val="bend"/>
+                                    <dgm:param type="dim" val="1D"/>
+                                    <dgm:param type="endSty" val="noArr"/>
+                                    <dgm:param type="begPts" val="bCtr"/>
+                                    <dgm:param type="endPts" val="midL midR"/>
+                                  </dgm:alg>
+                                </dgm:if>
+                                <dgm:else name="Name45">
+                                  <dgm:alg type="conn">
+                                    <dgm:param type="connRout" val="bend"/>
+                                    <dgm:param type="dim" val="1D"/>
+                                    <dgm:param type="endSty" val="noArr"/>
+                                    <dgm:param type="begPts" val="bCtr"/>
+                                    <dgm:param type="endPts" val="midL midR"/>
+                                    <dgm:param type="srcNode" val="rootConnector"/>
+                                  </dgm:alg>
+                                </dgm:else>
+                              </dgm:choose>
+                            </dgm:if>
+                            <dgm:else name="Name46">
+                              <dgm:alg type="conn">
+                                <dgm:param type="connRout" val="bend"/>
+                                <dgm:param type="dim" val="1D"/>
+                                <dgm:param type="endSty" val="noArr"/>
+                                <dgm:param type="begPts" val="bCtr"/>
+                                <dgm:param type="endPts" val="tCtr"/>
+                                <dgm:param type="bendPt" val="end"/>
+                              </dgm:alg>
+                            </dgm:else>
+                          </dgm:choose>
+                        </dgm:else>
+                      </dgm:choose>
+                      <dgm:shape xmlns:r="http://schemas.openxmlformats.org/officeDocument/2006/relationships" type="conn" r:blip="" zOrderOff="-99999">
+                        <dgm:adjLst/>
+                      </dgm:shape>
+                      <dgm:presOf axis="self"/>
+                      <dgm:constrLst>
+                        <dgm:constr type="begPad"/>
+                        <dgm:constr type="endPad"/>
+                      </dgm:constrLst>
+                      <dgm:ruleLst/>
+                    </dgm:layoutNode>
+                  </dgm:if>
+                  <dgm:if name="Name47" func="var" arg="hierBranch" op="equ" val="hang">
+                    <dgm:layoutNode name="Name48">
+                      <dgm:alg type="conn">
+                        <dgm:param type="connRout" val="bend"/>
+                        <dgm:param type="dim" val="1D"/>
+                        <dgm:param type="endSty" val="noArr"/>
+                        <dgm:param type="begPts" val="bCtr"/>
+                        <dgm:param type="endPts" val="midL midR"/>
+                      </dgm:alg>
+                      <dgm:shape xmlns:r="http://schemas.openxmlformats.org/officeDocument/2006/relationships" type="conn" r:blip="" zOrderOff="-99999">
+                        <dgm:adjLst/>
+                      </dgm:shape>
+                      <dgm:presOf axis="self"/>
+                      <dgm:constrLst>
+                        <dgm:constr type="begPad"/>
+                        <dgm:constr type="endPad"/>
+                      </dgm:constrLst>
+                      <dgm:ruleLst/>
+                    </dgm:layoutNode>
+                  </dgm:if>
+                  <dgm:else name="Name49">
+                    <dgm:layoutNode name="Name50">
+                      <dgm:choose name="Name51">
+                        <dgm:if name="Name52" axis="self" func="depth" op="lte" val="2">
+                          <dgm:choose name="Name53">
+                            <dgm:if name="Name54" axis="par ch" ptType="node asst" func="cnt" op="gte" val="1">
+                              <dgm:alg type="conn">
+                                <dgm:param type="connRout" val="bend"/>
+                                <dgm:param type="dim" val="1D"/>
+                                <dgm:param type="endSty" val="noArr"/>
+                                <dgm:param type="begPts" val="bCtr"/>
+                                <dgm:param type="endPts" val="midL midR"/>
+                              </dgm:alg>
+                            </dgm:if>
+                            <dgm:else name="Name55">
+                              <dgm:alg type="conn">
+                                <dgm:param type="connRout" val="bend"/>
+                                <dgm:param type="dim" val="1D"/>
+                                <dgm:param type="endSty" val="noArr"/>
+                                <dgm:param type="begPts" val="bCtr"/>
+                                <dgm:param type="endPts" val="midL midR"/>
+                                <dgm:param type="srcNode" val="rootConnector1"/>
+                              </dgm:alg>
+                            </dgm:else>
+                          </dgm:choose>
+                        </dgm:if>
+                        <dgm:else name="Name56">
+                          <dgm:choose name="Name57">
+                            <dgm:if name="Name58" axis="par ch" ptType="node asst" func="cnt" op="gte" val="1">
+                              <dgm:alg type="conn">
+                                <dgm:param type="connRout" val="bend"/>
+                                <dgm:param type="dim" val="1D"/>
+                                <dgm:param type="endSty" val="noArr"/>
+                                <dgm:param type="begPts" val="bCtr"/>
+                                <dgm:param type="endPts" val="midL midR"/>
+                              </dgm:alg>
+                            </dgm:if>
+                            <dgm:else name="Name59">
+                              <dgm:alg type="conn">
+                                <dgm:param type="connRout" val="bend"/>
+                                <dgm:param type="dim" val="1D"/>
+                                <dgm:param type="endSty" val="noArr"/>
+                                <dgm:param type="begPts" val="bCtr"/>
+                                <dgm:param type="endPts" val="midL midR"/>
+                                <dgm:param type="srcNode" val="rootConnector"/>
+                              </dgm:alg>
+                            </dgm:else>
+                          </dgm:choose>
+                        </dgm:else>
+                      </dgm:choose>
+                      <dgm:shape xmlns:r="http://schemas.openxmlformats.org/officeDocument/2006/relationships" type="conn" r:blip="" zOrderOff="-99999">
+                        <dgm:adjLst/>
+                      </dgm:shape>
+                      <dgm:presOf axis="self"/>
+                      <dgm:constrLst>
+                        <dgm:constr type="begPad"/>
+                        <dgm:constr type="endPad"/>
+                      </dgm:constrLst>
+                      <dgm:ruleLst/>
+                    </dgm:layoutNode>
+                  </dgm:else>
+                </dgm:choose>
+              </dgm:forEach>
+              <dgm:layoutNode name="hierRoot2">
+                <dgm:varLst>
+                  <dgm:hierBranch val="init"/>
+                </dgm:varLst>
+                <dgm:choose name="Name60">
+                  <dgm:if name="Name61" func="var" arg="hierBranch" op="equ" val="l">
+                    <dgm:choose name="Name62">
+                      <dgm:if name="Name63" axis="ch" ptType="asst" func="cnt" op="gte" val="1">
+                        <dgm:alg type="hierRoot">
+                          <dgm:param type="hierAlign" val="tR"/>
+                        </dgm:alg>
+                        <dgm:shape xmlns:r="http://schemas.openxmlformats.org/officeDocument/2006/relationships" r:blip="">
+                          <dgm:adjLst/>
+                        </dgm:shape>
+                        <dgm:presOf/>
+                        <dgm:constrLst>
+                          <dgm:constr type="alignOff" val="0.65"/>
+                        </dgm:constrLst>
+                      </dgm:if>
+                      <dgm:else name="Name64">
+                        <dgm:alg type="hierRoot">
+                          <dgm:param type="hierAlign" val="tR"/>
+                        </dgm:alg>
+                        <dgm:shape xmlns:r="http://schemas.openxmlformats.org/officeDocument/2006/relationships" r:blip="">
+                          <dgm:adjLst/>
+                        </dgm:shape>
+                        <dgm:presOf/>
+                        <dgm:constrLst>
+                          <dgm:constr type="alignOff" val="0.25"/>
+                        </dgm:constrLst>
+                      </dgm:else>
+                    </dgm:choose>
+                  </dgm:if>
+                  <dgm:if name="Name65" func="var" arg="hierBranch" op="equ" val="r">
+                    <dgm:choose name="Name66">
+                      <dgm:if name="Name67" axis="ch" ptType="asst" func="cnt" op="gte" val="1">
+                        <dgm:alg type="hierRoot">
+                          <dgm:param type="hierAlign" val="tL"/>
+                        </dgm:alg>
+                        <dgm:shape xmlns:r="http://schemas.openxmlformats.org/officeDocument/2006/relationships" r:blip="">
+                          <dgm:adjLst/>
+                        </dgm:shape>
+                        <dgm:presOf/>
+                        <dgm:constrLst>
+                          <dgm:constr type="alignOff" val="0.65"/>
+                        </dgm:constrLst>
+                      </dgm:if>
+                      <dgm:else name="Name68">
+                        <dgm:alg type="hierRoot">
+                          <dgm:param type="hierAlign" val="tL"/>
+                        </dgm:alg>
+                        <dgm:shape xmlns:r="http://schemas.openxmlformats.org/officeDocument/2006/relationships" r:blip="">
+                          <dgm:adjLst/>
+                        </dgm:shape>
+                        <dgm:presOf/>
+                        <dgm:constrLst>
+                          <dgm:constr type="alignOff" val="0.25"/>
+                        </dgm:constrLst>
+                      </dgm:else>
+                    </dgm:choose>
+                  </dgm:if>
+                  <dgm:if name="Name69" func="var" arg="hierBranch" op="equ" val="std">
+                    <dgm:alg type="hierRoot"/>
+                    <dgm:shape xmlns:r="http://schemas.openxmlformats.org/officeDocument/2006/relationships" r:blip="">
+                      <dgm:adjLst/>
+                    </dgm:shape>
+                    <dgm:presOf/>
+                    <dgm:constrLst>
+                      <dgm:constr type="alignOff"/>
+                      <dgm:constr type="bendDist" for="des" ptType="parTrans" refType="sp" fact="0.5"/>
+                    </dgm:constrLst>
+                  </dgm:if>
+                  <dgm:if name="Name70" func="var" arg="hierBranch" op="equ" val="init">
+                    <dgm:choose name="Name71">
+                      <dgm:if name="Name72" axis="des" func="maxDepth" op="lte" val="1">
+                        <dgm:choose name="Name73">
+                          <dgm:if name="Name74" axis="ch" ptType="asst" func="cnt" op="gte" val="1">
+                            <dgm:alg type="hierRoot">
+                              <dgm:param type="hierAlign" val="tL"/>
+                            </dgm:alg>
+                            <dgm:shape xmlns:r="http://schemas.openxmlformats.org/officeDocument/2006/relationships" r:blip="">
+                              <dgm:adjLst/>
+                            </dgm:shape>
+                            <dgm:presOf/>
+                            <dgm:constrLst>
+                              <dgm:constr type="alignOff" val="0.65"/>
+                            </dgm:constrLst>
+                          </dgm:if>
+                          <dgm:else name="Name75">
+                            <dgm:alg type="hierRoot">
+                              <dgm:param type="hierAlign" val="tL"/>
+                            </dgm:alg>
+                            <dgm:shape xmlns:r="http://schemas.openxmlformats.org/officeDocument/2006/relationships" r:blip="">
+                              <dgm:adjLst/>
+                            </dgm:shape>
+                            <dgm:presOf/>
+                            <dgm:constrLst>
+                              <dgm:constr type="alignOff" val="0.25"/>
+                            </dgm:constrLst>
+                          </dgm:else>
+                        </dgm:choose>
+                      </dgm:if>
+                      <dgm:else name="Name76">
+                        <dgm:alg type="hierRoot"/>
+                        <dgm:shape xmlns:r="http://schemas.openxmlformats.org/officeDocument/2006/relationships" r:blip="">
+                          <dgm:adjLst/>
+                        </dgm:shape>
+                        <dgm:presOf/>
+                        <dgm:constrLst>
+                          <dgm:constr type="alignOff"/>
+                          <dgm:constr type="bendDist" for="des" ptType="parTrans" refType="sp" fact="0.5"/>
+                        </dgm:constrLst>
+                      </dgm:else>
+                    </dgm:choose>
+                  </dgm:if>
+                  <dgm:else name="Name77">
+                    <dgm:alg type="hierRoot"/>
+                    <dgm:shape xmlns:r="http://schemas.openxmlformats.org/officeDocument/2006/relationships" r:blip="">
+                      <dgm:adjLst/>
+                    </dgm:shape>
+                    <dgm:presOf/>
+                    <dgm:constrLst>
+                      <dgm:constr type="alignOff" val="0.65"/>
+                    </dgm:constrLst>
+                  </dgm:else>
+                </dgm:choose>
+                <dgm:ruleLst/>
+                <dgm:layoutNode name="rootComposite">
+                  <dgm:alg type="composite"/>
+                  <dgm:shape xmlns:r="http://schemas.openxmlformats.org/officeDocument/2006/relationships" r:blip="">
+                    <dgm:adjLst/>
+                  </dgm:shape>
+                  <dgm:presOf axis="self" ptType="node" cnt="1"/>
+                  <dgm:choose name="Name78">
+                    <dgm:if name="Name79" func="var" arg="hierBranch" op="equ" val="init">
+                      <dgm:constrLst>
+                        <dgm:constr type="l" for="ch" forName="rootText"/>
+                        <dgm:constr type="t" for="ch" forName="rootText"/>
+                        <dgm:constr type="w" for="ch" forName="rootText" refType="w"/>
+                        <dgm:constr type="h" for="ch" forName="rootText" refType="h"/>
+                        <dgm:constr type="l" for="ch" forName="rootConnector"/>
+                        <dgm:constr type="t" for="ch" forName="rootConnector"/>
+                        <dgm:constr type="w" for="ch" forName="rootConnector" refType="w" refFor="ch" refForName="rootText" fact="0.2"/>
+                        <dgm:constr type="h" for="ch" forName="rootConnector" refType="h" refFor="ch" refForName="rootText"/>
+                      </dgm:constrLst>
+                    </dgm:if>
+                    <dgm:if name="Name80" func="var" arg="hierBranch" op="equ" val="l">
+                      <dgm:constrLst>
+                        <dgm:constr type="l" for="ch" forName="rootText"/>
+                        <dgm:constr type="t" for="ch" forName="rootText"/>
+                        <dgm:constr type="w" for="ch" forName="rootText" refType="w"/>
+                        <dgm:constr type="h" for="ch" forName="rootText" refType="h"/>
+                        <dgm:constr type="r" for="ch" forName="rootConnector" refType="w"/>
+                        <dgm:constr type="t" for="ch" forName="rootConnector"/>
+                        <dgm:constr type="w" for="ch" forName="rootConnector" refType="w" refFor="ch" refForName="rootText" fact="0.2"/>
+                        <dgm:constr type="h" for="ch" forName="rootConnector" refType="h" refFor="ch" refForName="rootText"/>
+                      </dgm:constrLst>
+                    </dgm:if>
+                    <dgm:if name="Name81" func="var" arg="hierBranch" op="equ" val="r">
+                      <dgm:constrLst>
+                        <dgm:constr type="l" for="ch" forName="rootText"/>
+                        <dgm:constr type="t" for="ch" forName="rootText"/>
+                        <dgm:constr type="w" for="ch" forName="rootText" refType="w"/>
+                        <dgm:constr type="h" for="ch" forName="rootText" refType="h"/>
+                        <dgm:constr type="l" for="ch" forName="rootConnector"/>
+                        <dgm:constr type="t" for="ch" forName="rootConnector"/>
+                        <dgm:constr type="w" for="ch" forName="rootConnector" refType="w" refFor="ch" refForName="rootText" fact="0.2"/>
+                        <dgm:constr type="h" for="ch" forName="rootConnector" refType="h" refFor="ch" refForName="rootText"/>
+                      </dgm:constrLst>
+                    </dgm:if>
+                    <dgm:else name="Name82">
+                      <dgm:constrLst>
+                        <dgm:constr type="l" for="ch" forName="rootText"/>
+                        <dgm:constr type="t" for="ch" forName="rootText"/>
+                        <dgm:constr type="w" for="ch" forName="rootText" refType="w"/>
+                        <dgm:constr type="h" for="ch" forName="rootText" refType="h"/>
+                        <dgm:constr type="r" for="ch" forName="rootConnector" refType="w"/>
+                        <dgm:constr type="t" for="ch" forName="rootConnector"/>
+                        <dgm:constr type="w" for="ch" forName="rootConnector" refType="w" refFor="ch" refForName="rootText" fact="0.2"/>
+                        <dgm:constr type="h" for="ch" forName="rootConnector" refType="h" refFor="ch" refForName="rootText"/>
+                      </dgm:constrLst>
+                    </dgm:else>
+                  </dgm:choose>
+                  <dgm:ruleLst/>
+                  <dgm:layoutNode name="rootText">
+                    <dgm:varLst>
+                      <dgm:chPref val="3"/>
+                    </dgm:varLst>
+                    <dgm:alg type="tx"/>
+                    <dgm:shape xmlns:r="http://schemas.openxmlformats.org/officeDocument/2006/relationships" type="rect" r:blip="">
+                      <dgm:adjLst/>
+                    </dgm:shape>
+                    <dgm:presOf axis="self" ptType="node" cnt="1"/>
+                    <dgm:constrLst>
+                      <dgm:constr type="primFontSz" val="65"/>
+                      <dgm:constr type="lMarg" refType="primFontSz" fact="0.05"/>
+                      <dgm:constr type="rMarg" refType="primFontSz" fact="0.05"/>
+                      <dgm:constr type="tMarg" refType="primFontSz" fact="0.05"/>
+                      <dgm:constr type="bMarg" refType="primFontSz" fact="0.05"/>
+                    </dgm:constrLst>
+                    <dgm:ruleLst>
+                      <dgm:rule type="primFontSz" val="5" fact="NaN" max="NaN"/>
+                    </dgm:ruleLst>
+                  </dgm:layoutNode>
+                  <dgm:layoutNode name="rootConnector" moveWith="rootText">
+                    <dgm:alg type="sp"/>
+                    <dgm:shape xmlns:r="http://schemas.openxmlformats.org/officeDocument/2006/relationships" type="rect" r:blip="" hideGeom="1">
+                      <dgm:adjLst/>
+                    </dgm:shape>
+                    <dgm:presOf axis="self" ptType="node" cnt="1"/>
+                    <dgm:constrLst/>
+                    <dgm:ruleLst/>
+                  </dgm:layoutNode>
+                </dgm:layoutNode>
+                <dgm:layoutNode name="hierChild4">
+                  <dgm:choose name="Name83">
+                    <dgm:if name="Name84" func="var" arg="hierBranch" op="equ" val="l">
+                      <dgm:alg type="hierChild">
+                        <dgm:param type="chAlign" val="r"/>
+                        <dgm:param type="linDir" val="fromT"/>
+                      </dgm:alg>
+                    </dgm:if>
+                    <dgm:if name="Name85" func="var" arg="hierBranch" op="equ" val="r">
+                      <dgm:alg type="hierChild">
+                        <dgm:param type="chAlign" val="l"/>
+                        <dgm:param type="linDir" val="fromT"/>
+                      </dgm:alg>
+                    </dgm:if>
+                    <dgm:if name="Name86" func="var" arg="hierBranch" op="equ" val="hang">
+                      <dgm:choose name="Name87">
+                        <dgm:if name="Name88" func="var" arg="dir" op="equ" val="norm">
+                          <dgm:alg type="hierChild">
+                            <dgm:param type="chAlign" val="l"/>
+                            <dgm:param type="linDir" val="fromL"/>
+                            <dgm:param type="secChAlign" val="t"/>
+                            <dgm:param type="secLinDir" val="fromT"/>
+                          </dgm:alg>
+                        </dgm:if>
+                        <dgm:else name="Name89">
+                          <dgm:alg type="hierChild">
+                            <dgm:param type="chAlign" val="l"/>
+                            <dgm:param type="linDir" val="fromR"/>
+                            <dgm:param type="secChAlign" val="t"/>
+                            <dgm:param type="secLinDir" val="fromT"/>
+                          </dgm:alg>
+                        </dgm:else>
+                      </dgm:choose>
+                    </dgm:if>
+                    <dgm:if name="Name90" func="var" arg="hierBranch" op="equ" val="std">
+                      <dgm:choose name="Name91">
+                        <dgm:if name="Name92" func="var" arg="dir" op="equ" val="norm">
+                          <dgm:alg type="hierChild"/>
+                        </dgm:if>
+                        <dgm:else name="Name93">
+                          <dgm:alg type="hierChild">
+                            <dgm:param type="linDir" val="fromR"/>
+                          </dgm:alg>
+                        </dgm:else>
+                      </dgm:choose>
+                    </dgm:if>
+                    <dgm:if name="Name94" func="var" arg="hierBranch" op="equ" val="init">
+                      <dgm:choose name="Name95">
+                        <dgm:if name="Name96" axis="des" func="maxDepth" op="lte" val="1">
+                          <dgm:alg type="hierChild">
+                            <dgm:param type="chAlign" val="l"/>
+                            <dgm:param type="linDir" val="fromT"/>
+                          </dgm:alg>
+                        </dgm:if>
+                        <dgm:else name="Name97">
+                          <dgm:choose name="Name98">
+                            <dgm:if name="Name99" func="var" arg="dir" op="equ" val="norm">
+                              <dgm:alg type="hierChild"/>
+                            </dgm:if>
+                            <dgm:else name="Name100">
+                              <dgm:alg type="hierChild">
+                                <dgm:param type="linDir" val="fromR"/>
+                              </dgm:alg>
+                            </dgm:else>
+                          </dgm:choose>
+                        </dgm:else>
+                      </dgm:choose>
+                    </dgm:if>
+                    <dgm:else name="Name101"/>
+                  </dgm:choose>
+                  <dgm:shape xmlns:r="http://schemas.openxmlformats.org/officeDocument/2006/relationships" r:blip="">
+                    <dgm:adjLst/>
+                  </dgm:shape>
+                  <dgm:presOf/>
+                  <dgm:constrLst/>
+                  <dgm:ruleLst/>
+                  <dgm:forEach name="Name102" ref="rep2a"/>
+                </dgm:layoutNode>
+                <dgm:layoutNode name="hierChild5">
+                  <dgm:choose name="Name103">
+                    <dgm:if name="Name104" func="var" arg="dir" op="equ" val="norm">
+                      <dgm:alg type="hierChild">
+                        <dgm:param type="chAlign" val="l"/>
+                        <dgm:param type="linDir" val="fromL"/>
+                        <dgm:param type="secChAlign" val="t"/>
+                        <dgm:param type="secLinDir" val="fromT"/>
+                      </dgm:alg>
+                    </dgm:if>
+                    <dgm:else name="Name105">
+                      <dgm:alg type="hierChild">
+                        <dgm:param type="chAlign" val="l"/>
+                        <dgm:param type="linDir" val="fromR"/>
+                        <dgm:param type="secChAlign" val="t"/>
+                        <dgm:param type="secLinDir" val="fromT"/>
+                      </dgm:alg>
+                    </dgm:else>
+                  </dgm:choose>
+                  <dgm:shape xmlns:r="http://schemas.openxmlformats.org/officeDocument/2006/relationships" r:blip="">
+                    <dgm:adjLst/>
+                  </dgm:shape>
+                  <dgm:presOf/>
+                  <dgm:constrLst/>
+                  <dgm:ruleLst/>
+                  <dgm:forEach name="Name106" ref="rep2b"/>
+                </dgm:layoutNode>
+              </dgm:layoutNode>
+            </dgm:forEach>
+          </dgm:layoutNode>
+          <dgm:layoutNode name="hierChild3">
+            <dgm:choose name="Name107">
+              <dgm:if name="Name108" func="var" arg="dir" op="equ" val="norm">
+                <dgm:alg type="hierChild">
+                  <dgm:param type="chAlign" val="l"/>
+                  <dgm:param type="linDir" val="fromL"/>
+                  <dgm:param type="secChAlign" val="t"/>
+                  <dgm:param type="secLinDir" val="fromT"/>
+                </dgm:alg>
+              </dgm:if>
+              <dgm:else name="Name109">
+                <dgm:alg type="hierChild">
+                  <dgm:param type="chAlign" val="l"/>
+                  <dgm:param type="linDir" val="fromR"/>
+                  <dgm:param type="secChAlign" val="t"/>
+                  <dgm:param type="secLinDir" val="fromT"/>
+                </dgm:alg>
+              </dgm:else>
+            </dgm:choose>
+            <dgm:shape xmlns:r="http://schemas.openxmlformats.org/officeDocument/2006/relationships" r:blip="">
+              <dgm:adjLst/>
+            </dgm:shape>
+            <dgm:presOf/>
+            <dgm:constrLst/>
+            <dgm:ruleLst/>
+            <dgm:forEach name="rep2b" axis="ch" ptType="asst">
+              <dgm:forEach name="Name110" axis="precedSib" ptType="parTrans" st="-1" cnt="1">
+                <dgm:layoutNode name="Name111">
+                  <dgm:alg type="conn">
+                    <dgm:param type="connRout" val="bend"/>
+                    <dgm:param type="dim" val="1D"/>
+                    <dgm:param type="endSty" val="noArr"/>
+                    <dgm:param type="begPts" val="bCtr"/>
+                    <dgm:param type="endPts" val="midL midR"/>
+                  </dgm:alg>
+                  <dgm:shape xmlns:r="http://schemas.openxmlformats.org/officeDocument/2006/relationships" type="conn" r:blip="" zOrderOff="-99999">
+                    <dgm:adjLst/>
+                  </dgm:shape>
+                  <dgm:presOf axis="self"/>
+                  <dgm:constrLst>
+                    <dgm:constr type="begPad"/>
+                    <dgm:constr type="endPad"/>
+                  </dgm:constrLst>
+                  <dgm:ruleLst/>
+                </dgm:layoutNode>
+              </dgm:forEach>
+              <dgm:layoutNode name="hierRoot3">
+                <dgm:varLst>
+                  <dgm:hierBranch val="init"/>
+                </dgm:varLst>
+                <dgm:choose name="Name112">
+                  <dgm:if name="Name113" func="var" arg="hierBranch" op="equ" val="l">
+                    <dgm:alg type="hierRoot">
+                      <dgm:param type="hierAlign" val="tR"/>
+                    </dgm:alg>
+                    <dgm:shape xmlns:r="http://schemas.openxmlformats.org/officeDocument/2006/relationships" r:blip="">
+                      <dgm:adjLst/>
+                    </dgm:shape>
+                    <dgm:presOf/>
+                    <dgm:constrLst>
+                      <dgm:constr type="alignOff" val="0.65"/>
+                    </dgm:constrLst>
+                  </dgm:if>
+                  <dgm:if name="Name114" func="var" arg="hierBranch" op="equ" val="r">
+                    <dgm:alg type="hierRoot">
+                      <dgm:param type="hierAlign" val="tL"/>
+                    </dgm:alg>
+                    <dgm:shape xmlns:r="http://schemas.openxmlformats.org/officeDocument/2006/relationships" r:blip="">
+                      <dgm:adjLst/>
+                    </dgm:shape>
+                    <dgm:presOf/>
+                    <dgm:constrLst>
+                      <dgm:constr type="alignOff" val="0.65"/>
+                    </dgm:constrLst>
+                  </dgm:if>
+                  <dgm:if name="Name115" func="var" arg="hierBranch" op="equ" val="hang">
+                    <dgm:alg type="hierRoot"/>
+                    <dgm:shape xmlns:r="http://schemas.openxmlformats.org/officeDocument/2006/relationships" r:blip="">
+                      <dgm:adjLst/>
+                    </dgm:shape>
+                    <dgm:presOf/>
+                    <dgm:constrLst>
+                      <dgm:constr type="alignOff" val="0.65"/>
+                    </dgm:constrLst>
+                  </dgm:if>
+                  <dgm:if name="Name116" func="var" arg="hierBranch" op="equ" val="std">
+                    <dgm:alg type="hierRoot"/>
+                    <dgm:shape xmlns:r="http://schemas.openxmlformats.org/officeDocument/2006/relationships" r:blip="">
+                      <dgm:adjLst/>
+                    </dgm:shape>
+                    <dgm:presOf/>
+                    <dgm:constrLst>
+                      <dgm:constr type="alignOff"/>
+                      <dgm:constr type="bendDist" for="des" ptType="parTrans" refType="sp" fact="0.5"/>
+                    </dgm:constrLst>
+                  </dgm:if>
+                  <dgm:if name="Name117" func="var" arg="hierBranch" op="equ" val="init">
+                    <dgm:choose name="Name118">
+                      <dgm:if name="Name119" axis="des" func="maxDepth" op="lte" val="1">
+                        <dgm:alg type="hierRoot">
+                          <dgm:param type="hierAlign" val="tL"/>
+                        </dgm:alg>
+                        <dgm:shape xmlns:r="http://schemas.openxmlformats.org/officeDocument/2006/relationships" r:blip="">
+                          <dgm:adjLst/>
+                        </dgm:shape>
+                        <dgm:presOf/>
+                        <dgm:constrLst>
+                          <dgm:constr type="alignOff" val="0.65"/>
+                        </dgm:constrLst>
+                      </dgm:if>
+                      <dgm:else name="Name120">
+                        <dgm:alg type="hierRoot"/>
+                        <dgm:shape xmlns:r="http://schemas.openxmlformats.org/officeDocument/2006/relationships" r:blip="">
+                          <dgm:adjLst/>
+                        </dgm:shape>
+                        <dgm:presOf/>
+                        <dgm:constrLst>
+                          <dgm:constr type="alignOff"/>
+                          <dgm:constr type="bendDist" for="des" ptType="parTrans" refType="sp" fact="0.5"/>
+                        </dgm:constrLst>
+                      </dgm:else>
+                    </dgm:choose>
+                  </dgm:if>
+                  <dgm:else name="Name121"/>
+                </dgm:choose>
+                <dgm:ruleLst/>
+                <dgm:layoutNode name="rootComposite3">
+                  <dgm:alg type="composite"/>
+                  <dgm:shape xmlns:r="http://schemas.openxmlformats.org/officeDocument/2006/relationships" r:blip="">
+                    <dgm:adjLst/>
+                  </dgm:shape>
+                  <dgm:presOf axis="self" ptType="node" cnt="1"/>
+                  <dgm:choose name="Name122">
+                    <dgm:if name="Name123" func="var" arg="hierBranch" op="equ" val="init">
+                      <dgm:constrLst>
+                        <dgm:constr type="l" for="ch" forName="rootText3"/>
+                        <dgm:constr type="t" for="ch" forName="rootText3"/>
+                        <dgm:constr type="w" for="ch" forName="rootText3" refType="w"/>
+                        <dgm:constr type="h" for="ch" forName="rootText3" refType="h"/>
+                        <dgm:constr type="l" for="ch" forName="rootConnector3"/>
+                        <dgm:constr type="t" for="ch" forName="rootConnector3"/>
+                        <dgm:constr type="w" for="ch" forName="rootConnector3" refType="w" refFor="ch" refForName="rootText3" fact="0.2"/>
+                        <dgm:constr type="h" for="ch" forName="rootConnector3" refType="h" refFor="ch" refForName="rootText3"/>
+                      </dgm:constrLst>
+                    </dgm:if>
+                    <dgm:if name="Name124" func="var" arg="hierBranch" op="equ" val="l">
+                      <dgm:constrLst>
+                        <dgm:constr type="l" for="ch" forName="rootText3"/>
+                        <dgm:constr type="t" for="ch" forName="rootText3"/>
+                        <dgm:constr type="w" for="ch" forName="rootText3" refType="w"/>
+                        <dgm:constr type="h" for="ch" forName="rootText3" refType="h"/>
+                        <dgm:constr type="r" for="ch" forName="rootConnector3" refType="w"/>
+                        <dgm:constr type="t" for="ch" forName="rootConnector3"/>
+                        <dgm:constr type="w" for="ch" forName="rootConnector3" refType="w" refFor="ch" refForName="rootText3" fact="0.2"/>
+                        <dgm:constr type="h" for="ch" forName="rootConnector3" refType="h" refFor="ch" refForName="rootText3"/>
+                      </dgm:constrLst>
+                    </dgm:if>
+                    <dgm:if name="Name125" func="var" arg="hierBranch" op="equ" val="r">
+                      <dgm:constrLst>
+                        <dgm:constr type="l" for="ch" forName="rootText3"/>
+                        <dgm:constr type="t" for="ch" forName="rootText3"/>
+                        <dgm:constr type="w" for="ch" forName="rootText3" refType="w"/>
+                        <dgm:constr type="h" for="ch" forName="rootText3" refType="h"/>
+                        <dgm:constr type="l" for="ch" forName="rootConnector3"/>
+                        <dgm:constr type="t" for="ch" forName="rootConnector3"/>
+                        <dgm:constr type="w" for="ch" forName="rootConnector3" refType="w" refFor="ch" refForName="rootText3" fact="0.2"/>
+                        <dgm:constr type="h" for="ch" forName="rootConnector3" refType="h" refFor="ch" refForName="rootText3"/>
+                      </dgm:constrLst>
+                    </dgm:if>
+                    <dgm:else name="Name126">
+                      <dgm:constrLst>
+                        <dgm:constr type="l" for="ch" forName="rootText3"/>
+                        <dgm:constr type="t" for="ch" forName="rootText3"/>
+                        <dgm:constr type="w" for="ch" forName="rootText3" refType="w"/>
+                        <dgm:constr type="h" for="ch" forName="rootText3" refType="h"/>
+                        <dgm:constr type="r" for="ch" forName="rootConnector3" refType="w"/>
+                        <dgm:constr type="t" for="ch" forName="rootConnector3"/>
+                        <dgm:constr type="w" for="ch" forName="rootConnector3" refType="w" refFor="ch" refForName="rootText3" fact="0.2"/>
+                        <dgm:constr type="h" for="ch" forName="rootConnector3" refType="h" refFor="ch" refForName="rootText3"/>
+                      </dgm:constrLst>
+                    </dgm:else>
+                  </dgm:choose>
+                  <dgm:ruleLst/>
+                  <dgm:layoutNode name="rootText3">
+                    <dgm:varLst>
+                      <dgm:chPref val="3"/>
+                    </dgm:varLst>
+                    <dgm:alg type="tx"/>
+                    <dgm:shape xmlns:r="http://schemas.openxmlformats.org/officeDocument/2006/relationships" type="rect" r:blip="">
+                      <dgm:adjLst/>
+                    </dgm:shape>
+                    <dgm:presOf axis="self" ptType="node" cnt="1"/>
+                    <dgm:constrLst>
+                      <dgm:constr type="primFontSz" val="65"/>
+                      <dgm:constr type="lMarg" refType="primFontSz" fact="0.05"/>
+                      <dgm:constr type="rMarg" refType="primFontSz" fact="0.05"/>
+                      <dgm:constr type="tMarg" refType="primFontSz" fact="0.05"/>
+                      <dgm:constr type="bMarg" refType="primFontSz" fact="0.05"/>
+                    </dgm:constrLst>
+                    <dgm:ruleLst>
+                      <dgm:rule type="primFontSz" val="5" fact="NaN" max="NaN"/>
+                    </dgm:ruleLst>
+                  </dgm:layoutNode>
+                  <dgm:layoutNode name="rootConnector3" moveWith="rootText1">
+                    <dgm:alg type="sp"/>
+                    <dgm:shape xmlns:r="http://schemas.openxmlformats.org/officeDocument/2006/relationships" type="rect" r:blip="" hideGeom="1">
+                      <dgm:adjLst/>
+                    </dgm:shape>
+                    <dgm:presOf axis="self" ptType="node" cnt="1"/>
+                    <dgm:constrLst/>
+                    <dgm:ruleLst/>
+                  </dgm:layoutNode>
+                </dgm:layoutNode>
+                <dgm:layoutNode name="hierChild6">
+                  <dgm:choose name="Name127">
+                    <dgm:if name="Name128" func="var" arg="hierBranch" op="equ" val="l">
+                      <dgm:alg type="hierChild">
+                        <dgm:param type="chAlign" val="r"/>
+                        <dgm:param type="linDir" val="fromT"/>
+                      </dgm:alg>
+                    </dgm:if>
+                    <dgm:if name="Name129" func="var" arg="hierBranch" op="equ" val="r">
+                      <dgm:alg type="hierChild">
+                        <dgm:param type="chAlign" val="l"/>
+                        <dgm:param type="linDir" val="fromT"/>
+                      </dgm:alg>
+                    </dgm:if>
+                    <dgm:if name="Name130" func="var" arg="hierBranch" op="equ" val="hang">
+                      <dgm:choose name="Name131">
+                        <dgm:if name="Name132" func="var" arg="dir" op="equ" val="norm">
+                          <dgm:alg type="hierChild">
+                            <dgm:param type="chAlign" val="l"/>
+                            <dgm:param type="linDir" val="fromL"/>
+                            <dgm:param type="secChAlign" val="t"/>
+                            <dgm:param type="secLinDir" val="fromT"/>
+                          </dgm:alg>
+                        </dgm:if>
+                        <dgm:else name="Name133">
+                          <dgm:alg type="hierChild">
+                            <dgm:param type="chAlign" val="l"/>
+                            <dgm:param type="linDir" val="fromR"/>
+                            <dgm:param type="secChAlign" val="t"/>
+                            <dgm:param type="secLinDir" val="fromT"/>
+                          </dgm:alg>
+                        </dgm:else>
+                      </dgm:choose>
+                    </dgm:if>
+                    <dgm:if name="Name134" func="var" arg="hierBranch" op="equ" val="std">
+                      <dgm:choose name="Name135">
+                        <dgm:if name="Name136" func="var" arg="dir" op="equ" val="norm">
+                          <dgm:alg type="hierChild"/>
+                        </dgm:if>
+                        <dgm:else name="Name137">
+                          <dgm:alg type="hierChild">
+                            <dgm:param type="linDir" val="fromR"/>
+                          </dgm:alg>
+                        </dgm:else>
+                      </dgm:choose>
+                    </dgm:if>
+                    <dgm:if name="Name138" func="var" arg="hierBranch" op="equ" val="init">
+                      <dgm:choose name="Name139">
+                        <dgm:if name="Name140" axis="des" func="maxDepth" op="lte" val="1">
+                          <dgm:alg type="hierChild">
+                            <dgm:param type="chAlign" val="l"/>
+                            <dgm:param type="linDir" val="fromT"/>
+                          </dgm:alg>
+                        </dgm:if>
+                        <dgm:else name="Name141">
+                          <dgm:alg type="hierChild"/>
+                        </dgm:else>
+                      </dgm:choose>
+                    </dgm:if>
+                    <dgm:else name="Name142"/>
+                  </dgm:choose>
+                  <dgm:shape xmlns:r="http://schemas.openxmlformats.org/officeDocument/2006/relationships" r:blip="">
+                    <dgm:adjLst/>
+                  </dgm:shape>
+                  <dgm:presOf/>
+                  <dgm:constrLst/>
+                  <dgm:ruleLst/>
+                  <dgm:forEach name="Name143" ref="rep2a"/>
+                </dgm:layoutNode>
+                <dgm:layoutNode name="hierChild7">
+                  <dgm:choose name="Name144">
+                    <dgm:if name="Name145" func="var" arg="dir" op="equ" val="norm">
+                      <dgm:alg type="hierChild">
+                        <dgm:param type="chAlign" val="l"/>
+                        <dgm:param type="linDir" val="fromL"/>
+                        <dgm:param type="secChAlign" val="t"/>
+                        <dgm:param type="secLinDir" val="fromT"/>
+                      </dgm:alg>
+                    </dgm:if>
+                    <dgm:else name="Name146">
+                      <dgm:alg type="hierChild">
+                        <dgm:param type="chAlign" val="l"/>
+                        <dgm:param type="linDir" val="fromR"/>
+                        <dgm:param type="secChAlign" val="t"/>
+                        <dgm:param type="secLinDir" val="fromT"/>
+                      </dgm:alg>
+                    </dgm:else>
+                  </dgm:choose>
+                  <dgm:shape xmlns:r="http://schemas.openxmlformats.org/officeDocument/2006/relationships" r:blip="">
+                    <dgm:adjLst/>
+                  </dgm:shape>
+                  <dgm:presOf/>
+                  <dgm:constrLst/>
+                  <dgm:ruleLst/>
+                  <dgm:forEach name="Name147" ref="rep2b"/>
+                </dgm:layoutNode>
+              </dgm:layoutNode>
+            </dgm:forEach>
+          </dgm:layoutNode>
+        </dgm:layoutNode>
+      </dgm:forEach>
+    </dgm:forEach>
+  </dgm:layoutNode>
+</dgm:layoutDef>
+</file>
+
 <file path=ppt/diagrams/quickStyle1.xml><?xml version="1.0" encoding="utf-8"?>
 <dgm:styleDef xmlns:dgm="http://schemas.openxmlformats.org/drawingml/2006/diagram" xmlns:a="http://schemas.openxmlformats.org/drawingml/2006/main" uniqueId="urn:microsoft.com/office/officeart/2005/8/quickstyle/simple1">
   <dgm:title val=""/>
@@ -15931,6 +22184,2074 @@
 </file>
 
 <file path=ppt/diagrams/quickStyle4.xml><?xml version="1.0" encoding="utf-8"?>
+<dgm:styleDef xmlns:dgm="http://schemas.openxmlformats.org/drawingml/2006/diagram" xmlns:a="http://schemas.openxmlformats.org/drawingml/2006/main" uniqueId="urn:microsoft.com/office/officeart/2005/8/quickstyle/simple1">
+  <dgm:title val=""/>
+  <dgm:desc val=""/>
+  <dgm:catLst>
+    <dgm:cat type="simple" pri="10100"/>
+  </dgm:catLst>
+  <dgm:scene3d>
+    <a:camera prst="orthographicFront"/>
+    <a:lightRig rig="threePt" dir="t"/>
+  </dgm:scene3d>
+  <dgm:styleLbl name="node0">
+    <dgm:scene3d>
+      <a:camera prst="orthographicFront"/>
+      <a:lightRig rig="threePt" dir="t"/>
+    </dgm:scene3d>
+    <dgm:sp3d/>
+    <dgm:txPr/>
+    <dgm:style>
+      <a:lnRef idx="2">
+        <a:scrgbClr r="0" g="0" b="0"/>
+      </a:lnRef>
+      <a:fillRef idx="1">
+        <a:scrgbClr r="0" g="0" b="0"/>
+      </a:fillRef>
+      <a:effectRef idx="0">
+        <a:scrgbClr r="0" g="0" b="0"/>
+      </a:effectRef>
+      <a:fontRef idx="minor">
+        <a:schemeClr val="lt1"/>
+      </a:fontRef>
+    </dgm:style>
+  </dgm:styleLbl>
+  <dgm:styleLbl name="lnNode1">
+    <dgm:scene3d>
+      <a:camera prst="orthographicFront"/>
+      <a:lightRig rig="threePt" dir="t"/>
+    </dgm:scene3d>
+    <dgm:sp3d/>
+    <dgm:txPr/>
+    <dgm:style>
+      <a:lnRef idx="2">
+        <a:scrgbClr r="0" g="0" b="0"/>
+      </a:lnRef>
+      <a:fillRef idx="1">
+        <a:scrgbClr r="0" g="0" b="0"/>
+      </a:fillRef>
+      <a:effectRef idx="0">
+        <a:scrgbClr r="0" g="0" b="0"/>
+      </a:effectRef>
+      <a:fontRef idx="minor">
+        <a:schemeClr val="lt1"/>
+      </a:fontRef>
+    </dgm:style>
+  </dgm:styleLbl>
+  <dgm:styleLbl name="vennNode1">
+    <dgm:scene3d>
+      <a:camera prst="orthographicFront"/>
+      <a:lightRig rig="threePt" dir="t"/>
+    </dgm:scene3d>
+    <dgm:sp3d/>
+    <dgm:txPr/>
+    <dgm:style>
+      <a:lnRef idx="2">
+        <a:scrgbClr r="0" g="0" b="0"/>
+      </a:lnRef>
+      <a:fillRef idx="1">
+        <a:scrgbClr r="0" g="0" b="0"/>
+      </a:fillRef>
+      <a:effectRef idx="0">
+        <a:scrgbClr r="0" g="0" b="0"/>
+      </a:effectRef>
+      <a:fontRef idx="minor">
+        <a:schemeClr val="tx1"/>
+      </a:fontRef>
+    </dgm:style>
+  </dgm:styleLbl>
+  <dgm:styleLbl name="alignNode1">
+    <dgm:scene3d>
+      <a:camera prst="orthographicFront"/>
+      <a:lightRig rig="threePt" dir="t"/>
+    </dgm:scene3d>
+    <dgm:sp3d/>
+    <dgm:txPr/>
+    <dgm:style>
+      <a:lnRef idx="2">
+        <a:scrgbClr r="0" g="0" b="0"/>
+      </a:lnRef>
+      <a:fillRef idx="1">
+        <a:scrgbClr r="0" g="0" b="0"/>
+      </a:fillRef>
+      <a:effectRef idx="0">
+        <a:scrgbClr r="0" g="0" b="0"/>
+      </a:effectRef>
+      <a:fontRef idx="minor">
+        <a:schemeClr val="lt1"/>
+      </a:fontRef>
+    </dgm:style>
+  </dgm:styleLbl>
+  <dgm:styleLbl name="node1">
+    <dgm:scene3d>
+      <a:camera prst="orthographicFront"/>
+      <a:lightRig rig="threePt" dir="t"/>
+    </dgm:scene3d>
+    <dgm:sp3d/>
+    <dgm:txPr/>
+    <dgm:style>
+      <a:lnRef idx="2">
+        <a:scrgbClr r="0" g="0" b="0"/>
+      </a:lnRef>
+      <a:fillRef idx="1">
+        <a:scrgbClr r="0" g="0" b="0"/>
+      </a:fillRef>
+      <a:effectRef idx="0">
+        <a:scrgbClr r="0" g="0" b="0"/>
+      </a:effectRef>
+      <a:fontRef idx="minor">
+        <a:schemeClr val="lt1"/>
+      </a:fontRef>
+    </dgm:style>
+  </dgm:styleLbl>
+  <dgm:styleLbl name="node2">
+    <dgm:scene3d>
+      <a:camera prst="orthographicFront"/>
+      <a:lightRig rig="threePt" dir="t"/>
+    </dgm:scene3d>
+    <dgm:sp3d/>
+    <dgm:txPr/>
+    <dgm:style>
+      <a:lnRef idx="2">
+        <a:scrgbClr r="0" g="0" b="0"/>
+      </a:lnRef>
+      <a:fillRef idx="1">
+        <a:scrgbClr r="0" g="0" b="0"/>
+      </a:fillRef>
+      <a:effectRef idx="0">
+        <a:scrgbClr r="0" g="0" b="0"/>
+      </a:effectRef>
+      <a:fontRef idx="minor">
+        <a:schemeClr val="lt1"/>
+      </a:fontRef>
+    </dgm:style>
+  </dgm:styleLbl>
+  <dgm:styleLbl name="node3">
+    <dgm:scene3d>
+      <a:camera prst="orthographicFront"/>
+      <a:lightRig rig="threePt" dir="t"/>
+    </dgm:scene3d>
+    <dgm:sp3d/>
+    <dgm:txPr/>
+    <dgm:style>
+      <a:lnRef idx="2">
+        <a:scrgbClr r="0" g="0" b="0"/>
+      </a:lnRef>
+      <a:fillRef idx="1">
+        <a:scrgbClr r="0" g="0" b="0"/>
+      </a:fillRef>
+      <a:effectRef idx="0">
+        <a:scrgbClr r="0" g="0" b="0"/>
+      </a:effectRef>
+      <a:fontRef idx="minor">
+        <a:schemeClr val="lt1"/>
+      </a:fontRef>
+    </dgm:style>
+  </dgm:styleLbl>
+  <dgm:styleLbl name="node4">
+    <dgm:scene3d>
+      <a:camera prst="orthographicFront"/>
+      <a:lightRig rig="threePt" dir="t"/>
+    </dgm:scene3d>
+    <dgm:sp3d/>
+    <dgm:txPr/>
+    <dgm:style>
+      <a:lnRef idx="2">
+        <a:scrgbClr r="0" g="0" b="0"/>
+      </a:lnRef>
+      <a:fillRef idx="1">
+        <a:scrgbClr r="0" g="0" b="0"/>
+      </a:fillRef>
+      <a:effectRef idx="0">
+        <a:scrgbClr r="0" g="0" b="0"/>
+      </a:effectRef>
+      <a:fontRef idx="minor">
+        <a:schemeClr val="lt1"/>
+      </a:fontRef>
+    </dgm:style>
+  </dgm:styleLbl>
+  <dgm:styleLbl name="fgImgPlace1">
+    <dgm:scene3d>
+      <a:camera prst="orthographicFront"/>
+      <a:lightRig rig="threePt" dir="t"/>
+    </dgm:scene3d>
+    <dgm:sp3d/>
+    <dgm:txPr/>
+    <dgm:style>
+      <a:lnRef idx="2">
+        <a:scrgbClr r="0" g="0" b="0"/>
+      </a:lnRef>
+      <a:fillRef idx="1">
+        <a:scrgbClr r="0" g="0" b="0"/>
+      </a:fillRef>
+      <a:effectRef idx="0">
+        <a:scrgbClr r="0" g="0" b="0"/>
+      </a:effectRef>
+      <a:fontRef idx="minor"/>
+    </dgm:style>
+  </dgm:styleLbl>
+  <dgm:styleLbl name="alignImgPlace1">
+    <dgm:scene3d>
+      <a:camera prst="orthographicFront"/>
+      <a:lightRig rig="threePt" dir="t"/>
+    </dgm:scene3d>
+    <dgm:sp3d/>
+    <dgm:txPr/>
+    <dgm:style>
+      <a:lnRef idx="2">
+        <a:scrgbClr r="0" g="0" b="0"/>
+      </a:lnRef>
+      <a:fillRef idx="1">
+        <a:scrgbClr r="0" g="0" b="0"/>
+      </a:fillRef>
+      <a:effectRef idx="0">
+        <a:scrgbClr r="0" g="0" b="0"/>
+      </a:effectRef>
+      <a:fontRef idx="minor"/>
+    </dgm:style>
+  </dgm:styleLbl>
+  <dgm:styleLbl name="bgImgPlace1">
+    <dgm:scene3d>
+      <a:camera prst="orthographicFront"/>
+      <a:lightRig rig="threePt" dir="t"/>
+    </dgm:scene3d>
+    <dgm:sp3d/>
+    <dgm:txPr/>
+    <dgm:style>
+      <a:lnRef idx="2">
+        <a:scrgbClr r="0" g="0" b="0"/>
+      </a:lnRef>
+      <a:fillRef idx="1">
+        <a:scrgbClr r="0" g="0" b="0"/>
+      </a:fillRef>
+      <a:effectRef idx="0">
+        <a:scrgbClr r="0" g="0" b="0"/>
+      </a:effectRef>
+      <a:fontRef idx="minor"/>
+    </dgm:style>
+  </dgm:styleLbl>
+  <dgm:styleLbl name="sibTrans2D1">
+    <dgm:scene3d>
+      <a:camera prst="orthographicFront"/>
+      <a:lightRig rig="threePt" dir="t"/>
+    </dgm:scene3d>
+    <dgm:sp3d/>
+    <dgm:txPr/>
+    <dgm:style>
+      <a:lnRef idx="0">
+        <a:scrgbClr r="0" g="0" b="0"/>
+      </a:lnRef>
+      <a:fillRef idx="1">
+        <a:scrgbClr r="0" g="0" b="0"/>
+      </a:fillRef>
+      <a:effectRef idx="0">
+        <a:scrgbClr r="0" g="0" b="0"/>
+      </a:effectRef>
+      <a:fontRef idx="minor">
+        <a:schemeClr val="lt1"/>
+      </a:fontRef>
+    </dgm:style>
+  </dgm:styleLbl>
+  <dgm:styleLbl name="fgSibTrans2D1">
+    <dgm:scene3d>
+      <a:camera prst="orthographicFront"/>
+      <a:lightRig rig="threePt" dir="t"/>
+    </dgm:scene3d>
+    <dgm:sp3d/>
+    <dgm:txPr/>
+    <dgm:style>
+      <a:lnRef idx="0">
+        <a:scrgbClr r="0" g="0" b="0"/>
+      </a:lnRef>
+      <a:fillRef idx="1">
+        <a:scrgbClr r="0" g="0" b="0"/>
+      </a:fillRef>
+      <a:effectRef idx="0">
+        <a:scrgbClr r="0" g="0" b="0"/>
+      </a:effectRef>
+      <a:fontRef idx="minor">
+        <a:schemeClr val="lt1"/>
+      </a:fontRef>
+    </dgm:style>
+  </dgm:styleLbl>
+  <dgm:styleLbl name="bgSibTrans2D1">
+    <dgm:scene3d>
+      <a:camera prst="orthographicFront"/>
+      <a:lightRig rig="threePt" dir="t"/>
+    </dgm:scene3d>
+    <dgm:sp3d/>
+    <dgm:txPr/>
+    <dgm:style>
+      <a:lnRef idx="0">
+        <a:scrgbClr r="0" g="0" b="0"/>
+      </a:lnRef>
+      <a:fillRef idx="1">
+        <a:scrgbClr r="0" g="0" b="0"/>
+      </a:fillRef>
+      <a:effectRef idx="0">
+        <a:scrgbClr r="0" g="0" b="0"/>
+      </a:effectRef>
+      <a:fontRef idx="minor">
+        <a:schemeClr val="lt1"/>
+      </a:fontRef>
+    </dgm:style>
+  </dgm:styleLbl>
+  <dgm:styleLbl name="sibTrans1D1">
+    <dgm:scene3d>
+      <a:camera prst="orthographicFront"/>
+      <a:lightRig rig="threePt" dir="t"/>
+    </dgm:scene3d>
+    <dgm:sp3d/>
+    <dgm:txPr/>
+    <dgm:style>
+      <a:lnRef idx="1">
+        <a:scrgbClr r="0" g="0" b="0"/>
+      </a:lnRef>
+      <a:fillRef idx="0">
+        <a:scrgbClr r="0" g="0" b="0"/>
+      </a:fillRef>
+      <a:effectRef idx="0">
+        <a:scrgbClr r="0" g="0" b="0"/>
+      </a:effectRef>
+      <a:fontRef idx="minor"/>
+    </dgm:style>
+  </dgm:styleLbl>
+  <dgm:styleLbl name="callout">
+    <dgm:scene3d>
+      <a:camera prst="orthographicFront"/>
+      <a:lightRig rig="threePt" dir="t"/>
+    </dgm:scene3d>
+    <dgm:sp3d/>
+    <dgm:txPr/>
+    <dgm:style>
+      <a:lnRef idx="2">
+        <a:scrgbClr r="0" g="0" b="0"/>
+      </a:lnRef>
+      <a:fillRef idx="1">
+        <a:scrgbClr r="0" g="0" b="0"/>
+      </a:fillRef>
+      <a:effectRef idx="0">
+        <a:scrgbClr r="0" g="0" b="0"/>
+      </a:effectRef>
+      <a:fontRef idx="minor"/>
+    </dgm:style>
+  </dgm:styleLbl>
+  <dgm:styleLbl name="asst0">
+    <dgm:scene3d>
+      <a:camera prst="orthographicFront"/>
+      <a:lightRig rig="threePt" dir="t"/>
+    </dgm:scene3d>
+    <dgm:sp3d/>
+    <dgm:txPr/>
+    <dgm:style>
+      <a:lnRef idx="2">
+        <a:scrgbClr r="0" g="0" b="0"/>
+      </a:lnRef>
+      <a:fillRef idx="1">
+        <a:scrgbClr r="0" g="0" b="0"/>
+      </a:fillRef>
+      <a:effectRef idx="0">
+        <a:scrgbClr r="0" g="0" b="0"/>
+      </a:effectRef>
+      <a:fontRef idx="minor">
+        <a:schemeClr val="lt1"/>
+      </a:fontRef>
+    </dgm:style>
+  </dgm:styleLbl>
+  <dgm:styleLbl name="asst1">
+    <dgm:scene3d>
+      <a:camera prst="orthographicFront"/>
+      <a:lightRig rig="threePt" dir="t"/>
+    </dgm:scene3d>
+    <dgm:sp3d/>
+    <dgm:txPr/>
+    <dgm:style>
+      <a:lnRef idx="2">
+        <a:scrgbClr r="0" g="0" b="0"/>
+      </a:lnRef>
+      <a:fillRef idx="1">
+        <a:scrgbClr r="0" g="0" b="0"/>
+      </a:fillRef>
+      <a:effectRef idx="0">
+        <a:scrgbClr r="0" g="0" b="0"/>
+      </a:effectRef>
+      <a:fontRef idx="minor">
+        <a:schemeClr val="lt1"/>
+      </a:fontRef>
+    </dgm:style>
+  </dgm:styleLbl>
+  <dgm:styleLbl name="asst2">
+    <dgm:scene3d>
+      <a:camera prst="orthographicFront"/>
+      <a:lightRig rig="threePt" dir="t"/>
+    </dgm:scene3d>
+    <dgm:sp3d/>
+    <dgm:txPr/>
+    <dgm:style>
+      <a:lnRef idx="2">
+        <a:scrgbClr r="0" g="0" b="0"/>
+      </a:lnRef>
+      <a:fillRef idx="1">
+        <a:scrgbClr r="0" g="0" b="0"/>
+      </a:fillRef>
+      <a:effectRef idx="0">
+        <a:scrgbClr r="0" g="0" b="0"/>
+      </a:effectRef>
+      <a:fontRef idx="minor">
+        <a:schemeClr val="lt1"/>
+      </a:fontRef>
+    </dgm:style>
+  </dgm:styleLbl>
+  <dgm:styleLbl name="asst3">
+    <dgm:scene3d>
+      <a:camera prst="orthographicFront"/>
+      <a:lightRig rig="threePt" dir="t"/>
+    </dgm:scene3d>
+    <dgm:sp3d/>
+    <dgm:txPr/>
+    <dgm:style>
+      <a:lnRef idx="2">
+        <a:scrgbClr r="0" g="0" b="0"/>
+      </a:lnRef>
+      <a:fillRef idx="1">
+        <a:scrgbClr r="0" g="0" b="0"/>
+      </a:fillRef>
+      <a:effectRef idx="0">
+        <a:scrgbClr r="0" g="0" b="0"/>
+      </a:effectRef>
+      <a:fontRef idx="minor">
+        <a:schemeClr val="lt1"/>
+      </a:fontRef>
+    </dgm:style>
+  </dgm:styleLbl>
+  <dgm:styleLbl name="asst4">
+    <dgm:scene3d>
+      <a:camera prst="orthographicFront"/>
+      <a:lightRig rig="threePt" dir="t"/>
+    </dgm:scene3d>
+    <dgm:sp3d/>
+    <dgm:txPr/>
+    <dgm:style>
+      <a:lnRef idx="2">
+        <a:scrgbClr r="0" g="0" b="0"/>
+      </a:lnRef>
+      <a:fillRef idx="1">
+        <a:scrgbClr r="0" g="0" b="0"/>
+      </a:fillRef>
+      <a:effectRef idx="0">
+        <a:scrgbClr r="0" g="0" b="0"/>
+      </a:effectRef>
+      <a:fontRef idx="minor">
+        <a:schemeClr val="lt1"/>
+      </a:fontRef>
+    </dgm:style>
+  </dgm:styleLbl>
+  <dgm:styleLbl name="parChTrans2D1">
+    <dgm:scene3d>
+      <a:camera prst="orthographicFront"/>
+      <a:lightRig rig="threePt" dir="t"/>
+    </dgm:scene3d>
+    <dgm:sp3d/>
+    <dgm:txPr/>
+    <dgm:style>
+      <a:lnRef idx="2">
+        <a:scrgbClr r="0" g="0" b="0"/>
+      </a:lnRef>
+      <a:fillRef idx="1">
+        <a:scrgbClr r="0" g="0" b="0"/>
+      </a:fillRef>
+      <a:effectRef idx="0">
+        <a:scrgbClr r="0" g="0" b="0"/>
+      </a:effectRef>
+      <a:fontRef idx="minor">
+        <a:schemeClr val="lt1"/>
+      </a:fontRef>
+    </dgm:style>
+  </dgm:styleLbl>
+  <dgm:styleLbl name="parChTrans2D2">
+    <dgm:scene3d>
+      <a:camera prst="orthographicFront"/>
+      <a:lightRig rig="threePt" dir="t"/>
+    </dgm:scene3d>
+    <dgm:sp3d/>
+    <dgm:txPr/>
+    <dgm:style>
+      <a:lnRef idx="2">
+        <a:scrgbClr r="0" g="0" b="0"/>
+      </a:lnRef>
+      <a:fillRef idx="1">
+        <a:scrgbClr r="0" g="0" b="0"/>
+      </a:fillRef>
+      <a:effectRef idx="0">
+        <a:scrgbClr r="0" g="0" b="0"/>
+      </a:effectRef>
+      <a:fontRef idx="minor">
+        <a:schemeClr val="lt1"/>
+      </a:fontRef>
+    </dgm:style>
+  </dgm:styleLbl>
+  <dgm:styleLbl name="parChTrans2D3">
+    <dgm:scene3d>
+      <a:camera prst="orthographicFront"/>
+      <a:lightRig rig="threePt" dir="t"/>
+    </dgm:scene3d>
+    <dgm:sp3d/>
+    <dgm:txPr/>
+    <dgm:style>
+      <a:lnRef idx="2">
+        <a:scrgbClr r="0" g="0" b="0"/>
+      </a:lnRef>
+      <a:fillRef idx="1">
+        <a:scrgbClr r="0" g="0" b="0"/>
+      </a:fillRef>
+      <a:effectRef idx="0">
+        <a:scrgbClr r="0" g="0" b="0"/>
+      </a:effectRef>
+      <a:fontRef idx="minor">
+        <a:schemeClr val="lt1"/>
+      </a:fontRef>
+    </dgm:style>
+  </dgm:styleLbl>
+  <dgm:styleLbl name="parChTrans2D4">
+    <dgm:scene3d>
+      <a:camera prst="orthographicFront"/>
+      <a:lightRig rig="threePt" dir="t"/>
+    </dgm:scene3d>
+    <dgm:sp3d/>
+    <dgm:txPr/>
+    <dgm:style>
+      <a:lnRef idx="2">
+        <a:scrgbClr r="0" g="0" b="0"/>
+      </a:lnRef>
+      <a:fillRef idx="1">
+        <a:scrgbClr r="0" g="0" b="0"/>
+      </a:fillRef>
+      <a:effectRef idx="0">
+        <a:scrgbClr r="0" g="0" b="0"/>
+      </a:effectRef>
+      <a:fontRef idx="minor">
+        <a:schemeClr val="lt1"/>
+      </a:fontRef>
+    </dgm:style>
+  </dgm:styleLbl>
+  <dgm:styleLbl name="parChTrans1D1">
+    <dgm:scene3d>
+      <a:camera prst="orthographicFront"/>
+      <a:lightRig rig="threePt" dir="t"/>
+    </dgm:scene3d>
+    <dgm:sp3d/>
+    <dgm:txPr/>
+    <dgm:style>
+      <a:lnRef idx="2">
+        <a:scrgbClr r="0" g="0" b="0"/>
+      </a:lnRef>
+      <a:fillRef idx="0">
+        <a:scrgbClr r="0" g="0" b="0"/>
+      </a:fillRef>
+      <a:effectRef idx="0">
+        <a:scrgbClr r="0" g="0" b="0"/>
+      </a:effectRef>
+      <a:fontRef idx="minor"/>
+    </dgm:style>
+  </dgm:styleLbl>
+  <dgm:styleLbl name="parChTrans1D2">
+    <dgm:scene3d>
+      <a:camera prst="orthographicFront"/>
+      <a:lightRig rig="threePt" dir="t"/>
+    </dgm:scene3d>
+    <dgm:sp3d/>
+    <dgm:txPr/>
+    <dgm:style>
+      <a:lnRef idx="2">
+        <a:scrgbClr r="0" g="0" b="0"/>
+      </a:lnRef>
+      <a:fillRef idx="0">
+        <a:scrgbClr r="0" g="0" b="0"/>
+      </a:fillRef>
+      <a:effectRef idx="0">
+        <a:scrgbClr r="0" g="0" b="0"/>
+      </a:effectRef>
+      <a:fontRef idx="minor"/>
+    </dgm:style>
+  </dgm:styleLbl>
+  <dgm:styleLbl name="parChTrans1D3">
+    <dgm:scene3d>
+      <a:camera prst="orthographicFront"/>
+      <a:lightRig rig="threePt" dir="t"/>
+    </dgm:scene3d>
+    <dgm:sp3d/>
+    <dgm:txPr/>
+    <dgm:style>
+      <a:lnRef idx="2">
+        <a:scrgbClr r="0" g="0" b="0"/>
+      </a:lnRef>
+      <a:fillRef idx="0">
+        <a:scrgbClr r="0" g="0" b="0"/>
+      </a:fillRef>
+      <a:effectRef idx="0">
+        <a:scrgbClr r="0" g="0" b="0"/>
+      </a:effectRef>
+      <a:fontRef idx="minor"/>
+    </dgm:style>
+  </dgm:styleLbl>
+  <dgm:styleLbl name="parChTrans1D4">
+    <dgm:scene3d>
+      <a:camera prst="orthographicFront"/>
+      <a:lightRig rig="threePt" dir="t"/>
+    </dgm:scene3d>
+    <dgm:sp3d/>
+    <dgm:txPr/>
+    <dgm:style>
+      <a:lnRef idx="2">
+        <a:scrgbClr r="0" g="0" b="0"/>
+      </a:lnRef>
+      <a:fillRef idx="0">
+        <a:scrgbClr r="0" g="0" b="0"/>
+      </a:fillRef>
+      <a:effectRef idx="0">
+        <a:scrgbClr r="0" g="0" b="0"/>
+      </a:effectRef>
+      <a:fontRef idx="minor"/>
+    </dgm:style>
+  </dgm:styleLbl>
+  <dgm:styleLbl name="fgAcc1">
+    <dgm:scene3d>
+      <a:camera prst="orthographicFront"/>
+      <a:lightRig rig="threePt" dir="t"/>
+    </dgm:scene3d>
+    <dgm:sp3d/>
+    <dgm:txPr/>
+    <dgm:style>
+      <a:lnRef idx="2">
+        <a:scrgbClr r="0" g="0" b="0"/>
+      </a:lnRef>
+      <a:fillRef idx="1">
+        <a:scrgbClr r="0" g="0" b="0"/>
+      </a:fillRef>
+      <a:effectRef idx="0">
+        <a:scrgbClr r="0" g="0" b="0"/>
+      </a:effectRef>
+      <a:fontRef idx="minor"/>
+    </dgm:style>
+  </dgm:styleLbl>
+  <dgm:styleLbl name="conFgAcc1">
+    <dgm:scene3d>
+      <a:camera prst="orthographicFront"/>
+      <a:lightRig rig="threePt" dir="t"/>
+    </dgm:scene3d>
+    <dgm:sp3d/>
+    <dgm:txPr/>
+    <dgm:style>
+      <a:lnRef idx="2">
+        <a:scrgbClr r="0" g="0" b="0"/>
+      </a:lnRef>
+      <a:fillRef idx="1">
+        <a:scrgbClr r="0" g="0" b="0"/>
+      </a:fillRef>
+      <a:effectRef idx="0">
+        <a:scrgbClr r="0" g="0" b="0"/>
+      </a:effectRef>
+      <a:fontRef idx="minor"/>
+    </dgm:style>
+  </dgm:styleLbl>
+  <dgm:styleLbl name="alignAcc1">
+    <dgm:scene3d>
+      <a:camera prst="orthographicFront"/>
+      <a:lightRig rig="threePt" dir="t"/>
+    </dgm:scene3d>
+    <dgm:sp3d/>
+    <dgm:txPr/>
+    <dgm:style>
+      <a:lnRef idx="2">
+        <a:scrgbClr r="0" g="0" b="0"/>
+      </a:lnRef>
+      <a:fillRef idx="1">
+        <a:scrgbClr r="0" g="0" b="0"/>
+      </a:fillRef>
+      <a:effectRef idx="0">
+        <a:scrgbClr r="0" g="0" b="0"/>
+      </a:effectRef>
+      <a:fontRef idx="minor"/>
+    </dgm:style>
+  </dgm:styleLbl>
+  <dgm:styleLbl name="trAlignAcc1">
+    <dgm:scene3d>
+      <a:camera prst="orthographicFront"/>
+      <a:lightRig rig="threePt" dir="t"/>
+    </dgm:scene3d>
+    <dgm:sp3d/>
+    <dgm:txPr/>
+    <dgm:style>
+      <a:lnRef idx="1">
+        <a:scrgbClr r="0" g="0" b="0"/>
+      </a:lnRef>
+      <a:fillRef idx="1">
+        <a:scrgbClr r="0" g="0" b="0"/>
+      </a:fillRef>
+      <a:effectRef idx="0">
+        <a:scrgbClr r="0" g="0" b="0"/>
+      </a:effectRef>
+      <a:fontRef idx="minor"/>
+    </dgm:style>
+  </dgm:styleLbl>
+  <dgm:styleLbl name="bgAcc1">
+    <dgm:scene3d>
+      <a:camera prst="orthographicFront"/>
+      <a:lightRig rig="threePt" dir="t"/>
+    </dgm:scene3d>
+    <dgm:sp3d/>
+    <dgm:txPr/>
+    <dgm:style>
+      <a:lnRef idx="2">
+        <a:scrgbClr r="0" g="0" b="0"/>
+      </a:lnRef>
+      <a:fillRef idx="1">
+        <a:scrgbClr r="0" g="0" b="0"/>
+      </a:fillRef>
+      <a:effectRef idx="0">
+        <a:scrgbClr r="0" g="0" b="0"/>
+      </a:effectRef>
+      <a:fontRef idx="minor"/>
+    </dgm:style>
+  </dgm:styleLbl>
+  <dgm:styleLbl name="solidFgAcc1">
+    <dgm:scene3d>
+      <a:camera prst="orthographicFront"/>
+      <a:lightRig rig="threePt" dir="t"/>
+    </dgm:scene3d>
+    <dgm:sp3d/>
+    <dgm:txPr/>
+    <dgm:style>
+      <a:lnRef idx="2">
+        <a:scrgbClr r="0" g="0" b="0"/>
+      </a:lnRef>
+      <a:fillRef idx="1">
+        <a:scrgbClr r="0" g="0" b="0"/>
+      </a:fillRef>
+      <a:effectRef idx="0">
+        <a:scrgbClr r="0" g="0" b="0"/>
+      </a:effectRef>
+      <a:fontRef idx="minor"/>
+    </dgm:style>
+  </dgm:styleLbl>
+  <dgm:styleLbl name="solidAlignAcc1">
+    <dgm:scene3d>
+      <a:camera prst="orthographicFront"/>
+      <a:lightRig rig="threePt" dir="t"/>
+    </dgm:scene3d>
+    <dgm:sp3d/>
+    <dgm:txPr/>
+    <dgm:style>
+      <a:lnRef idx="2">
+        <a:scrgbClr r="0" g="0" b="0"/>
+      </a:lnRef>
+      <a:fillRef idx="1">
+        <a:scrgbClr r="0" g="0" b="0"/>
+      </a:fillRef>
+      <a:effectRef idx="0">
+        <a:scrgbClr r="0" g="0" b="0"/>
+      </a:effectRef>
+      <a:fontRef idx="minor"/>
+    </dgm:style>
+  </dgm:styleLbl>
+  <dgm:styleLbl name="solidBgAcc1">
+    <dgm:scene3d>
+      <a:camera prst="orthographicFront"/>
+      <a:lightRig rig="threePt" dir="t"/>
+    </dgm:scene3d>
+    <dgm:sp3d/>
+    <dgm:txPr/>
+    <dgm:style>
+      <a:lnRef idx="2">
+        <a:scrgbClr r="0" g="0" b="0"/>
+      </a:lnRef>
+      <a:fillRef idx="1">
+        <a:scrgbClr r="0" g="0" b="0"/>
+      </a:fillRef>
+      <a:effectRef idx="0">
+        <a:scrgbClr r="0" g="0" b="0"/>
+      </a:effectRef>
+      <a:fontRef idx="minor"/>
+    </dgm:style>
+  </dgm:styleLbl>
+  <dgm:styleLbl name="fgAccFollowNode1">
+    <dgm:scene3d>
+      <a:camera prst="orthographicFront"/>
+      <a:lightRig rig="threePt" dir="t"/>
+    </dgm:scene3d>
+    <dgm:sp3d/>
+    <dgm:txPr/>
+    <dgm:style>
+      <a:lnRef idx="2">
+        <a:scrgbClr r="0" g="0" b="0"/>
+      </a:lnRef>
+      <a:fillRef idx="1">
+        <a:scrgbClr r="0" g="0" b="0"/>
+      </a:fillRef>
+      <a:effectRef idx="0">
+        <a:scrgbClr r="0" g="0" b="0"/>
+      </a:effectRef>
+      <a:fontRef idx="minor"/>
+    </dgm:style>
+  </dgm:styleLbl>
+  <dgm:styleLbl name="alignAccFollowNode1">
+    <dgm:scene3d>
+      <a:camera prst="orthographicFront"/>
+      <a:lightRig rig="threePt" dir="t"/>
+    </dgm:scene3d>
+    <dgm:sp3d/>
+    <dgm:txPr/>
+    <dgm:style>
+      <a:lnRef idx="2">
+        <a:scrgbClr r="0" g="0" b="0"/>
+      </a:lnRef>
+      <a:fillRef idx="1">
+        <a:scrgbClr r="0" g="0" b="0"/>
+      </a:fillRef>
+      <a:effectRef idx="0">
+        <a:scrgbClr r="0" g="0" b="0"/>
+      </a:effectRef>
+      <a:fontRef idx="minor"/>
+    </dgm:style>
+  </dgm:styleLbl>
+  <dgm:styleLbl name="bgAccFollowNode1">
+    <dgm:scene3d>
+      <a:camera prst="orthographicFront"/>
+      <a:lightRig rig="threePt" dir="t"/>
+    </dgm:scene3d>
+    <dgm:sp3d/>
+    <dgm:txPr/>
+    <dgm:style>
+      <a:lnRef idx="2">
+        <a:scrgbClr r="0" g="0" b="0"/>
+      </a:lnRef>
+      <a:fillRef idx="1">
+        <a:scrgbClr r="0" g="0" b="0"/>
+      </a:fillRef>
+      <a:effectRef idx="0">
+        <a:scrgbClr r="0" g="0" b="0"/>
+      </a:effectRef>
+      <a:fontRef idx="minor"/>
+    </dgm:style>
+  </dgm:styleLbl>
+  <dgm:styleLbl name="fgAcc0">
+    <dgm:scene3d>
+      <a:camera prst="orthographicFront"/>
+      <a:lightRig rig="threePt" dir="t"/>
+    </dgm:scene3d>
+    <dgm:sp3d/>
+    <dgm:txPr/>
+    <dgm:style>
+      <a:lnRef idx="2">
+        <a:scrgbClr r="0" g="0" b="0"/>
+      </a:lnRef>
+      <a:fillRef idx="1">
+        <a:scrgbClr r="0" g="0" b="0"/>
+      </a:fillRef>
+      <a:effectRef idx="0">
+        <a:scrgbClr r="0" g="0" b="0"/>
+      </a:effectRef>
+      <a:fontRef idx="minor"/>
+    </dgm:style>
+  </dgm:styleLbl>
+  <dgm:styleLbl name="fgAcc2">
+    <dgm:scene3d>
+      <a:camera prst="orthographicFront"/>
+      <a:lightRig rig="threePt" dir="t"/>
+    </dgm:scene3d>
+    <dgm:sp3d/>
+    <dgm:txPr/>
+    <dgm:style>
+      <a:lnRef idx="2">
+        <a:scrgbClr r="0" g="0" b="0"/>
+      </a:lnRef>
+      <a:fillRef idx="1">
+        <a:scrgbClr r="0" g="0" b="0"/>
+      </a:fillRef>
+      <a:effectRef idx="0">
+        <a:scrgbClr r="0" g="0" b="0"/>
+      </a:effectRef>
+      <a:fontRef idx="minor"/>
+    </dgm:style>
+  </dgm:styleLbl>
+  <dgm:styleLbl name="fgAcc3">
+    <dgm:scene3d>
+      <a:camera prst="orthographicFront"/>
+      <a:lightRig rig="threePt" dir="t"/>
+    </dgm:scene3d>
+    <dgm:sp3d/>
+    <dgm:txPr/>
+    <dgm:style>
+      <a:lnRef idx="2">
+        <a:scrgbClr r="0" g="0" b="0"/>
+      </a:lnRef>
+      <a:fillRef idx="1">
+        <a:scrgbClr r="0" g="0" b="0"/>
+      </a:fillRef>
+      <a:effectRef idx="0">
+        <a:scrgbClr r="0" g="0" b="0"/>
+      </a:effectRef>
+      <a:fontRef idx="minor"/>
+    </dgm:style>
+  </dgm:styleLbl>
+  <dgm:styleLbl name="fgAcc4">
+    <dgm:scene3d>
+      <a:camera prst="orthographicFront"/>
+      <a:lightRig rig="threePt" dir="t"/>
+    </dgm:scene3d>
+    <dgm:sp3d/>
+    <dgm:txPr/>
+    <dgm:style>
+      <a:lnRef idx="2">
+        <a:scrgbClr r="0" g="0" b="0"/>
+      </a:lnRef>
+      <a:fillRef idx="1">
+        <a:scrgbClr r="0" g="0" b="0"/>
+      </a:fillRef>
+      <a:effectRef idx="0">
+        <a:scrgbClr r="0" g="0" b="0"/>
+      </a:effectRef>
+      <a:fontRef idx="minor"/>
+    </dgm:style>
+  </dgm:styleLbl>
+  <dgm:styleLbl name="bgShp">
+    <dgm:scene3d>
+      <a:camera prst="orthographicFront"/>
+      <a:lightRig rig="threePt" dir="t"/>
+    </dgm:scene3d>
+    <dgm:sp3d/>
+    <dgm:txPr/>
+    <dgm:style>
+      <a:lnRef idx="0">
+        <a:scrgbClr r="0" g="0" b="0"/>
+      </a:lnRef>
+      <a:fillRef idx="1">
+        <a:scrgbClr r="0" g="0" b="0"/>
+      </a:fillRef>
+      <a:effectRef idx="0">
+        <a:scrgbClr r="0" g="0" b="0"/>
+      </a:effectRef>
+      <a:fontRef idx="minor"/>
+    </dgm:style>
+  </dgm:styleLbl>
+  <dgm:styleLbl name="dkBgShp">
+    <dgm:scene3d>
+      <a:camera prst="orthographicFront"/>
+      <a:lightRig rig="threePt" dir="t"/>
+    </dgm:scene3d>
+    <dgm:sp3d/>
+    <dgm:txPr/>
+    <dgm:style>
+      <a:lnRef idx="0">
+        <a:scrgbClr r="0" g="0" b="0"/>
+      </a:lnRef>
+      <a:fillRef idx="1">
+        <a:scrgbClr r="0" g="0" b="0"/>
+      </a:fillRef>
+      <a:effectRef idx="0">
+        <a:scrgbClr r="0" g="0" b="0"/>
+      </a:effectRef>
+      <a:fontRef idx="minor"/>
+    </dgm:style>
+  </dgm:styleLbl>
+  <dgm:styleLbl name="trBgShp">
+    <dgm:scene3d>
+      <a:camera prst="orthographicFront"/>
+      <a:lightRig rig="threePt" dir="t"/>
+    </dgm:scene3d>
+    <dgm:sp3d/>
+    <dgm:txPr/>
+    <dgm:style>
+      <a:lnRef idx="0">
+        <a:scrgbClr r="0" g="0" b="0"/>
+      </a:lnRef>
+      <a:fillRef idx="1">
+        <a:scrgbClr r="0" g="0" b="0"/>
+      </a:fillRef>
+      <a:effectRef idx="0">
+        <a:scrgbClr r="0" g="0" b="0"/>
+      </a:effectRef>
+      <a:fontRef idx="minor"/>
+    </dgm:style>
+  </dgm:styleLbl>
+  <dgm:styleLbl name="fgShp">
+    <dgm:scene3d>
+      <a:camera prst="orthographicFront"/>
+      <a:lightRig rig="threePt" dir="t"/>
+    </dgm:scene3d>
+    <dgm:sp3d/>
+    <dgm:txPr/>
+    <dgm:style>
+      <a:lnRef idx="2">
+        <a:scrgbClr r="0" g="0" b="0"/>
+      </a:lnRef>
+      <a:fillRef idx="1">
+        <a:scrgbClr r="0" g="0" b="0"/>
+      </a:fillRef>
+      <a:effectRef idx="0">
+        <a:scrgbClr r="0" g="0" b="0"/>
+      </a:effectRef>
+      <a:fontRef idx="minor"/>
+    </dgm:style>
+  </dgm:styleLbl>
+  <dgm:styleLbl name="revTx">
+    <dgm:scene3d>
+      <a:camera prst="orthographicFront"/>
+      <a:lightRig rig="threePt" dir="t"/>
+    </dgm:scene3d>
+    <dgm:sp3d/>
+    <dgm:txPr/>
+    <dgm:style>
+      <a:lnRef idx="0">
+        <a:scrgbClr r="0" g="0" b="0"/>
+      </a:lnRef>
+      <a:fillRef idx="0">
+        <a:scrgbClr r="0" g="0" b="0"/>
+      </a:fillRef>
+      <a:effectRef idx="0">
+        <a:scrgbClr r="0" g="0" b="0"/>
+      </a:effectRef>
+      <a:fontRef idx="minor"/>
+    </dgm:style>
+  </dgm:styleLbl>
+</dgm:styleDef>
+</file>
+
+<file path=ppt/diagrams/quickStyle5.xml><?xml version="1.0" encoding="utf-8"?>
+<dgm:styleDef xmlns:dgm="http://schemas.openxmlformats.org/drawingml/2006/diagram" xmlns:a="http://schemas.openxmlformats.org/drawingml/2006/main" uniqueId="urn:microsoft.com/office/officeart/2005/8/quickstyle/simple1">
+  <dgm:title val=""/>
+  <dgm:desc val=""/>
+  <dgm:catLst>
+    <dgm:cat type="simple" pri="10100"/>
+  </dgm:catLst>
+  <dgm:scene3d>
+    <a:camera prst="orthographicFront"/>
+    <a:lightRig rig="threePt" dir="t"/>
+  </dgm:scene3d>
+  <dgm:styleLbl name="node0">
+    <dgm:scene3d>
+      <a:camera prst="orthographicFront"/>
+      <a:lightRig rig="threePt" dir="t"/>
+    </dgm:scene3d>
+    <dgm:sp3d/>
+    <dgm:txPr/>
+    <dgm:style>
+      <a:lnRef idx="2">
+        <a:scrgbClr r="0" g="0" b="0"/>
+      </a:lnRef>
+      <a:fillRef idx="1">
+        <a:scrgbClr r="0" g="0" b="0"/>
+      </a:fillRef>
+      <a:effectRef idx="0">
+        <a:scrgbClr r="0" g="0" b="0"/>
+      </a:effectRef>
+      <a:fontRef idx="minor">
+        <a:schemeClr val="lt1"/>
+      </a:fontRef>
+    </dgm:style>
+  </dgm:styleLbl>
+  <dgm:styleLbl name="lnNode1">
+    <dgm:scene3d>
+      <a:camera prst="orthographicFront"/>
+      <a:lightRig rig="threePt" dir="t"/>
+    </dgm:scene3d>
+    <dgm:sp3d/>
+    <dgm:txPr/>
+    <dgm:style>
+      <a:lnRef idx="2">
+        <a:scrgbClr r="0" g="0" b="0"/>
+      </a:lnRef>
+      <a:fillRef idx="1">
+        <a:scrgbClr r="0" g="0" b="0"/>
+      </a:fillRef>
+      <a:effectRef idx="0">
+        <a:scrgbClr r="0" g="0" b="0"/>
+      </a:effectRef>
+      <a:fontRef idx="minor">
+        <a:schemeClr val="lt1"/>
+      </a:fontRef>
+    </dgm:style>
+  </dgm:styleLbl>
+  <dgm:styleLbl name="vennNode1">
+    <dgm:scene3d>
+      <a:camera prst="orthographicFront"/>
+      <a:lightRig rig="threePt" dir="t"/>
+    </dgm:scene3d>
+    <dgm:sp3d/>
+    <dgm:txPr/>
+    <dgm:style>
+      <a:lnRef idx="2">
+        <a:scrgbClr r="0" g="0" b="0"/>
+      </a:lnRef>
+      <a:fillRef idx="1">
+        <a:scrgbClr r="0" g="0" b="0"/>
+      </a:fillRef>
+      <a:effectRef idx="0">
+        <a:scrgbClr r="0" g="0" b="0"/>
+      </a:effectRef>
+      <a:fontRef idx="minor">
+        <a:schemeClr val="tx1"/>
+      </a:fontRef>
+    </dgm:style>
+  </dgm:styleLbl>
+  <dgm:styleLbl name="alignNode1">
+    <dgm:scene3d>
+      <a:camera prst="orthographicFront"/>
+      <a:lightRig rig="threePt" dir="t"/>
+    </dgm:scene3d>
+    <dgm:sp3d/>
+    <dgm:txPr/>
+    <dgm:style>
+      <a:lnRef idx="2">
+        <a:scrgbClr r="0" g="0" b="0"/>
+      </a:lnRef>
+      <a:fillRef idx="1">
+        <a:scrgbClr r="0" g="0" b="0"/>
+      </a:fillRef>
+      <a:effectRef idx="0">
+        <a:scrgbClr r="0" g="0" b="0"/>
+      </a:effectRef>
+      <a:fontRef idx="minor">
+        <a:schemeClr val="lt1"/>
+      </a:fontRef>
+    </dgm:style>
+  </dgm:styleLbl>
+  <dgm:styleLbl name="node1">
+    <dgm:scene3d>
+      <a:camera prst="orthographicFront"/>
+      <a:lightRig rig="threePt" dir="t"/>
+    </dgm:scene3d>
+    <dgm:sp3d/>
+    <dgm:txPr/>
+    <dgm:style>
+      <a:lnRef idx="2">
+        <a:scrgbClr r="0" g="0" b="0"/>
+      </a:lnRef>
+      <a:fillRef idx="1">
+        <a:scrgbClr r="0" g="0" b="0"/>
+      </a:fillRef>
+      <a:effectRef idx="0">
+        <a:scrgbClr r="0" g="0" b="0"/>
+      </a:effectRef>
+      <a:fontRef idx="minor">
+        <a:schemeClr val="lt1"/>
+      </a:fontRef>
+    </dgm:style>
+  </dgm:styleLbl>
+  <dgm:styleLbl name="node2">
+    <dgm:scene3d>
+      <a:camera prst="orthographicFront"/>
+      <a:lightRig rig="threePt" dir="t"/>
+    </dgm:scene3d>
+    <dgm:sp3d/>
+    <dgm:txPr/>
+    <dgm:style>
+      <a:lnRef idx="2">
+        <a:scrgbClr r="0" g="0" b="0"/>
+      </a:lnRef>
+      <a:fillRef idx="1">
+        <a:scrgbClr r="0" g="0" b="0"/>
+      </a:fillRef>
+      <a:effectRef idx="0">
+        <a:scrgbClr r="0" g="0" b="0"/>
+      </a:effectRef>
+      <a:fontRef idx="minor">
+        <a:schemeClr val="lt1"/>
+      </a:fontRef>
+    </dgm:style>
+  </dgm:styleLbl>
+  <dgm:styleLbl name="node3">
+    <dgm:scene3d>
+      <a:camera prst="orthographicFront"/>
+      <a:lightRig rig="threePt" dir="t"/>
+    </dgm:scene3d>
+    <dgm:sp3d/>
+    <dgm:txPr/>
+    <dgm:style>
+      <a:lnRef idx="2">
+        <a:scrgbClr r="0" g="0" b="0"/>
+      </a:lnRef>
+      <a:fillRef idx="1">
+        <a:scrgbClr r="0" g="0" b="0"/>
+      </a:fillRef>
+      <a:effectRef idx="0">
+        <a:scrgbClr r="0" g="0" b="0"/>
+      </a:effectRef>
+      <a:fontRef idx="minor">
+        <a:schemeClr val="lt1"/>
+      </a:fontRef>
+    </dgm:style>
+  </dgm:styleLbl>
+  <dgm:styleLbl name="node4">
+    <dgm:scene3d>
+      <a:camera prst="orthographicFront"/>
+      <a:lightRig rig="threePt" dir="t"/>
+    </dgm:scene3d>
+    <dgm:sp3d/>
+    <dgm:txPr/>
+    <dgm:style>
+      <a:lnRef idx="2">
+        <a:scrgbClr r="0" g="0" b="0"/>
+      </a:lnRef>
+      <a:fillRef idx="1">
+        <a:scrgbClr r="0" g="0" b="0"/>
+      </a:fillRef>
+      <a:effectRef idx="0">
+        <a:scrgbClr r="0" g="0" b="0"/>
+      </a:effectRef>
+      <a:fontRef idx="minor">
+        <a:schemeClr val="lt1"/>
+      </a:fontRef>
+    </dgm:style>
+  </dgm:styleLbl>
+  <dgm:styleLbl name="fgImgPlace1">
+    <dgm:scene3d>
+      <a:camera prst="orthographicFront"/>
+      <a:lightRig rig="threePt" dir="t"/>
+    </dgm:scene3d>
+    <dgm:sp3d/>
+    <dgm:txPr/>
+    <dgm:style>
+      <a:lnRef idx="2">
+        <a:scrgbClr r="0" g="0" b="0"/>
+      </a:lnRef>
+      <a:fillRef idx="1">
+        <a:scrgbClr r="0" g="0" b="0"/>
+      </a:fillRef>
+      <a:effectRef idx="0">
+        <a:scrgbClr r="0" g="0" b="0"/>
+      </a:effectRef>
+      <a:fontRef idx="minor"/>
+    </dgm:style>
+  </dgm:styleLbl>
+  <dgm:styleLbl name="alignImgPlace1">
+    <dgm:scene3d>
+      <a:camera prst="orthographicFront"/>
+      <a:lightRig rig="threePt" dir="t"/>
+    </dgm:scene3d>
+    <dgm:sp3d/>
+    <dgm:txPr/>
+    <dgm:style>
+      <a:lnRef idx="2">
+        <a:scrgbClr r="0" g="0" b="0"/>
+      </a:lnRef>
+      <a:fillRef idx="1">
+        <a:scrgbClr r="0" g="0" b="0"/>
+      </a:fillRef>
+      <a:effectRef idx="0">
+        <a:scrgbClr r="0" g="0" b="0"/>
+      </a:effectRef>
+      <a:fontRef idx="minor"/>
+    </dgm:style>
+  </dgm:styleLbl>
+  <dgm:styleLbl name="bgImgPlace1">
+    <dgm:scene3d>
+      <a:camera prst="orthographicFront"/>
+      <a:lightRig rig="threePt" dir="t"/>
+    </dgm:scene3d>
+    <dgm:sp3d/>
+    <dgm:txPr/>
+    <dgm:style>
+      <a:lnRef idx="2">
+        <a:scrgbClr r="0" g="0" b="0"/>
+      </a:lnRef>
+      <a:fillRef idx="1">
+        <a:scrgbClr r="0" g="0" b="0"/>
+      </a:fillRef>
+      <a:effectRef idx="0">
+        <a:scrgbClr r="0" g="0" b="0"/>
+      </a:effectRef>
+      <a:fontRef idx="minor"/>
+    </dgm:style>
+  </dgm:styleLbl>
+  <dgm:styleLbl name="sibTrans2D1">
+    <dgm:scene3d>
+      <a:camera prst="orthographicFront"/>
+      <a:lightRig rig="threePt" dir="t"/>
+    </dgm:scene3d>
+    <dgm:sp3d/>
+    <dgm:txPr/>
+    <dgm:style>
+      <a:lnRef idx="0">
+        <a:scrgbClr r="0" g="0" b="0"/>
+      </a:lnRef>
+      <a:fillRef idx="1">
+        <a:scrgbClr r="0" g="0" b="0"/>
+      </a:fillRef>
+      <a:effectRef idx="0">
+        <a:scrgbClr r="0" g="0" b="0"/>
+      </a:effectRef>
+      <a:fontRef idx="minor">
+        <a:schemeClr val="lt1"/>
+      </a:fontRef>
+    </dgm:style>
+  </dgm:styleLbl>
+  <dgm:styleLbl name="fgSibTrans2D1">
+    <dgm:scene3d>
+      <a:camera prst="orthographicFront"/>
+      <a:lightRig rig="threePt" dir="t"/>
+    </dgm:scene3d>
+    <dgm:sp3d/>
+    <dgm:txPr/>
+    <dgm:style>
+      <a:lnRef idx="0">
+        <a:scrgbClr r="0" g="0" b="0"/>
+      </a:lnRef>
+      <a:fillRef idx="1">
+        <a:scrgbClr r="0" g="0" b="0"/>
+      </a:fillRef>
+      <a:effectRef idx="0">
+        <a:scrgbClr r="0" g="0" b="0"/>
+      </a:effectRef>
+      <a:fontRef idx="minor">
+        <a:schemeClr val="lt1"/>
+      </a:fontRef>
+    </dgm:style>
+  </dgm:styleLbl>
+  <dgm:styleLbl name="bgSibTrans2D1">
+    <dgm:scene3d>
+      <a:camera prst="orthographicFront"/>
+      <a:lightRig rig="threePt" dir="t"/>
+    </dgm:scene3d>
+    <dgm:sp3d/>
+    <dgm:txPr/>
+    <dgm:style>
+      <a:lnRef idx="0">
+        <a:scrgbClr r="0" g="0" b="0"/>
+      </a:lnRef>
+      <a:fillRef idx="1">
+        <a:scrgbClr r="0" g="0" b="0"/>
+      </a:fillRef>
+      <a:effectRef idx="0">
+        <a:scrgbClr r="0" g="0" b="0"/>
+      </a:effectRef>
+      <a:fontRef idx="minor">
+        <a:schemeClr val="lt1"/>
+      </a:fontRef>
+    </dgm:style>
+  </dgm:styleLbl>
+  <dgm:styleLbl name="sibTrans1D1">
+    <dgm:scene3d>
+      <a:camera prst="orthographicFront"/>
+      <a:lightRig rig="threePt" dir="t"/>
+    </dgm:scene3d>
+    <dgm:sp3d/>
+    <dgm:txPr/>
+    <dgm:style>
+      <a:lnRef idx="1">
+        <a:scrgbClr r="0" g="0" b="0"/>
+      </a:lnRef>
+      <a:fillRef idx="0">
+        <a:scrgbClr r="0" g="0" b="0"/>
+      </a:fillRef>
+      <a:effectRef idx="0">
+        <a:scrgbClr r="0" g="0" b="0"/>
+      </a:effectRef>
+      <a:fontRef idx="minor"/>
+    </dgm:style>
+  </dgm:styleLbl>
+  <dgm:styleLbl name="callout">
+    <dgm:scene3d>
+      <a:camera prst="orthographicFront"/>
+      <a:lightRig rig="threePt" dir="t"/>
+    </dgm:scene3d>
+    <dgm:sp3d/>
+    <dgm:txPr/>
+    <dgm:style>
+      <a:lnRef idx="2">
+        <a:scrgbClr r="0" g="0" b="0"/>
+      </a:lnRef>
+      <a:fillRef idx="1">
+        <a:scrgbClr r="0" g="0" b="0"/>
+      </a:fillRef>
+      <a:effectRef idx="0">
+        <a:scrgbClr r="0" g="0" b="0"/>
+      </a:effectRef>
+      <a:fontRef idx="minor"/>
+    </dgm:style>
+  </dgm:styleLbl>
+  <dgm:styleLbl name="asst0">
+    <dgm:scene3d>
+      <a:camera prst="orthographicFront"/>
+      <a:lightRig rig="threePt" dir="t"/>
+    </dgm:scene3d>
+    <dgm:sp3d/>
+    <dgm:txPr/>
+    <dgm:style>
+      <a:lnRef idx="2">
+        <a:scrgbClr r="0" g="0" b="0"/>
+      </a:lnRef>
+      <a:fillRef idx="1">
+        <a:scrgbClr r="0" g="0" b="0"/>
+      </a:fillRef>
+      <a:effectRef idx="0">
+        <a:scrgbClr r="0" g="0" b="0"/>
+      </a:effectRef>
+      <a:fontRef idx="minor">
+        <a:schemeClr val="lt1"/>
+      </a:fontRef>
+    </dgm:style>
+  </dgm:styleLbl>
+  <dgm:styleLbl name="asst1">
+    <dgm:scene3d>
+      <a:camera prst="orthographicFront"/>
+      <a:lightRig rig="threePt" dir="t"/>
+    </dgm:scene3d>
+    <dgm:sp3d/>
+    <dgm:txPr/>
+    <dgm:style>
+      <a:lnRef idx="2">
+        <a:scrgbClr r="0" g="0" b="0"/>
+      </a:lnRef>
+      <a:fillRef idx="1">
+        <a:scrgbClr r="0" g="0" b="0"/>
+      </a:fillRef>
+      <a:effectRef idx="0">
+        <a:scrgbClr r="0" g="0" b="0"/>
+      </a:effectRef>
+      <a:fontRef idx="minor">
+        <a:schemeClr val="lt1"/>
+      </a:fontRef>
+    </dgm:style>
+  </dgm:styleLbl>
+  <dgm:styleLbl name="asst2">
+    <dgm:scene3d>
+      <a:camera prst="orthographicFront"/>
+      <a:lightRig rig="threePt" dir="t"/>
+    </dgm:scene3d>
+    <dgm:sp3d/>
+    <dgm:txPr/>
+    <dgm:style>
+      <a:lnRef idx="2">
+        <a:scrgbClr r="0" g="0" b="0"/>
+      </a:lnRef>
+      <a:fillRef idx="1">
+        <a:scrgbClr r="0" g="0" b="0"/>
+      </a:fillRef>
+      <a:effectRef idx="0">
+        <a:scrgbClr r="0" g="0" b="0"/>
+      </a:effectRef>
+      <a:fontRef idx="minor">
+        <a:schemeClr val="lt1"/>
+      </a:fontRef>
+    </dgm:style>
+  </dgm:styleLbl>
+  <dgm:styleLbl name="asst3">
+    <dgm:scene3d>
+      <a:camera prst="orthographicFront"/>
+      <a:lightRig rig="threePt" dir="t"/>
+    </dgm:scene3d>
+    <dgm:sp3d/>
+    <dgm:txPr/>
+    <dgm:style>
+      <a:lnRef idx="2">
+        <a:scrgbClr r="0" g="0" b="0"/>
+      </a:lnRef>
+      <a:fillRef idx="1">
+        <a:scrgbClr r="0" g="0" b="0"/>
+      </a:fillRef>
+      <a:effectRef idx="0">
+        <a:scrgbClr r="0" g="0" b="0"/>
+      </a:effectRef>
+      <a:fontRef idx="minor">
+        <a:schemeClr val="lt1"/>
+      </a:fontRef>
+    </dgm:style>
+  </dgm:styleLbl>
+  <dgm:styleLbl name="asst4">
+    <dgm:scene3d>
+      <a:camera prst="orthographicFront"/>
+      <a:lightRig rig="threePt" dir="t"/>
+    </dgm:scene3d>
+    <dgm:sp3d/>
+    <dgm:txPr/>
+    <dgm:style>
+      <a:lnRef idx="2">
+        <a:scrgbClr r="0" g="0" b="0"/>
+      </a:lnRef>
+      <a:fillRef idx="1">
+        <a:scrgbClr r="0" g="0" b="0"/>
+      </a:fillRef>
+      <a:effectRef idx="0">
+        <a:scrgbClr r="0" g="0" b="0"/>
+      </a:effectRef>
+      <a:fontRef idx="minor">
+        <a:schemeClr val="lt1"/>
+      </a:fontRef>
+    </dgm:style>
+  </dgm:styleLbl>
+  <dgm:styleLbl name="parChTrans2D1">
+    <dgm:scene3d>
+      <a:camera prst="orthographicFront"/>
+      <a:lightRig rig="threePt" dir="t"/>
+    </dgm:scene3d>
+    <dgm:sp3d/>
+    <dgm:txPr/>
+    <dgm:style>
+      <a:lnRef idx="2">
+        <a:scrgbClr r="0" g="0" b="0"/>
+      </a:lnRef>
+      <a:fillRef idx="1">
+        <a:scrgbClr r="0" g="0" b="0"/>
+      </a:fillRef>
+      <a:effectRef idx="0">
+        <a:scrgbClr r="0" g="0" b="0"/>
+      </a:effectRef>
+      <a:fontRef idx="minor">
+        <a:schemeClr val="lt1"/>
+      </a:fontRef>
+    </dgm:style>
+  </dgm:styleLbl>
+  <dgm:styleLbl name="parChTrans2D2">
+    <dgm:scene3d>
+      <a:camera prst="orthographicFront"/>
+      <a:lightRig rig="threePt" dir="t"/>
+    </dgm:scene3d>
+    <dgm:sp3d/>
+    <dgm:txPr/>
+    <dgm:style>
+      <a:lnRef idx="2">
+        <a:scrgbClr r="0" g="0" b="0"/>
+      </a:lnRef>
+      <a:fillRef idx="1">
+        <a:scrgbClr r="0" g="0" b="0"/>
+      </a:fillRef>
+      <a:effectRef idx="0">
+        <a:scrgbClr r="0" g="0" b="0"/>
+      </a:effectRef>
+      <a:fontRef idx="minor">
+        <a:schemeClr val="lt1"/>
+      </a:fontRef>
+    </dgm:style>
+  </dgm:styleLbl>
+  <dgm:styleLbl name="parChTrans2D3">
+    <dgm:scene3d>
+      <a:camera prst="orthographicFront"/>
+      <a:lightRig rig="threePt" dir="t"/>
+    </dgm:scene3d>
+    <dgm:sp3d/>
+    <dgm:txPr/>
+    <dgm:style>
+      <a:lnRef idx="2">
+        <a:scrgbClr r="0" g="0" b="0"/>
+      </a:lnRef>
+      <a:fillRef idx="1">
+        <a:scrgbClr r="0" g="0" b="0"/>
+      </a:fillRef>
+      <a:effectRef idx="0">
+        <a:scrgbClr r="0" g="0" b="0"/>
+      </a:effectRef>
+      <a:fontRef idx="minor">
+        <a:schemeClr val="lt1"/>
+      </a:fontRef>
+    </dgm:style>
+  </dgm:styleLbl>
+  <dgm:styleLbl name="parChTrans2D4">
+    <dgm:scene3d>
+      <a:camera prst="orthographicFront"/>
+      <a:lightRig rig="threePt" dir="t"/>
+    </dgm:scene3d>
+    <dgm:sp3d/>
+    <dgm:txPr/>
+    <dgm:style>
+      <a:lnRef idx="2">
+        <a:scrgbClr r="0" g="0" b="0"/>
+      </a:lnRef>
+      <a:fillRef idx="1">
+        <a:scrgbClr r="0" g="0" b="0"/>
+      </a:fillRef>
+      <a:effectRef idx="0">
+        <a:scrgbClr r="0" g="0" b="0"/>
+      </a:effectRef>
+      <a:fontRef idx="minor">
+        <a:schemeClr val="lt1"/>
+      </a:fontRef>
+    </dgm:style>
+  </dgm:styleLbl>
+  <dgm:styleLbl name="parChTrans1D1">
+    <dgm:scene3d>
+      <a:camera prst="orthographicFront"/>
+      <a:lightRig rig="threePt" dir="t"/>
+    </dgm:scene3d>
+    <dgm:sp3d/>
+    <dgm:txPr/>
+    <dgm:style>
+      <a:lnRef idx="2">
+        <a:scrgbClr r="0" g="0" b="0"/>
+      </a:lnRef>
+      <a:fillRef idx="0">
+        <a:scrgbClr r="0" g="0" b="0"/>
+      </a:fillRef>
+      <a:effectRef idx="0">
+        <a:scrgbClr r="0" g="0" b="0"/>
+      </a:effectRef>
+      <a:fontRef idx="minor"/>
+    </dgm:style>
+  </dgm:styleLbl>
+  <dgm:styleLbl name="parChTrans1D2">
+    <dgm:scene3d>
+      <a:camera prst="orthographicFront"/>
+      <a:lightRig rig="threePt" dir="t"/>
+    </dgm:scene3d>
+    <dgm:sp3d/>
+    <dgm:txPr/>
+    <dgm:style>
+      <a:lnRef idx="2">
+        <a:scrgbClr r="0" g="0" b="0"/>
+      </a:lnRef>
+      <a:fillRef idx="0">
+        <a:scrgbClr r="0" g="0" b="0"/>
+      </a:fillRef>
+      <a:effectRef idx="0">
+        <a:scrgbClr r="0" g="0" b="0"/>
+      </a:effectRef>
+      <a:fontRef idx="minor"/>
+    </dgm:style>
+  </dgm:styleLbl>
+  <dgm:styleLbl name="parChTrans1D3">
+    <dgm:scene3d>
+      <a:camera prst="orthographicFront"/>
+      <a:lightRig rig="threePt" dir="t"/>
+    </dgm:scene3d>
+    <dgm:sp3d/>
+    <dgm:txPr/>
+    <dgm:style>
+      <a:lnRef idx="2">
+        <a:scrgbClr r="0" g="0" b="0"/>
+      </a:lnRef>
+      <a:fillRef idx="0">
+        <a:scrgbClr r="0" g="0" b="0"/>
+      </a:fillRef>
+      <a:effectRef idx="0">
+        <a:scrgbClr r="0" g="0" b="0"/>
+      </a:effectRef>
+      <a:fontRef idx="minor"/>
+    </dgm:style>
+  </dgm:styleLbl>
+  <dgm:styleLbl name="parChTrans1D4">
+    <dgm:scene3d>
+      <a:camera prst="orthographicFront"/>
+      <a:lightRig rig="threePt" dir="t"/>
+    </dgm:scene3d>
+    <dgm:sp3d/>
+    <dgm:txPr/>
+    <dgm:style>
+      <a:lnRef idx="2">
+        <a:scrgbClr r="0" g="0" b="0"/>
+      </a:lnRef>
+      <a:fillRef idx="0">
+        <a:scrgbClr r="0" g="0" b="0"/>
+      </a:fillRef>
+      <a:effectRef idx="0">
+        <a:scrgbClr r="0" g="0" b="0"/>
+      </a:effectRef>
+      <a:fontRef idx="minor"/>
+    </dgm:style>
+  </dgm:styleLbl>
+  <dgm:styleLbl name="fgAcc1">
+    <dgm:scene3d>
+      <a:camera prst="orthographicFront"/>
+      <a:lightRig rig="threePt" dir="t"/>
+    </dgm:scene3d>
+    <dgm:sp3d/>
+    <dgm:txPr/>
+    <dgm:style>
+      <a:lnRef idx="2">
+        <a:scrgbClr r="0" g="0" b="0"/>
+      </a:lnRef>
+      <a:fillRef idx="1">
+        <a:scrgbClr r="0" g="0" b="0"/>
+      </a:fillRef>
+      <a:effectRef idx="0">
+        <a:scrgbClr r="0" g="0" b="0"/>
+      </a:effectRef>
+      <a:fontRef idx="minor"/>
+    </dgm:style>
+  </dgm:styleLbl>
+  <dgm:styleLbl name="conFgAcc1">
+    <dgm:scene3d>
+      <a:camera prst="orthographicFront"/>
+      <a:lightRig rig="threePt" dir="t"/>
+    </dgm:scene3d>
+    <dgm:sp3d/>
+    <dgm:txPr/>
+    <dgm:style>
+      <a:lnRef idx="2">
+        <a:scrgbClr r="0" g="0" b="0"/>
+      </a:lnRef>
+      <a:fillRef idx="1">
+        <a:scrgbClr r="0" g="0" b="0"/>
+      </a:fillRef>
+      <a:effectRef idx="0">
+        <a:scrgbClr r="0" g="0" b="0"/>
+      </a:effectRef>
+      <a:fontRef idx="minor"/>
+    </dgm:style>
+  </dgm:styleLbl>
+  <dgm:styleLbl name="alignAcc1">
+    <dgm:scene3d>
+      <a:camera prst="orthographicFront"/>
+      <a:lightRig rig="threePt" dir="t"/>
+    </dgm:scene3d>
+    <dgm:sp3d/>
+    <dgm:txPr/>
+    <dgm:style>
+      <a:lnRef idx="2">
+        <a:scrgbClr r="0" g="0" b="0"/>
+      </a:lnRef>
+      <a:fillRef idx="1">
+        <a:scrgbClr r="0" g="0" b="0"/>
+      </a:fillRef>
+      <a:effectRef idx="0">
+        <a:scrgbClr r="0" g="0" b="0"/>
+      </a:effectRef>
+      <a:fontRef idx="minor"/>
+    </dgm:style>
+  </dgm:styleLbl>
+  <dgm:styleLbl name="trAlignAcc1">
+    <dgm:scene3d>
+      <a:camera prst="orthographicFront"/>
+      <a:lightRig rig="threePt" dir="t"/>
+    </dgm:scene3d>
+    <dgm:sp3d/>
+    <dgm:txPr/>
+    <dgm:style>
+      <a:lnRef idx="1">
+        <a:scrgbClr r="0" g="0" b="0"/>
+      </a:lnRef>
+      <a:fillRef idx="1">
+        <a:scrgbClr r="0" g="0" b="0"/>
+      </a:fillRef>
+      <a:effectRef idx="0">
+        <a:scrgbClr r="0" g="0" b="0"/>
+      </a:effectRef>
+      <a:fontRef idx="minor"/>
+    </dgm:style>
+  </dgm:styleLbl>
+  <dgm:styleLbl name="bgAcc1">
+    <dgm:scene3d>
+      <a:camera prst="orthographicFront"/>
+      <a:lightRig rig="threePt" dir="t"/>
+    </dgm:scene3d>
+    <dgm:sp3d/>
+    <dgm:txPr/>
+    <dgm:style>
+      <a:lnRef idx="2">
+        <a:scrgbClr r="0" g="0" b="0"/>
+      </a:lnRef>
+      <a:fillRef idx="1">
+        <a:scrgbClr r="0" g="0" b="0"/>
+      </a:fillRef>
+      <a:effectRef idx="0">
+        <a:scrgbClr r="0" g="0" b="0"/>
+      </a:effectRef>
+      <a:fontRef idx="minor"/>
+    </dgm:style>
+  </dgm:styleLbl>
+  <dgm:styleLbl name="solidFgAcc1">
+    <dgm:scene3d>
+      <a:camera prst="orthographicFront"/>
+      <a:lightRig rig="threePt" dir="t"/>
+    </dgm:scene3d>
+    <dgm:sp3d/>
+    <dgm:txPr/>
+    <dgm:style>
+      <a:lnRef idx="2">
+        <a:scrgbClr r="0" g="0" b="0"/>
+      </a:lnRef>
+      <a:fillRef idx="1">
+        <a:scrgbClr r="0" g="0" b="0"/>
+      </a:fillRef>
+      <a:effectRef idx="0">
+        <a:scrgbClr r="0" g="0" b="0"/>
+      </a:effectRef>
+      <a:fontRef idx="minor"/>
+    </dgm:style>
+  </dgm:styleLbl>
+  <dgm:styleLbl name="solidAlignAcc1">
+    <dgm:scene3d>
+      <a:camera prst="orthographicFront"/>
+      <a:lightRig rig="threePt" dir="t"/>
+    </dgm:scene3d>
+    <dgm:sp3d/>
+    <dgm:txPr/>
+    <dgm:style>
+      <a:lnRef idx="2">
+        <a:scrgbClr r="0" g="0" b="0"/>
+      </a:lnRef>
+      <a:fillRef idx="1">
+        <a:scrgbClr r="0" g="0" b="0"/>
+      </a:fillRef>
+      <a:effectRef idx="0">
+        <a:scrgbClr r="0" g="0" b="0"/>
+      </a:effectRef>
+      <a:fontRef idx="minor"/>
+    </dgm:style>
+  </dgm:styleLbl>
+  <dgm:styleLbl name="solidBgAcc1">
+    <dgm:scene3d>
+      <a:camera prst="orthographicFront"/>
+      <a:lightRig rig="threePt" dir="t"/>
+    </dgm:scene3d>
+    <dgm:sp3d/>
+    <dgm:txPr/>
+    <dgm:style>
+      <a:lnRef idx="2">
+        <a:scrgbClr r="0" g="0" b="0"/>
+      </a:lnRef>
+      <a:fillRef idx="1">
+        <a:scrgbClr r="0" g="0" b="0"/>
+      </a:fillRef>
+      <a:effectRef idx="0">
+        <a:scrgbClr r="0" g="0" b="0"/>
+      </a:effectRef>
+      <a:fontRef idx="minor"/>
+    </dgm:style>
+  </dgm:styleLbl>
+  <dgm:styleLbl name="fgAccFollowNode1">
+    <dgm:scene3d>
+      <a:camera prst="orthographicFront"/>
+      <a:lightRig rig="threePt" dir="t"/>
+    </dgm:scene3d>
+    <dgm:sp3d/>
+    <dgm:txPr/>
+    <dgm:style>
+      <a:lnRef idx="2">
+        <a:scrgbClr r="0" g="0" b="0"/>
+      </a:lnRef>
+      <a:fillRef idx="1">
+        <a:scrgbClr r="0" g="0" b="0"/>
+      </a:fillRef>
+      <a:effectRef idx="0">
+        <a:scrgbClr r="0" g="0" b="0"/>
+      </a:effectRef>
+      <a:fontRef idx="minor"/>
+    </dgm:style>
+  </dgm:styleLbl>
+  <dgm:styleLbl name="alignAccFollowNode1">
+    <dgm:scene3d>
+      <a:camera prst="orthographicFront"/>
+      <a:lightRig rig="threePt" dir="t"/>
+    </dgm:scene3d>
+    <dgm:sp3d/>
+    <dgm:txPr/>
+    <dgm:style>
+      <a:lnRef idx="2">
+        <a:scrgbClr r="0" g="0" b="0"/>
+      </a:lnRef>
+      <a:fillRef idx="1">
+        <a:scrgbClr r="0" g="0" b="0"/>
+      </a:fillRef>
+      <a:effectRef idx="0">
+        <a:scrgbClr r="0" g="0" b="0"/>
+      </a:effectRef>
+      <a:fontRef idx="minor"/>
+    </dgm:style>
+  </dgm:styleLbl>
+  <dgm:styleLbl name="bgAccFollowNode1">
+    <dgm:scene3d>
+      <a:camera prst="orthographicFront"/>
+      <a:lightRig rig="threePt" dir="t"/>
+    </dgm:scene3d>
+    <dgm:sp3d/>
+    <dgm:txPr/>
+    <dgm:style>
+      <a:lnRef idx="2">
+        <a:scrgbClr r="0" g="0" b="0"/>
+      </a:lnRef>
+      <a:fillRef idx="1">
+        <a:scrgbClr r="0" g="0" b="0"/>
+      </a:fillRef>
+      <a:effectRef idx="0">
+        <a:scrgbClr r="0" g="0" b="0"/>
+      </a:effectRef>
+      <a:fontRef idx="minor"/>
+    </dgm:style>
+  </dgm:styleLbl>
+  <dgm:styleLbl name="fgAcc0">
+    <dgm:scene3d>
+      <a:camera prst="orthographicFront"/>
+      <a:lightRig rig="threePt" dir="t"/>
+    </dgm:scene3d>
+    <dgm:sp3d/>
+    <dgm:txPr/>
+    <dgm:style>
+      <a:lnRef idx="2">
+        <a:scrgbClr r="0" g="0" b="0"/>
+      </a:lnRef>
+      <a:fillRef idx="1">
+        <a:scrgbClr r="0" g="0" b="0"/>
+      </a:fillRef>
+      <a:effectRef idx="0">
+        <a:scrgbClr r="0" g="0" b="0"/>
+      </a:effectRef>
+      <a:fontRef idx="minor"/>
+    </dgm:style>
+  </dgm:styleLbl>
+  <dgm:styleLbl name="fgAcc2">
+    <dgm:scene3d>
+      <a:camera prst="orthographicFront"/>
+      <a:lightRig rig="threePt" dir="t"/>
+    </dgm:scene3d>
+    <dgm:sp3d/>
+    <dgm:txPr/>
+    <dgm:style>
+      <a:lnRef idx="2">
+        <a:scrgbClr r="0" g="0" b="0"/>
+      </a:lnRef>
+      <a:fillRef idx="1">
+        <a:scrgbClr r="0" g="0" b="0"/>
+      </a:fillRef>
+      <a:effectRef idx="0">
+        <a:scrgbClr r="0" g="0" b="0"/>
+      </a:effectRef>
+      <a:fontRef idx="minor"/>
+    </dgm:style>
+  </dgm:styleLbl>
+  <dgm:styleLbl name="fgAcc3">
+    <dgm:scene3d>
+      <a:camera prst="orthographicFront"/>
+      <a:lightRig rig="threePt" dir="t"/>
+    </dgm:scene3d>
+    <dgm:sp3d/>
+    <dgm:txPr/>
+    <dgm:style>
+      <a:lnRef idx="2">
+        <a:scrgbClr r="0" g="0" b="0"/>
+      </a:lnRef>
+      <a:fillRef idx="1">
+        <a:scrgbClr r="0" g="0" b="0"/>
+      </a:fillRef>
+      <a:effectRef idx="0">
+        <a:scrgbClr r="0" g="0" b="0"/>
+      </a:effectRef>
+      <a:fontRef idx="minor"/>
+    </dgm:style>
+  </dgm:styleLbl>
+  <dgm:styleLbl name="fgAcc4">
+    <dgm:scene3d>
+      <a:camera prst="orthographicFront"/>
+      <a:lightRig rig="threePt" dir="t"/>
+    </dgm:scene3d>
+    <dgm:sp3d/>
+    <dgm:txPr/>
+    <dgm:style>
+      <a:lnRef idx="2">
+        <a:scrgbClr r="0" g="0" b="0"/>
+      </a:lnRef>
+      <a:fillRef idx="1">
+        <a:scrgbClr r="0" g="0" b="0"/>
+      </a:fillRef>
+      <a:effectRef idx="0">
+        <a:scrgbClr r="0" g="0" b="0"/>
+      </a:effectRef>
+      <a:fontRef idx="minor"/>
+    </dgm:style>
+  </dgm:styleLbl>
+  <dgm:styleLbl name="bgShp">
+    <dgm:scene3d>
+      <a:camera prst="orthographicFront"/>
+      <a:lightRig rig="threePt" dir="t"/>
+    </dgm:scene3d>
+    <dgm:sp3d/>
+    <dgm:txPr/>
+    <dgm:style>
+      <a:lnRef idx="0">
+        <a:scrgbClr r="0" g="0" b="0"/>
+      </a:lnRef>
+      <a:fillRef idx="1">
+        <a:scrgbClr r="0" g="0" b="0"/>
+      </a:fillRef>
+      <a:effectRef idx="0">
+        <a:scrgbClr r="0" g="0" b="0"/>
+      </a:effectRef>
+      <a:fontRef idx="minor"/>
+    </dgm:style>
+  </dgm:styleLbl>
+  <dgm:styleLbl name="dkBgShp">
+    <dgm:scene3d>
+      <a:camera prst="orthographicFront"/>
+      <a:lightRig rig="threePt" dir="t"/>
+    </dgm:scene3d>
+    <dgm:sp3d/>
+    <dgm:txPr/>
+    <dgm:style>
+      <a:lnRef idx="0">
+        <a:scrgbClr r="0" g="0" b="0"/>
+      </a:lnRef>
+      <a:fillRef idx="1">
+        <a:scrgbClr r="0" g="0" b="0"/>
+      </a:fillRef>
+      <a:effectRef idx="0">
+        <a:scrgbClr r="0" g="0" b="0"/>
+      </a:effectRef>
+      <a:fontRef idx="minor"/>
+    </dgm:style>
+  </dgm:styleLbl>
+  <dgm:styleLbl name="trBgShp">
+    <dgm:scene3d>
+      <a:camera prst="orthographicFront"/>
+      <a:lightRig rig="threePt" dir="t"/>
+    </dgm:scene3d>
+    <dgm:sp3d/>
+    <dgm:txPr/>
+    <dgm:style>
+      <a:lnRef idx="0">
+        <a:scrgbClr r="0" g="0" b="0"/>
+      </a:lnRef>
+      <a:fillRef idx="1">
+        <a:scrgbClr r="0" g="0" b="0"/>
+      </a:fillRef>
+      <a:effectRef idx="0">
+        <a:scrgbClr r="0" g="0" b="0"/>
+      </a:effectRef>
+      <a:fontRef idx="minor"/>
+    </dgm:style>
+  </dgm:styleLbl>
+  <dgm:styleLbl name="fgShp">
+    <dgm:scene3d>
+      <a:camera prst="orthographicFront"/>
+      <a:lightRig rig="threePt" dir="t"/>
+    </dgm:scene3d>
+    <dgm:sp3d/>
+    <dgm:txPr/>
+    <dgm:style>
+      <a:lnRef idx="2">
+        <a:scrgbClr r="0" g="0" b="0"/>
+      </a:lnRef>
+      <a:fillRef idx="1">
+        <a:scrgbClr r="0" g="0" b="0"/>
+      </a:fillRef>
+      <a:effectRef idx="0">
+        <a:scrgbClr r="0" g="0" b="0"/>
+      </a:effectRef>
+      <a:fontRef idx="minor"/>
+    </dgm:style>
+  </dgm:styleLbl>
+  <dgm:styleLbl name="revTx">
+    <dgm:scene3d>
+      <a:camera prst="orthographicFront"/>
+      <a:lightRig rig="threePt" dir="t"/>
+    </dgm:scene3d>
+    <dgm:sp3d/>
+    <dgm:txPr/>
+    <dgm:style>
+      <a:lnRef idx="0">
+        <a:scrgbClr r="0" g="0" b="0"/>
+      </a:lnRef>
+      <a:fillRef idx="0">
+        <a:scrgbClr r="0" g="0" b="0"/>
+      </a:fillRef>
+      <a:effectRef idx="0">
+        <a:scrgbClr r="0" g="0" b="0"/>
+      </a:effectRef>
+      <a:fontRef idx="minor"/>
+    </dgm:style>
+  </dgm:styleLbl>
+</dgm:styleDef>
+</file>
+
+<file path=ppt/diagrams/quickStyle6.xml><?xml version="1.0" encoding="utf-8"?>
 <dgm:styleDef xmlns:dgm="http://schemas.openxmlformats.org/drawingml/2006/diagram" xmlns:a="http://schemas.openxmlformats.org/drawingml/2006/main" uniqueId="urn:microsoft.com/office/officeart/2005/8/quickstyle/simple1">
   <dgm:title val=""/>
   <dgm:desc val=""/>
@@ -17095,7 +25416,7 @@
           <a:p>
             <a:fld id="{FC2CAC82-AB94-49C4-8E1A-742407D08EF9}" type="datetimeFigureOut">
               <a:rPr lang="en-US" smtClean="0"/>
-              <a:t>6/27/2017</a:t>
+              <a:t>6/29/2017</a:t>
             </a:fld>
             <a:endParaRPr lang="en-US"/>
           </a:p>
@@ -17265,7 +25586,7 @@
           <a:p>
             <a:fld id="{FC2CAC82-AB94-49C4-8E1A-742407D08EF9}" type="datetimeFigureOut">
               <a:rPr lang="en-US" smtClean="0"/>
-              <a:t>6/27/2017</a:t>
+              <a:t>6/29/2017</a:t>
             </a:fld>
             <a:endParaRPr lang="en-US"/>
           </a:p>
@@ -17445,7 +25766,7 @@
           <a:p>
             <a:fld id="{FC2CAC82-AB94-49C4-8E1A-742407D08EF9}" type="datetimeFigureOut">
               <a:rPr lang="en-US" smtClean="0"/>
-              <a:t>6/27/2017</a:t>
+              <a:t>6/29/2017</a:t>
             </a:fld>
             <a:endParaRPr lang="en-US"/>
           </a:p>
@@ -17615,7 +25936,7 @@
           <a:p>
             <a:fld id="{FC2CAC82-AB94-49C4-8E1A-742407D08EF9}" type="datetimeFigureOut">
               <a:rPr lang="en-US" smtClean="0"/>
-              <a:t>6/27/2017</a:t>
+              <a:t>6/29/2017</a:t>
             </a:fld>
             <a:endParaRPr lang="en-US"/>
           </a:p>
@@ -17861,7 +26182,7 @@
           <a:p>
             <a:fld id="{FC2CAC82-AB94-49C4-8E1A-742407D08EF9}" type="datetimeFigureOut">
               <a:rPr lang="en-US" smtClean="0"/>
-              <a:t>6/27/2017</a:t>
+              <a:t>6/29/2017</a:t>
             </a:fld>
             <a:endParaRPr lang="en-US"/>
           </a:p>
@@ -18093,7 +26414,7 @@
           <a:p>
             <a:fld id="{FC2CAC82-AB94-49C4-8E1A-742407D08EF9}" type="datetimeFigureOut">
               <a:rPr lang="en-US" smtClean="0"/>
-              <a:t>6/27/2017</a:t>
+              <a:t>6/29/2017</a:t>
             </a:fld>
             <a:endParaRPr lang="en-US"/>
           </a:p>
@@ -18460,7 +26781,7 @@
           <a:p>
             <a:fld id="{FC2CAC82-AB94-49C4-8E1A-742407D08EF9}" type="datetimeFigureOut">
               <a:rPr lang="en-US" smtClean="0"/>
-              <a:t>6/27/2017</a:t>
+              <a:t>6/29/2017</a:t>
             </a:fld>
             <a:endParaRPr lang="en-US"/>
           </a:p>
@@ -18578,7 +26899,7 @@
           <a:p>
             <a:fld id="{FC2CAC82-AB94-49C4-8E1A-742407D08EF9}" type="datetimeFigureOut">
               <a:rPr lang="en-US" smtClean="0"/>
-              <a:t>6/27/2017</a:t>
+              <a:t>6/29/2017</a:t>
             </a:fld>
             <a:endParaRPr lang="en-US"/>
           </a:p>
@@ -18673,7 +26994,7 @@
           <a:p>
             <a:fld id="{FC2CAC82-AB94-49C4-8E1A-742407D08EF9}" type="datetimeFigureOut">
               <a:rPr lang="en-US" smtClean="0"/>
-              <a:t>6/27/2017</a:t>
+              <a:t>6/29/2017</a:t>
             </a:fld>
             <a:endParaRPr lang="en-US"/>
           </a:p>
@@ -18950,7 +27271,7 @@
           <a:p>
             <a:fld id="{FC2CAC82-AB94-49C4-8E1A-742407D08EF9}" type="datetimeFigureOut">
               <a:rPr lang="en-US" smtClean="0"/>
-              <a:t>6/27/2017</a:t>
+              <a:t>6/29/2017</a:t>
             </a:fld>
             <a:endParaRPr lang="en-US"/>
           </a:p>
@@ -19203,7 +27524,7 @@
           <a:p>
             <a:fld id="{FC2CAC82-AB94-49C4-8E1A-742407D08EF9}" type="datetimeFigureOut">
               <a:rPr lang="en-US" smtClean="0"/>
-              <a:t>6/27/2017</a:t>
+              <a:t>6/29/2017</a:t>
             </a:fld>
             <a:endParaRPr lang="en-US"/>
           </a:p>
@@ -19416,7 +27737,7 @@
           <a:p>
             <a:fld id="{FC2CAC82-AB94-49C4-8E1A-742407D08EF9}" type="datetimeFigureOut">
               <a:rPr lang="en-US" smtClean="0"/>
-              <a:t>6/27/2017</a:t>
+              <a:t>6/29/2017</a:t>
             </a:fld>
             <a:endParaRPr lang="en-US"/>
           </a:p>
@@ -20389,6 +28710,495 @@
 </p:sld>
 </file>
 
+<file path=ppt/slides/slide2.xml><?xml version="1.0" encoding="utf-8"?>
+<p:sld xmlns:a="http://schemas.openxmlformats.org/drawingml/2006/main" xmlns:r="http://schemas.openxmlformats.org/officeDocument/2006/relationships" xmlns:p="http://schemas.openxmlformats.org/presentationml/2006/main">
+  <p:cSld>
+    <p:spTree>
+      <p:nvGrpSpPr>
+        <p:cNvPr id="1" name=""/>
+        <p:cNvGrpSpPr/>
+        <p:nvPr/>
+      </p:nvGrpSpPr>
+      <p:grpSpPr>
+        <a:xfrm>
+          <a:off x="0" y="0"/>
+          <a:ext cx="0" cy="0"/>
+          <a:chOff x="0" y="0"/>
+          <a:chExt cx="0" cy="0"/>
+        </a:xfrm>
+      </p:grpSpPr>
+      <p:sp>
+        <p:nvSpPr>
+          <p:cNvPr id="18" name="Oval 17"/>
+          <p:cNvSpPr/>
+          <p:nvPr/>
+        </p:nvSpPr>
+        <p:spPr>
+          <a:xfrm>
+            <a:off x="3259432" y="1437034"/>
+            <a:ext cx="4489103" cy="4230115"/>
+          </a:xfrm>
+          <a:prstGeom prst="ellipse">
+            <a:avLst/>
+          </a:prstGeom>
+        </p:spPr>
+        <p:style>
+          <a:lnRef idx="1">
+            <a:schemeClr val="accent4"/>
+          </a:lnRef>
+          <a:fillRef idx="2">
+            <a:schemeClr val="accent4"/>
+          </a:fillRef>
+          <a:effectRef idx="1">
+            <a:schemeClr val="accent4"/>
+          </a:effectRef>
+          <a:fontRef idx="minor">
+            <a:schemeClr val="dk1"/>
+          </a:fontRef>
+        </p:style>
+        <p:txBody>
+          <a:bodyPr rtlCol="0" anchor="t"/>
+          <a:lstStyle/>
+          <a:p>
+            <a:pPr algn="ctr"/>
+            <a:r>
+              <a:rPr lang="en-US" dirty="0" smtClean="0"/>
+              <a:t>Business Rules</a:t>
+            </a:r>
+            <a:endParaRPr lang="en-US" dirty="0"/>
+          </a:p>
+        </p:txBody>
+      </p:sp>
+      <p:sp>
+        <p:nvSpPr>
+          <p:cNvPr id="4" name="Oval 3"/>
+          <p:cNvSpPr/>
+          <p:nvPr/>
+        </p:nvSpPr>
+        <p:spPr>
+          <a:xfrm>
+            <a:off x="3675184" y="1828800"/>
+            <a:ext cx="3657600" cy="3446584"/>
+          </a:xfrm>
+          <a:prstGeom prst="ellipse">
+            <a:avLst/>
+          </a:prstGeom>
+        </p:spPr>
+        <p:style>
+          <a:lnRef idx="1">
+            <a:schemeClr val="accent1"/>
+          </a:lnRef>
+          <a:fillRef idx="2">
+            <a:schemeClr val="accent1"/>
+          </a:fillRef>
+          <a:effectRef idx="1">
+            <a:schemeClr val="accent1"/>
+          </a:effectRef>
+          <a:fontRef idx="minor">
+            <a:schemeClr val="dk1"/>
+          </a:fontRef>
+        </p:style>
+        <p:txBody>
+          <a:bodyPr rtlCol="0" anchor="t"/>
+          <a:lstStyle/>
+          <a:p>
+            <a:pPr algn="ctr"/>
+            <a:r>
+              <a:rPr lang="en-US" dirty="0" smtClean="0"/>
+              <a:t>Business Rules</a:t>
+            </a:r>
+            <a:endParaRPr lang="en-US" dirty="0"/>
+          </a:p>
+        </p:txBody>
+      </p:sp>
+      <p:graphicFrame>
+        <p:nvGraphicFramePr>
+          <p:cNvPr id="5" name="Diagram 4"/>
+          <p:cNvGraphicFramePr/>
+          <p:nvPr>
+            <p:extLst>
+              <p:ext uri="{D42A27DB-BD31-4B8C-83A1-F6EECF244321}">
+                <p14:modId xmlns:p14="http://schemas.microsoft.com/office/powerpoint/2010/main" val="3492283170"/>
+              </p:ext>
+            </p:extLst>
+          </p:nvPr>
+        </p:nvGraphicFramePr>
+        <p:xfrm>
+          <a:off x="4529016" y="2548467"/>
+          <a:ext cx="1124438" cy="1003625"/>
+        </p:xfrm>
+        <a:graphic>
+          <a:graphicData uri="http://schemas.openxmlformats.org/drawingml/2006/diagram">
+            <dgm:relIds xmlns:dgm="http://schemas.openxmlformats.org/drawingml/2006/diagram" xmlns:r="http://schemas.openxmlformats.org/officeDocument/2006/relationships" r:dm="rId2" r:lo="rId3" r:qs="rId4" r:cs="rId5"/>
+          </a:graphicData>
+        </a:graphic>
+      </p:graphicFrame>
+      <p:graphicFrame>
+        <p:nvGraphicFramePr>
+          <p:cNvPr id="6" name="Diagram 5"/>
+          <p:cNvGraphicFramePr/>
+          <p:nvPr>
+            <p:extLst>
+              <p:ext uri="{D42A27DB-BD31-4B8C-83A1-F6EECF244321}">
+                <p14:modId xmlns:p14="http://schemas.microsoft.com/office/powerpoint/2010/main" val="3191266498"/>
+              </p:ext>
+            </p:extLst>
+          </p:nvPr>
+        </p:nvGraphicFramePr>
+        <p:xfrm>
+          <a:off x="5368681" y="3552092"/>
+          <a:ext cx="1124438" cy="1003625"/>
+        </p:xfrm>
+        <a:graphic>
+          <a:graphicData uri="http://schemas.openxmlformats.org/drawingml/2006/diagram">
+            <dgm:relIds xmlns:dgm="http://schemas.openxmlformats.org/drawingml/2006/diagram" xmlns:r="http://schemas.openxmlformats.org/officeDocument/2006/relationships" r:dm="rId7" r:lo="rId8" r:qs="rId9" r:cs="rId10"/>
+          </a:graphicData>
+        </a:graphic>
+      </p:graphicFrame>
+      <p:sp>
+        <p:nvSpPr>
+          <p:cNvPr id="2" name="Rectangle 1"/>
+          <p:cNvSpPr/>
+          <p:nvPr/>
+        </p:nvSpPr>
+        <p:spPr>
+          <a:xfrm>
+            <a:off x="5927272" y="2752643"/>
+            <a:ext cx="432706" cy="400050"/>
+          </a:xfrm>
+          <a:prstGeom prst="rect">
+            <a:avLst/>
+          </a:prstGeom>
+        </p:spPr>
+        <p:style>
+          <a:lnRef idx="3">
+            <a:schemeClr val="lt1"/>
+          </a:lnRef>
+          <a:fillRef idx="1">
+            <a:schemeClr val="accent6"/>
+          </a:fillRef>
+          <a:effectRef idx="1">
+            <a:schemeClr val="accent6"/>
+          </a:effectRef>
+          <a:fontRef idx="minor">
+            <a:schemeClr val="lt1"/>
+          </a:fontRef>
+        </p:style>
+        <p:txBody>
+          <a:bodyPr rtlCol="0" anchor="ctr"/>
+          <a:lstStyle/>
+          <a:p>
+            <a:pPr algn="ctr"/>
+            <a:r>
+              <a:rPr lang="en-US" dirty="0" smtClean="0"/>
+              <a:t>T</a:t>
+            </a:r>
+            <a:endParaRPr lang="en-US" dirty="0"/>
+          </a:p>
+        </p:txBody>
+      </p:sp>
+      <p:sp>
+        <p:nvSpPr>
+          <p:cNvPr id="11" name="Rectangle 10"/>
+          <p:cNvSpPr/>
+          <p:nvPr/>
+        </p:nvSpPr>
+        <p:spPr>
+          <a:xfrm>
+            <a:off x="4152900" y="3680650"/>
+            <a:ext cx="432706" cy="400050"/>
+          </a:xfrm>
+          <a:prstGeom prst="rect">
+            <a:avLst/>
+          </a:prstGeom>
+        </p:spPr>
+        <p:style>
+          <a:lnRef idx="3">
+            <a:schemeClr val="lt1"/>
+          </a:lnRef>
+          <a:fillRef idx="1">
+            <a:schemeClr val="accent6"/>
+          </a:fillRef>
+          <a:effectRef idx="1">
+            <a:schemeClr val="accent6"/>
+          </a:effectRef>
+          <a:fontRef idx="minor">
+            <a:schemeClr val="lt1"/>
+          </a:fontRef>
+        </p:style>
+        <p:txBody>
+          <a:bodyPr rtlCol="0" anchor="ctr"/>
+          <a:lstStyle/>
+          <a:p>
+            <a:pPr algn="ctr"/>
+            <a:r>
+              <a:rPr lang="en-US" dirty="0" smtClean="0"/>
+              <a:t>T</a:t>
+            </a:r>
+            <a:endParaRPr lang="en-US" dirty="0"/>
+          </a:p>
+        </p:txBody>
+      </p:sp>
+      <p:sp>
+        <p:nvSpPr>
+          <p:cNvPr id="12" name="Rectangle 11"/>
+          <p:cNvSpPr/>
+          <p:nvPr/>
+        </p:nvSpPr>
+        <p:spPr>
+          <a:xfrm>
+            <a:off x="4740730" y="4339654"/>
+            <a:ext cx="432706" cy="400050"/>
+          </a:xfrm>
+          <a:prstGeom prst="rect">
+            <a:avLst/>
+          </a:prstGeom>
+        </p:spPr>
+        <p:style>
+          <a:lnRef idx="3">
+            <a:schemeClr val="lt1"/>
+          </a:lnRef>
+          <a:fillRef idx="1">
+            <a:schemeClr val="accent6"/>
+          </a:fillRef>
+          <a:effectRef idx="1">
+            <a:schemeClr val="accent6"/>
+          </a:effectRef>
+          <a:fontRef idx="minor">
+            <a:schemeClr val="lt1"/>
+          </a:fontRef>
+        </p:style>
+        <p:txBody>
+          <a:bodyPr rtlCol="0" anchor="ctr"/>
+          <a:lstStyle/>
+          <a:p>
+            <a:pPr algn="ctr"/>
+            <a:r>
+              <a:rPr lang="en-US" dirty="0" smtClean="0"/>
+              <a:t>T</a:t>
+            </a:r>
+            <a:endParaRPr lang="en-US" dirty="0"/>
+          </a:p>
+        </p:txBody>
+      </p:sp>
+      <p:sp>
+        <p:nvSpPr>
+          <p:cNvPr id="13" name="Rectangle 12"/>
+          <p:cNvSpPr/>
+          <p:nvPr/>
+        </p:nvSpPr>
+        <p:spPr>
+          <a:xfrm>
+            <a:off x="6471556" y="3359648"/>
+            <a:ext cx="432706" cy="400050"/>
+          </a:xfrm>
+          <a:prstGeom prst="rect">
+            <a:avLst/>
+          </a:prstGeom>
+        </p:spPr>
+        <p:style>
+          <a:lnRef idx="3">
+            <a:schemeClr val="lt1"/>
+          </a:lnRef>
+          <a:fillRef idx="1">
+            <a:schemeClr val="accent5"/>
+          </a:fillRef>
+          <a:effectRef idx="1">
+            <a:schemeClr val="accent5"/>
+          </a:effectRef>
+          <a:fontRef idx="minor">
+            <a:schemeClr val="lt1"/>
+          </a:fontRef>
+        </p:style>
+        <p:txBody>
+          <a:bodyPr rtlCol="0" anchor="ctr"/>
+          <a:lstStyle/>
+          <a:p>
+            <a:pPr algn="ctr"/>
+            <a:r>
+              <a:rPr lang="en-US" dirty="0"/>
+              <a:t>M</a:t>
+            </a:r>
+          </a:p>
+        </p:txBody>
+      </p:sp>
+      <p:sp>
+        <p:nvSpPr>
+          <p:cNvPr id="3" name="TextBox 2"/>
+          <p:cNvSpPr txBox="1"/>
+          <p:nvPr/>
+        </p:nvSpPr>
+        <p:spPr>
+          <a:xfrm>
+            <a:off x="4724973" y="1490364"/>
+            <a:ext cx="1558020" cy="338554"/>
+          </a:xfrm>
+          <a:prstGeom prst="rect">
+            <a:avLst/>
+          </a:prstGeom>
+          <a:noFill/>
+        </p:spPr>
+        <p:txBody>
+          <a:bodyPr wrap="square" rtlCol="0">
+            <a:spAutoFit/>
+          </a:bodyPr>
+          <a:lstStyle/>
+          <a:p>
+            <a:pPr algn="ctr"/>
+            <a:r>
+              <a:rPr lang="en-US" sz="1600" dirty="0" smtClean="0"/>
+              <a:t>Service Layer</a:t>
+            </a:r>
+            <a:endParaRPr lang="en-US" sz="1600" dirty="0"/>
+          </a:p>
+        </p:txBody>
+      </p:sp>
+      <p:sp>
+        <p:nvSpPr>
+          <p:cNvPr id="19" name="Rectangle 18"/>
+          <p:cNvSpPr/>
+          <p:nvPr/>
+        </p:nvSpPr>
+        <p:spPr>
+          <a:xfrm rot="19800000">
+            <a:off x="3075109" y="1003276"/>
+            <a:ext cx="1200150" cy="563216"/>
+          </a:xfrm>
+          <a:prstGeom prst="rect">
+            <a:avLst/>
+          </a:prstGeom>
+        </p:spPr>
+        <p:style>
+          <a:lnRef idx="1">
+            <a:schemeClr val="accent6"/>
+          </a:lnRef>
+          <a:fillRef idx="2">
+            <a:schemeClr val="accent6"/>
+          </a:fillRef>
+          <a:effectRef idx="1">
+            <a:schemeClr val="accent6"/>
+          </a:effectRef>
+          <a:fontRef idx="minor">
+            <a:schemeClr val="dk1"/>
+          </a:fontRef>
+        </p:style>
+        <p:txBody>
+          <a:bodyPr rtlCol="0" anchor="ctr"/>
+          <a:lstStyle/>
+          <a:p>
+            <a:pPr algn="ctr"/>
+            <a:r>
+              <a:rPr lang="en-US" sz="1400" dirty="0" smtClean="0"/>
+              <a:t>Data Loaders</a:t>
+            </a:r>
+            <a:endParaRPr lang="en-US" sz="1400" dirty="0"/>
+          </a:p>
+        </p:txBody>
+      </p:sp>
+      <p:sp>
+        <p:nvSpPr>
+          <p:cNvPr id="20" name="Rectangle 19"/>
+          <p:cNvSpPr/>
+          <p:nvPr/>
+        </p:nvSpPr>
+        <p:spPr>
+          <a:xfrm>
+            <a:off x="4903908" y="604397"/>
+            <a:ext cx="1200150" cy="563216"/>
+          </a:xfrm>
+          <a:prstGeom prst="rect">
+            <a:avLst/>
+          </a:prstGeom>
+        </p:spPr>
+        <p:style>
+          <a:lnRef idx="1">
+            <a:schemeClr val="accent6"/>
+          </a:lnRef>
+          <a:fillRef idx="2">
+            <a:schemeClr val="accent6"/>
+          </a:fillRef>
+          <a:effectRef idx="1">
+            <a:schemeClr val="accent6"/>
+          </a:effectRef>
+          <a:fontRef idx="minor">
+            <a:schemeClr val="dk1"/>
+          </a:fontRef>
+        </p:style>
+        <p:txBody>
+          <a:bodyPr rtlCol="0" anchor="ctr"/>
+          <a:lstStyle/>
+          <a:p>
+            <a:pPr algn="ctr"/>
+            <a:r>
+              <a:rPr lang="en-US" sz="1400" dirty="0" smtClean="0"/>
+              <a:t>User Interfaces</a:t>
+            </a:r>
+            <a:endParaRPr lang="en-US" sz="1400" dirty="0"/>
+          </a:p>
+        </p:txBody>
+      </p:sp>
+      <p:sp>
+        <p:nvSpPr>
+          <p:cNvPr id="21" name="Rectangle 20"/>
+          <p:cNvSpPr/>
+          <p:nvPr/>
+        </p:nvSpPr>
+        <p:spPr>
+          <a:xfrm rot="1800000">
+            <a:off x="6687909" y="1003513"/>
+            <a:ext cx="1200150" cy="563216"/>
+          </a:xfrm>
+          <a:prstGeom prst="rect">
+            <a:avLst/>
+          </a:prstGeom>
+        </p:spPr>
+        <p:style>
+          <a:lnRef idx="1">
+            <a:schemeClr val="accent6"/>
+          </a:lnRef>
+          <a:fillRef idx="2">
+            <a:schemeClr val="accent6"/>
+          </a:fillRef>
+          <a:effectRef idx="1">
+            <a:schemeClr val="accent6"/>
+          </a:effectRef>
+          <a:fontRef idx="minor">
+            <a:schemeClr val="dk1"/>
+          </a:fontRef>
+        </p:style>
+        <p:txBody>
+          <a:bodyPr rtlCol="0" anchor="ctr"/>
+          <a:lstStyle/>
+          <a:p>
+            <a:pPr algn="ctr"/>
+            <a:r>
+              <a:rPr lang="en-US" sz="1400" dirty="0" smtClean="0"/>
+              <a:t>Integration Gateways</a:t>
+            </a:r>
+            <a:endParaRPr lang="en-US" sz="1400" dirty="0"/>
+          </a:p>
+        </p:txBody>
+      </p:sp>
+    </p:spTree>
+    <p:extLst>
+      <p:ext uri="{BB962C8B-B14F-4D97-AF65-F5344CB8AC3E}">
+        <p14:creationId xmlns:p14="http://schemas.microsoft.com/office/powerpoint/2010/main" val="503302595"/>
+      </p:ext>
+    </p:extLst>
+  </p:cSld>
+  <p:clrMapOvr>
+    <a:masterClrMapping/>
+  </p:clrMapOvr>
+  <p:timing>
+    <p:tnLst>
+      <p:par>
+        <p:cTn id="1" dur="indefinite" restart="never" nodeType="tmRoot"/>
+      </p:par>
+    </p:tnLst>
+  </p:timing>
+</p:sld>
+</file>
+
 <file path=ppt/theme/theme1.xml><?xml version="1.0" encoding="utf-8"?>
 <a:theme xmlns:a="http://schemas.openxmlformats.org/drawingml/2006/main" name="Office Theme">
   <a:themeElements>
@@ -20644,7 +29454,7 @@
   <a:extraClrSchemeLst/>
   <a:extLst>
     <a:ext uri="{05A4C25C-085E-4340-85A3-A5531E510DB2}">
-      <thm15:themeFamily xmlns:thm15="http://schemas.microsoft.com/office/thememl/2012/main" xmlns="" name="Office Theme" id="{62F939B6-93AF-4DB8-9C6B-D6C7DFDC589F}" vid="{4A3C46E8-61CC-4603-A589-7422A47A8E4A}"/>
+      <thm15:themeFamily xmlns="" xmlns:thm15="http://schemas.microsoft.com/office/thememl/2012/main" name="Office Theme" id="{62F939B6-93AF-4DB8-9C6B-D6C7DFDC589F}" vid="{4A3C46E8-61CC-4603-A589-7422A47A8E4A}"/>
     </a:ext>
   </a:extLst>
 </a:theme>
